--- a/ReadMe.pptx
+++ b/ReadMe.pptx
@@ -5,15 +5,23 @@
     <p:sldMasterId id="2147483648" r:id="rId1"/>
   </p:sldMasterIdLst>
   <p:sldIdLst>
-    <p:sldId id="256" r:id="rId2"/>
-    <p:sldId id="257" r:id="rId3"/>
-    <p:sldId id="258" r:id="rId4"/>
-    <p:sldId id="259" r:id="rId5"/>
-    <p:sldId id="260" r:id="rId6"/>
-    <p:sldId id="261" r:id="rId7"/>
-    <p:sldId id="262" r:id="rId8"/>
-    <p:sldId id="264" r:id="rId9"/>
-    <p:sldId id="263" r:id="rId10"/>
+    <p:sldId id="265" r:id="rId2"/>
+    <p:sldId id="271" r:id="rId3"/>
+    <p:sldId id="272" r:id="rId4"/>
+    <p:sldId id="266" r:id="rId5"/>
+    <p:sldId id="268" r:id="rId6"/>
+    <p:sldId id="267" r:id="rId7"/>
+    <p:sldId id="269" r:id="rId8"/>
+    <p:sldId id="270" r:id="rId9"/>
+    <p:sldId id="256" r:id="rId10"/>
+    <p:sldId id="257" r:id="rId11"/>
+    <p:sldId id="258" r:id="rId12"/>
+    <p:sldId id="259" r:id="rId13"/>
+    <p:sldId id="260" r:id="rId14"/>
+    <p:sldId id="261" r:id="rId15"/>
+    <p:sldId id="262" r:id="rId16"/>
+    <p:sldId id="264" r:id="rId17"/>
+    <p:sldId id="263" r:id="rId18"/>
   </p:sldIdLst>
   <p:sldSz cx="9144000" cy="6858000" type="screen4x3"/>
   <p:notesSz cx="6858000" cy="9144000"/>
@@ -297,7 +305,7 @@
             <a:fld id="{734D4C01-4F2B-45BD-BFF5-B337465A9A81}" type="datetimeFigureOut">
               <a:rPr lang="zh-TW" altLang="en-US" smtClean="0"/>
               <a:pPr/>
-              <a:t>2021/3/26</a:t>
+              <a:t>2021/3/31</a:t>
             </a:fld>
             <a:endParaRPr lang="zh-TW" altLang="en-US"/>
           </a:p>
@@ -464,7 +472,7 @@
             <a:fld id="{734D4C01-4F2B-45BD-BFF5-B337465A9A81}" type="datetimeFigureOut">
               <a:rPr lang="zh-TW" altLang="en-US" smtClean="0"/>
               <a:pPr/>
-              <a:t>2021/3/26</a:t>
+              <a:t>2021/3/31</a:t>
             </a:fld>
             <a:endParaRPr lang="zh-TW" altLang="en-US"/>
           </a:p>
@@ -641,7 +649,7 @@
             <a:fld id="{734D4C01-4F2B-45BD-BFF5-B337465A9A81}" type="datetimeFigureOut">
               <a:rPr lang="zh-TW" altLang="en-US" smtClean="0"/>
               <a:pPr/>
-              <a:t>2021/3/26</a:t>
+              <a:t>2021/3/31</a:t>
             </a:fld>
             <a:endParaRPr lang="zh-TW" altLang="en-US"/>
           </a:p>
@@ -808,7 +816,7 @@
             <a:fld id="{734D4C01-4F2B-45BD-BFF5-B337465A9A81}" type="datetimeFigureOut">
               <a:rPr lang="zh-TW" altLang="en-US" smtClean="0"/>
               <a:pPr/>
-              <a:t>2021/3/26</a:t>
+              <a:t>2021/3/31</a:t>
             </a:fld>
             <a:endParaRPr lang="zh-TW" altLang="en-US"/>
           </a:p>
@@ -1051,7 +1059,7 @@
             <a:fld id="{734D4C01-4F2B-45BD-BFF5-B337465A9A81}" type="datetimeFigureOut">
               <a:rPr lang="zh-TW" altLang="en-US" smtClean="0"/>
               <a:pPr/>
-              <a:t>2021/3/26</a:t>
+              <a:t>2021/3/31</a:t>
             </a:fld>
             <a:endParaRPr lang="zh-TW" altLang="en-US"/>
           </a:p>
@@ -1336,7 +1344,7 @@
             <a:fld id="{734D4C01-4F2B-45BD-BFF5-B337465A9A81}" type="datetimeFigureOut">
               <a:rPr lang="zh-TW" altLang="en-US" smtClean="0"/>
               <a:pPr/>
-              <a:t>2021/3/26</a:t>
+              <a:t>2021/3/31</a:t>
             </a:fld>
             <a:endParaRPr lang="zh-TW" altLang="en-US"/>
           </a:p>
@@ -1755,7 +1763,7 @@
             <a:fld id="{734D4C01-4F2B-45BD-BFF5-B337465A9A81}" type="datetimeFigureOut">
               <a:rPr lang="zh-TW" altLang="en-US" smtClean="0"/>
               <a:pPr/>
-              <a:t>2021/3/26</a:t>
+              <a:t>2021/3/31</a:t>
             </a:fld>
             <a:endParaRPr lang="zh-TW" altLang="en-US"/>
           </a:p>
@@ -1870,7 +1878,7 @@
             <a:fld id="{734D4C01-4F2B-45BD-BFF5-B337465A9A81}" type="datetimeFigureOut">
               <a:rPr lang="zh-TW" altLang="en-US" smtClean="0"/>
               <a:pPr/>
-              <a:t>2021/3/26</a:t>
+              <a:t>2021/3/31</a:t>
             </a:fld>
             <a:endParaRPr lang="zh-TW" altLang="en-US"/>
           </a:p>
@@ -1962,7 +1970,7 @@
             <a:fld id="{734D4C01-4F2B-45BD-BFF5-B337465A9A81}" type="datetimeFigureOut">
               <a:rPr lang="zh-TW" altLang="en-US" smtClean="0"/>
               <a:pPr/>
-              <a:t>2021/3/26</a:t>
+              <a:t>2021/3/31</a:t>
             </a:fld>
             <a:endParaRPr lang="zh-TW" altLang="en-US"/>
           </a:p>
@@ -2236,7 +2244,7 @@
             <a:fld id="{734D4C01-4F2B-45BD-BFF5-B337465A9A81}" type="datetimeFigureOut">
               <a:rPr lang="zh-TW" altLang="en-US" smtClean="0"/>
               <a:pPr/>
-              <a:t>2021/3/26</a:t>
+              <a:t>2021/3/31</a:t>
             </a:fld>
             <a:endParaRPr lang="zh-TW" altLang="en-US"/>
           </a:p>
@@ -2486,7 +2494,7 @@
             <a:fld id="{734D4C01-4F2B-45BD-BFF5-B337465A9A81}" type="datetimeFigureOut">
               <a:rPr lang="zh-TW" altLang="en-US" smtClean="0"/>
               <a:pPr/>
-              <a:t>2021/3/26</a:t>
+              <a:t>2021/3/31</a:t>
             </a:fld>
             <a:endParaRPr lang="zh-TW" altLang="en-US"/>
           </a:p>
@@ -2696,7 +2704,7 @@
             <a:fld id="{734D4C01-4F2B-45BD-BFF5-B337465A9A81}" type="datetimeFigureOut">
               <a:rPr lang="zh-TW" altLang="en-US" smtClean="0"/>
               <a:pPr/>
-              <a:t>2021/3/26</a:t>
+              <a:t>2021/3/31</a:t>
             </a:fld>
             <a:endParaRPr lang="zh-TW" altLang="en-US"/>
           </a:p>
@@ -3069,1756 +3077,402 @@
       </p:grpSpPr>
       <p:sp>
         <p:nvSpPr>
-          <p:cNvPr id="4" name="矩形 3"/>
-          <p:cNvSpPr/>
+          <p:cNvPr id="6" name="內容版面配置區 2"/>
+          <p:cNvSpPr>
+            <a:spLocks noGrp="1"/>
+          </p:cNvSpPr>
+          <p:nvPr>
+            <p:ph idx="1"/>
+          </p:nvPr>
+        </p:nvSpPr>
+        <p:spPr>
+          <a:xfrm>
+            <a:off x="467544" y="620688"/>
+            <a:ext cx="8229600" cy="4525963"/>
+          </a:xfrm>
+        </p:spPr>
+        <p:txBody>
+          <a:bodyPr>
+            <a:normAutofit lnSpcReduction="10000"/>
+          </a:bodyPr>
+          <a:lstStyle/>
+          <a:p>
+            <a:r>
+              <a:rPr lang="zh-TW" altLang="en-US" sz="2000" dirty="0" smtClean="0">
+                <a:latin typeface="微軟正黑體" pitchFamily="34" charset="-120"/>
+                <a:ea typeface="微軟正黑體" pitchFamily="34" charset="-120"/>
+              </a:rPr>
+              <a:t>登入取得權限</a:t>
+            </a:r>
+            <a:r>
+              <a:rPr lang="en-US" altLang="zh-TW" sz="2000" dirty="0" smtClean="0">
+                <a:latin typeface="微軟正黑體" pitchFamily="34" charset="-120"/>
+                <a:ea typeface="微軟正黑體" pitchFamily="34" charset="-120"/>
+              </a:rPr>
+              <a:t/>
+            </a:r>
+            <a:br>
+              <a:rPr lang="en-US" altLang="zh-TW" sz="2000" dirty="0" smtClean="0">
+                <a:latin typeface="微軟正黑體" pitchFamily="34" charset="-120"/>
+                <a:ea typeface="微軟正黑體" pitchFamily="34" charset="-120"/>
+              </a:rPr>
+            </a:br>
+            <a:r>
+              <a:rPr lang="en-US" altLang="zh-TW" sz="1200" dirty="0" smtClean="0">
+                <a:latin typeface="微軟正黑體" pitchFamily="34" charset="-120"/>
+                <a:ea typeface="微軟正黑體" pitchFamily="34" charset="-120"/>
+                <a:hlinkClick r:id="rId2"/>
+              </a:rPr>
+              <a:t>http://localhost:53832/home/Login?returnUrl=/</a:t>
+            </a:r>
+            <a:r>
+              <a:rPr lang="en-US" altLang="zh-TW" sz="1200" dirty="0" smtClean="0">
+                <a:latin typeface="微軟正黑體" pitchFamily="34" charset="-120"/>
+                <a:ea typeface="微軟正黑體" pitchFamily="34" charset="-120"/>
+                <a:hlinkClick r:id="rId2"/>
+              </a:rPr>
+              <a:t>Home/Index&amp;Role=Role1&amp;UserName=Stanley</a:t>
+            </a:r>
+            <a:endParaRPr lang="en-US" altLang="zh-TW" sz="2000" dirty="0" smtClean="0">
+              <a:latin typeface="微軟正黑體" pitchFamily="34" charset="-120"/>
+              <a:ea typeface="微軟正黑體" pitchFamily="34" charset="-120"/>
+            </a:endParaRPr>
+          </a:p>
+          <a:p>
+            <a:endParaRPr lang="en-US" altLang="zh-TW" sz="2000" dirty="0" smtClean="0">
+              <a:latin typeface="微軟正黑體" pitchFamily="34" charset="-120"/>
+              <a:ea typeface="微軟正黑體" pitchFamily="34" charset="-120"/>
+            </a:endParaRPr>
+          </a:p>
+          <a:p>
+            <a:r>
+              <a:rPr lang="en-US" altLang="zh-TW" sz="2000" dirty="0" smtClean="0">
+                <a:latin typeface="微軟正黑體" pitchFamily="34" charset="-120"/>
+                <a:ea typeface="微軟正黑體" pitchFamily="34" charset="-120"/>
+              </a:rPr>
+              <a:t>Menu</a:t>
+            </a:r>
+            <a:br>
+              <a:rPr lang="en-US" altLang="zh-TW" sz="2000" dirty="0" smtClean="0">
+                <a:latin typeface="微軟正黑體" pitchFamily="34" charset="-120"/>
+                <a:ea typeface="微軟正黑體" pitchFamily="34" charset="-120"/>
+              </a:rPr>
+            </a:br>
+            <a:r>
+              <a:rPr lang="en-US" altLang="zh-TW" sz="1400" dirty="0" smtClean="0">
+                <a:latin typeface="微軟正黑體" pitchFamily="34" charset="-120"/>
+                <a:ea typeface="微軟正黑體" pitchFamily="34" charset="-120"/>
+                <a:hlinkClick r:id="rId3"/>
+              </a:rPr>
+              <a:t> http://localhost:53832/home/menu</a:t>
+            </a:r>
+            <a:endParaRPr lang="en-US" altLang="zh-TW" sz="1400" dirty="0" smtClean="0">
+              <a:latin typeface="微軟正黑體" pitchFamily="34" charset="-120"/>
+              <a:ea typeface="微軟正黑體" pitchFamily="34" charset="-120"/>
+              <a:hlinkClick r:id="rId4"/>
+            </a:endParaRPr>
+          </a:p>
+          <a:p>
+            <a:endParaRPr lang="en-US" altLang="zh-TW" sz="2000" dirty="0" smtClean="0">
+              <a:latin typeface="微軟正黑體" pitchFamily="34" charset="-120"/>
+              <a:ea typeface="微軟正黑體" pitchFamily="34" charset="-120"/>
+            </a:endParaRPr>
+          </a:p>
+          <a:p>
+            <a:r>
+              <a:rPr lang="zh-TW" altLang="en-US" sz="2000" dirty="0" smtClean="0">
+                <a:latin typeface="微軟正黑體" pitchFamily="34" charset="-120"/>
+                <a:ea typeface="微軟正黑體" pitchFamily="34" charset="-120"/>
+              </a:rPr>
+              <a:t>檢視</a:t>
+            </a:r>
+            <a:r>
+              <a:rPr lang="zh-TW" altLang="en-US" sz="2000" dirty="0" smtClean="0">
+                <a:latin typeface="微軟正黑體" pitchFamily="34" charset="-120"/>
+                <a:ea typeface="微軟正黑體" pitchFamily="34" charset="-120"/>
+              </a:rPr>
+              <a:t>權限</a:t>
+            </a:r>
+            <a:r>
+              <a:rPr lang="en-US" altLang="zh-TW" sz="2000" dirty="0" smtClean="0">
+                <a:latin typeface="微軟正黑體" pitchFamily="34" charset="-120"/>
+                <a:ea typeface="微軟正黑體" pitchFamily="34" charset="-120"/>
+              </a:rPr>
+              <a:t>, </a:t>
+            </a:r>
+            <a:r>
+              <a:rPr lang="zh-TW" altLang="en-US" sz="2000" dirty="0" smtClean="0">
+                <a:latin typeface="微軟正黑體" pitchFamily="34" charset="-120"/>
+                <a:ea typeface="微軟正黑體" pitchFamily="34" charset="-120"/>
+              </a:rPr>
+              <a:t>需要登入：</a:t>
+            </a:r>
+            <a:r>
+              <a:rPr lang="en-US" altLang="zh-TW" sz="2000" dirty="0" smtClean="0">
+                <a:latin typeface="微軟正黑體" pitchFamily="34" charset="-120"/>
+                <a:ea typeface="微軟正黑體" pitchFamily="34" charset="-120"/>
+              </a:rPr>
+              <a:t/>
+            </a:r>
+            <a:br>
+              <a:rPr lang="en-US" altLang="zh-TW" sz="2000" dirty="0" smtClean="0">
+                <a:latin typeface="微軟正黑體" pitchFamily="34" charset="-120"/>
+                <a:ea typeface="微軟正黑體" pitchFamily="34" charset="-120"/>
+              </a:rPr>
+            </a:br>
+            <a:r>
+              <a:rPr lang="en-US" altLang="zh-TW" sz="1400" dirty="0" smtClean="0">
+                <a:latin typeface="微軟正黑體" pitchFamily="34" charset="-120"/>
+                <a:ea typeface="微軟正黑體" pitchFamily="34" charset="-120"/>
+                <a:hlinkClick r:id="rId4"/>
+              </a:rPr>
+              <a:t>http://localhost:53830/Home/Account</a:t>
+            </a:r>
+            <a:endParaRPr lang="en-US" altLang="zh-TW" sz="1400" dirty="0" smtClean="0">
+              <a:latin typeface="微軟正黑體" pitchFamily="34" charset="-120"/>
+              <a:ea typeface="微軟正黑體" pitchFamily="34" charset="-120"/>
+            </a:endParaRPr>
+          </a:p>
+          <a:p>
+            <a:r>
+              <a:rPr lang="zh-TW" altLang="en-US" sz="2000" dirty="0" smtClean="0">
+                <a:latin typeface="微軟正黑體" pitchFamily="34" charset="-120"/>
+                <a:ea typeface="微軟正黑體" pitchFamily="34" charset="-120"/>
+              </a:rPr>
+              <a:t>進到</a:t>
+            </a:r>
+            <a:r>
+              <a:rPr lang="en-US" altLang="zh-TW" sz="2000" dirty="0" smtClean="0">
+                <a:latin typeface="微軟正黑體" pitchFamily="34" charset="-120"/>
+                <a:ea typeface="微軟正黑體" pitchFamily="34" charset="-120"/>
+              </a:rPr>
+              <a:t>Admin, </a:t>
+            </a:r>
+            <a:r>
+              <a:rPr lang="zh-TW" altLang="en-US" sz="2000" dirty="0" smtClean="0">
+                <a:latin typeface="微軟正黑體" pitchFamily="34" charset="-120"/>
+                <a:ea typeface="微軟正黑體" pitchFamily="34" charset="-120"/>
+              </a:rPr>
+              <a:t>需要</a:t>
+            </a:r>
+            <a:r>
+              <a:rPr lang="en-US" altLang="zh-TW" sz="2000" dirty="0" smtClean="0">
+                <a:latin typeface="微軟正黑體" pitchFamily="34" charset="-120"/>
+                <a:ea typeface="微軟正黑體" pitchFamily="34" charset="-120"/>
+              </a:rPr>
+              <a:t>Admin</a:t>
+            </a:r>
+            <a:r>
+              <a:rPr lang="zh-TW" altLang="en-US" sz="2000" dirty="0" smtClean="0">
+                <a:latin typeface="微軟正黑體" pitchFamily="34" charset="-120"/>
+                <a:ea typeface="微軟正黑體" pitchFamily="34" charset="-120"/>
+              </a:rPr>
+              <a:t>權限</a:t>
+            </a:r>
+            <a:r>
+              <a:rPr lang="en-US" altLang="zh-TW" sz="2000" dirty="0" smtClean="0">
+                <a:latin typeface="微軟正黑體" pitchFamily="34" charset="-120"/>
+                <a:ea typeface="微軟正黑體" pitchFamily="34" charset="-120"/>
+              </a:rPr>
+              <a:t/>
+            </a:r>
+            <a:br>
+              <a:rPr lang="en-US" altLang="zh-TW" sz="2000" dirty="0" smtClean="0">
+                <a:latin typeface="微軟正黑體" pitchFamily="34" charset="-120"/>
+                <a:ea typeface="微軟正黑體" pitchFamily="34" charset="-120"/>
+              </a:rPr>
+            </a:br>
+            <a:r>
+              <a:rPr lang="en-US" altLang="zh-TW" sz="1400" dirty="0" smtClean="0">
+                <a:latin typeface="微軟正黑體" pitchFamily="34" charset="-120"/>
+                <a:ea typeface="微軟正黑體" pitchFamily="34" charset="-120"/>
+                <a:hlinkClick r:id="rId5"/>
+              </a:rPr>
+              <a:t>http://localhost:53830/Home/Admin</a:t>
+            </a:r>
+            <a:endParaRPr lang="en-US" altLang="zh-TW" sz="2000" dirty="0" smtClean="0">
+              <a:latin typeface="微軟正黑體" pitchFamily="34" charset="-120"/>
+              <a:ea typeface="微軟正黑體" pitchFamily="34" charset="-120"/>
+            </a:endParaRPr>
+          </a:p>
+          <a:p>
+            <a:r>
+              <a:rPr lang="zh-TW" altLang="en-US" sz="2000" dirty="0" smtClean="0">
+                <a:latin typeface="微軟正黑體" pitchFamily="34" charset="-120"/>
+                <a:ea typeface="微軟正黑體" pitchFamily="34" charset="-120"/>
+              </a:rPr>
+              <a:t>進到</a:t>
+            </a:r>
+            <a:r>
+              <a:rPr lang="en-US" altLang="zh-TW" sz="2000" dirty="0" smtClean="0">
+                <a:latin typeface="微軟正黑體" pitchFamily="34" charset="-120"/>
+                <a:ea typeface="微軟正黑體" pitchFamily="34" charset="-120"/>
+              </a:rPr>
+              <a:t>General, </a:t>
+            </a:r>
+            <a:r>
+              <a:rPr lang="zh-TW" altLang="en-US" sz="2000" dirty="0" smtClean="0">
+                <a:latin typeface="微軟正黑體" pitchFamily="34" charset="-120"/>
+                <a:ea typeface="微軟正黑體" pitchFamily="34" charset="-120"/>
+              </a:rPr>
+              <a:t>需要</a:t>
+            </a:r>
+            <a:r>
+              <a:rPr lang="en-US" altLang="zh-TW" sz="2000" dirty="0" smtClean="0">
+                <a:latin typeface="微軟正黑體" pitchFamily="34" charset="-120"/>
+                <a:ea typeface="微軟正黑體" pitchFamily="34" charset="-120"/>
+              </a:rPr>
+              <a:t>General</a:t>
+            </a:r>
+            <a:r>
+              <a:rPr lang="zh-TW" altLang="en-US" sz="2000" dirty="0" smtClean="0">
+                <a:latin typeface="微軟正黑體" pitchFamily="34" charset="-120"/>
+                <a:ea typeface="微軟正黑體" pitchFamily="34" charset="-120"/>
+              </a:rPr>
+              <a:t>權限</a:t>
+            </a:r>
+            <a:r>
+              <a:rPr lang="en-US" altLang="zh-TW" sz="2000" dirty="0" smtClean="0">
+                <a:latin typeface="微軟正黑體" pitchFamily="34" charset="-120"/>
+                <a:ea typeface="微軟正黑體" pitchFamily="34" charset="-120"/>
+              </a:rPr>
+              <a:t/>
+            </a:r>
+            <a:br>
+              <a:rPr lang="en-US" altLang="zh-TW" sz="2000" dirty="0" smtClean="0">
+                <a:latin typeface="微軟正黑體" pitchFamily="34" charset="-120"/>
+                <a:ea typeface="微軟正黑體" pitchFamily="34" charset="-120"/>
+              </a:rPr>
+            </a:br>
+            <a:r>
+              <a:rPr lang="en-US" altLang="zh-TW" sz="1400" dirty="0" smtClean="0">
+                <a:latin typeface="微軟正黑體" pitchFamily="34" charset="-120"/>
+                <a:ea typeface="微軟正黑體" pitchFamily="34" charset="-120"/>
+                <a:hlinkClick r:id="rId6"/>
+              </a:rPr>
+              <a:t>http://localhost:53830/Home/General</a:t>
+            </a:r>
+            <a:endParaRPr lang="en-US" altLang="zh-TW" sz="2000" dirty="0" smtClean="0">
+              <a:latin typeface="微軟正黑體" pitchFamily="34" charset="-120"/>
+              <a:ea typeface="微軟正黑體" pitchFamily="34" charset="-120"/>
+            </a:endParaRPr>
+          </a:p>
+          <a:p>
+            <a:endParaRPr lang="en-US" altLang="zh-TW" sz="2000" dirty="0" smtClean="0">
+              <a:latin typeface="微軟正黑體" pitchFamily="34" charset="-120"/>
+              <a:ea typeface="微軟正黑體" pitchFamily="34" charset="-120"/>
+            </a:endParaRPr>
+          </a:p>
+          <a:p>
+            <a:r>
+              <a:rPr lang="zh-TW" altLang="en-US" sz="2000" dirty="0" smtClean="0">
+                <a:latin typeface="微軟正黑體" pitchFamily="34" charset="-120"/>
+                <a:ea typeface="微軟正黑體" pitchFamily="34" charset="-120"/>
+              </a:rPr>
+              <a:t>進</a:t>
+            </a:r>
+            <a:r>
+              <a:rPr lang="zh-TW" altLang="en-US" sz="2000" dirty="0" smtClean="0">
+                <a:latin typeface="微軟正黑體" pitchFamily="34" charset="-120"/>
+                <a:ea typeface="微軟正黑體" pitchFamily="34" charset="-120"/>
+              </a:rPr>
+              <a:t>到</a:t>
+            </a:r>
+            <a:r>
+              <a:rPr lang="en-US" altLang="zh-TW" sz="2000" dirty="0" smtClean="0">
+                <a:latin typeface="微軟正黑體" pitchFamily="34" charset="-120"/>
+                <a:ea typeface="微軟正黑體" pitchFamily="34" charset="-120"/>
+              </a:rPr>
+              <a:t>Manage, </a:t>
+            </a:r>
+            <a:r>
+              <a:rPr lang="zh-TW" altLang="en-US" sz="2000" dirty="0" smtClean="0">
+                <a:latin typeface="微軟正黑體" pitchFamily="34" charset="-120"/>
+                <a:ea typeface="微軟正黑體" pitchFamily="34" charset="-120"/>
+              </a:rPr>
+              <a:t>需要</a:t>
+            </a:r>
+            <a:r>
+              <a:rPr lang="en-US" altLang="zh-TW" sz="2000" dirty="0" smtClean="0">
+                <a:latin typeface="微軟正黑體" pitchFamily="34" charset="-120"/>
+                <a:ea typeface="微軟正黑體" pitchFamily="34" charset="-120"/>
+              </a:rPr>
+              <a:t>Admin</a:t>
+            </a:r>
+            <a:r>
+              <a:rPr lang="zh-TW" altLang="en-US" sz="2000" dirty="0" smtClean="0">
+                <a:latin typeface="微軟正黑體" pitchFamily="34" charset="-120"/>
+                <a:ea typeface="微軟正黑體" pitchFamily="34" charset="-120"/>
+              </a:rPr>
+              <a:t>權限</a:t>
+            </a:r>
+            <a:r>
+              <a:rPr lang="en-US" altLang="zh-TW" sz="1400" dirty="0" smtClean="0">
+                <a:latin typeface="微軟正黑體" pitchFamily="34" charset="-120"/>
+                <a:ea typeface="微軟正黑體" pitchFamily="34" charset="-120"/>
+              </a:rPr>
+              <a:t/>
+            </a:r>
+            <a:br>
+              <a:rPr lang="en-US" altLang="zh-TW" sz="1400" dirty="0" smtClean="0">
+                <a:latin typeface="微軟正黑體" pitchFamily="34" charset="-120"/>
+                <a:ea typeface="微軟正黑體" pitchFamily="34" charset="-120"/>
+              </a:rPr>
+            </a:br>
+            <a:r>
+              <a:rPr lang="en-US" altLang="zh-TW" sz="1400" dirty="0" smtClean="0">
+                <a:latin typeface="微軟正黑體" pitchFamily="34" charset="-120"/>
+                <a:ea typeface="微軟正黑體" pitchFamily="34" charset="-120"/>
+                <a:hlinkClick r:id="rId7"/>
+              </a:rPr>
+              <a:t>http://localhost:53830/Manage/Index</a:t>
+            </a:r>
+            <a:endParaRPr lang="en-US" altLang="zh-TW" sz="1400" dirty="0" smtClean="0">
+              <a:latin typeface="微軟正黑體" pitchFamily="34" charset="-120"/>
+              <a:ea typeface="微軟正黑體" pitchFamily="34" charset="-120"/>
+            </a:endParaRPr>
+          </a:p>
+          <a:p>
+            <a:endParaRPr lang="en-US" altLang="zh-TW" sz="1400" dirty="0" smtClean="0">
+              <a:latin typeface="微軟正黑體" pitchFamily="34" charset="-120"/>
+              <a:ea typeface="微軟正黑體" pitchFamily="34" charset="-120"/>
+            </a:endParaRPr>
+          </a:p>
+        </p:txBody>
+      </p:sp>
+      <p:sp>
+        <p:nvSpPr>
+          <p:cNvPr id="7" name="文字方塊 6"/>
+          <p:cNvSpPr txBox="1"/>
           <p:nvPr/>
         </p:nvSpPr>
         <p:spPr>
           <a:xfrm>
-            <a:off x="755576" y="692696"/>
-            <a:ext cx="2786981" cy="523220"/>
-          </a:xfrm>
-          <a:prstGeom prst="rect">
-            <a:avLst/>
-          </a:prstGeom>
-        </p:spPr>
-        <p:txBody>
-          <a:bodyPr wrap="none">
-            <a:spAutoFit/>
-          </a:bodyPr>
-          <a:lstStyle/>
-          <a:p>
-            <a:r>
-              <a:rPr lang="en-US" altLang="zh-TW" sz="2800" b="1" dirty="0" err="1">
-                <a:effectLst>
-                  <a:outerShdw blurRad="38100" dist="38100" dir="2700000" algn="tl">
-                    <a:srgbClr val="000000">
-                      <a:alpha val="43137"/>
-                    </a:srgbClr>
-                  </a:outerShdw>
-                </a:effectLst>
-              </a:rPr>
-              <a:t>Application_Start</a:t>
-            </a:r>
-            <a:endParaRPr lang="zh-TW" altLang="en-US" sz="2800" b="1" dirty="0">
-              <a:effectLst>
-                <a:outerShdw blurRad="38100" dist="38100" dir="2700000" algn="tl">
-                  <a:srgbClr val="000000">
-                    <a:alpha val="43137"/>
-                  </a:srgbClr>
-                </a:outerShdw>
-              </a:effectLst>
-            </a:endParaRPr>
-          </a:p>
-        </p:txBody>
-      </p:sp>
-      <p:sp>
-        <p:nvSpPr>
-          <p:cNvPr id="5" name="矩形 4"/>
-          <p:cNvSpPr/>
-          <p:nvPr/>
-        </p:nvSpPr>
-        <p:spPr>
-          <a:xfrm>
-            <a:off x="971600" y="1196752"/>
-            <a:ext cx="4248472" cy="792088"/>
+            <a:off x="251520" y="116632"/>
+            <a:ext cx="2262158" cy="369332"/>
           </a:xfrm>
           <a:prstGeom prst="rect">
             <a:avLst/>
           </a:prstGeom>
           <a:noFill/>
-          <a:ln>
-            <a:noFill/>
-          </a:ln>
-        </p:spPr>
-        <p:style>
-          <a:lnRef idx="2">
-            <a:schemeClr val="accent1">
-              <a:shade val="50000"/>
-            </a:schemeClr>
-          </a:lnRef>
-          <a:fillRef idx="1">
-            <a:schemeClr val="accent1"/>
-          </a:fillRef>
-          <a:effectRef idx="0">
-            <a:schemeClr val="accent1"/>
-          </a:effectRef>
-          <a:fontRef idx="minor">
-            <a:schemeClr val="lt1"/>
-          </a:fontRef>
-        </p:style>
-        <p:txBody>
-          <a:bodyPr rtlCol="0" anchor="t"/>
-          <a:lstStyle/>
-          <a:p>
-            <a:pPr marL="228600" indent="-228600">
-              <a:buAutoNum type="arabicPeriod"/>
-            </a:pPr>
-            <a:r>
-              <a:rPr lang="zh-TW" altLang="en-US" sz="1100" b="1" dirty="0" smtClean="0">
-                <a:solidFill>
-                  <a:schemeClr val="tx1"/>
-                </a:solidFill>
-                <a:latin typeface="微軟正黑體" pitchFamily="34" charset="-120"/>
-                <a:ea typeface="微軟正黑體" pitchFamily="34" charset="-120"/>
-              </a:rPr>
-              <a:t>將</a:t>
-            </a:r>
-            <a:r>
-              <a:rPr lang="en-US" altLang="zh-TW" sz="1100" b="1" dirty="0" smtClean="0">
-                <a:solidFill>
-                  <a:schemeClr val="tx1"/>
-                </a:solidFill>
-                <a:latin typeface="微軟正黑體" pitchFamily="34" charset="-120"/>
-                <a:ea typeface="微軟正黑體" pitchFamily="34" charset="-120"/>
-              </a:rPr>
-              <a:t>Role =&gt; Admin, General</a:t>
-            </a:r>
-            <a:r>
-              <a:rPr lang="zh-TW" altLang="en-US" sz="1100" b="1" dirty="0" smtClean="0">
-                <a:solidFill>
-                  <a:schemeClr val="tx1"/>
-                </a:solidFill>
-                <a:latin typeface="微軟正黑體" pitchFamily="34" charset="-120"/>
-                <a:ea typeface="微軟正黑體" pitchFamily="34" charset="-120"/>
-              </a:rPr>
-              <a:t> 寫到 </a:t>
-            </a:r>
-            <a:r>
-              <a:rPr lang="en-US" altLang="zh-TW" sz="1100" b="1" dirty="0" err="1" smtClean="0">
-                <a:solidFill>
-                  <a:schemeClr val="tx1"/>
-                </a:solidFill>
-                <a:latin typeface="微軟正黑體" pitchFamily="34" charset="-120"/>
-                <a:ea typeface="微軟正黑體" pitchFamily="34" charset="-120"/>
-              </a:rPr>
-              <a:t>RBACContext</a:t>
-            </a:r>
-            <a:r>
-              <a:rPr lang="zh-TW" altLang="en-US" sz="1100" b="1" dirty="0" smtClean="0">
-                <a:solidFill>
-                  <a:schemeClr val="tx1"/>
-                </a:solidFill>
-                <a:latin typeface="微軟正黑體" pitchFamily="34" charset="-120"/>
-                <a:ea typeface="微軟正黑體" pitchFamily="34" charset="-120"/>
-              </a:rPr>
-              <a:t> 中</a:t>
-            </a:r>
-            <a:endParaRPr lang="en-US" altLang="zh-TW" sz="1100" b="1" dirty="0" smtClean="0">
-              <a:solidFill>
-                <a:schemeClr val="tx1"/>
-              </a:solidFill>
+        </p:spPr>
+        <p:txBody>
+          <a:bodyPr wrap="none" rtlCol="0">
+            <a:spAutoFit/>
+          </a:bodyPr>
+          <a:lstStyle/>
+          <a:p>
+            <a:r>
+              <a:rPr lang="zh-TW" altLang="en-US" b="1" dirty="0" smtClean="0">
+                <a:latin typeface="微軟正黑體" pitchFamily="34" charset="-120"/>
+                <a:ea typeface="微軟正黑體" pitchFamily="34" charset="-120"/>
+              </a:rPr>
+              <a:t>如下為開放的畫面：</a:t>
+            </a:r>
+            <a:endParaRPr lang="zh-TW" altLang="en-US" b="1" dirty="0">
               <a:latin typeface="微軟正黑體" pitchFamily="34" charset="-120"/>
               <a:ea typeface="微軟正黑體" pitchFamily="34" charset="-120"/>
             </a:endParaRPr>
-          </a:p>
-          <a:p>
-            <a:pPr marL="228600" indent="-228600">
-              <a:buFontTx/>
-              <a:buAutoNum type="arabicPeriod"/>
-            </a:pPr>
-            <a:r>
-              <a:rPr lang="zh-TW" altLang="en-US" sz="1100" b="1" dirty="0" smtClean="0">
-                <a:solidFill>
-                  <a:schemeClr val="tx1"/>
-                </a:solidFill>
-                <a:latin typeface="微軟正黑體" pitchFamily="34" charset="-120"/>
-                <a:ea typeface="微軟正黑體" pitchFamily="34" charset="-120"/>
-              </a:rPr>
-              <a:t>準備好</a:t>
-            </a:r>
-            <a:r>
-              <a:rPr lang="en-US" altLang="zh-TW" sz="1100" b="1" dirty="0" smtClean="0">
-                <a:solidFill>
-                  <a:schemeClr val="tx1"/>
-                </a:solidFill>
-                <a:latin typeface="微軟正黑體" pitchFamily="34" charset="-120"/>
-                <a:ea typeface="微軟正黑體" pitchFamily="34" charset="-120"/>
-              </a:rPr>
-              <a:t>Role</a:t>
-            </a:r>
-            <a:r>
-              <a:rPr lang="zh-TW" altLang="en-US" sz="1100" b="1" dirty="0" smtClean="0">
-                <a:solidFill>
-                  <a:schemeClr val="tx1"/>
-                </a:solidFill>
-                <a:latin typeface="微軟正黑體" pitchFamily="34" charset="-120"/>
-                <a:ea typeface="微軟正黑體" pitchFamily="34" charset="-120"/>
-              </a:rPr>
-              <a:t>查找方法 </a:t>
-            </a:r>
-            <a:r>
-              <a:rPr lang="en-US" altLang="zh-TW" sz="1100" b="1" dirty="0" err="1" smtClean="0">
-                <a:solidFill>
-                  <a:schemeClr val="tx1"/>
-                </a:solidFill>
-                <a:latin typeface="微軟正黑體" pitchFamily="34" charset="-120"/>
-                <a:ea typeface="微軟正黑體" pitchFamily="34" charset="-120"/>
-              </a:rPr>
-              <a:t>DelegeteRoleProvider</a:t>
-            </a:r>
-            <a:endParaRPr lang="en-US" altLang="zh-TW" sz="1100" b="1" dirty="0" smtClean="0">
-              <a:solidFill>
-                <a:schemeClr val="tx1"/>
-              </a:solidFill>
-              <a:latin typeface="微軟正黑體" pitchFamily="34" charset="-120"/>
-              <a:ea typeface="微軟正黑體" pitchFamily="34" charset="-120"/>
-            </a:endParaRPr>
-          </a:p>
-          <a:p>
-            <a:pPr marL="228600" indent="-228600">
-              <a:buFontTx/>
-              <a:buAutoNum type="arabicPeriod"/>
-            </a:pPr>
-            <a:r>
-              <a:rPr lang="zh-TW" altLang="en-US" sz="1100" b="1" dirty="0" smtClean="0">
-                <a:solidFill>
-                  <a:schemeClr val="tx1"/>
-                </a:solidFill>
-                <a:latin typeface="微軟正黑體" pitchFamily="34" charset="-120"/>
-                <a:ea typeface="微軟正黑體" pitchFamily="34" charset="-120"/>
-              </a:rPr>
-              <a:t>註冊 </a:t>
-            </a:r>
-            <a:r>
-              <a:rPr lang="en-US" altLang="zh-TW" sz="1100" b="1" dirty="0" err="1" smtClean="0">
-                <a:solidFill>
-                  <a:schemeClr val="tx1"/>
-                </a:solidFill>
-                <a:latin typeface="微軟正黑體" pitchFamily="34" charset="-120"/>
-                <a:ea typeface="微軟正黑體" pitchFamily="34" charset="-120"/>
-              </a:rPr>
-              <a:t>FilterConfig</a:t>
-            </a:r>
-            <a:r>
-              <a:rPr lang="zh-TW" altLang="en-US" sz="1100" b="1" dirty="0">
-                <a:solidFill>
-                  <a:schemeClr val="tx1"/>
-                </a:solidFill>
-                <a:latin typeface="微軟正黑體" pitchFamily="34" charset="-120"/>
-                <a:ea typeface="微軟正黑體" pitchFamily="34" charset="-120"/>
-              </a:rPr>
-              <a:t> </a:t>
-            </a:r>
-            <a:r>
-              <a:rPr lang="en-US" altLang="zh-TW" sz="1100" b="1" dirty="0" smtClean="0">
-                <a:solidFill>
-                  <a:schemeClr val="tx1"/>
-                </a:solidFill>
-                <a:latin typeface="微軟正黑體" pitchFamily="34" charset="-120"/>
-                <a:ea typeface="微軟正黑體" pitchFamily="34" charset="-120"/>
-              </a:rPr>
-              <a:t>=&gt;</a:t>
-            </a:r>
-            <a:br>
-              <a:rPr lang="en-US" altLang="zh-TW" sz="1100" b="1" dirty="0" smtClean="0">
-                <a:solidFill>
-                  <a:schemeClr val="tx1"/>
-                </a:solidFill>
-                <a:latin typeface="微軟正黑體" pitchFamily="34" charset="-120"/>
-                <a:ea typeface="微軟正黑體" pitchFamily="34" charset="-120"/>
-              </a:rPr>
-            </a:br>
-            <a:r>
-              <a:rPr lang="zh-TW" altLang="en-US" sz="1100" b="1" dirty="0" smtClean="0">
-                <a:solidFill>
-                  <a:schemeClr val="tx1"/>
-                </a:solidFill>
-                <a:latin typeface="微軟正黑體" pitchFamily="34" charset="-120"/>
-                <a:ea typeface="微軟正黑體" pitchFamily="34" charset="-120"/>
-              </a:rPr>
-              <a:t> </a:t>
-            </a:r>
-            <a:r>
-              <a:rPr lang="en-US" altLang="zh-TW" sz="1100" b="1" dirty="0" err="1" smtClean="0">
-                <a:solidFill>
-                  <a:schemeClr val="tx1"/>
-                </a:solidFill>
-                <a:latin typeface="微軟正黑體" pitchFamily="34" charset="-120"/>
-                <a:ea typeface="微軟正黑體" pitchFamily="34" charset="-120"/>
-              </a:rPr>
-              <a:t>HandleErrorAttribute</a:t>
-            </a:r>
-            <a:r>
-              <a:rPr lang="zh-TW" altLang="en-US" sz="1100" b="1" dirty="0" smtClean="0">
-                <a:solidFill>
-                  <a:schemeClr val="tx1"/>
-                </a:solidFill>
-                <a:latin typeface="微軟正黑體" pitchFamily="34" charset="-120"/>
-                <a:ea typeface="微軟正黑體" pitchFamily="34" charset="-120"/>
-              </a:rPr>
-              <a:t>、 </a:t>
-            </a:r>
-            <a:r>
-              <a:rPr lang="en-US" altLang="zh-TW" sz="1100" b="1" dirty="0" err="1" smtClean="0">
-                <a:solidFill>
-                  <a:schemeClr val="tx1"/>
-                </a:solidFill>
-                <a:latin typeface="微軟正黑體" pitchFamily="34" charset="-120"/>
-                <a:ea typeface="微軟正黑體" pitchFamily="34" charset="-120"/>
-              </a:rPr>
-              <a:t>MvcAuthorizeAttribute</a:t>
-            </a:r>
-            <a:endParaRPr lang="zh-TW" altLang="en-US" sz="1100" b="1" dirty="0">
-              <a:solidFill>
-                <a:schemeClr val="tx1"/>
-              </a:solidFill>
-              <a:latin typeface="微軟正黑體" pitchFamily="34" charset="-120"/>
-              <a:ea typeface="微軟正黑體" pitchFamily="34" charset="-120"/>
-            </a:endParaRPr>
-          </a:p>
-        </p:txBody>
-      </p:sp>
-      <p:sp>
-        <p:nvSpPr>
-          <p:cNvPr id="7" name="文字方塊 6"/>
-          <p:cNvSpPr txBox="1"/>
-          <p:nvPr/>
-        </p:nvSpPr>
-        <p:spPr>
-          <a:xfrm>
-            <a:off x="1403648" y="2204864"/>
-            <a:ext cx="2376264" cy="523220"/>
-          </a:xfrm>
-          <a:prstGeom prst="rect">
-            <a:avLst/>
-          </a:prstGeom>
-          <a:noFill/>
-        </p:spPr>
-        <p:txBody>
-          <a:bodyPr wrap="square" rtlCol="0">
-            <a:spAutoFit/>
-          </a:bodyPr>
-          <a:lstStyle/>
-          <a:p>
-            <a:r>
-              <a:rPr lang="en-US" altLang="zh-TW" sz="2800" b="1" dirty="0" smtClean="0">
-                <a:effectLst>
-                  <a:outerShdw blurRad="38100" dist="38100" dir="2700000" algn="tl">
-                    <a:srgbClr val="000000">
-                      <a:alpha val="43137"/>
-                    </a:srgbClr>
-                  </a:outerShdw>
-                </a:effectLst>
-              </a:rPr>
-              <a:t>Request_1</a:t>
-            </a:r>
-            <a:endParaRPr lang="zh-TW" altLang="en-US" sz="2800" b="1" dirty="0">
-              <a:effectLst>
-                <a:outerShdw blurRad="38100" dist="38100" dir="2700000" algn="tl">
-                  <a:srgbClr val="000000">
-                    <a:alpha val="43137"/>
-                  </a:srgbClr>
-                </a:outerShdw>
-              </a:effectLst>
-            </a:endParaRPr>
-          </a:p>
-        </p:txBody>
-      </p:sp>
-      <p:sp>
-        <p:nvSpPr>
-          <p:cNvPr id="8" name="矩形 7"/>
-          <p:cNvSpPr/>
-          <p:nvPr/>
-        </p:nvSpPr>
-        <p:spPr>
-          <a:xfrm>
-            <a:off x="1547664" y="2636912"/>
-            <a:ext cx="4896544" cy="1296144"/>
-          </a:xfrm>
-          <a:prstGeom prst="rect">
-            <a:avLst/>
-          </a:prstGeom>
-          <a:noFill/>
-          <a:ln>
-            <a:solidFill>
-              <a:schemeClr val="tx1"/>
-            </a:solidFill>
-          </a:ln>
-        </p:spPr>
-        <p:style>
-          <a:lnRef idx="2">
-            <a:schemeClr val="accent1">
-              <a:shade val="50000"/>
-            </a:schemeClr>
-          </a:lnRef>
-          <a:fillRef idx="1">
-            <a:schemeClr val="accent1"/>
-          </a:fillRef>
-          <a:effectRef idx="0">
-            <a:schemeClr val="accent1"/>
-          </a:effectRef>
-          <a:fontRef idx="minor">
-            <a:schemeClr val="lt1"/>
-          </a:fontRef>
-        </p:style>
-        <p:txBody>
-          <a:bodyPr rtlCol="0" anchor="t"/>
-          <a:lstStyle/>
-          <a:p>
-            <a:pPr marL="228600" indent="-228600">
-              <a:buAutoNum type="arabicPeriod"/>
-            </a:pPr>
-            <a:r>
-              <a:rPr lang="zh-TW" altLang="en-US" sz="1100" b="1" dirty="0">
-                <a:solidFill>
-                  <a:schemeClr val="tx1"/>
-                </a:solidFill>
-                <a:latin typeface="微軟正黑體" pitchFamily="34" charset="-120"/>
-                <a:ea typeface="微軟正黑體" pitchFamily="34" charset="-120"/>
-              </a:rPr>
-              <a:t>進</a:t>
-            </a:r>
-            <a:r>
-              <a:rPr lang="zh-TW" altLang="en-US" sz="1100" b="1" dirty="0" smtClean="0">
-                <a:solidFill>
-                  <a:schemeClr val="tx1"/>
-                </a:solidFill>
-                <a:latin typeface="微軟正黑體" pitchFamily="34" charset="-120"/>
-                <a:ea typeface="微軟正黑體" pitchFamily="34" charset="-120"/>
-              </a:rPr>
-              <a:t>到 </a:t>
-            </a:r>
-            <a:r>
-              <a:rPr lang="en-US" altLang="zh-TW" sz="1100" b="1" dirty="0" err="1" smtClean="0">
-                <a:solidFill>
-                  <a:schemeClr val="tx1"/>
-                </a:solidFill>
-                <a:latin typeface="微軟正黑體" pitchFamily="34" charset="-120"/>
-                <a:ea typeface="微軟正黑體" pitchFamily="34" charset="-120"/>
-              </a:rPr>
-              <a:t>MvcAuthorizeAttribute</a:t>
-            </a:r>
-            <a:r>
-              <a:rPr lang="zh-TW" altLang="en-US" sz="1100" b="1" dirty="0" smtClean="0">
-                <a:solidFill>
-                  <a:schemeClr val="tx1"/>
-                </a:solidFill>
-                <a:latin typeface="微軟正黑體" pitchFamily="34" charset="-120"/>
-                <a:ea typeface="微軟正黑體" pitchFamily="34" charset="-120"/>
-              </a:rPr>
-              <a:t>，判斷是否有卡權限</a:t>
-            </a:r>
-            <a:endParaRPr lang="en-US" altLang="zh-TW" sz="1100" b="1" dirty="0" smtClean="0">
-              <a:solidFill>
-                <a:schemeClr val="tx1"/>
-              </a:solidFill>
-              <a:latin typeface="微軟正黑體" pitchFamily="34" charset="-120"/>
-              <a:ea typeface="微軟正黑體" pitchFamily="34" charset="-120"/>
-            </a:endParaRPr>
-          </a:p>
-          <a:p>
-            <a:pPr marL="228600" indent="-228600">
-              <a:buAutoNum type="arabicPeriod"/>
-            </a:pPr>
-            <a:endParaRPr lang="en-US" altLang="zh-TW" sz="1100" b="1" dirty="0">
-              <a:solidFill>
-                <a:schemeClr val="tx1"/>
-              </a:solidFill>
-              <a:latin typeface="微軟正黑體" pitchFamily="34" charset="-120"/>
-              <a:ea typeface="微軟正黑體" pitchFamily="34" charset="-120"/>
-            </a:endParaRPr>
-          </a:p>
-          <a:p>
-            <a:pPr marL="228600" indent="-228600">
-              <a:buFontTx/>
-              <a:buAutoNum type="arabicPeriod"/>
-            </a:pPr>
-            <a:r>
-              <a:rPr lang="zh-TW" altLang="en-US" sz="1100" b="1" dirty="0" smtClean="0">
-                <a:solidFill>
-                  <a:schemeClr val="tx1"/>
-                </a:solidFill>
-                <a:latin typeface="微軟正黑體" pitchFamily="34" charset="-120"/>
-                <a:ea typeface="微軟正黑體" pitchFamily="34" charset="-120"/>
-              </a:rPr>
-              <a:t>權限驗證是否通過</a:t>
-            </a:r>
-            <a:r>
-              <a:rPr lang="en-US" altLang="zh-TW" sz="1100" b="1" dirty="0" smtClean="0">
-                <a:solidFill>
-                  <a:schemeClr val="tx1"/>
-                </a:solidFill>
-                <a:latin typeface="微軟正黑體" pitchFamily="34" charset="-120"/>
-                <a:ea typeface="微軟正黑體" pitchFamily="34" charset="-120"/>
-              </a:rPr>
-              <a:t/>
-            </a:r>
-            <a:br>
-              <a:rPr lang="en-US" altLang="zh-TW" sz="1100" b="1" dirty="0" smtClean="0">
-                <a:solidFill>
-                  <a:schemeClr val="tx1"/>
-                </a:solidFill>
-                <a:latin typeface="微軟正黑體" pitchFamily="34" charset="-120"/>
-                <a:ea typeface="微軟正黑體" pitchFamily="34" charset="-120"/>
-              </a:rPr>
-            </a:br>
-            <a:r>
-              <a:rPr lang="zh-TW" altLang="en-US" sz="1100" b="1" dirty="0" smtClean="0">
-                <a:solidFill>
-                  <a:schemeClr val="tx1"/>
-                </a:solidFill>
-                <a:latin typeface="微軟正黑體" pitchFamily="34" charset="-120"/>
-                <a:ea typeface="微軟正黑體" pitchFamily="34" charset="-120"/>
-              </a:rPr>
-              <a:t>通過：進到</a:t>
-            </a:r>
-            <a:r>
-              <a:rPr lang="en-US" altLang="zh-TW" sz="1100" b="1" dirty="0" smtClean="0">
-                <a:solidFill>
-                  <a:schemeClr val="tx1"/>
-                </a:solidFill>
-                <a:latin typeface="微軟正黑體" pitchFamily="34" charset="-120"/>
-                <a:ea typeface="微軟正黑體" pitchFamily="34" charset="-120"/>
-              </a:rPr>
-              <a:t>Action; </a:t>
-            </a:r>
-            <a:br>
-              <a:rPr lang="en-US" altLang="zh-TW" sz="1100" b="1" dirty="0" smtClean="0">
-                <a:solidFill>
-                  <a:schemeClr val="tx1"/>
-                </a:solidFill>
-                <a:latin typeface="微軟正黑體" pitchFamily="34" charset="-120"/>
-                <a:ea typeface="微軟正黑體" pitchFamily="34" charset="-120"/>
-              </a:rPr>
-            </a:br>
-            <a:r>
-              <a:rPr lang="zh-TW" altLang="en-US" sz="1100" b="1" dirty="0" smtClean="0">
-                <a:solidFill>
-                  <a:schemeClr val="tx1"/>
-                </a:solidFill>
-                <a:latin typeface="微軟正黑體" pitchFamily="34" charset="-120"/>
-                <a:ea typeface="微軟正黑體" pitchFamily="34" charset="-120"/>
-              </a:rPr>
-              <a:t>不通過：轉跳到 </a:t>
-            </a:r>
-            <a:r>
-              <a:rPr lang="en-US" altLang="zh-TW" sz="1100" b="1" dirty="0" smtClean="0">
-                <a:solidFill>
-                  <a:schemeClr val="tx1"/>
-                </a:solidFill>
-                <a:latin typeface="微軟正黑體" pitchFamily="34" charset="-120"/>
-                <a:ea typeface="微軟正黑體" pitchFamily="34" charset="-120"/>
-              </a:rPr>
-              <a:t>/Home/Logoff</a:t>
-            </a:r>
-            <a:r>
-              <a:rPr lang="zh-TW" altLang="en-US" sz="1100" b="1" dirty="0" smtClean="0">
-                <a:solidFill>
-                  <a:schemeClr val="tx1"/>
-                </a:solidFill>
-                <a:latin typeface="微軟正黑體" pitchFamily="34" charset="-120"/>
-                <a:ea typeface="微軟正黑體" pitchFamily="34" charset="-120"/>
-              </a:rPr>
-              <a:t> </a:t>
-            </a:r>
-            <a:r>
-              <a:rPr lang="en-US" altLang="zh-TW" sz="1100" b="1" dirty="0" smtClean="0">
-                <a:solidFill>
-                  <a:schemeClr val="tx1"/>
-                </a:solidFill>
-                <a:latin typeface="微軟正黑體" pitchFamily="34" charset="-120"/>
-                <a:ea typeface="微軟正黑體" pitchFamily="34" charset="-120"/>
-              </a:rPr>
-              <a:t/>
-            </a:r>
-            <a:br>
-              <a:rPr lang="en-US" altLang="zh-TW" sz="1100" b="1" dirty="0" smtClean="0">
-                <a:solidFill>
-                  <a:schemeClr val="tx1"/>
-                </a:solidFill>
-                <a:latin typeface="微軟正黑體" pitchFamily="34" charset="-120"/>
-                <a:ea typeface="微軟正黑體" pitchFamily="34" charset="-120"/>
-              </a:rPr>
-            </a:br>
-            <a:r>
-              <a:rPr lang="en-US" altLang="zh-TW" sz="1100" b="1" dirty="0" smtClean="0">
-                <a:solidFill>
-                  <a:schemeClr val="tx1"/>
-                </a:solidFill>
-                <a:latin typeface="微軟正黑體" pitchFamily="34" charset="-120"/>
-                <a:ea typeface="微軟正黑體" pitchFamily="34" charset="-120"/>
-              </a:rPr>
-              <a:t>(</a:t>
-            </a:r>
-            <a:r>
-              <a:rPr lang="zh-TW" altLang="en-US" sz="1100" b="1" dirty="0" smtClean="0">
-                <a:solidFill>
-                  <a:schemeClr val="tx1"/>
-                </a:solidFill>
-                <a:latin typeface="微軟正黑體" pitchFamily="34" charset="-120"/>
-                <a:ea typeface="微軟正黑體" pitchFamily="34" charset="-120"/>
-              </a:rPr>
-              <a:t>依據 </a:t>
-            </a:r>
-            <a:r>
-              <a:rPr lang="en-US" altLang="zh-TW" sz="1100" b="1" dirty="0" err="1" smtClean="0">
-                <a:solidFill>
-                  <a:schemeClr val="tx1"/>
-                </a:solidFill>
-                <a:latin typeface="微軟正黑體" pitchFamily="34" charset="-120"/>
-                <a:ea typeface="微軟正黑體" pitchFamily="34" charset="-120"/>
-              </a:rPr>
-              <a:t>Web.config</a:t>
-            </a:r>
-            <a:r>
-              <a:rPr lang="en-US" altLang="zh-TW" sz="1100" b="1" dirty="0" smtClean="0">
-                <a:solidFill>
-                  <a:schemeClr val="tx1"/>
-                </a:solidFill>
-                <a:latin typeface="微軟正黑體" pitchFamily="34" charset="-120"/>
-                <a:ea typeface="微軟正黑體" pitchFamily="34" charset="-120"/>
-              </a:rPr>
-              <a:t> -&gt; </a:t>
-            </a:r>
-            <a:r>
-              <a:rPr lang="en-US" altLang="zh-TW" sz="1100" b="1" dirty="0" err="1" smtClean="0">
-                <a:solidFill>
-                  <a:schemeClr val="tx1"/>
-                </a:solidFill>
-                <a:latin typeface="微軟正黑體" pitchFamily="34" charset="-120"/>
-                <a:ea typeface="微軟正黑體" pitchFamily="34" charset="-120"/>
-              </a:rPr>
-              <a:t>httpRuntime</a:t>
-            </a:r>
-            <a:r>
-              <a:rPr lang="en-US" altLang="zh-TW" sz="1100" b="1" dirty="0" smtClean="0">
-                <a:solidFill>
-                  <a:schemeClr val="tx1"/>
-                </a:solidFill>
-                <a:latin typeface="微軟正黑體" pitchFamily="34" charset="-120"/>
-                <a:ea typeface="微軟正黑體" pitchFamily="34" charset="-120"/>
-              </a:rPr>
-              <a:t> -&gt; </a:t>
-            </a:r>
-            <a:r>
-              <a:rPr lang="en-US" altLang="zh-TW" sz="1100" b="1" dirty="0" err="1" smtClean="0">
-                <a:solidFill>
-                  <a:schemeClr val="tx1"/>
-                </a:solidFill>
-                <a:latin typeface="微軟正黑體" pitchFamily="34" charset="-120"/>
-                <a:ea typeface="微軟正黑體" pitchFamily="34" charset="-120"/>
-              </a:rPr>
-              <a:t>forms’s</a:t>
-            </a:r>
-            <a:r>
-              <a:rPr lang="en-US" altLang="zh-TW" sz="1100" b="1" dirty="0" smtClean="0">
-                <a:solidFill>
-                  <a:schemeClr val="tx1"/>
-                </a:solidFill>
-                <a:latin typeface="微軟正黑體" pitchFamily="34" charset="-120"/>
-                <a:ea typeface="微軟正黑體" pitchFamily="34" charset="-120"/>
-              </a:rPr>
-              <a:t> </a:t>
-            </a:r>
-            <a:r>
-              <a:rPr lang="en-US" altLang="zh-TW" sz="1100" b="1" dirty="0" err="1" smtClean="0">
-                <a:solidFill>
-                  <a:schemeClr val="tx1"/>
-                </a:solidFill>
-                <a:latin typeface="微軟正黑體" pitchFamily="34" charset="-120"/>
-                <a:ea typeface="微軟正黑體" pitchFamily="34" charset="-120"/>
-              </a:rPr>
-              <a:t>LoginUrl</a:t>
-            </a:r>
-            <a:r>
-              <a:rPr lang="en-US" altLang="zh-TW" sz="1100" b="1" dirty="0" smtClean="0">
-                <a:solidFill>
-                  <a:schemeClr val="tx1"/>
-                </a:solidFill>
-                <a:latin typeface="微軟正黑體" pitchFamily="34" charset="-120"/>
-                <a:ea typeface="微軟正黑體" pitchFamily="34" charset="-120"/>
-              </a:rPr>
-              <a:t>)</a:t>
-            </a:r>
-            <a:endParaRPr lang="zh-TW" altLang="en-US" sz="1100" b="1" dirty="0">
-              <a:solidFill>
-                <a:schemeClr val="tx1"/>
-              </a:solidFill>
-              <a:latin typeface="微軟正黑體" pitchFamily="34" charset="-120"/>
-              <a:ea typeface="微軟正黑體" pitchFamily="34" charset="-120"/>
-            </a:endParaRPr>
-          </a:p>
-        </p:txBody>
-      </p:sp>
-      <p:sp>
-        <p:nvSpPr>
-          <p:cNvPr id="10" name="矩形 9"/>
-          <p:cNvSpPr/>
-          <p:nvPr/>
-        </p:nvSpPr>
-        <p:spPr>
-          <a:xfrm>
-            <a:off x="611560" y="404664"/>
-            <a:ext cx="4248472" cy="1728192"/>
-          </a:xfrm>
-          <a:prstGeom prst="rect">
-            <a:avLst/>
-          </a:prstGeom>
-          <a:noFill/>
-          <a:ln>
-            <a:solidFill>
-              <a:schemeClr val="tx1"/>
-            </a:solidFill>
-          </a:ln>
-        </p:spPr>
-        <p:style>
-          <a:lnRef idx="2">
-            <a:schemeClr val="accent1">
-              <a:shade val="50000"/>
-            </a:schemeClr>
-          </a:lnRef>
-          <a:fillRef idx="1">
-            <a:schemeClr val="accent1"/>
-          </a:fillRef>
-          <a:effectRef idx="0">
-            <a:schemeClr val="accent1"/>
-          </a:effectRef>
-          <a:fontRef idx="minor">
-            <a:schemeClr val="lt1"/>
-          </a:fontRef>
-        </p:style>
-        <p:txBody>
-          <a:bodyPr rtlCol="0" anchor="ctr"/>
-          <a:lstStyle/>
-          <a:p>
-            <a:pPr algn="ctr"/>
-            <a:endParaRPr lang="zh-TW" altLang="en-US"/>
-          </a:p>
-        </p:txBody>
-      </p:sp>
-      <p:sp>
-        <p:nvSpPr>
-          <p:cNvPr id="9" name="矩形 8"/>
-          <p:cNvSpPr/>
-          <p:nvPr/>
-        </p:nvSpPr>
-        <p:spPr>
-          <a:xfrm>
-            <a:off x="179512" y="116632"/>
-            <a:ext cx="1909369" cy="523220"/>
-          </a:xfrm>
-          <a:prstGeom prst="rect">
-            <a:avLst/>
-          </a:prstGeom>
-          <a:solidFill>
-            <a:schemeClr val="bg1"/>
-          </a:solidFill>
-          <a:ln>
-            <a:solidFill>
-              <a:schemeClr val="tx1"/>
-            </a:solidFill>
-          </a:ln>
-        </p:spPr>
-        <p:txBody>
-          <a:bodyPr wrap="none">
-            <a:spAutoFit/>
-          </a:bodyPr>
-          <a:lstStyle/>
-          <a:p>
-            <a:r>
-              <a:rPr lang="en-US" altLang="zh-TW" sz="2800" b="1" dirty="0" err="1" smtClean="0">
-                <a:effectLst>
-                  <a:outerShdw blurRad="38100" dist="38100" dir="2700000" algn="tl">
-                    <a:srgbClr val="000000">
-                      <a:alpha val="43137"/>
-                    </a:srgbClr>
-                  </a:outerShdw>
-                </a:effectLst>
-              </a:rPr>
-              <a:t>Global.asax</a:t>
-            </a:r>
-            <a:endParaRPr lang="zh-TW" altLang="en-US" sz="2800" b="1" dirty="0">
-              <a:effectLst>
-                <a:outerShdw blurRad="38100" dist="38100" dir="2700000" algn="tl">
-                  <a:srgbClr val="000000">
-                    <a:alpha val="43137"/>
-                  </a:srgbClr>
-                </a:outerShdw>
-              </a:effectLst>
-            </a:endParaRPr>
-          </a:p>
-        </p:txBody>
-      </p:sp>
-      <p:cxnSp>
-        <p:nvCxnSpPr>
-          <p:cNvPr id="12" name="直線接點 11"/>
-          <p:cNvCxnSpPr/>
-          <p:nvPr/>
-        </p:nvCxnSpPr>
-        <p:spPr>
-          <a:xfrm>
-            <a:off x="971600" y="2132856"/>
-            <a:ext cx="0" cy="3240360"/>
-          </a:xfrm>
-          <a:prstGeom prst="line">
-            <a:avLst/>
-          </a:prstGeom>
-          <a:ln w="19050">
-            <a:solidFill>
-              <a:schemeClr val="tx1"/>
-            </a:solidFill>
-          </a:ln>
-        </p:spPr>
-        <p:style>
-          <a:lnRef idx="1">
-            <a:schemeClr val="accent1"/>
-          </a:lnRef>
-          <a:fillRef idx="0">
-            <a:schemeClr val="accent1"/>
-          </a:fillRef>
-          <a:effectRef idx="0">
-            <a:schemeClr val="accent1"/>
-          </a:effectRef>
-          <a:fontRef idx="minor">
-            <a:schemeClr val="tx1"/>
-          </a:fontRef>
-        </p:style>
-      </p:cxnSp>
-      <p:cxnSp>
-        <p:nvCxnSpPr>
-          <p:cNvPr id="13" name="直線接點 12"/>
-          <p:cNvCxnSpPr/>
-          <p:nvPr/>
-        </p:nvCxnSpPr>
-        <p:spPr>
-          <a:xfrm flipH="1">
-            <a:off x="971600" y="2492896"/>
-            <a:ext cx="648072" cy="0"/>
-          </a:xfrm>
-          <a:prstGeom prst="line">
-            <a:avLst/>
-          </a:prstGeom>
-          <a:ln w="19050">
-            <a:solidFill>
-              <a:schemeClr val="tx1"/>
-            </a:solidFill>
-          </a:ln>
-        </p:spPr>
-        <p:style>
-          <a:lnRef idx="1">
-            <a:schemeClr val="accent1"/>
-          </a:lnRef>
-          <a:fillRef idx="0">
-            <a:schemeClr val="accent1"/>
-          </a:fillRef>
-          <a:effectRef idx="0">
-            <a:schemeClr val="accent1"/>
-          </a:effectRef>
-          <a:fontRef idx="minor">
-            <a:schemeClr val="tx1"/>
-          </a:fontRef>
-        </p:style>
-      </p:cxnSp>
-      <p:sp>
-        <p:nvSpPr>
-          <p:cNvPr id="23" name="文字方塊 22"/>
-          <p:cNvSpPr txBox="1"/>
-          <p:nvPr/>
-        </p:nvSpPr>
-        <p:spPr>
-          <a:xfrm>
-            <a:off x="1403648" y="4221088"/>
-            <a:ext cx="2376264" cy="523220"/>
-          </a:xfrm>
-          <a:prstGeom prst="rect">
-            <a:avLst/>
-          </a:prstGeom>
-          <a:noFill/>
-        </p:spPr>
-        <p:txBody>
-          <a:bodyPr wrap="square" rtlCol="0">
-            <a:spAutoFit/>
-          </a:bodyPr>
-          <a:lstStyle/>
-          <a:p>
-            <a:r>
-              <a:rPr lang="en-US" altLang="zh-TW" sz="2800" b="1" dirty="0" err="1" smtClean="0">
-                <a:effectLst>
-                  <a:outerShdw blurRad="38100" dist="38100" dir="2700000" algn="tl">
-                    <a:srgbClr val="000000">
-                      <a:alpha val="43137"/>
-                    </a:srgbClr>
-                  </a:outerShdw>
-                </a:effectLst>
-              </a:rPr>
-              <a:t>Request_N</a:t>
-            </a:r>
-            <a:endParaRPr lang="zh-TW" altLang="en-US" sz="2800" b="1" dirty="0">
-              <a:effectLst>
-                <a:outerShdw blurRad="38100" dist="38100" dir="2700000" algn="tl">
-                  <a:srgbClr val="000000">
-                    <a:alpha val="43137"/>
-                  </a:srgbClr>
-                </a:outerShdw>
-              </a:effectLst>
-            </a:endParaRPr>
-          </a:p>
-        </p:txBody>
-      </p:sp>
-      <p:cxnSp>
-        <p:nvCxnSpPr>
-          <p:cNvPr id="24" name="直線接點 23"/>
-          <p:cNvCxnSpPr/>
-          <p:nvPr/>
-        </p:nvCxnSpPr>
-        <p:spPr>
-          <a:xfrm flipH="1">
-            <a:off x="971600" y="4509120"/>
-            <a:ext cx="648072" cy="0"/>
-          </a:xfrm>
-          <a:prstGeom prst="line">
-            <a:avLst/>
-          </a:prstGeom>
-          <a:ln w="19050">
-            <a:solidFill>
-              <a:schemeClr val="tx1"/>
-            </a:solidFill>
-          </a:ln>
-        </p:spPr>
-        <p:style>
-          <a:lnRef idx="1">
-            <a:schemeClr val="accent1"/>
-          </a:lnRef>
-          <a:fillRef idx="0">
-            <a:schemeClr val="accent1"/>
-          </a:fillRef>
-          <a:effectRef idx="0">
-            <a:schemeClr val="accent1"/>
-          </a:effectRef>
-          <a:fontRef idx="minor">
-            <a:schemeClr val="tx1"/>
-          </a:fontRef>
-        </p:style>
-      </p:cxnSp>
-      <p:sp>
-        <p:nvSpPr>
-          <p:cNvPr id="25" name="矩形 24"/>
-          <p:cNvSpPr/>
-          <p:nvPr/>
-        </p:nvSpPr>
-        <p:spPr>
-          <a:xfrm>
-            <a:off x="755576" y="5517232"/>
-            <a:ext cx="2623795" cy="523220"/>
-          </a:xfrm>
-          <a:prstGeom prst="rect">
-            <a:avLst/>
-          </a:prstGeom>
-        </p:spPr>
-        <p:txBody>
-          <a:bodyPr wrap="none">
-            <a:spAutoFit/>
-          </a:bodyPr>
-          <a:lstStyle/>
-          <a:p>
-            <a:r>
-              <a:rPr lang="en-US" altLang="zh-TW" sz="2800" b="1" dirty="0" err="1" smtClean="0">
-                <a:effectLst>
-                  <a:outerShdw blurRad="38100" dist="38100" dir="2700000" algn="tl">
-                    <a:srgbClr val="000000">
-                      <a:alpha val="43137"/>
-                    </a:srgbClr>
-                  </a:outerShdw>
-                </a:effectLst>
-              </a:rPr>
-              <a:t>Application_End</a:t>
-            </a:r>
-            <a:endParaRPr lang="zh-TW" altLang="en-US" sz="2800" b="1" dirty="0">
-              <a:effectLst>
-                <a:outerShdw blurRad="38100" dist="38100" dir="2700000" algn="tl">
-                  <a:srgbClr val="000000">
-                    <a:alpha val="43137"/>
-                  </a:srgbClr>
-                </a:outerShdw>
-              </a:effectLst>
-            </a:endParaRPr>
-          </a:p>
-        </p:txBody>
-      </p:sp>
-      <p:sp>
-        <p:nvSpPr>
-          <p:cNvPr id="26" name="矩形 25"/>
-          <p:cNvSpPr/>
-          <p:nvPr/>
-        </p:nvSpPr>
-        <p:spPr>
-          <a:xfrm>
-            <a:off x="611560" y="5373216"/>
-            <a:ext cx="4248472" cy="1296144"/>
-          </a:xfrm>
-          <a:prstGeom prst="rect">
-            <a:avLst/>
-          </a:prstGeom>
-          <a:noFill/>
-          <a:ln>
-            <a:solidFill>
-              <a:schemeClr val="tx1"/>
-            </a:solidFill>
-          </a:ln>
-        </p:spPr>
-        <p:style>
-          <a:lnRef idx="2">
-            <a:schemeClr val="accent1">
-              <a:shade val="50000"/>
-            </a:schemeClr>
-          </a:lnRef>
-          <a:fillRef idx="1">
-            <a:schemeClr val="accent1"/>
-          </a:fillRef>
-          <a:effectRef idx="0">
-            <a:schemeClr val="accent1"/>
-          </a:effectRef>
-          <a:fontRef idx="minor">
-            <a:schemeClr val="lt1"/>
-          </a:fontRef>
-        </p:style>
-        <p:txBody>
-          <a:bodyPr rtlCol="0" anchor="ctr"/>
-          <a:lstStyle/>
-          <a:p>
-            <a:pPr algn="ctr"/>
-            <a:endParaRPr lang="zh-TW" altLang="en-US"/>
-          </a:p>
-        </p:txBody>
-      </p:sp>
-      <p:sp>
-        <p:nvSpPr>
-          <p:cNvPr id="29" name="矩形 28"/>
-          <p:cNvSpPr/>
-          <p:nvPr/>
-        </p:nvSpPr>
-        <p:spPr>
-          <a:xfrm>
-            <a:off x="5292080" y="404664"/>
-            <a:ext cx="3096344" cy="288032"/>
-          </a:xfrm>
-          <a:prstGeom prst="rect">
-            <a:avLst/>
-          </a:prstGeom>
-          <a:noFill/>
-          <a:ln>
-            <a:solidFill>
-              <a:schemeClr val="tx1"/>
-            </a:solidFill>
-          </a:ln>
-        </p:spPr>
-        <p:style>
-          <a:lnRef idx="2">
-            <a:schemeClr val="accent1">
-              <a:shade val="50000"/>
-            </a:schemeClr>
-          </a:lnRef>
-          <a:fillRef idx="1">
-            <a:schemeClr val="accent1"/>
-          </a:fillRef>
-          <a:effectRef idx="0">
-            <a:schemeClr val="accent1"/>
-          </a:effectRef>
-          <a:fontRef idx="minor">
-            <a:schemeClr val="lt1"/>
-          </a:fontRef>
-        </p:style>
-        <p:txBody>
-          <a:bodyPr rtlCol="0" anchor="t"/>
-          <a:lstStyle/>
-          <a:p>
-            <a:pPr marL="228600" indent="-228600"/>
-            <a:r>
-              <a:rPr lang="en-US" altLang="zh-TW" sz="1100" b="1" dirty="0" err="1" smtClean="0">
-                <a:solidFill>
-                  <a:schemeClr val="tx1"/>
-                </a:solidFill>
-                <a:latin typeface="微軟正黑體" pitchFamily="34" charset="-120"/>
-                <a:ea typeface="微軟正黑體" pitchFamily="34" charset="-120"/>
-              </a:rPr>
-              <a:t>DelegeteRoleProvider.cs</a:t>
-            </a:r>
-            <a:r>
-              <a:rPr lang="en-US" altLang="zh-TW" sz="1100" b="1" dirty="0" smtClean="0">
-                <a:solidFill>
-                  <a:schemeClr val="tx1"/>
-                </a:solidFill>
-                <a:latin typeface="微軟正黑體" pitchFamily="34" charset="-120"/>
-                <a:ea typeface="微軟正黑體" pitchFamily="34" charset="-120"/>
-              </a:rPr>
-              <a:t> </a:t>
-            </a:r>
-            <a:r>
-              <a:rPr lang="zh-TW" altLang="en-US" sz="1100" b="1" dirty="0" smtClean="0">
-                <a:solidFill>
-                  <a:schemeClr val="tx1"/>
-                </a:solidFill>
-                <a:latin typeface="微軟正黑體" pitchFamily="34" charset="-120"/>
-                <a:ea typeface="微軟正黑體" pitchFamily="34" charset="-120"/>
-              </a:rPr>
-              <a:t>繼承</a:t>
-            </a:r>
-            <a:r>
-              <a:rPr lang="en-US" altLang="zh-TW" sz="1100" b="1" dirty="0" smtClean="0">
-                <a:solidFill>
-                  <a:schemeClr val="tx1"/>
-                </a:solidFill>
-                <a:latin typeface="微軟正黑體" pitchFamily="34" charset="-120"/>
-                <a:ea typeface="微軟正黑體" pitchFamily="34" charset="-120"/>
-              </a:rPr>
-              <a:t> </a:t>
-            </a:r>
-            <a:r>
-              <a:rPr lang="en-US" altLang="zh-TW" sz="1100" b="1" dirty="0" err="1" smtClean="0">
-                <a:solidFill>
-                  <a:schemeClr val="tx1"/>
-                </a:solidFill>
-                <a:latin typeface="微軟正黑體" pitchFamily="34" charset="-120"/>
-                <a:ea typeface="微軟正黑體" pitchFamily="34" charset="-120"/>
-              </a:rPr>
-              <a:t>RoleProvide</a:t>
-            </a:r>
-            <a:endParaRPr lang="zh-TW" altLang="en-US" sz="1100" b="1" dirty="0">
-              <a:solidFill>
-                <a:schemeClr val="tx1"/>
-              </a:solidFill>
-              <a:latin typeface="微軟正黑體" pitchFamily="34" charset="-120"/>
-              <a:ea typeface="微軟正黑體" pitchFamily="34" charset="-120"/>
-            </a:endParaRPr>
-          </a:p>
-        </p:txBody>
-      </p:sp>
-      <p:cxnSp>
-        <p:nvCxnSpPr>
-          <p:cNvPr id="30" name="直線接點 29"/>
-          <p:cNvCxnSpPr/>
-          <p:nvPr/>
-        </p:nvCxnSpPr>
-        <p:spPr>
-          <a:xfrm flipH="1">
-            <a:off x="4860032" y="548680"/>
-            <a:ext cx="432048" cy="0"/>
-          </a:xfrm>
-          <a:prstGeom prst="line">
-            <a:avLst/>
-          </a:prstGeom>
-          <a:ln w="19050">
-            <a:solidFill>
-              <a:schemeClr val="tx1"/>
-            </a:solidFill>
-          </a:ln>
-        </p:spPr>
-        <p:style>
-          <a:lnRef idx="1">
-            <a:schemeClr val="accent1"/>
-          </a:lnRef>
-          <a:fillRef idx="0">
-            <a:schemeClr val="accent1"/>
-          </a:fillRef>
-          <a:effectRef idx="0">
-            <a:schemeClr val="accent1"/>
-          </a:effectRef>
-          <a:fontRef idx="minor">
-            <a:schemeClr val="tx1"/>
-          </a:fontRef>
-        </p:style>
-      </p:cxnSp>
-      <p:sp>
-        <p:nvSpPr>
-          <p:cNvPr id="32" name="矩形 31"/>
-          <p:cNvSpPr/>
-          <p:nvPr/>
-        </p:nvSpPr>
-        <p:spPr>
-          <a:xfrm>
-            <a:off x="5292080" y="764704"/>
-            <a:ext cx="3168352" cy="288032"/>
-          </a:xfrm>
-          <a:prstGeom prst="rect">
-            <a:avLst/>
-          </a:prstGeom>
-          <a:noFill/>
-          <a:ln>
-            <a:solidFill>
-              <a:schemeClr val="tx1"/>
-            </a:solidFill>
-          </a:ln>
-        </p:spPr>
-        <p:style>
-          <a:lnRef idx="2">
-            <a:schemeClr val="accent1">
-              <a:shade val="50000"/>
-            </a:schemeClr>
-          </a:lnRef>
-          <a:fillRef idx="1">
-            <a:schemeClr val="accent1"/>
-          </a:fillRef>
-          <a:effectRef idx="0">
-            <a:schemeClr val="accent1"/>
-          </a:effectRef>
-          <a:fontRef idx="minor">
-            <a:schemeClr val="lt1"/>
-          </a:fontRef>
-        </p:style>
-        <p:txBody>
-          <a:bodyPr rtlCol="0" anchor="t"/>
-          <a:lstStyle/>
-          <a:p>
-            <a:pPr marL="228600" indent="-228600"/>
-            <a:r>
-              <a:rPr lang="en-US" altLang="zh-TW" sz="1100" b="1" dirty="0" err="1" smtClean="0">
-                <a:solidFill>
-                  <a:schemeClr val="tx1"/>
-                </a:solidFill>
-                <a:latin typeface="微軟正黑體" pitchFamily="34" charset="-120"/>
-                <a:ea typeface="微軟正黑體" pitchFamily="34" charset="-120"/>
-              </a:rPr>
-              <a:t>RBACContext.cs</a:t>
-            </a:r>
-            <a:r>
-              <a:rPr lang="zh-TW" altLang="en-US" sz="1100" b="1" dirty="0" smtClean="0">
-                <a:solidFill>
-                  <a:schemeClr val="tx1"/>
-                </a:solidFill>
-                <a:latin typeface="微軟正黑體" pitchFamily="34" charset="-120"/>
-                <a:ea typeface="微軟正黑體" pitchFamily="34" charset="-120"/>
-              </a:rPr>
-              <a:t> </a:t>
-            </a:r>
-            <a:r>
-              <a:rPr lang="en-US" altLang="zh-TW" sz="1100" b="1" dirty="0" smtClean="0">
-                <a:solidFill>
-                  <a:schemeClr val="tx1"/>
-                </a:solidFill>
-                <a:latin typeface="微軟正黑體" pitchFamily="34" charset="-120"/>
-                <a:ea typeface="微軟正黑體" pitchFamily="34" charset="-120"/>
-              </a:rPr>
-              <a:t>(</a:t>
-            </a:r>
-            <a:r>
-              <a:rPr lang="zh-TW" altLang="en-US" sz="1100" b="1" dirty="0" smtClean="0">
-                <a:solidFill>
-                  <a:schemeClr val="tx1"/>
-                </a:solidFill>
-                <a:latin typeface="微軟正黑體" pitchFamily="34" charset="-120"/>
-                <a:ea typeface="微軟正黑體" pitchFamily="34" charset="-120"/>
-              </a:rPr>
-              <a:t>線程層級的</a:t>
-            </a:r>
-            <a:r>
-              <a:rPr lang="en-US" altLang="zh-TW" sz="1100" b="1" dirty="0" smtClean="0">
-                <a:solidFill>
-                  <a:schemeClr val="tx1"/>
-                </a:solidFill>
-                <a:latin typeface="微軟正黑體" pitchFamily="34" charset="-120"/>
-                <a:ea typeface="微軟正黑體" pitchFamily="34" charset="-120"/>
-              </a:rPr>
-              <a:t>User)</a:t>
-            </a:r>
-            <a:endParaRPr lang="zh-TW" altLang="en-US" sz="1100" b="1" dirty="0">
-              <a:solidFill>
-                <a:schemeClr val="tx1"/>
-              </a:solidFill>
-              <a:latin typeface="微軟正黑體" pitchFamily="34" charset="-120"/>
-              <a:ea typeface="微軟正黑體" pitchFamily="34" charset="-120"/>
-            </a:endParaRPr>
-          </a:p>
-        </p:txBody>
-      </p:sp>
-      <p:cxnSp>
-        <p:nvCxnSpPr>
-          <p:cNvPr id="33" name="直線接點 32"/>
-          <p:cNvCxnSpPr/>
-          <p:nvPr/>
-        </p:nvCxnSpPr>
-        <p:spPr>
-          <a:xfrm flipH="1">
-            <a:off x="4860032" y="908720"/>
-            <a:ext cx="432048" cy="0"/>
-          </a:xfrm>
-          <a:prstGeom prst="line">
-            <a:avLst/>
-          </a:prstGeom>
-          <a:ln w="19050">
-            <a:solidFill>
-              <a:schemeClr val="tx1"/>
-            </a:solidFill>
-          </a:ln>
-        </p:spPr>
-        <p:style>
-          <a:lnRef idx="1">
-            <a:schemeClr val="accent1"/>
-          </a:lnRef>
-          <a:fillRef idx="0">
-            <a:schemeClr val="accent1"/>
-          </a:fillRef>
-          <a:effectRef idx="0">
-            <a:schemeClr val="accent1"/>
-          </a:effectRef>
-          <a:fontRef idx="minor">
-            <a:schemeClr val="tx1"/>
-          </a:fontRef>
-        </p:style>
-      </p:cxnSp>
-      <p:sp>
-        <p:nvSpPr>
-          <p:cNvPr id="34" name="矩形 33"/>
-          <p:cNvSpPr/>
-          <p:nvPr/>
-        </p:nvSpPr>
-        <p:spPr>
-          <a:xfrm>
-            <a:off x="5292080" y="1484784"/>
-            <a:ext cx="3168352" cy="504056"/>
-          </a:xfrm>
-          <a:prstGeom prst="rect">
-            <a:avLst/>
-          </a:prstGeom>
-          <a:noFill/>
-          <a:ln>
-            <a:solidFill>
-              <a:schemeClr val="tx1"/>
-            </a:solidFill>
-          </a:ln>
-        </p:spPr>
-        <p:style>
-          <a:lnRef idx="2">
-            <a:schemeClr val="accent1">
-              <a:shade val="50000"/>
-            </a:schemeClr>
-          </a:lnRef>
-          <a:fillRef idx="1">
-            <a:schemeClr val="accent1"/>
-          </a:fillRef>
-          <a:effectRef idx="0">
-            <a:schemeClr val="accent1"/>
-          </a:effectRef>
-          <a:fontRef idx="minor">
-            <a:schemeClr val="lt1"/>
-          </a:fontRef>
-        </p:style>
-        <p:txBody>
-          <a:bodyPr rtlCol="0" anchor="t"/>
-          <a:lstStyle/>
-          <a:p>
-            <a:pPr marL="228600" indent="-228600"/>
-            <a:r>
-              <a:rPr lang="en-US" altLang="zh-TW" sz="1100" b="1" dirty="0" err="1" smtClean="0">
-                <a:solidFill>
-                  <a:schemeClr val="tx1"/>
-                </a:solidFill>
-                <a:latin typeface="微軟正黑體" pitchFamily="34" charset="-120"/>
-                <a:ea typeface="微軟正黑體" pitchFamily="34" charset="-120"/>
-              </a:rPr>
-              <a:t>MvcAuthorizeAttribute.cs</a:t>
-            </a:r>
-            <a:r>
-              <a:rPr lang="en-US" altLang="zh-TW" sz="1100" b="1" dirty="0" smtClean="0">
-                <a:solidFill>
-                  <a:schemeClr val="tx1"/>
-                </a:solidFill>
-                <a:latin typeface="微軟正黑體" pitchFamily="34" charset="-120"/>
-                <a:ea typeface="微軟正黑體" pitchFamily="34" charset="-120"/>
-              </a:rPr>
-              <a:t> </a:t>
-            </a:r>
-          </a:p>
-          <a:p>
-            <a:pPr marL="228600" indent="-228600"/>
-            <a:r>
-              <a:rPr lang="en-US" altLang="zh-TW" sz="1100" b="1" dirty="0" smtClean="0">
-                <a:solidFill>
-                  <a:schemeClr val="tx1"/>
-                </a:solidFill>
-                <a:latin typeface="微軟正黑體" pitchFamily="34" charset="-120"/>
-                <a:ea typeface="微軟正黑體" pitchFamily="34" charset="-120"/>
-              </a:rPr>
-              <a:t>(</a:t>
-            </a:r>
-            <a:r>
-              <a:rPr lang="zh-TW" altLang="en-US" sz="1100" b="1" dirty="0" smtClean="0">
-                <a:solidFill>
-                  <a:schemeClr val="tx1"/>
-                </a:solidFill>
-                <a:latin typeface="微軟正黑體" pitchFamily="34" charset="-120"/>
-                <a:ea typeface="微軟正黑體" pitchFamily="34" charset="-120"/>
-              </a:rPr>
-              <a:t>每個</a:t>
-            </a:r>
-            <a:r>
-              <a:rPr lang="en-US" altLang="zh-TW" sz="1100" b="1" dirty="0" smtClean="0">
-                <a:solidFill>
-                  <a:schemeClr val="tx1"/>
-                </a:solidFill>
-                <a:latin typeface="微軟正黑體" pitchFamily="34" charset="-120"/>
-                <a:ea typeface="微軟正黑體" pitchFamily="34" charset="-120"/>
-              </a:rPr>
-              <a:t>Request</a:t>
-            </a:r>
-            <a:r>
-              <a:rPr lang="zh-TW" altLang="en-US" sz="1100" b="1" dirty="0" smtClean="0">
-                <a:solidFill>
-                  <a:schemeClr val="tx1"/>
-                </a:solidFill>
-                <a:latin typeface="微軟正黑體" pitchFamily="34" charset="-120"/>
-                <a:ea typeface="微軟正黑體" pitchFamily="34" charset="-120"/>
-              </a:rPr>
-              <a:t>都匯進來做權限查詢</a:t>
-            </a:r>
-            <a:r>
-              <a:rPr lang="en-US" altLang="zh-TW" sz="1100" b="1" dirty="0" smtClean="0">
-                <a:solidFill>
-                  <a:schemeClr val="tx1"/>
-                </a:solidFill>
-                <a:latin typeface="微軟正黑體" pitchFamily="34" charset="-120"/>
-                <a:ea typeface="微軟正黑體" pitchFamily="34" charset="-120"/>
-              </a:rPr>
-              <a:t>)</a:t>
-            </a:r>
-            <a:endParaRPr lang="zh-TW" altLang="en-US" sz="1100" b="1" dirty="0">
-              <a:solidFill>
-                <a:schemeClr val="tx1"/>
-              </a:solidFill>
-              <a:latin typeface="微軟正黑體" pitchFamily="34" charset="-120"/>
-              <a:ea typeface="微軟正黑體" pitchFamily="34" charset="-120"/>
-            </a:endParaRPr>
-          </a:p>
-        </p:txBody>
-      </p:sp>
-      <p:cxnSp>
-        <p:nvCxnSpPr>
-          <p:cNvPr id="35" name="直線接點 34"/>
-          <p:cNvCxnSpPr/>
-          <p:nvPr/>
-        </p:nvCxnSpPr>
-        <p:spPr>
-          <a:xfrm flipH="1">
-            <a:off x="4860032" y="1628800"/>
-            <a:ext cx="432048" cy="0"/>
-          </a:xfrm>
-          <a:prstGeom prst="line">
-            <a:avLst/>
-          </a:prstGeom>
-          <a:ln w="19050">
-            <a:solidFill>
-              <a:schemeClr val="tx1"/>
-            </a:solidFill>
-          </a:ln>
-        </p:spPr>
-        <p:style>
-          <a:lnRef idx="1">
-            <a:schemeClr val="accent1"/>
-          </a:lnRef>
-          <a:fillRef idx="0">
-            <a:schemeClr val="accent1"/>
-          </a:fillRef>
-          <a:effectRef idx="0">
-            <a:schemeClr val="accent1"/>
-          </a:effectRef>
-          <a:fontRef idx="minor">
-            <a:schemeClr val="tx1"/>
-          </a:fontRef>
-        </p:style>
-      </p:cxnSp>
-      <p:sp>
-        <p:nvSpPr>
-          <p:cNvPr id="38" name="文字方塊 37"/>
-          <p:cNvSpPr txBox="1"/>
-          <p:nvPr/>
-        </p:nvSpPr>
-        <p:spPr>
-          <a:xfrm rot="5400000">
-            <a:off x="2133310" y="3923474"/>
-            <a:ext cx="504056" cy="523220"/>
-          </a:xfrm>
-          <a:prstGeom prst="rect">
-            <a:avLst/>
-          </a:prstGeom>
-          <a:noFill/>
-        </p:spPr>
-        <p:txBody>
-          <a:bodyPr wrap="square" rtlCol="0">
-            <a:spAutoFit/>
-          </a:bodyPr>
-          <a:lstStyle/>
-          <a:p>
-            <a:r>
-              <a:rPr lang="en-US" altLang="zh-TW" sz="2800" b="1" dirty="0" smtClean="0">
-                <a:effectLst>
-                  <a:outerShdw blurRad="38100" dist="38100" dir="2700000" algn="tl">
-                    <a:srgbClr val="000000">
-                      <a:alpha val="43137"/>
-                    </a:srgbClr>
-                  </a:outerShdw>
-                </a:effectLst>
-              </a:rPr>
-              <a:t>…</a:t>
-            </a:r>
-            <a:endParaRPr lang="zh-TW" altLang="en-US" sz="2800" b="1" dirty="0">
-              <a:effectLst>
-                <a:outerShdw blurRad="38100" dist="38100" dir="2700000" algn="tl">
-                  <a:srgbClr val="000000">
-                    <a:alpha val="43137"/>
-                  </a:srgbClr>
-                </a:outerShdw>
-              </a:effectLst>
-            </a:endParaRPr>
-          </a:p>
-        </p:txBody>
-      </p:sp>
-      <p:sp>
-        <p:nvSpPr>
-          <p:cNvPr id="21" name="AutoShape 229">
-            <a:hlinkClick r:id="rId2" action="ppaction://hlinksldjump" highlightClick="1"/>
-          </p:cNvPr>
-          <p:cNvSpPr>
-            <a:spLocks noChangeArrowheads="1"/>
-          </p:cNvSpPr>
-          <p:nvPr/>
-        </p:nvSpPr>
-        <p:spPr bwMode="auto">
-          <a:xfrm>
-            <a:off x="8172400" y="1700808"/>
-            <a:ext cx="252412" cy="252412"/>
-          </a:xfrm>
-          <a:prstGeom prst="actionButtonForwardNext">
-            <a:avLst/>
-          </a:prstGeom>
-          <a:solidFill>
-            <a:srgbClr val="339966"/>
-          </a:solidFill>
-          <a:ln w="9525">
-            <a:noFill/>
-            <a:miter lim="800000"/>
-            <a:headEnd/>
-            <a:tailEnd/>
-          </a:ln>
-        </p:spPr>
-        <p:txBody>
-          <a:bodyPr anchor="ctr">
-            <a:spAutoFit/>
-          </a:bodyPr>
-          <a:lstStyle/>
-          <a:p>
-            <a:endParaRPr lang="zh-TW" altLang="en-US">
-              <a:ea typeface="文鼎黑體M"/>
-            </a:endParaRPr>
-          </a:p>
-        </p:txBody>
-      </p:sp>
-      <p:sp>
-        <p:nvSpPr>
-          <p:cNvPr id="22" name="AutoShape 229">
-            <a:hlinkClick r:id="rId3" action="ppaction://hlinksldjump" highlightClick="1"/>
-          </p:cNvPr>
-          <p:cNvSpPr>
-            <a:spLocks noChangeArrowheads="1"/>
-          </p:cNvSpPr>
-          <p:nvPr/>
-        </p:nvSpPr>
-        <p:spPr bwMode="auto">
-          <a:xfrm>
-            <a:off x="4499992" y="1196752"/>
-            <a:ext cx="252412" cy="252412"/>
-          </a:xfrm>
-          <a:prstGeom prst="actionButtonForwardNext">
-            <a:avLst/>
-          </a:prstGeom>
-          <a:solidFill>
-            <a:srgbClr val="339966"/>
-          </a:solidFill>
-          <a:ln w="9525">
-            <a:noFill/>
-            <a:miter lim="800000"/>
-            <a:headEnd/>
-            <a:tailEnd/>
-          </a:ln>
-        </p:spPr>
-        <p:txBody>
-          <a:bodyPr anchor="ctr">
-            <a:spAutoFit/>
-          </a:bodyPr>
-          <a:lstStyle/>
-          <a:p>
-            <a:endParaRPr lang="zh-TW" altLang="en-US">
-              <a:ea typeface="文鼎黑體M"/>
-            </a:endParaRPr>
-          </a:p>
-        </p:txBody>
-      </p:sp>
-      <p:sp>
-        <p:nvSpPr>
-          <p:cNvPr id="27" name="AutoShape 229">
-            <a:hlinkClick r:id="rId4" action="ppaction://hlinksldjump" highlightClick="1"/>
-          </p:cNvPr>
-          <p:cNvSpPr>
-            <a:spLocks noChangeArrowheads="1"/>
-          </p:cNvSpPr>
-          <p:nvPr/>
-        </p:nvSpPr>
-        <p:spPr bwMode="auto">
-          <a:xfrm>
-            <a:off x="5580112" y="3429000"/>
-            <a:ext cx="252412" cy="252412"/>
-          </a:xfrm>
-          <a:prstGeom prst="actionButtonForwardNext">
-            <a:avLst/>
-          </a:prstGeom>
-          <a:solidFill>
-            <a:srgbClr val="339966"/>
-          </a:solidFill>
-          <a:ln w="9525">
-            <a:noFill/>
-            <a:miter lim="800000"/>
-            <a:headEnd/>
-            <a:tailEnd/>
-          </a:ln>
-        </p:spPr>
-        <p:txBody>
-          <a:bodyPr anchor="ctr">
-            <a:spAutoFit/>
-          </a:bodyPr>
-          <a:lstStyle/>
-          <a:p>
-            <a:endParaRPr lang="zh-TW" altLang="en-US">
-              <a:ea typeface="文鼎黑體M"/>
-            </a:endParaRPr>
-          </a:p>
-        </p:txBody>
-      </p:sp>
-      <p:sp>
-        <p:nvSpPr>
-          <p:cNvPr id="28" name="AutoShape 229">
-            <a:hlinkClick r:id="rId5" action="ppaction://hlinksldjump" highlightClick="1"/>
-          </p:cNvPr>
-          <p:cNvSpPr>
-            <a:spLocks noChangeArrowheads="1"/>
-          </p:cNvSpPr>
-          <p:nvPr/>
-        </p:nvSpPr>
-        <p:spPr bwMode="auto">
-          <a:xfrm>
-            <a:off x="8532440" y="404664"/>
-            <a:ext cx="252412" cy="252412"/>
-          </a:xfrm>
-          <a:prstGeom prst="actionButtonForwardNext">
-            <a:avLst/>
-          </a:prstGeom>
-          <a:solidFill>
-            <a:srgbClr val="339966"/>
-          </a:solidFill>
-          <a:ln w="9525">
-            <a:noFill/>
-            <a:miter lim="800000"/>
-            <a:headEnd/>
-            <a:tailEnd/>
-          </a:ln>
-        </p:spPr>
-        <p:txBody>
-          <a:bodyPr anchor="ctr">
-            <a:spAutoFit/>
-          </a:bodyPr>
-          <a:lstStyle/>
-          <a:p>
-            <a:endParaRPr lang="zh-TW" altLang="en-US">
-              <a:ea typeface="文鼎黑體M"/>
-            </a:endParaRPr>
-          </a:p>
-        </p:txBody>
-      </p:sp>
-      <p:sp>
-        <p:nvSpPr>
-          <p:cNvPr id="31" name="AutoShape 229">
-            <a:hlinkClick r:id="rId6" action="ppaction://hlinksldjump" highlightClick="1"/>
-          </p:cNvPr>
-          <p:cNvSpPr>
-            <a:spLocks noChangeArrowheads="1"/>
-          </p:cNvSpPr>
-          <p:nvPr/>
-        </p:nvSpPr>
-        <p:spPr bwMode="auto">
-          <a:xfrm>
-            <a:off x="8891588" y="404664"/>
-            <a:ext cx="252412" cy="252412"/>
-          </a:xfrm>
-          <a:prstGeom prst="actionButtonForwardNext">
-            <a:avLst/>
-          </a:prstGeom>
-          <a:solidFill>
-            <a:srgbClr val="339966"/>
-          </a:solidFill>
-          <a:ln w="9525">
-            <a:noFill/>
-            <a:miter lim="800000"/>
-            <a:headEnd/>
-            <a:tailEnd/>
-          </a:ln>
-        </p:spPr>
-        <p:txBody>
-          <a:bodyPr anchor="ctr">
-            <a:spAutoFit/>
-          </a:bodyPr>
-          <a:lstStyle/>
-          <a:p>
-            <a:endParaRPr lang="zh-TW" altLang="en-US">
-              <a:ea typeface="文鼎黑體M"/>
-            </a:endParaRPr>
-          </a:p>
-        </p:txBody>
-      </p:sp>
-      <p:sp>
-        <p:nvSpPr>
-          <p:cNvPr id="36" name="文字方塊 35"/>
-          <p:cNvSpPr txBox="1"/>
-          <p:nvPr/>
-        </p:nvSpPr>
-        <p:spPr>
-          <a:xfrm>
-            <a:off x="8423260" y="188640"/>
-            <a:ext cx="466794" cy="261610"/>
-          </a:xfrm>
-          <a:prstGeom prst="rect">
-            <a:avLst/>
-          </a:prstGeom>
-          <a:noFill/>
-        </p:spPr>
-        <p:txBody>
-          <a:bodyPr wrap="none" rtlCol="0">
-            <a:spAutoFit/>
-          </a:bodyPr>
-          <a:lstStyle/>
-          <a:p>
-            <a:r>
-              <a:rPr lang="zh-TW" altLang="en-US" sz="1050" dirty="0" smtClean="0"/>
-              <a:t>功能</a:t>
-            </a:r>
-            <a:endParaRPr lang="zh-TW" altLang="en-US" sz="1050" dirty="0"/>
-          </a:p>
-        </p:txBody>
-      </p:sp>
-      <p:sp>
-        <p:nvSpPr>
-          <p:cNvPr id="37" name="文字方塊 36"/>
-          <p:cNvSpPr txBox="1"/>
-          <p:nvPr/>
-        </p:nvSpPr>
-        <p:spPr>
-          <a:xfrm>
-            <a:off x="8820472" y="188640"/>
-            <a:ext cx="453970" cy="253916"/>
-          </a:xfrm>
-          <a:prstGeom prst="rect">
-            <a:avLst/>
-          </a:prstGeom>
-          <a:noFill/>
-        </p:spPr>
-        <p:txBody>
-          <a:bodyPr wrap="none" rtlCol="0">
-            <a:spAutoFit/>
-          </a:bodyPr>
-          <a:lstStyle/>
-          <a:p>
-            <a:r>
-              <a:rPr lang="zh-TW" altLang="en-US" sz="1050" dirty="0" smtClean="0"/>
-              <a:t>註冊</a:t>
-            </a:r>
-            <a:endParaRPr lang="zh-TW" altLang="en-US" sz="1050" dirty="0"/>
           </a:p>
         </p:txBody>
       </p:sp>
@@ -4830,7 +3484,7 @@
 </p:sld>
 </file>
 
-<file path=ppt/slides/slide2.xml><?xml version="1.0" encoding="utf-8"?>
+<file path=ppt/slides/slide10.xml><?xml version="1.0" encoding="utf-8"?>
 <p:sld xmlns:a="http://schemas.openxmlformats.org/drawingml/2006/main" xmlns:r="http://schemas.openxmlformats.org/officeDocument/2006/relationships" xmlns:p="http://schemas.openxmlformats.org/presentationml/2006/main">
   <p:cSld>
     <p:spTree>
@@ -4918,6 +3572,37 @@
           </a:p>
         </p:txBody>
       </p:sp>
+      <p:cxnSp>
+        <p:nvCxnSpPr>
+          <p:cNvPr id="4" name="直線接點 3"/>
+          <p:cNvCxnSpPr/>
+          <p:nvPr/>
+        </p:nvCxnSpPr>
+        <p:spPr>
+          <a:xfrm>
+            <a:off x="0" y="0"/>
+            <a:ext cx="9144000" cy="6858000"/>
+          </a:xfrm>
+          <a:prstGeom prst="line">
+            <a:avLst/>
+          </a:prstGeom>
+          <a:ln w="38100"/>
+        </p:spPr>
+        <p:style>
+          <a:lnRef idx="1">
+            <a:schemeClr val="accent1"/>
+          </a:lnRef>
+          <a:fillRef idx="0">
+            <a:schemeClr val="accent1"/>
+          </a:fillRef>
+          <a:effectRef idx="0">
+            <a:schemeClr val="accent1"/>
+          </a:effectRef>
+          <a:fontRef idx="minor">
+            <a:schemeClr val="tx1"/>
+          </a:fontRef>
+        </p:style>
+      </p:cxnSp>
     </p:spTree>
   </p:cSld>
   <p:clrMapOvr>
@@ -4926,7 +3611,7 @@
 </p:sld>
 </file>
 
-<file path=ppt/slides/slide3.xml><?xml version="1.0" encoding="utf-8"?>
+<file path=ppt/slides/slide11.xml><?xml version="1.0" encoding="utf-8"?>
 <p:sld xmlns:a="http://schemas.openxmlformats.org/drawingml/2006/main" xmlns:r="http://schemas.openxmlformats.org/officeDocument/2006/relationships" xmlns:p="http://schemas.openxmlformats.org/presentationml/2006/main">
   <p:cSld>
     <p:spTree>
@@ -5014,6 +3699,37 @@
           </a:p>
         </p:txBody>
       </p:sp>
+      <p:cxnSp>
+        <p:nvCxnSpPr>
+          <p:cNvPr id="4" name="直線接點 3"/>
+          <p:cNvCxnSpPr/>
+          <p:nvPr/>
+        </p:nvCxnSpPr>
+        <p:spPr>
+          <a:xfrm>
+            <a:off x="0" y="0"/>
+            <a:ext cx="9144000" cy="6858000"/>
+          </a:xfrm>
+          <a:prstGeom prst="line">
+            <a:avLst/>
+          </a:prstGeom>
+          <a:ln w="38100"/>
+        </p:spPr>
+        <p:style>
+          <a:lnRef idx="1">
+            <a:schemeClr val="accent1"/>
+          </a:lnRef>
+          <a:fillRef idx="0">
+            <a:schemeClr val="accent1"/>
+          </a:fillRef>
+          <a:effectRef idx="0">
+            <a:schemeClr val="accent1"/>
+          </a:effectRef>
+          <a:fontRef idx="minor">
+            <a:schemeClr val="tx1"/>
+          </a:fontRef>
+        </p:style>
+      </p:cxnSp>
     </p:spTree>
   </p:cSld>
   <p:clrMapOvr>
@@ -5022,7 +3738,7 @@
 </p:sld>
 </file>
 
-<file path=ppt/slides/slide4.xml><?xml version="1.0" encoding="utf-8"?>
+<file path=ppt/slides/slide12.xml><?xml version="1.0" encoding="utf-8"?>
 <p:sld xmlns:a="http://schemas.openxmlformats.org/drawingml/2006/main" xmlns:r="http://schemas.openxmlformats.org/officeDocument/2006/relationships" xmlns:p="http://schemas.openxmlformats.org/presentationml/2006/main">
   <p:cSld>
     <p:spTree>
@@ -5375,6 +4091,37 @@
           </a:p>
         </p:txBody>
       </p:sp>
+      <p:cxnSp>
+        <p:nvCxnSpPr>
+          <p:cNvPr id="10" name="直線接點 9"/>
+          <p:cNvCxnSpPr/>
+          <p:nvPr/>
+        </p:nvCxnSpPr>
+        <p:spPr>
+          <a:xfrm>
+            <a:off x="0" y="0"/>
+            <a:ext cx="9144000" cy="6858000"/>
+          </a:xfrm>
+          <a:prstGeom prst="line">
+            <a:avLst/>
+          </a:prstGeom>
+          <a:ln w="38100"/>
+        </p:spPr>
+        <p:style>
+          <a:lnRef idx="1">
+            <a:schemeClr val="accent1"/>
+          </a:lnRef>
+          <a:fillRef idx="0">
+            <a:schemeClr val="accent1"/>
+          </a:fillRef>
+          <a:effectRef idx="0">
+            <a:schemeClr val="accent1"/>
+          </a:effectRef>
+          <a:fontRef idx="minor">
+            <a:schemeClr val="tx1"/>
+          </a:fontRef>
+        </p:style>
+      </p:cxnSp>
     </p:spTree>
   </p:cSld>
   <p:clrMapOvr>
@@ -5383,7 +4130,7 @@
 </p:sld>
 </file>
 
-<file path=ppt/slides/slide5.xml><?xml version="1.0" encoding="utf-8"?>
+<file path=ppt/slides/slide13.xml><?xml version="1.0" encoding="utf-8"?>
 <p:sld xmlns:a="http://schemas.openxmlformats.org/drawingml/2006/main" xmlns:r="http://schemas.openxmlformats.org/officeDocument/2006/relationships" xmlns:p="http://schemas.openxmlformats.org/presentationml/2006/main">
   <p:cSld>
     <p:spTree>
@@ -5699,6 +4446,37 @@
           </a:fontRef>
         </p:style>
       </p:cxnSp>
+      <p:cxnSp>
+        <p:nvCxnSpPr>
+          <p:cNvPr id="8" name="直線接點 7"/>
+          <p:cNvCxnSpPr/>
+          <p:nvPr/>
+        </p:nvCxnSpPr>
+        <p:spPr>
+          <a:xfrm>
+            <a:off x="0" y="0"/>
+            <a:ext cx="9144000" cy="6858000"/>
+          </a:xfrm>
+          <a:prstGeom prst="line">
+            <a:avLst/>
+          </a:prstGeom>
+          <a:ln w="38100"/>
+        </p:spPr>
+        <p:style>
+          <a:lnRef idx="1">
+            <a:schemeClr val="accent1"/>
+          </a:lnRef>
+          <a:fillRef idx="0">
+            <a:schemeClr val="accent1"/>
+          </a:fillRef>
+          <a:effectRef idx="0">
+            <a:schemeClr val="accent1"/>
+          </a:effectRef>
+          <a:fontRef idx="minor">
+            <a:schemeClr val="tx1"/>
+          </a:fontRef>
+        </p:style>
+      </p:cxnSp>
     </p:spTree>
   </p:cSld>
   <p:clrMapOvr>
@@ -5707,7 +4485,7 @@
 </p:sld>
 </file>
 
-<file path=ppt/slides/slide6.xml><?xml version="1.0" encoding="utf-8"?>
+<file path=ppt/slides/slide14.xml><?xml version="1.0" encoding="utf-8"?>
 <p:sld xmlns:a="http://schemas.openxmlformats.org/drawingml/2006/main" xmlns:r="http://schemas.openxmlformats.org/officeDocument/2006/relationships" xmlns:p="http://schemas.openxmlformats.org/presentationml/2006/main">
   <p:cSld>
     <p:spTree>
@@ -6057,6 +4835,37 @@
           </a:p>
         </p:txBody>
       </p:sp>
+      <p:cxnSp>
+        <p:nvCxnSpPr>
+          <p:cNvPr id="5" name="直線接點 4"/>
+          <p:cNvCxnSpPr/>
+          <p:nvPr/>
+        </p:nvCxnSpPr>
+        <p:spPr>
+          <a:xfrm>
+            <a:off x="0" y="0"/>
+            <a:ext cx="9144000" cy="6858000"/>
+          </a:xfrm>
+          <a:prstGeom prst="line">
+            <a:avLst/>
+          </a:prstGeom>
+          <a:ln w="38100"/>
+        </p:spPr>
+        <p:style>
+          <a:lnRef idx="1">
+            <a:schemeClr val="accent1"/>
+          </a:lnRef>
+          <a:fillRef idx="0">
+            <a:schemeClr val="accent1"/>
+          </a:fillRef>
+          <a:effectRef idx="0">
+            <a:schemeClr val="accent1"/>
+          </a:effectRef>
+          <a:fontRef idx="minor">
+            <a:schemeClr val="tx1"/>
+          </a:fontRef>
+        </p:style>
+      </p:cxnSp>
     </p:spTree>
   </p:cSld>
   <p:clrMapOvr>
@@ -6065,7 +4874,7 @@
 </p:sld>
 </file>
 
-<file path=ppt/slides/slide7.xml><?xml version="1.0" encoding="utf-8"?>
+<file path=ppt/slides/slide15.xml><?xml version="1.0" encoding="utf-8"?>
 <p:sld xmlns:a="http://schemas.openxmlformats.org/drawingml/2006/main" xmlns:r="http://schemas.openxmlformats.org/officeDocument/2006/relationships" xmlns:p="http://schemas.openxmlformats.org/presentationml/2006/main">
   <p:cSld>
     <p:spTree>
@@ -6257,6 +5066,37 @@
           </a:p>
         </p:txBody>
       </p:sp>
+      <p:cxnSp>
+        <p:nvCxnSpPr>
+          <p:cNvPr id="6" name="直線接點 5"/>
+          <p:cNvCxnSpPr/>
+          <p:nvPr/>
+        </p:nvCxnSpPr>
+        <p:spPr>
+          <a:xfrm>
+            <a:off x="0" y="0"/>
+            <a:ext cx="9144000" cy="6858000"/>
+          </a:xfrm>
+          <a:prstGeom prst="line">
+            <a:avLst/>
+          </a:prstGeom>
+          <a:ln w="38100"/>
+        </p:spPr>
+        <p:style>
+          <a:lnRef idx="1">
+            <a:schemeClr val="accent1"/>
+          </a:lnRef>
+          <a:fillRef idx="0">
+            <a:schemeClr val="accent1"/>
+          </a:fillRef>
+          <a:effectRef idx="0">
+            <a:schemeClr val="accent1"/>
+          </a:effectRef>
+          <a:fontRef idx="minor">
+            <a:schemeClr val="tx1"/>
+          </a:fontRef>
+        </p:style>
+      </p:cxnSp>
     </p:spTree>
   </p:cSld>
   <p:clrMapOvr>
@@ -6265,7 +5105,7 @@
 </p:sld>
 </file>
 
-<file path=ppt/slides/slide8.xml><?xml version="1.0" encoding="utf-8"?>
+<file path=ppt/slides/slide16.xml><?xml version="1.0" encoding="utf-8"?>
 <p:sld xmlns:a="http://schemas.openxmlformats.org/drawingml/2006/main" xmlns:r="http://schemas.openxmlformats.org/officeDocument/2006/relationships" xmlns:p="http://schemas.openxmlformats.org/presentationml/2006/main">
   <p:cSld>
     <p:spTree>
@@ -6358,6 +5198,37 @@
           <a:effectLst/>
         </p:spPr>
       </p:pic>
+      <p:cxnSp>
+        <p:nvCxnSpPr>
+          <p:cNvPr id="5" name="直線接點 4"/>
+          <p:cNvCxnSpPr/>
+          <p:nvPr/>
+        </p:nvCxnSpPr>
+        <p:spPr>
+          <a:xfrm>
+            <a:off x="0" y="0"/>
+            <a:ext cx="9144000" cy="6858000"/>
+          </a:xfrm>
+          <a:prstGeom prst="line">
+            <a:avLst/>
+          </a:prstGeom>
+          <a:ln w="38100"/>
+        </p:spPr>
+        <p:style>
+          <a:lnRef idx="1">
+            <a:schemeClr val="accent1"/>
+          </a:lnRef>
+          <a:fillRef idx="0">
+            <a:schemeClr val="accent1"/>
+          </a:fillRef>
+          <a:effectRef idx="0">
+            <a:schemeClr val="accent1"/>
+          </a:effectRef>
+          <a:fontRef idx="minor">
+            <a:schemeClr val="tx1"/>
+          </a:fontRef>
+        </p:style>
+      </p:cxnSp>
     </p:spTree>
   </p:cSld>
   <p:clrMapOvr>
@@ -6366,7 +5237,7 @@
 </p:sld>
 </file>
 
-<file path=ppt/slides/slide9.xml><?xml version="1.0" encoding="utf-8"?>
+<file path=ppt/slides/slide17.xml><?xml version="1.0" encoding="utf-8"?>
 <p:sld xmlns:a="http://schemas.openxmlformats.org/drawingml/2006/main" xmlns:r="http://schemas.openxmlformats.org/officeDocument/2006/relationships" xmlns:p="http://schemas.openxmlformats.org/presentationml/2006/main">
   <p:cSld>
     <p:spTree>
@@ -6679,6 +5550,3219 @@
           </a:p>
         </p:txBody>
       </p:sp>
+      <p:cxnSp>
+        <p:nvCxnSpPr>
+          <p:cNvPr id="9" name="直線接點 8"/>
+          <p:cNvCxnSpPr/>
+          <p:nvPr/>
+        </p:nvCxnSpPr>
+        <p:spPr>
+          <a:xfrm>
+            <a:off x="0" y="0"/>
+            <a:ext cx="9144000" cy="6858000"/>
+          </a:xfrm>
+          <a:prstGeom prst="line">
+            <a:avLst/>
+          </a:prstGeom>
+          <a:ln w="38100"/>
+        </p:spPr>
+        <p:style>
+          <a:lnRef idx="1">
+            <a:schemeClr val="accent1"/>
+          </a:lnRef>
+          <a:fillRef idx="0">
+            <a:schemeClr val="accent1"/>
+          </a:fillRef>
+          <a:effectRef idx="0">
+            <a:schemeClr val="accent1"/>
+          </a:effectRef>
+          <a:fontRef idx="minor">
+            <a:schemeClr val="tx1"/>
+          </a:fontRef>
+        </p:style>
+      </p:cxnSp>
+    </p:spTree>
+  </p:cSld>
+  <p:clrMapOvr>
+    <a:masterClrMapping/>
+  </p:clrMapOvr>
+</p:sld>
+</file>
+
+<file path=ppt/slides/slide2.xml><?xml version="1.0" encoding="utf-8"?>
+<p:sld xmlns:a="http://schemas.openxmlformats.org/drawingml/2006/main" xmlns:r="http://schemas.openxmlformats.org/officeDocument/2006/relationships" xmlns:p="http://schemas.openxmlformats.org/presentationml/2006/main">
+  <p:cSld>
+    <p:spTree>
+      <p:nvGrpSpPr>
+        <p:cNvPr id="1" name=""/>
+        <p:cNvGrpSpPr/>
+        <p:nvPr/>
+      </p:nvGrpSpPr>
+      <p:grpSpPr>
+        <a:xfrm>
+          <a:off x="0" y="0"/>
+          <a:ext cx="0" cy="0"/>
+          <a:chOff x="0" y="0"/>
+          <a:chExt cx="0" cy="0"/>
+        </a:xfrm>
+      </p:grpSpPr>
+      <p:sp>
+        <p:nvSpPr>
+          <p:cNvPr id="2" name="標題 1"/>
+          <p:cNvSpPr>
+            <a:spLocks noGrp="1"/>
+          </p:cNvSpPr>
+          <p:nvPr>
+            <p:ph type="title"/>
+          </p:nvPr>
+        </p:nvSpPr>
+        <p:spPr/>
+        <p:txBody>
+          <a:bodyPr/>
+          <a:lstStyle/>
+          <a:p>
+            <a:r>
+              <a:rPr lang="en-US" altLang="zh-TW" dirty="0" smtClean="0"/>
+              <a:t>Cookie-&gt;</a:t>
+            </a:r>
+            <a:r>
+              <a:rPr lang="en-US" altLang="zh-TW" dirty="0" err="1" smtClean="0"/>
+              <a:t>UserData</a:t>
+            </a:r>
+            <a:r>
+              <a:rPr lang="en-US" altLang="zh-TW" dirty="0" smtClean="0"/>
+              <a:t> </a:t>
+            </a:r>
+            <a:r>
+              <a:rPr lang="zh-TW" altLang="en-US" dirty="0" smtClean="0"/>
+              <a:t>說明</a:t>
+            </a:r>
+            <a:endParaRPr lang="zh-TW" altLang="en-US" dirty="0"/>
+          </a:p>
+        </p:txBody>
+      </p:sp>
+      <p:pic>
+        <p:nvPicPr>
+          <p:cNvPr id="6146" name="Picture 2"/>
+          <p:cNvPicPr>
+            <a:picLocks noChangeAspect="1" noChangeArrowheads="1"/>
+          </p:cNvPicPr>
+          <p:nvPr/>
+        </p:nvPicPr>
+        <p:blipFill>
+          <a:blip r:embed="rId2" cstate="print"/>
+          <a:srcRect/>
+          <a:stretch>
+            <a:fillRect/>
+          </a:stretch>
+        </p:blipFill>
+        <p:spPr bwMode="auto">
+          <a:xfrm>
+            <a:off x="0" y="1268761"/>
+            <a:ext cx="5508490" cy="5589240"/>
+          </a:xfrm>
+          <a:prstGeom prst="rect">
+            <a:avLst/>
+          </a:prstGeom>
+          <a:noFill/>
+          <a:ln w="9525">
+            <a:noFill/>
+            <a:miter lim="800000"/>
+            <a:headEnd/>
+            <a:tailEnd/>
+          </a:ln>
+          <a:effectLst/>
+        </p:spPr>
+      </p:pic>
+      <p:sp>
+        <p:nvSpPr>
+          <p:cNvPr id="5" name="文字方塊 4"/>
+          <p:cNvSpPr txBox="1"/>
+          <p:nvPr/>
+        </p:nvSpPr>
+        <p:spPr>
+          <a:xfrm>
+            <a:off x="5580112" y="5445224"/>
+            <a:ext cx="3275856" cy="923330"/>
+          </a:xfrm>
+          <a:prstGeom prst="rect">
+            <a:avLst/>
+          </a:prstGeom>
+          <a:noFill/>
+        </p:spPr>
+        <p:txBody>
+          <a:bodyPr wrap="square" rtlCol="0">
+            <a:spAutoFit/>
+          </a:bodyPr>
+          <a:lstStyle/>
+          <a:p>
+            <a:r>
+              <a:rPr lang="zh-TW" altLang="en-US" dirty="0" smtClean="0">
+                <a:latin typeface="微軟正黑體" pitchFamily="34" charset="-120"/>
+                <a:ea typeface="微軟正黑體" pitchFamily="34" charset="-120"/>
+              </a:rPr>
+              <a:t>接收到 </a:t>
+            </a:r>
+            <a:r>
+              <a:rPr lang="en-US" altLang="zh-TW" dirty="0" smtClean="0">
+                <a:latin typeface="微軟正黑體" pitchFamily="34" charset="-120"/>
+                <a:ea typeface="微軟正黑體" pitchFamily="34" charset="-120"/>
+              </a:rPr>
+              <a:t>Request</a:t>
+            </a:r>
+            <a:r>
+              <a:rPr lang="zh-TW" altLang="en-US" dirty="0" smtClean="0">
+                <a:latin typeface="微軟正黑體" pitchFamily="34" charset="-120"/>
+                <a:ea typeface="微軟正黑體" pitchFamily="34" charset="-120"/>
+              </a:rPr>
+              <a:t> 時，</a:t>
+            </a:r>
+            <a:endParaRPr lang="en-US" altLang="zh-TW" dirty="0" smtClean="0">
+              <a:latin typeface="微軟正黑體" pitchFamily="34" charset="-120"/>
+              <a:ea typeface="微軟正黑體" pitchFamily="34" charset="-120"/>
+            </a:endParaRPr>
+          </a:p>
+          <a:p>
+            <a:r>
+              <a:rPr lang="zh-TW" altLang="en-US" dirty="0" smtClean="0">
+                <a:latin typeface="微軟正黑體" pitchFamily="34" charset="-120"/>
+                <a:ea typeface="微軟正黑體" pitchFamily="34" charset="-120"/>
+              </a:rPr>
+              <a:t>會先解開</a:t>
+            </a:r>
+            <a:r>
+              <a:rPr lang="en-US" altLang="zh-TW" dirty="0" smtClean="0">
+                <a:latin typeface="微軟正黑體" pitchFamily="34" charset="-120"/>
+                <a:ea typeface="微軟正黑體" pitchFamily="34" charset="-120"/>
+              </a:rPr>
+              <a:t>Cookie, </a:t>
+            </a:r>
+            <a:r>
+              <a:rPr lang="zh-TW" altLang="en-US" dirty="0" smtClean="0">
+                <a:latin typeface="微軟正黑體" pitchFamily="34" charset="-120"/>
+                <a:ea typeface="微軟正黑體" pitchFamily="34" charset="-120"/>
+              </a:rPr>
+              <a:t>放到</a:t>
+            </a:r>
+            <a:endParaRPr lang="en-US" altLang="zh-TW" dirty="0" smtClean="0">
+              <a:latin typeface="微軟正黑體" pitchFamily="34" charset="-120"/>
+              <a:ea typeface="微軟正黑體" pitchFamily="34" charset="-120"/>
+            </a:endParaRPr>
+          </a:p>
+          <a:p>
+            <a:r>
+              <a:rPr lang="en-US" altLang="zh-TW" dirty="0" err="1" smtClean="0">
+                <a:latin typeface="微軟正黑體" pitchFamily="34" charset="-120"/>
+                <a:ea typeface="微軟正黑體" pitchFamily="34" charset="-120"/>
+              </a:rPr>
+              <a:t>HttpContext.User</a:t>
+            </a:r>
+            <a:r>
+              <a:rPr lang="zh-TW" altLang="en-US" dirty="0" smtClean="0">
+                <a:latin typeface="微軟正黑體" pitchFamily="34" charset="-120"/>
+                <a:ea typeface="微軟正黑體" pitchFamily="34" charset="-120"/>
+              </a:rPr>
+              <a:t>下</a:t>
+            </a:r>
+            <a:endParaRPr lang="en-US" altLang="zh-TW" dirty="0" smtClean="0">
+              <a:latin typeface="微軟正黑體" pitchFamily="34" charset="-120"/>
+              <a:ea typeface="微軟正黑體" pitchFamily="34" charset="-120"/>
+            </a:endParaRPr>
+          </a:p>
+        </p:txBody>
+      </p:sp>
+    </p:spTree>
+  </p:cSld>
+  <p:clrMapOvr>
+    <a:masterClrMapping/>
+  </p:clrMapOvr>
+</p:sld>
+</file>
+
+<file path=ppt/slides/slide3.xml><?xml version="1.0" encoding="utf-8"?>
+<p:sld xmlns:a="http://schemas.openxmlformats.org/drawingml/2006/main" xmlns:r="http://schemas.openxmlformats.org/officeDocument/2006/relationships" xmlns:p="http://schemas.openxmlformats.org/presentationml/2006/main">
+  <p:cSld>
+    <p:spTree>
+      <p:nvGrpSpPr>
+        <p:cNvPr id="1" name=""/>
+        <p:cNvGrpSpPr/>
+        <p:nvPr/>
+      </p:nvGrpSpPr>
+      <p:grpSpPr>
+        <a:xfrm>
+          <a:off x="0" y="0"/>
+          <a:ext cx="0" cy="0"/>
+          <a:chOff x="0" y="0"/>
+          <a:chExt cx="0" cy="0"/>
+        </a:xfrm>
+      </p:grpSpPr>
+      <p:sp>
+        <p:nvSpPr>
+          <p:cNvPr id="2" name="標題 1"/>
+          <p:cNvSpPr>
+            <a:spLocks noGrp="1"/>
+          </p:cNvSpPr>
+          <p:nvPr>
+            <p:ph type="title"/>
+          </p:nvPr>
+        </p:nvSpPr>
+        <p:spPr/>
+        <p:txBody>
+          <a:bodyPr/>
+          <a:lstStyle/>
+          <a:p>
+            <a:r>
+              <a:rPr lang="en-US" altLang="zh-TW" dirty="0" smtClean="0"/>
+              <a:t>Cookie-&gt;</a:t>
+            </a:r>
+            <a:r>
+              <a:rPr lang="en-US" altLang="zh-TW" dirty="0" err="1" smtClean="0"/>
+              <a:t>UserData</a:t>
+            </a:r>
+            <a:r>
+              <a:rPr lang="en-US" altLang="zh-TW" dirty="0" smtClean="0"/>
+              <a:t> </a:t>
+            </a:r>
+            <a:r>
+              <a:rPr lang="zh-TW" altLang="en-US" dirty="0" smtClean="0"/>
+              <a:t>實作</a:t>
+            </a:r>
+            <a:endParaRPr lang="zh-TW" altLang="en-US" dirty="0"/>
+          </a:p>
+        </p:txBody>
+      </p:sp>
+      <p:pic>
+        <p:nvPicPr>
+          <p:cNvPr id="7171" name="Picture 3"/>
+          <p:cNvPicPr>
+            <a:picLocks noChangeAspect="1" noChangeArrowheads="1"/>
+          </p:cNvPicPr>
+          <p:nvPr/>
+        </p:nvPicPr>
+        <p:blipFill>
+          <a:blip r:embed="rId2" cstate="print"/>
+          <a:srcRect/>
+          <a:stretch>
+            <a:fillRect/>
+          </a:stretch>
+        </p:blipFill>
+        <p:spPr bwMode="auto">
+          <a:xfrm>
+            <a:off x="102721" y="2060848"/>
+            <a:ext cx="8971607" cy="2967650"/>
+          </a:xfrm>
+          <a:prstGeom prst="rect">
+            <a:avLst/>
+          </a:prstGeom>
+          <a:noFill/>
+          <a:ln w="9525">
+            <a:noFill/>
+            <a:miter lim="800000"/>
+            <a:headEnd/>
+            <a:tailEnd/>
+          </a:ln>
+          <a:effectLst/>
+        </p:spPr>
+      </p:pic>
+      <p:sp>
+        <p:nvSpPr>
+          <p:cNvPr id="6" name="文字方塊 5"/>
+          <p:cNvSpPr txBox="1"/>
+          <p:nvPr/>
+        </p:nvSpPr>
+        <p:spPr>
+          <a:xfrm>
+            <a:off x="107504" y="1628800"/>
+            <a:ext cx="3600400" cy="369332"/>
+          </a:xfrm>
+          <a:prstGeom prst="rect">
+            <a:avLst/>
+          </a:prstGeom>
+          <a:noFill/>
+        </p:spPr>
+        <p:txBody>
+          <a:bodyPr wrap="square" rtlCol="0">
+            <a:spAutoFit/>
+          </a:bodyPr>
+          <a:lstStyle/>
+          <a:p>
+            <a:r>
+              <a:rPr lang="en-US" altLang="zh-TW" dirty="0" smtClean="0">
+                <a:latin typeface="微軟正黑體" pitchFamily="34" charset="-120"/>
+                <a:ea typeface="微軟正黑體" pitchFamily="34" charset="-120"/>
+              </a:rPr>
+              <a:t>Controller</a:t>
+            </a:r>
+            <a:r>
+              <a:rPr lang="zh-TW" altLang="en-US" dirty="0" smtClean="0">
+                <a:latin typeface="微軟正黑體" pitchFamily="34" charset="-120"/>
+                <a:ea typeface="微軟正黑體" pitchFamily="34" charset="-120"/>
+              </a:rPr>
+              <a:t>使用</a:t>
+            </a:r>
+            <a:r>
+              <a:rPr lang="en-US" altLang="zh-TW" dirty="0" smtClean="0">
+                <a:latin typeface="微軟正黑體" pitchFamily="34" charset="-120"/>
+                <a:ea typeface="微軟正黑體" pitchFamily="34" charset="-120"/>
+              </a:rPr>
+              <a:t> User</a:t>
+            </a:r>
+            <a:r>
+              <a:rPr lang="zh-TW" altLang="en-US" dirty="0" smtClean="0">
+                <a:latin typeface="微軟正黑體" pitchFamily="34" charset="-120"/>
+                <a:ea typeface="微軟正黑體" pitchFamily="34" charset="-120"/>
+              </a:rPr>
+              <a:t>的調用方法：</a:t>
+            </a:r>
+            <a:endParaRPr lang="en-US" altLang="zh-TW" dirty="0" smtClean="0">
+              <a:latin typeface="微軟正黑體" pitchFamily="34" charset="-120"/>
+              <a:ea typeface="微軟正黑體" pitchFamily="34" charset="-120"/>
+            </a:endParaRPr>
+          </a:p>
+        </p:txBody>
+      </p:sp>
+      <p:sp>
+        <p:nvSpPr>
+          <p:cNvPr id="7" name="文字方塊 6"/>
+          <p:cNvSpPr txBox="1"/>
+          <p:nvPr/>
+        </p:nvSpPr>
+        <p:spPr>
+          <a:xfrm>
+            <a:off x="4067944" y="1628800"/>
+            <a:ext cx="3275856" cy="369332"/>
+          </a:xfrm>
+          <a:prstGeom prst="rect">
+            <a:avLst/>
+          </a:prstGeom>
+          <a:noFill/>
+        </p:spPr>
+        <p:txBody>
+          <a:bodyPr wrap="square" rtlCol="0">
+            <a:spAutoFit/>
+          </a:bodyPr>
+          <a:lstStyle/>
+          <a:p>
+            <a:r>
+              <a:rPr lang="en-US" altLang="zh-TW" dirty="0" smtClean="0">
+                <a:latin typeface="微軟正黑體" pitchFamily="34" charset="-120"/>
+                <a:ea typeface="微軟正黑體" pitchFamily="34" charset="-120"/>
+              </a:rPr>
+              <a:t>View</a:t>
+            </a:r>
+            <a:r>
+              <a:rPr lang="zh-TW" altLang="en-US" dirty="0" smtClean="0">
+                <a:latin typeface="微軟正黑體" pitchFamily="34" charset="-120"/>
+                <a:ea typeface="微軟正黑體" pitchFamily="34" charset="-120"/>
+              </a:rPr>
+              <a:t> 使用</a:t>
+            </a:r>
+            <a:r>
+              <a:rPr lang="en-US" altLang="zh-TW" dirty="0" smtClean="0">
+                <a:latin typeface="微軟正黑體" pitchFamily="34" charset="-120"/>
+                <a:ea typeface="微軟正黑體" pitchFamily="34" charset="-120"/>
+              </a:rPr>
+              <a:t> </a:t>
+            </a:r>
+            <a:r>
+              <a:rPr lang="en-US" altLang="zh-TW" dirty="0" smtClean="0">
+                <a:latin typeface="微軟正黑體" pitchFamily="34" charset="-120"/>
+                <a:ea typeface="微軟正黑體" pitchFamily="34" charset="-120"/>
+              </a:rPr>
+              <a:t>User</a:t>
+            </a:r>
+            <a:r>
+              <a:rPr lang="zh-TW" altLang="en-US" dirty="0" smtClean="0">
+                <a:latin typeface="微軟正黑體" pitchFamily="34" charset="-120"/>
+                <a:ea typeface="微軟正黑體" pitchFamily="34" charset="-120"/>
+              </a:rPr>
+              <a:t>的調用方法：</a:t>
+            </a:r>
+            <a:endParaRPr lang="en-US" altLang="zh-TW" dirty="0" smtClean="0">
+              <a:latin typeface="微軟正黑體" pitchFamily="34" charset="-120"/>
+              <a:ea typeface="微軟正黑體" pitchFamily="34" charset="-120"/>
+            </a:endParaRPr>
+          </a:p>
+        </p:txBody>
+      </p:sp>
+    </p:spTree>
+  </p:cSld>
+  <p:clrMapOvr>
+    <a:masterClrMapping/>
+  </p:clrMapOvr>
+</p:sld>
+</file>
+
+<file path=ppt/slides/slide4.xml><?xml version="1.0" encoding="utf-8"?>
+<p:sld xmlns:a="http://schemas.openxmlformats.org/drawingml/2006/main" xmlns:r="http://schemas.openxmlformats.org/officeDocument/2006/relationships" xmlns:p="http://schemas.openxmlformats.org/presentationml/2006/main">
+  <p:cSld>
+    <p:spTree>
+      <p:nvGrpSpPr>
+        <p:cNvPr id="1" name=""/>
+        <p:cNvGrpSpPr/>
+        <p:nvPr/>
+      </p:nvGrpSpPr>
+      <p:grpSpPr>
+        <a:xfrm>
+          <a:off x="0" y="0"/>
+          <a:ext cx="0" cy="0"/>
+          <a:chOff x="0" y="0"/>
+          <a:chExt cx="0" cy="0"/>
+        </a:xfrm>
+      </p:grpSpPr>
+      <p:sp>
+        <p:nvSpPr>
+          <p:cNvPr id="2" name="標題 1"/>
+          <p:cNvSpPr>
+            <a:spLocks noGrp="1"/>
+          </p:cNvSpPr>
+          <p:nvPr>
+            <p:ph type="title"/>
+          </p:nvPr>
+        </p:nvSpPr>
+        <p:spPr/>
+        <p:txBody>
+          <a:bodyPr/>
+          <a:lstStyle/>
+          <a:p>
+            <a:r>
+              <a:rPr lang="en-US" altLang="zh-TW" dirty="0" smtClean="0"/>
+              <a:t>Menu</a:t>
+            </a:r>
+            <a:endParaRPr lang="zh-TW" altLang="en-US" dirty="0"/>
+          </a:p>
+        </p:txBody>
+      </p:sp>
+      <p:sp>
+        <p:nvSpPr>
+          <p:cNvPr id="3" name="內容版面配置區 2"/>
+          <p:cNvSpPr>
+            <a:spLocks noGrp="1"/>
+          </p:cNvSpPr>
+          <p:nvPr>
+            <p:ph idx="1"/>
+          </p:nvPr>
+        </p:nvSpPr>
+        <p:spPr/>
+        <p:txBody>
+          <a:bodyPr>
+            <a:normAutofit/>
+          </a:bodyPr>
+          <a:lstStyle/>
+          <a:p>
+            <a:r>
+              <a:rPr lang="zh-TW" altLang="en-US" sz="1800" dirty="0" smtClean="0">
+                <a:latin typeface="微軟正黑體" pitchFamily="34" charset="-120"/>
+                <a:ea typeface="微軟正黑體" pitchFamily="34" charset="-120"/>
+              </a:rPr>
+              <a:t>帶有權限時進到下面位置：</a:t>
+            </a:r>
+            <a:r>
+              <a:rPr lang="en-US" altLang="zh-TW" sz="1600" dirty="0" smtClean="0">
+                <a:latin typeface="微軟正黑體" pitchFamily="34" charset="-120"/>
+                <a:ea typeface="微軟正黑體" pitchFamily="34" charset="-120"/>
+                <a:hlinkClick r:id="rId2"/>
+              </a:rPr>
+              <a:t>http</a:t>
+            </a:r>
+            <a:r>
+              <a:rPr lang="en-US" altLang="zh-TW" sz="1600" dirty="0" smtClean="0">
+                <a:latin typeface="微軟正黑體" pitchFamily="34" charset="-120"/>
+                <a:ea typeface="微軟正黑體" pitchFamily="34" charset="-120"/>
+                <a:hlinkClick r:id="rId2"/>
+              </a:rPr>
+              <a:t>://</a:t>
+            </a:r>
+            <a:r>
+              <a:rPr lang="en-US" altLang="zh-TW" sz="1600" dirty="0" smtClean="0">
+                <a:latin typeface="微軟正黑體" pitchFamily="34" charset="-120"/>
+                <a:ea typeface="微軟正黑體" pitchFamily="34" charset="-120"/>
+                <a:hlinkClick r:id="rId2"/>
+              </a:rPr>
+              <a:t>localhost:53832/home/menu</a:t>
+            </a:r>
+            <a:endParaRPr lang="en-US" altLang="zh-TW" sz="1600" dirty="0" smtClean="0">
+              <a:latin typeface="微軟正黑體" pitchFamily="34" charset="-120"/>
+              <a:ea typeface="微軟正黑體" pitchFamily="34" charset="-120"/>
+            </a:endParaRPr>
+          </a:p>
+          <a:p>
+            <a:pPr>
+              <a:buNone/>
+            </a:pPr>
+            <a:endParaRPr lang="zh-TW" altLang="en-US" sz="1800" dirty="0">
+              <a:latin typeface="微軟正黑體" pitchFamily="34" charset="-120"/>
+              <a:ea typeface="微軟正黑體" pitchFamily="34" charset="-120"/>
+            </a:endParaRPr>
+          </a:p>
+        </p:txBody>
+      </p:sp>
+      <p:pic>
+        <p:nvPicPr>
+          <p:cNvPr id="1026" name="Picture 2"/>
+          <p:cNvPicPr>
+            <a:picLocks noChangeAspect="1" noChangeArrowheads="1"/>
+          </p:cNvPicPr>
+          <p:nvPr/>
+        </p:nvPicPr>
+        <p:blipFill>
+          <a:blip r:embed="rId3" cstate="print"/>
+          <a:srcRect/>
+          <a:stretch>
+            <a:fillRect/>
+          </a:stretch>
+        </p:blipFill>
+        <p:spPr bwMode="auto">
+          <a:xfrm>
+            <a:off x="1979712" y="2852936"/>
+            <a:ext cx="2181225" cy="2447925"/>
+          </a:xfrm>
+          <a:prstGeom prst="rect">
+            <a:avLst/>
+          </a:prstGeom>
+          <a:noFill/>
+          <a:ln w="9525">
+            <a:solidFill>
+              <a:schemeClr val="accent1"/>
+            </a:solidFill>
+            <a:miter lim="800000"/>
+            <a:headEnd/>
+            <a:tailEnd/>
+          </a:ln>
+          <a:effectLst/>
+        </p:spPr>
+      </p:pic>
+      <p:pic>
+        <p:nvPicPr>
+          <p:cNvPr id="1027" name="Picture 3"/>
+          <p:cNvPicPr>
+            <a:picLocks noChangeAspect="1" noChangeArrowheads="1"/>
+          </p:cNvPicPr>
+          <p:nvPr/>
+        </p:nvPicPr>
+        <p:blipFill>
+          <a:blip r:embed="rId4" cstate="print"/>
+          <a:srcRect/>
+          <a:stretch>
+            <a:fillRect/>
+          </a:stretch>
+        </p:blipFill>
+        <p:spPr bwMode="auto">
+          <a:xfrm>
+            <a:off x="4788024" y="2852936"/>
+            <a:ext cx="1543050" cy="1381125"/>
+          </a:xfrm>
+          <a:prstGeom prst="rect">
+            <a:avLst/>
+          </a:prstGeom>
+          <a:noFill/>
+          <a:ln w="9525">
+            <a:solidFill>
+              <a:schemeClr val="accent1"/>
+            </a:solidFill>
+            <a:miter lim="800000"/>
+            <a:headEnd/>
+            <a:tailEnd/>
+          </a:ln>
+          <a:effectLst/>
+        </p:spPr>
+      </p:pic>
+      <p:sp>
+        <p:nvSpPr>
+          <p:cNvPr id="6" name="文字方塊 5"/>
+          <p:cNvSpPr txBox="1"/>
+          <p:nvPr/>
+        </p:nvSpPr>
+        <p:spPr>
+          <a:xfrm>
+            <a:off x="1979712" y="2492896"/>
+            <a:ext cx="2031325" cy="369332"/>
+          </a:xfrm>
+          <a:prstGeom prst="rect">
+            <a:avLst/>
+          </a:prstGeom>
+          <a:noFill/>
+        </p:spPr>
+        <p:txBody>
+          <a:bodyPr wrap="none" rtlCol="0">
+            <a:spAutoFit/>
+          </a:bodyPr>
+          <a:lstStyle/>
+          <a:p>
+            <a:r>
+              <a:rPr lang="zh-TW" altLang="en-US" dirty="0" smtClean="0">
+                <a:latin typeface="微軟正黑體" pitchFamily="34" charset="-120"/>
+                <a:ea typeface="微軟正黑體" pitchFamily="34" charset="-120"/>
+              </a:rPr>
+              <a:t>有登入、且有權限</a:t>
+            </a:r>
+            <a:endParaRPr lang="zh-TW" altLang="en-US" dirty="0">
+              <a:latin typeface="微軟正黑體" pitchFamily="34" charset="-120"/>
+              <a:ea typeface="微軟正黑體" pitchFamily="34" charset="-120"/>
+            </a:endParaRPr>
+          </a:p>
+        </p:txBody>
+      </p:sp>
+      <p:sp>
+        <p:nvSpPr>
+          <p:cNvPr id="7" name="文字方塊 6"/>
+          <p:cNvSpPr txBox="1"/>
+          <p:nvPr/>
+        </p:nvSpPr>
+        <p:spPr>
+          <a:xfrm>
+            <a:off x="4788024" y="2492896"/>
+            <a:ext cx="877163" cy="369332"/>
+          </a:xfrm>
+          <a:prstGeom prst="rect">
+            <a:avLst/>
+          </a:prstGeom>
+          <a:noFill/>
+        </p:spPr>
+        <p:txBody>
+          <a:bodyPr wrap="none" rtlCol="0">
+            <a:spAutoFit/>
+          </a:bodyPr>
+          <a:lstStyle/>
+          <a:p>
+            <a:r>
+              <a:rPr lang="zh-TW" altLang="en-US" dirty="0" smtClean="0">
+                <a:latin typeface="微軟正黑體" pitchFamily="34" charset="-120"/>
+                <a:ea typeface="微軟正黑體" pitchFamily="34" charset="-120"/>
+              </a:rPr>
+              <a:t>沒登入</a:t>
+            </a:r>
+            <a:endParaRPr lang="zh-TW" altLang="en-US" dirty="0">
+              <a:latin typeface="微軟正黑體" pitchFamily="34" charset="-120"/>
+              <a:ea typeface="微軟正黑體" pitchFamily="34" charset="-120"/>
+            </a:endParaRPr>
+          </a:p>
+        </p:txBody>
+      </p:sp>
+    </p:spTree>
+  </p:cSld>
+  <p:clrMapOvr>
+    <a:masterClrMapping/>
+  </p:clrMapOvr>
+</p:sld>
+</file>
+
+<file path=ppt/slides/slide5.xml><?xml version="1.0" encoding="utf-8"?>
+<p:sld xmlns:a="http://schemas.openxmlformats.org/drawingml/2006/main" xmlns:r="http://schemas.openxmlformats.org/officeDocument/2006/relationships" xmlns:p="http://schemas.openxmlformats.org/presentationml/2006/main">
+  <p:cSld>
+    <p:spTree>
+      <p:nvGrpSpPr>
+        <p:cNvPr id="1" name=""/>
+        <p:cNvGrpSpPr/>
+        <p:nvPr/>
+      </p:nvGrpSpPr>
+      <p:grpSpPr>
+        <a:xfrm>
+          <a:off x="0" y="0"/>
+          <a:ext cx="0" cy="0"/>
+          <a:chOff x="0" y="0"/>
+          <a:chExt cx="0" cy="0"/>
+        </a:xfrm>
+      </p:grpSpPr>
+      <p:sp>
+        <p:nvSpPr>
+          <p:cNvPr id="2" name="標題 1"/>
+          <p:cNvSpPr>
+            <a:spLocks noGrp="1"/>
+          </p:cNvSpPr>
+          <p:nvPr>
+            <p:ph type="title"/>
+          </p:nvPr>
+        </p:nvSpPr>
+        <p:spPr/>
+        <p:txBody>
+          <a:bodyPr/>
+          <a:lstStyle/>
+          <a:p>
+            <a:r>
+              <a:rPr lang="en-US" altLang="zh-TW" dirty="0" smtClean="0"/>
+              <a:t>Menu</a:t>
+            </a:r>
+            <a:endParaRPr lang="zh-TW" altLang="en-US" dirty="0"/>
+          </a:p>
+        </p:txBody>
+      </p:sp>
+      <p:pic>
+        <p:nvPicPr>
+          <p:cNvPr id="1028" name="Picture 4"/>
+          <p:cNvPicPr>
+            <a:picLocks noChangeAspect="1" noChangeArrowheads="1"/>
+          </p:cNvPicPr>
+          <p:nvPr/>
+        </p:nvPicPr>
+        <p:blipFill>
+          <a:blip r:embed="rId2" cstate="print"/>
+          <a:srcRect/>
+          <a:stretch>
+            <a:fillRect/>
+          </a:stretch>
+        </p:blipFill>
+        <p:spPr bwMode="auto">
+          <a:xfrm>
+            <a:off x="402093" y="1772816"/>
+            <a:ext cx="4565443" cy="3933056"/>
+          </a:xfrm>
+          <a:prstGeom prst="rect">
+            <a:avLst/>
+          </a:prstGeom>
+          <a:noFill/>
+          <a:ln w="9525">
+            <a:noFill/>
+            <a:miter lim="800000"/>
+            <a:headEnd/>
+            <a:tailEnd/>
+          </a:ln>
+          <a:effectLst/>
+        </p:spPr>
+      </p:pic>
+      <p:sp>
+        <p:nvSpPr>
+          <p:cNvPr id="9" name="文字方塊 8"/>
+          <p:cNvSpPr txBox="1"/>
+          <p:nvPr/>
+        </p:nvSpPr>
+        <p:spPr>
+          <a:xfrm>
+            <a:off x="395536" y="1412776"/>
+            <a:ext cx="4514954" cy="369332"/>
+          </a:xfrm>
+          <a:prstGeom prst="rect">
+            <a:avLst/>
+          </a:prstGeom>
+          <a:noFill/>
+        </p:spPr>
+        <p:txBody>
+          <a:bodyPr wrap="none" rtlCol="0">
+            <a:spAutoFit/>
+          </a:bodyPr>
+          <a:lstStyle/>
+          <a:p>
+            <a:r>
+              <a:rPr lang="zh-TW" altLang="en-US" dirty="0" smtClean="0">
+                <a:latin typeface="微軟正黑體" pitchFamily="34" charset="-120"/>
+                <a:ea typeface="微軟正黑體" pitchFamily="34" charset="-120"/>
+              </a:rPr>
+              <a:t>代碼</a:t>
+            </a:r>
+            <a:r>
+              <a:rPr lang="zh-TW" altLang="en-US" dirty="0" smtClean="0"/>
+              <a:t>：</a:t>
+            </a:r>
+            <a:r>
+              <a:rPr lang="en-US" altLang="zh-TW" dirty="0" err="1" smtClean="0"/>
+              <a:t>RBACExample.Helpers.HtmlExtensions</a:t>
+            </a:r>
+            <a:endParaRPr lang="zh-TW" altLang="en-US" dirty="0"/>
+          </a:p>
+        </p:txBody>
+      </p:sp>
+      <p:pic>
+        <p:nvPicPr>
+          <p:cNvPr id="2051" name="Picture 3"/>
+          <p:cNvPicPr>
+            <a:picLocks noChangeAspect="1" noChangeArrowheads="1"/>
+          </p:cNvPicPr>
+          <p:nvPr/>
+        </p:nvPicPr>
+        <p:blipFill>
+          <a:blip r:embed="rId3" cstate="print"/>
+          <a:srcRect/>
+          <a:stretch>
+            <a:fillRect/>
+          </a:stretch>
+        </p:blipFill>
+        <p:spPr bwMode="auto">
+          <a:xfrm>
+            <a:off x="5148064" y="2420888"/>
+            <a:ext cx="3657600" cy="3238500"/>
+          </a:xfrm>
+          <a:prstGeom prst="rect">
+            <a:avLst/>
+          </a:prstGeom>
+          <a:noFill/>
+          <a:ln w="9525">
+            <a:noFill/>
+            <a:miter lim="800000"/>
+            <a:headEnd/>
+            <a:tailEnd/>
+          </a:ln>
+          <a:effectLst/>
+        </p:spPr>
+      </p:pic>
+      <p:sp>
+        <p:nvSpPr>
+          <p:cNvPr id="13" name="文字方塊 12"/>
+          <p:cNvSpPr txBox="1"/>
+          <p:nvPr/>
+        </p:nvSpPr>
+        <p:spPr>
+          <a:xfrm>
+            <a:off x="5148064" y="1988840"/>
+            <a:ext cx="2645276" cy="369332"/>
+          </a:xfrm>
+          <a:prstGeom prst="rect">
+            <a:avLst/>
+          </a:prstGeom>
+          <a:noFill/>
+        </p:spPr>
+        <p:txBody>
+          <a:bodyPr wrap="none" rtlCol="0">
+            <a:spAutoFit/>
+          </a:bodyPr>
+          <a:lstStyle/>
+          <a:p>
+            <a:r>
+              <a:rPr lang="zh-TW" altLang="en-US" dirty="0" smtClean="0">
+                <a:latin typeface="微軟正黑體" pitchFamily="34" charset="-120"/>
+                <a:ea typeface="微軟正黑體" pitchFamily="34" charset="-120"/>
+              </a:rPr>
+              <a:t>使用</a:t>
+            </a:r>
+            <a:r>
+              <a:rPr lang="en-US" altLang="zh-TW" dirty="0" err="1" smtClean="0">
+                <a:latin typeface="微軟正黑體" pitchFamily="34" charset="-120"/>
+                <a:ea typeface="微軟正黑體" pitchFamily="34" charset="-120"/>
+              </a:rPr>
+              <a:t>HemlHelper</a:t>
+            </a:r>
+            <a:r>
+              <a:rPr lang="zh-TW" altLang="en-US" dirty="0" smtClean="0">
+                <a:latin typeface="微軟正黑體" pitchFamily="34" charset="-120"/>
+                <a:ea typeface="微軟正黑體" pitchFamily="34" charset="-120"/>
+              </a:rPr>
+              <a:t>調用：</a:t>
+            </a:r>
+            <a:endParaRPr lang="zh-TW" altLang="en-US" dirty="0"/>
+          </a:p>
+        </p:txBody>
+      </p:sp>
+    </p:spTree>
+  </p:cSld>
+  <p:clrMapOvr>
+    <a:masterClrMapping/>
+  </p:clrMapOvr>
+</p:sld>
+</file>
+
+<file path=ppt/slides/slide6.xml><?xml version="1.0" encoding="utf-8"?>
+<p:sld xmlns:a="http://schemas.openxmlformats.org/drawingml/2006/main" xmlns:r="http://schemas.openxmlformats.org/officeDocument/2006/relationships" xmlns:p="http://schemas.openxmlformats.org/presentationml/2006/main">
+  <p:cSld>
+    <p:spTree>
+      <p:nvGrpSpPr>
+        <p:cNvPr id="1" name=""/>
+        <p:cNvGrpSpPr/>
+        <p:nvPr/>
+      </p:nvGrpSpPr>
+      <p:grpSpPr>
+        <a:xfrm>
+          <a:off x="0" y="0"/>
+          <a:ext cx="0" cy="0"/>
+          <a:chOff x="0" y="0"/>
+          <a:chExt cx="0" cy="0"/>
+        </a:xfrm>
+      </p:grpSpPr>
+      <p:sp>
+        <p:nvSpPr>
+          <p:cNvPr id="2" name="標題 1"/>
+          <p:cNvSpPr>
+            <a:spLocks noGrp="1"/>
+          </p:cNvSpPr>
+          <p:nvPr>
+            <p:ph type="title"/>
+          </p:nvPr>
+        </p:nvSpPr>
+        <p:spPr/>
+        <p:txBody>
+          <a:bodyPr/>
+          <a:lstStyle/>
+          <a:p>
+            <a:r>
+              <a:rPr lang="en-US" altLang="zh-TW" dirty="0" smtClean="0"/>
+              <a:t>Permission</a:t>
+            </a:r>
+            <a:r>
+              <a:rPr lang="zh-TW" altLang="en-US" dirty="0" smtClean="0"/>
+              <a:t> 實作</a:t>
+            </a:r>
+            <a:endParaRPr lang="zh-TW" altLang="en-US" dirty="0"/>
+          </a:p>
+        </p:txBody>
+      </p:sp>
+      <p:pic>
+        <p:nvPicPr>
+          <p:cNvPr id="3074" name="Picture 2"/>
+          <p:cNvPicPr>
+            <a:picLocks noChangeAspect="1" noChangeArrowheads="1"/>
+          </p:cNvPicPr>
+          <p:nvPr/>
+        </p:nvPicPr>
+        <p:blipFill>
+          <a:blip r:embed="rId2" cstate="print"/>
+          <a:srcRect/>
+          <a:stretch>
+            <a:fillRect/>
+          </a:stretch>
+        </p:blipFill>
+        <p:spPr bwMode="auto">
+          <a:xfrm>
+            <a:off x="1" y="1472170"/>
+            <a:ext cx="5868144" cy="5385830"/>
+          </a:xfrm>
+          <a:prstGeom prst="rect">
+            <a:avLst/>
+          </a:prstGeom>
+          <a:noFill/>
+          <a:ln w="9525">
+            <a:noFill/>
+            <a:miter lim="800000"/>
+            <a:headEnd/>
+            <a:tailEnd/>
+          </a:ln>
+          <a:effectLst/>
+        </p:spPr>
+      </p:pic>
+      <p:sp>
+        <p:nvSpPr>
+          <p:cNvPr id="5" name="文字方塊 4"/>
+          <p:cNvSpPr txBox="1"/>
+          <p:nvPr/>
+        </p:nvSpPr>
+        <p:spPr>
+          <a:xfrm>
+            <a:off x="0" y="1124744"/>
+            <a:ext cx="4818178" cy="369332"/>
+          </a:xfrm>
+          <a:prstGeom prst="rect">
+            <a:avLst/>
+          </a:prstGeom>
+          <a:noFill/>
+        </p:spPr>
+        <p:txBody>
+          <a:bodyPr wrap="none" rtlCol="0">
+            <a:spAutoFit/>
+          </a:bodyPr>
+          <a:lstStyle/>
+          <a:p>
+            <a:r>
+              <a:rPr lang="zh-TW" altLang="en-US" dirty="0" smtClean="0">
+                <a:latin typeface="微軟正黑體" pitchFamily="34" charset="-120"/>
+                <a:ea typeface="微軟正黑體" pitchFamily="34" charset="-120"/>
+              </a:rPr>
+              <a:t>代碼</a:t>
+            </a:r>
+            <a:r>
+              <a:rPr lang="zh-TW" altLang="en-US" dirty="0" smtClean="0"/>
+              <a:t>：</a:t>
+            </a:r>
+            <a:r>
+              <a:rPr lang="en-US" altLang="zh-TW" dirty="0" err="1" smtClean="0"/>
+              <a:t>RBACExample.Controllers.HomeController</a:t>
+            </a:r>
+            <a:endParaRPr lang="zh-TW" altLang="en-US" dirty="0"/>
+          </a:p>
+        </p:txBody>
+      </p:sp>
+      <p:sp>
+        <p:nvSpPr>
+          <p:cNvPr id="6" name="文字方塊 5"/>
+          <p:cNvSpPr txBox="1"/>
+          <p:nvPr/>
+        </p:nvSpPr>
+        <p:spPr>
+          <a:xfrm>
+            <a:off x="5868144" y="1484784"/>
+            <a:ext cx="3275856" cy="646331"/>
+          </a:xfrm>
+          <a:prstGeom prst="rect">
+            <a:avLst/>
+          </a:prstGeom>
+          <a:noFill/>
+        </p:spPr>
+        <p:txBody>
+          <a:bodyPr wrap="square" rtlCol="0">
+            <a:spAutoFit/>
+          </a:bodyPr>
+          <a:lstStyle/>
+          <a:p>
+            <a:r>
+              <a:rPr lang="zh-TW" altLang="en-US" dirty="0" smtClean="0">
+                <a:latin typeface="微軟正黑體" pitchFamily="34" charset="-120"/>
+                <a:ea typeface="微軟正黑體" pitchFamily="34" charset="-120"/>
+              </a:rPr>
+              <a:t>增添</a:t>
+            </a:r>
+            <a:r>
+              <a:rPr lang="en-US" altLang="zh-TW" dirty="0" smtClean="0">
+                <a:latin typeface="微軟正黑體" pitchFamily="34" charset="-120"/>
+                <a:ea typeface="微軟正黑體" pitchFamily="34" charset="-120"/>
+              </a:rPr>
+              <a:t>Attribute</a:t>
+            </a:r>
+            <a:r>
+              <a:rPr lang="zh-TW" altLang="en-US" dirty="0" smtClean="0">
+                <a:latin typeface="微軟正黑體" pitchFamily="34" charset="-120"/>
+                <a:ea typeface="微軟正黑體" pitchFamily="34" charset="-120"/>
+              </a:rPr>
+              <a:t>於</a:t>
+            </a:r>
+            <a:endParaRPr lang="en-US" altLang="zh-TW" dirty="0" smtClean="0">
+              <a:latin typeface="微軟正黑體" pitchFamily="34" charset="-120"/>
+              <a:ea typeface="微軟正黑體" pitchFamily="34" charset="-120"/>
+            </a:endParaRPr>
+          </a:p>
+          <a:p>
+            <a:r>
+              <a:rPr lang="zh-TW" altLang="en-US" dirty="0" smtClean="0">
+                <a:latin typeface="微軟正黑體" pitchFamily="34" charset="-120"/>
+                <a:ea typeface="微軟正黑體" pitchFamily="34" charset="-120"/>
+              </a:rPr>
+              <a:t>需要權限的 </a:t>
+            </a:r>
+            <a:r>
+              <a:rPr lang="en-US" altLang="zh-TW" dirty="0" smtClean="0">
+                <a:latin typeface="微軟正黑體" pitchFamily="34" charset="-120"/>
+                <a:ea typeface="微軟正黑體" pitchFamily="34" charset="-120"/>
+              </a:rPr>
+              <a:t>Ctrl &amp; Action.</a:t>
+            </a:r>
+          </a:p>
+        </p:txBody>
+      </p:sp>
+    </p:spTree>
+  </p:cSld>
+  <p:clrMapOvr>
+    <a:masterClrMapping/>
+  </p:clrMapOvr>
+</p:sld>
+</file>
+
+<file path=ppt/slides/slide7.xml><?xml version="1.0" encoding="utf-8"?>
+<p:sld xmlns:a="http://schemas.openxmlformats.org/drawingml/2006/main" xmlns:r="http://schemas.openxmlformats.org/officeDocument/2006/relationships" xmlns:p="http://schemas.openxmlformats.org/presentationml/2006/main">
+  <p:cSld>
+    <p:spTree>
+      <p:nvGrpSpPr>
+        <p:cNvPr id="1" name=""/>
+        <p:cNvGrpSpPr/>
+        <p:nvPr/>
+      </p:nvGrpSpPr>
+      <p:grpSpPr>
+        <a:xfrm>
+          <a:off x="0" y="0"/>
+          <a:ext cx="0" cy="0"/>
+          <a:chOff x="0" y="0"/>
+          <a:chExt cx="0" cy="0"/>
+        </a:xfrm>
+      </p:grpSpPr>
+      <p:sp>
+        <p:nvSpPr>
+          <p:cNvPr id="2" name="標題 1"/>
+          <p:cNvSpPr>
+            <a:spLocks noGrp="1"/>
+          </p:cNvSpPr>
+          <p:nvPr>
+            <p:ph type="title"/>
+          </p:nvPr>
+        </p:nvSpPr>
+        <p:spPr/>
+        <p:txBody>
+          <a:bodyPr/>
+          <a:lstStyle/>
+          <a:p>
+            <a:r>
+              <a:rPr lang="en-US" altLang="zh-TW" dirty="0" smtClean="0"/>
+              <a:t>Permission</a:t>
+            </a:r>
+            <a:r>
+              <a:rPr lang="zh-TW" altLang="en-US" dirty="0" smtClean="0"/>
+              <a:t> 實作</a:t>
+            </a:r>
+            <a:endParaRPr lang="zh-TW" altLang="en-US" dirty="0"/>
+          </a:p>
+        </p:txBody>
+      </p:sp>
+      <p:pic>
+        <p:nvPicPr>
+          <p:cNvPr id="4098" name="Picture 2"/>
+          <p:cNvPicPr>
+            <a:picLocks noGrp="1" noChangeAspect="1" noChangeArrowheads="1"/>
+          </p:cNvPicPr>
+          <p:nvPr>
+            <p:ph idx="1"/>
+          </p:nvPr>
+        </p:nvPicPr>
+        <p:blipFill>
+          <a:blip r:embed="rId2" cstate="print"/>
+          <a:srcRect/>
+          <a:stretch>
+            <a:fillRect/>
+          </a:stretch>
+        </p:blipFill>
+        <p:spPr bwMode="auto">
+          <a:xfrm>
+            <a:off x="1547664" y="1916832"/>
+            <a:ext cx="6334548" cy="4525963"/>
+          </a:xfrm>
+          <a:prstGeom prst="rect">
+            <a:avLst/>
+          </a:prstGeom>
+          <a:noFill/>
+          <a:ln w="9525">
+            <a:noFill/>
+            <a:miter lim="800000"/>
+            <a:headEnd/>
+            <a:tailEnd/>
+          </a:ln>
+          <a:effectLst/>
+        </p:spPr>
+      </p:pic>
+      <p:sp>
+        <p:nvSpPr>
+          <p:cNvPr id="5" name="文字方塊 4"/>
+          <p:cNvSpPr txBox="1"/>
+          <p:nvPr/>
+        </p:nvSpPr>
+        <p:spPr>
+          <a:xfrm>
+            <a:off x="1547664" y="1484784"/>
+            <a:ext cx="7596336" cy="369332"/>
+          </a:xfrm>
+          <a:prstGeom prst="rect">
+            <a:avLst/>
+          </a:prstGeom>
+          <a:noFill/>
+        </p:spPr>
+        <p:txBody>
+          <a:bodyPr wrap="square" rtlCol="0">
+            <a:spAutoFit/>
+          </a:bodyPr>
+          <a:lstStyle/>
+          <a:p>
+            <a:r>
+              <a:rPr lang="zh-TW" altLang="en-US" dirty="0" smtClean="0">
+                <a:latin typeface="微軟正黑體" pitchFamily="34" charset="-120"/>
+                <a:ea typeface="微軟正黑體" pitchFamily="34" charset="-120"/>
+              </a:rPr>
+              <a:t>於配置檔案寫上權限</a:t>
+            </a:r>
+            <a:endParaRPr lang="en-US" altLang="zh-TW" dirty="0" smtClean="0">
+              <a:latin typeface="微軟正黑體" pitchFamily="34" charset="-120"/>
+              <a:ea typeface="微軟正黑體" pitchFamily="34" charset="-120"/>
+            </a:endParaRPr>
+          </a:p>
+        </p:txBody>
+      </p:sp>
+    </p:spTree>
+  </p:cSld>
+  <p:clrMapOvr>
+    <a:masterClrMapping/>
+  </p:clrMapOvr>
+</p:sld>
+</file>
+
+<file path=ppt/slides/slide8.xml><?xml version="1.0" encoding="utf-8"?>
+<p:sld xmlns:a="http://schemas.openxmlformats.org/drawingml/2006/main" xmlns:r="http://schemas.openxmlformats.org/officeDocument/2006/relationships" xmlns:p="http://schemas.openxmlformats.org/presentationml/2006/main">
+  <p:cSld>
+    <p:spTree>
+      <p:nvGrpSpPr>
+        <p:cNvPr id="1" name=""/>
+        <p:cNvGrpSpPr/>
+        <p:nvPr/>
+      </p:nvGrpSpPr>
+      <p:grpSpPr>
+        <a:xfrm>
+          <a:off x="0" y="0"/>
+          <a:ext cx="0" cy="0"/>
+          <a:chOff x="0" y="0"/>
+          <a:chExt cx="0" cy="0"/>
+        </a:xfrm>
+      </p:grpSpPr>
+      <p:sp>
+        <p:nvSpPr>
+          <p:cNvPr id="2" name="標題 1"/>
+          <p:cNvSpPr>
+            <a:spLocks noGrp="1"/>
+          </p:cNvSpPr>
+          <p:nvPr>
+            <p:ph type="title"/>
+          </p:nvPr>
+        </p:nvSpPr>
+        <p:spPr/>
+        <p:txBody>
+          <a:bodyPr/>
+          <a:lstStyle/>
+          <a:p>
+            <a:r>
+              <a:rPr lang="en-US" altLang="zh-TW" dirty="0" smtClean="0"/>
+              <a:t>Permission</a:t>
+            </a:r>
+            <a:r>
+              <a:rPr lang="zh-TW" altLang="en-US" dirty="0" smtClean="0"/>
+              <a:t> 說明</a:t>
+            </a:r>
+            <a:endParaRPr lang="zh-TW" altLang="en-US" dirty="0"/>
+          </a:p>
+        </p:txBody>
+      </p:sp>
+      <p:pic>
+        <p:nvPicPr>
+          <p:cNvPr id="5122" name="Picture 2"/>
+          <p:cNvPicPr>
+            <a:picLocks noChangeAspect="1" noChangeArrowheads="1"/>
+          </p:cNvPicPr>
+          <p:nvPr/>
+        </p:nvPicPr>
+        <p:blipFill>
+          <a:blip r:embed="rId2" cstate="print"/>
+          <a:srcRect/>
+          <a:stretch>
+            <a:fillRect/>
+          </a:stretch>
+        </p:blipFill>
+        <p:spPr bwMode="auto">
+          <a:xfrm>
+            <a:off x="1" y="1340768"/>
+            <a:ext cx="5087220" cy="5517231"/>
+          </a:xfrm>
+          <a:prstGeom prst="rect">
+            <a:avLst/>
+          </a:prstGeom>
+          <a:noFill/>
+          <a:ln w="9525">
+            <a:noFill/>
+            <a:miter lim="800000"/>
+            <a:headEnd/>
+            <a:tailEnd/>
+          </a:ln>
+          <a:effectLst/>
+        </p:spPr>
+      </p:pic>
+      <p:sp>
+        <p:nvSpPr>
+          <p:cNvPr id="5" name="文字方塊 4"/>
+          <p:cNvSpPr txBox="1"/>
+          <p:nvPr/>
+        </p:nvSpPr>
+        <p:spPr>
+          <a:xfrm>
+            <a:off x="5220072" y="1484784"/>
+            <a:ext cx="3923928" cy="923330"/>
+          </a:xfrm>
+          <a:prstGeom prst="rect">
+            <a:avLst/>
+          </a:prstGeom>
+          <a:noFill/>
+        </p:spPr>
+        <p:txBody>
+          <a:bodyPr wrap="square" rtlCol="0">
+            <a:spAutoFit/>
+          </a:bodyPr>
+          <a:lstStyle/>
+          <a:p>
+            <a:r>
+              <a:rPr lang="zh-TW" altLang="en-US" dirty="0" smtClean="0">
+                <a:latin typeface="微軟正黑體" pitchFamily="34" charset="-120"/>
+                <a:ea typeface="微軟正黑體" pitchFamily="34" charset="-120"/>
+              </a:rPr>
+              <a:t>採</a:t>
+            </a:r>
+            <a:r>
+              <a:rPr lang="zh-TW" altLang="en-US" dirty="0" smtClean="0">
+                <a:latin typeface="微軟正黑體" pitchFamily="34" charset="-120"/>
+                <a:ea typeface="微軟正黑體" pitchFamily="34" charset="-120"/>
+              </a:rPr>
+              <a:t>到該</a:t>
+            </a:r>
+            <a:r>
+              <a:rPr lang="en-US" altLang="zh-TW" dirty="0" smtClean="0">
+                <a:latin typeface="微軟正黑體" pitchFamily="34" charset="-120"/>
+                <a:ea typeface="微軟正黑體" pitchFamily="34" charset="-120"/>
+              </a:rPr>
+              <a:t>Attribute</a:t>
+            </a:r>
+            <a:r>
+              <a:rPr lang="zh-TW" altLang="en-US" dirty="0" smtClean="0">
+                <a:latin typeface="微軟正黑體" pitchFamily="34" charset="-120"/>
+                <a:ea typeface="微軟正黑體" pitchFamily="34" charset="-120"/>
+              </a:rPr>
+              <a:t>的</a:t>
+            </a:r>
+            <a:r>
+              <a:rPr lang="en-US" altLang="zh-TW" dirty="0" err="1" smtClean="0">
+                <a:latin typeface="微軟正黑體" pitchFamily="34" charset="-120"/>
+                <a:ea typeface="微軟正黑體" pitchFamily="34" charset="-120"/>
+              </a:rPr>
+              <a:t>Ctrl&amp;Action</a:t>
+            </a:r>
+            <a:endParaRPr lang="en-US" altLang="zh-TW" dirty="0" smtClean="0">
+              <a:latin typeface="微軟正黑體" pitchFamily="34" charset="-120"/>
+              <a:ea typeface="微軟正黑體" pitchFamily="34" charset="-120"/>
+            </a:endParaRPr>
+          </a:p>
+          <a:p>
+            <a:r>
+              <a:rPr lang="zh-TW" altLang="en-US" dirty="0" smtClean="0">
+                <a:latin typeface="微軟正黑體" pitchFamily="34" charset="-120"/>
+                <a:ea typeface="微軟正黑體" pitchFamily="34" charset="-120"/>
+              </a:rPr>
+              <a:t>會</a:t>
+            </a:r>
+            <a:r>
+              <a:rPr lang="zh-TW" altLang="en-US" dirty="0" smtClean="0">
+                <a:latin typeface="微軟正黑體" pitchFamily="34" charset="-120"/>
+                <a:ea typeface="微軟正黑體" pitchFamily="34" charset="-120"/>
+              </a:rPr>
+              <a:t>立即</a:t>
+            </a:r>
+            <a:r>
+              <a:rPr lang="zh-TW" altLang="en-US" dirty="0" smtClean="0">
+                <a:latin typeface="微軟正黑體" pitchFamily="34" charset="-120"/>
+                <a:ea typeface="微軟正黑體" pitchFamily="34" charset="-120"/>
+              </a:rPr>
+              <a:t>進</a:t>
+            </a:r>
+            <a:r>
+              <a:rPr lang="zh-TW" altLang="en-US" dirty="0" smtClean="0">
+                <a:latin typeface="微軟正黑體" pitchFamily="34" charset="-120"/>
+                <a:ea typeface="微軟正黑體" pitchFamily="34" charset="-120"/>
+              </a:rPr>
+              <a:t>到身分驗證邏輯，</a:t>
+            </a:r>
+            <a:endParaRPr lang="en-US" altLang="zh-TW" dirty="0" smtClean="0">
+              <a:latin typeface="微軟正黑體" pitchFamily="34" charset="-120"/>
+              <a:ea typeface="微軟正黑體" pitchFamily="34" charset="-120"/>
+            </a:endParaRPr>
+          </a:p>
+          <a:p>
+            <a:r>
+              <a:rPr lang="zh-TW" altLang="en-US" dirty="0" smtClean="0">
+                <a:latin typeface="微軟正黑體" pitchFamily="34" charset="-120"/>
+                <a:ea typeface="微軟正黑體" pitchFamily="34" charset="-120"/>
+              </a:rPr>
+              <a:t>若權限不符合者，會轉跳到指定頁面</a:t>
+            </a:r>
+            <a:endParaRPr lang="en-US" altLang="zh-TW" dirty="0" smtClean="0">
+              <a:latin typeface="微軟正黑體" pitchFamily="34" charset="-120"/>
+              <a:ea typeface="微軟正黑體" pitchFamily="34" charset="-120"/>
+            </a:endParaRPr>
+          </a:p>
+        </p:txBody>
+      </p:sp>
+    </p:spTree>
+  </p:cSld>
+  <p:clrMapOvr>
+    <a:masterClrMapping/>
+  </p:clrMapOvr>
+</p:sld>
+</file>
+
+<file path=ppt/slides/slide9.xml><?xml version="1.0" encoding="utf-8"?>
+<p:sld xmlns:a="http://schemas.openxmlformats.org/drawingml/2006/main" xmlns:r="http://schemas.openxmlformats.org/officeDocument/2006/relationships" xmlns:p="http://schemas.openxmlformats.org/presentationml/2006/main">
+  <p:cSld>
+    <p:spTree>
+      <p:nvGrpSpPr>
+        <p:cNvPr id="1" name=""/>
+        <p:cNvGrpSpPr/>
+        <p:nvPr/>
+      </p:nvGrpSpPr>
+      <p:grpSpPr>
+        <a:xfrm>
+          <a:off x="0" y="0"/>
+          <a:ext cx="0" cy="0"/>
+          <a:chOff x="0" y="0"/>
+          <a:chExt cx="0" cy="0"/>
+        </a:xfrm>
+      </p:grpSpPr>
+      <p:sp>
+        <p:nvSpPr>
+          <p:cNvPr id="4" name="矩形 3"/>
+          <p:cNvSpPr/>
+          <p:nvPr/>
+        </p:nvSpPr>
+        <p:spPr>
+          <a:xfrm>
+            <a:off x="755576" y="692696"/>
+            <a:ext cx="2786981" cy="523220"/>
+          </a:xfrm>
+          <a:prstGeom prst="rect">
+            <a:avLst/>
+          </a:prstGeom>
+        </p:spPr>
+        <p:txBody>
+          <a:bodyPr wrap="none">
+            <a:spAutoFit/>
+          </a:bodyPr>
+          <a:lstStyle/>
+          <a:p>
+            <a:r>
+              <a:rPr lang="en-US" altLang="zh-TW" sz="2800" b="1" dirty="0" err="1">
+                <a:effectLst>
+                  <a:outerShdw blurRad="38100" dist="38100" dir="2700000" algn="tl">
+                    <a:srgbClr val="000000">
+                      <a:alpha val="43137"/>
+                    </a:srgbClr>
+                  </a:outerShdw>
+                </a:effectLst>
+              </a:rPr>
+              <a:t>Application_Start</a:t>
+            </a:r>
+            <a:endParaRPr lang="zh-TW" altLang="en-US" sz="2800" b="1" dirty="0">
+              <a:effectLst>
+                <a:outerShdw blurRad="38100" dist="38100" dir="2700000" algn="tl">
+                  <a:srgbClr val="000000">
+                    <a:alpha val="43137"/>
+                  </a:srgbClr>
+                </a:outerShdw>
+              </a:effectLst>
+            </a:endParaRPr>
+          </a:p>
+        </p:txBody>
+      </p:sp>
+      <p:sp>
+        <p:nvSpPr>
+          <p:cNvPr id="5" name="矩形 4"/>
+          <p:cNvSpPr/>
+          <p:nvPr/>
+        </p:nvSpPr>
+        <p:spPr>
+          <a:xfrm>
+            <a:off x="971600" y="1196752"/>
+            <a:ext cx="4248472" cy="792088"/>
+          </a:xfrm>
+          <a:prstGeom prst="rect">
+            <a:avLst/>
+          </a:prstGeom>
+          <a:noFill/>
+          <a:ln>
+            <a:noFill/>
+          </a:ln>
+        </p:spPr>
+        <p:style>
+          <a:lnRef idx="2">
+            <a:schemeClr val="accent1">
+              <a:shade val="50000"/>
+            </a:schemeClr>
+          </a:lnRef>
+          <a:fillRef idx="1">
+            <a:schemeClr val="accent1"/>
+          </a:fillRef>
+          <a:effectRef idx="0">
+            <a:schemeClr val="accent1"/>
+          </a:effectRef>
+          <a:fontRef idx="minor">
+            <a:schemeClr val="lt1"/>
+          </a:fontRef>
+        </p:style>
+        <p:txBody>
+          <a:bodyPr rtlCol="0" anchor="t"/>
+          <a:lstStyle/>
+          <a:p>
+            <a:pPr marL="228600" indent="-228600">
+              <a:buAutoNum type="arabicPeriod"/>
+            </a:pPr>
+            <a:r>
+              <a:rPr lang="zh-TW" altLang="en-US" sz="1100" b="1" dirty="0" smtClean="0">
+                <a:solidFill>
+                  <a:schemeClr val="tx1"/>
+                </a:solidFill>
+                <a:latin typeface="微軟正黑體" pitchFamily="34" charset="-120"/>
+                <a:ea typeface="微軟正黑體" pitchFamily="34" charset="-120"/>
+              </a:rPr>
+              <a:t>將</a:t>
+            </a:r>
+            <a:r>
+              <a:rPr lang="en-US" altLang="zh-TW" sz="1100" b="1" dirty="0" smtClean="0">
+                <a:solidFill>
+                  <a:schemeClr val="tx1"/>
+                </a:solidFill>
+                <a:latin typeface="微軟正黑體" pitchFamily="34" charset="-120"/>
+                <a:ea typeface="微軟正黑體" pitchFamily="34" charset="-120"/>
+              </a:rPr>
+              <a:t>Role =&gt; Admin, General</a:t>
+            </a:r>
+            <a:r>
+              <a:rPr lang="zh-TW" altLang="en-US" sz="1100" b="1" dirty="0" smtClean="0">
+                <a:solidFill>
+                  <a:schemeClr val="tx1"/>
+                </a:solidFill>
+                <a:latin typeface="微軟正黑體" pitchFamily="34" charset="-120"/>
+                <a:ea typeface="微軟正黑體" pitchFamily="34" charset="-120"/>
+              </a:rPr>
+              <a:t> 寫到 </a:t>
+            </a:r>
+            <a:r>
+              <a:rPr lang="en-US" altLang="zh-TW" sz="1100" b="1" dirty="0" err="1" smtClean="0">
+                <a:solidFill>
+                  <a:schemeClr val="tx1"/>
+                </a:solidFill>
+                <a:latin typeface="微軟正黑體" pitchFamily="34" charset="-120"/>
+                <a:ea typeface="微軟正黑體" pitchFamily="34" charset="-120"/>
+              </a:rPr>
+              <a:t>RBACContext</a:t>
+            </a:r>
+            <a:r>
+              <a:rPr lang="zh-TW" altLang="en-US" sz="1100" b="1" dirty="0" smtClean="0">
+                <a:solidFill>
+                  <a:schemeClr val="tx1"/>
+                </a:solidFill>
+                <a:latin typeface="微軟正黑體" pitchFamily="34" charset="-120"/>
+                <a:ea typeface="微軟正黑體" pitchFamily="34" charset="-120"/>
+              </a:rPr>
+              <a:t> 中</a:t>
+            </a:r>
+            <a:endParaRPr lang="en-US" altLang="zh-TW" sz="1100" b="1" dirty="0" smtClean="0">
+              <a:solidFill>
+                <a:schemeClr val="tx1"/>
+              </a:solidFill>
+              <a:latin typeface="微軟正黑體" pitchFamily="34" charset="-120"/>
+              <a:ea typeface="微軟正黑體" pitchFamily="34" charset="-120"/>
+            </a:endParaRPr>
+          </a:p>
+          <a:p>
+            <a:pPr marL="228600" indent="-228600">
+              <a:buFontTx/>
+              <a:buAutoNum type="arabicPeriod"/>
+            </a:pPr>
+            <a:r>
+              <a:rPr lang="zh-TW" altLang="en-US" sz="1100" b="1" dirty="0" smtClean="0">
+                <a:solidFill>
+                  <a:schemeClr val="tx1"/>
+                </a:solidFill>
+                <a:latin typeface="微軟正黑體" pitchFamily="34" charset="-120"/>
+                <a:ea typeface="微軟正黑體" pitchFamily="34" charset="-120"/>
+              </a:rPr>
+              <a:t>準備好</a:t>
+            </a:r>
+            <a:r>
+              <a:rPr lang="en-US" altLang="zh-TW" sz="1100" b="1" dirty="0" smtClean="0">
+                <a:solidFill>
+                  <a:schemeClr val="tx1"/>
+                </a:solidFill>
+                <a:latin typeface="微軟正黑體" pitchFamily="34" charset="-120"/>
+                <a:ea typeface="微軟正黑體" pitchFamily="34" charset="-120"/>
+              </a:rPr>
+              <a:t>Role</a:t>
+            </a:r>
+            <a:r>
+              <a:rPr lang="zh-TW" altLang="en-US" sz="1100" b="1" dirty="0" smtClean="0">
+                <a:solidFill>
+                  <a:schemeClr val="tx1"/>
+                </a:solidFill>
+                <a:latin typeface="微軟正黑體" pitchFamily="34" charset="-120"/>
+                <a:ea typeface="微軟正黑體" pitchFamily="34" charset="-120"/>
+              </a:rPr>
+              <a:t>查找方法 </a:t>
+            </a:r>
+            <a:r>
+              <a:rPr lang="en-US" altLang="zh-TW" sz="1100" b="1" dirty="0" err="1" smtClean="0">
+                <a:solidFill>
+                  <a:schemeClr val="tx1"/>
+                </a:solidFill>
+                <a:latin typeface="微軟正黑體" pitchFamily="34" charset="-120"/>
+                <a:ea typeface="微軟正黑體" pitchFamily="34" charset="-120"/>
+              </a:rPr>
+              <a:t>DelegeteRoleProvider</a:t>
+            </a:r>
+            <a:endParaRPr lang="en-US" altLang="zh-TW" sz="1100" b="1" dirty="0" smtClean="0">
+              <a:solidFill>
+                <a:schemeClr val="tx1"/>
+              </a:solidFill>
+              <a:latin typeface="微軟正黑體" pitchFamily="34" charset="-120"/>
+              <a:ea typeface="微軟正黑體" pitchFamily="34" charset="-120"/>
+            </a:endParaRPr>
+          </a:p>
+          <a:p>
+            <a:pPr marL="228600" indent="-228600">
+              <a:buFontTx/>
+              <a:buAutoNum type="arabicPeriod"/>
+            </a:pPr>
+            <a:r>
+              <a:rPr lang="zh-TW" altLang="en-US" sz="1100" b="1" dirty="0" smtClean="0">
+                <a:solidFill>
+                  <a:schemeClr val="tx1"/>
+                </a:solidFill>
+                <a:latin typeface="微軟正黑體" pitchFamily="34" charset="-120"/>
+                <a:ea typeface="微軟正黑體" pitchFamily="34" charset="-120"/>
+              </a:rPr>
+              <a:t>註冊 </a:t>
+            </a:r>
+            <a:r>
+              <a:rPr lang="en-US" altLang="zh-TW" sz="1100" b="1" dirty="0" err="1" smtClean="0">
+                <a:solidFill>
+                  <a:schemeClr val="tx1"/>
+                </a:solidFill>
+                <a:latin typeface="微軟正黑體" pitchFamily="34" charset="-120"/>
+                <a:ea typeface="微軟正黑體" pitchFamily="34" charset="-120"/>
+              </a:rPr>
+              <a:t>FilterConfig</a:t>
+            </a:r>
+            <a:r>
+              <a:rPr lang="zh-TW" altLang="en-US" sz="1100" b="1" dirty="0">
+                <a:solidFill>
+                  <a:schemeClr val="tx1"/>
+                </a:solidFill>
+                <a:latin typeface="微軟正黑體" pitchFamily="34" charset="-120"/>
+                <a:ea typeface="微軟正黑體" pitchFamily="34" charset="-120"/>
+              </a:rPr>
+              <a:t> </a:t>
+            </a:r>
+            <a:r>
+              <a:rPr lang="en-US" altLang="zh-TW" sz="1100" b="1" dirty="0" smtClean="0">
+                <a:solidFill>
+                  <a:schemeClr val="tx1"/>
+                </a:solidFill>
+                <a:latin typeface="微軟正黑體" pitchFamily="34" charset="-120"/>
+                <a:ea typeface="微軟正黑體" pitchFamily="34" charset="-120"/>
+              </a:rPr>
+              <a:t>=&gt;</a:t>
+            </a:r>
+            <a:br>
+              <a:rPr lang="en-US" altLang="zh-TW" sz="1100" b="1" dirty="0" smtClean="0">
+                <a:solidFill>
+                  <a:schemeClr val="tx1"/>
+                </a:solidFill>
+                <a:latin typeface="微軟正黑體" pitchFamily="34" charset="-120"/>
+                <a:ea typeface="微軟正黑體" pitchFamily="34" charset="-120"/>
+              </a:rPr>
+            </a:br>
+            <a:r>
+              <a:rPr lang="zh-TW" altLang="en-US" sz="1100" b="1" dirty="0" smtClean="0">
+                <a:solidFill>
+                  <a:schemeClr val="tx1"/>
+                </a:solidFill>
+                <a:latin typeface="微軟正黑體" pitchFamily="34" charset="-120"/>
+                <a:ea typeface="微軟正黑體" pitchFamily="34" charset="-120"/>
+              </a:rPr>
+              <a:t> </a:t>
+            </a:r>
+            <a:r>
+              <a:rPr lang="en-US" altLang="zh-TW" sz="1100" b="1" dirty="0" err="1" smtClean="0">
+                <a:solidFill>
+                  <a:schemeClr val="tx1"/>
+                </a:solidFill>
+                <a:latin typeface="微軟正黑體" pitchFamily="34" charset="-120"/>
+                <a:ea typeface="微軟正黑體" pitchFamily="34" charset="-120"/>
+              </a:rPr>
+              <a:t>HandleErrorAttribute</a:t>
+            </a:r>
+            <a:r>
+              <a:rPr lang="zh-TW" altLang="en-US" sz="1100" b="1" dirty="0" smtClean="0">
+                <a:solidFill>
+                  <a:schemeClr val="tx1"/>
+                </a:solidFill>
+                <a:latin typeface="微軟正黑體" pitchFamily="34" charset="-120"/>
+                <a:ea typeface="微軟正黑體" pitchFamily="34" charset="-120"/>
+              </a:rPr>
+              <a:t>、 </a:t>
+            </a:r>
+            <a:r>
+              <a:rPr lang="en-US" altLang="zh-TW" sz="1100" b="1" dirty="0" err="1" smtClean="0">
+                <a:solidFill>
+                  <a:schemeClr val="tx1"/>
+                </a:solidFill>
+                <a:latin typeface="微軟正黑體" pitchFamily="34" charset="-120"/>
+                <a:ea typeface="微軟正黑體" pitchFamily="34" charset="-120"/>
+              </a:rPr>
+              <a:t>MvcAuthorizeAttribute</a:t>
+            </a:r>
+            <a:endParaRPr lang="zh-TW" altLang="en-US" sz="1100" b="1" dirty="0">
+              <a:solidFill>
+                <a:schemeClr val="tx1"/>
+              </a:solidFill>
+              <a:latin typeface="微軟正黑體" pitchFamily="34" charset="-120"/>
+              <a:ea typeface="微軟正黑體" pitchFamily="34" charset="-120"/>
+            </a:endParaRPr>
+          </a:p>
+        </p:txBody>
+      </p:sp>
+      <p:sp>
+        <p:nvSpPr>
+          <p:cNvPr id="7" name="文字方塊 6"/>
+          <p:cNvSpPr txBox="1"/>
+          <p:nvPr/>
+        </p:nvSpPr>
+        <p:spPr>
+          <a:xfrm>
+            <a:off x="1403648" y="2204864"/>
+            <a:ext cx="2376264" cy="523220"/>
+          </a:xfrm>
+          <a:prstGeom prst="rect">
+            <a:avLst/>
+          </a:prstGeom>
+          <a:noFill/>
+        </p:spPr>
+        <p:txBody>
+          <a:bodyPr wrap="square" rtlCol="0">
+            <a:spAutoFit/>
+          </a:bodyPr>
+          <a:lstStyle/>
+          <a:p>
+            <a:r>
+              <a:rPr lang="en-US" altLang="zh-TW" sz="2800" b="1" dirty="0" smtClean="0">
+                <a:effectLst>
+                  <a:outerShdw blurRad="38100" dist="38100" dir="2700000" algn="tl">
+                    <a:srgbClr val="000000">
+                      <a:alpha val="43137"/>
+                    </a:srgbClr>
+                  </a:outerShdw>
+                </a:effectLst>
+              </a:rPr>
+              <a:t>Request_1</a:t>
+            </a:r>
+            <a:endParaRPr lang="zh-TW" altLang="en-US" sz="2800" b="1" dirty="0">
+              <a:effectLst>
+                <a:outerShdw blurRad="38100" dist="38100" dir="2700000" algn="tl">
+                  <a:srgbClr val="000000">
+                    <a:alpha val="43137"/>
+                  </a:srgbClr>
+                </a:outerShdw>
+              </a:effectLst>
+            </a:endParaRPr>
+          </a:p>
+        </p:txBody>
+      </p:sp>
+      <p:sp>
+        <p:nvSpPr>
+          <p:cNvPr id="8" name="矩形 7"/>
+          <p:cNvSpPr/>
+          <p:nvPr/>
+        </p:nvSpPr>
+        <p:spPr>
+          <a:xfrm>
+            <a:off x="1547664" y="2636912"/>
+            <a:ext cx="4896544" cy="1296144"/>
+          </a:xfrm>
+          <a:prstGeom prst="rect">
+            <a:avLst/>
+          </a:prstGeom>
+          <a:noFill/>
+          <a:ln>
+            <a:solidFill>
+              <a:schemeClr val="tx1"/>
+            </a:solidFill>
+          </a:ln>
+        </p:spPr>
+        <p:style>
+          <a:lnRef idx="2">
+            <a:schemeClr val="accent1">
+              <a:shade val="50000"/>
+            </a:schemeClr>
+          </a:lnRef>
+          <a:fillRef idx="1">
+            <a:schemeClr val="accent1"/>
+          </a:fillRef>
+          <a:effectRef idx="0">
+            <a:schemeClr val="accent1"/>
+          </a:effectRef>
+          <a:fontRef idx="minor">
+            <a:schemeClr val="lt1"/>
+          </a:fontRef>
+        </p:style>
+        <p:txBody>
+          <a:bodyPr rtlCol="0" anchor="t"/>
+          <a:lstStyle/>
+          <a:p>
+            <a:pPr marL="228600" indent="-228600">
+              <a:buAutoNum type="arabicPeriod"/>
+            </a:pPr>
+            <a:r>
+              <a:rPr lang="zh-TW" altLang="en-US" sz="1100" b="1" dirty="0">
+                <a:solidFill>
+                  <a:schemeClr val="tx1"/>
+                </a:solidFill>
+                <a:latin typeface="微軟正黑體" pitchFamily="34" charset="-120"/>
+                <a:ea typeface="微軟正黑體" pitchFamily="34" charset="-120"/>
+              </a:rPr>
+              <a:t>進</a:t>
+            </a:r>
+            <a:r>
+              <a:rPr lang="zh-TW" altLang="en-US" sz="1100" b="1" dirty="0" smtClean="0">
+                <a:solidFill>
+                  <a:schemeClr val="tx1"/>
+                </a:solidFill>
+                <a:latin typeface="微軟正黑體" pitchFamily="34" charset="-120"/>
+                <a:ea typeface="微軟正黑體" pitchFamily="34" charset="-120"/>
+              </a:rPr>
+              <a:t>到 </a:t>
+            </a:r>
+            <a:r>
+              <a:rPr lang="en-US" altLang="zh-TW" sz="1100" b="1" dirty="0" err="1" smtClean="0">
+                <a:solidFill>
+                  <a:schemeClr val="tx1"/>
+                </a:solidFill>
+                <a:latin typeface="微軟正黑體" pitchFamily="34" charset="-120"/>
+                <a:ea typeface="微軟正黑體" pitchFamily="34" charset="-120"/>
+              </a:rPr>
+              <a:t>MvcAuthorizeAttribute</a:t>
+            </a:r>
+            <a:r>
+              <a:rPr lang="zh-TW" altLang="en-US" sz="1100" b="1" dirty="0" smtClean="0">
+                <a:solidFill>
+                  <a:schemeClr val="tx1"/>
+                </a:solidFill>
+                <a:latin typeface="微軟正黑體" pitchFamily="34" charset="-120"/>
+                <a:ea typeface="微軟正黑體" pitchFamily="34" charset="-120"/>
+              </a:rPr>
+              <a:t>，判斷是否有卡權限</a:t>
+            </a:r>
+            <a:endParaRPr lang="en-US" altLang="zh-TW" sz="1100" b="1" dirty="0" smtClean="0">
+              <a:solidFill>
+                <a:schemeClr val="tx1"/>
+              </a:solidFill>
+              <a:latin typeface="微軟正黑體" pitchFamily="34" charset="-120"/>
+              <a:ea typeface="微軟正黑體" pitchFamily="34" charset="-120"/>
+            </a:endParaRPr>
+          </a:p>
+          <a:p>
+            <a:pPr marL="228600" indent="-228600">
+              <a:buAutoNum type="arabicPeriod"/>
+            </a:pPr>
+            <a:endParaRPr lang="en-US" altLang="zh-TW" sz="1100" b="1" dirty="0">
+              <a:solidFill>
+                <a:schemeClr val="tx1"/>
+              </a:solidFill>
+              <a:latin typeface="微軟正黑體" pitchFamily="34" charset="-120"/>
+              <a:ea typeface="微軟正黑體" pitchFamily="34" charset="-120"/>
+            </a:endParaRPr>
+          </a:p>
+          <a:p>
+            <a:pPr marL="228600" indent="-228600">
+              <a:buFontTx/>
+              <a:buAutoNum type="arabicPeriod"/>
+            </a:pPr>
+            <a:r>
+              <a:rPr lang="zh-TW" altLang="en-US" sz="1100" b="1" dirty="0" smtClean="0">
+                <a:solidFill>
+                  <a:schemeClr val="tx1"/>
+                </a:solidFill>
+                <a:latin typeface="微軟正黑體" pitchFamily="34" charset="-120"/>
+                <a:ea typeface="微軟正黑體" pitchFamily="34" charset="-120"/>
+              </a:rPr>
+              <a:t>權限驗證是否通過</a:t>
+            </a:r>
+            <a:r>
+              <a:rPr lang="en-US" altLang="zh-TW" sz="1100" b="1" dirty="0" smtClean="0">
+                <a:solidFill>
+                  <a:schemeClr val="tx1"/>
+                </a:solidFill>
+                <a:latin typeface="微軟正黑體" pitchFamily="34" charset="-120"/>
+                <a:ea typeface="微軟正黑體" pitchFamily="34" charset="-120"/>
+              </a:rPr>
+              <a:t/>
+            </a:r>
+            <a:br>
+              <a:rPr lang="en-US" altLang="zh-TW" sz="1100" b="1" dirty="0" smtClean="0">
+                <a:solidFill>
+                  <a:schemeClr val="tx1"/>
+                </a:solidFill>
+                <a:latin typeface="微軟正黑體" pitchFamily="34" charset="-120"/>
+                <a:ea typeface="微軟正黑體" pitchFamily="34" charset="-120"/>
+              </a:rPr>
+            </a:br>
+            <a:r>
+              <a:rPr lang="zh-TW" altLang="en-US" sz="1100" b="1" dirty="0" smtClean="0">
+                <a:solidFill>
+                  <a:schemeClr val="tx1"/>
+                </a:solidFill>
+                <a:latin typeface="微軟正黑體" pitchFamily="34" charset="-120"/>
+                <a:ea typeface="微軟正黑體" pitchFamily="34" charset="-120"/>
+              </a:rPr>
+              <a:t>通過：進到</a:t>
+            </a:r>
+            <a:r>
+              <a:rPr lang="en-US" altLang="zh-TW" sz="1100" b="1" dirty="0" smtClean="0">
+                <a:solidFill>
+                  <a:schemeClr val="tx1"/>
+                </a:solidFill>
+                <a:latin typeface="微軟正黑體" pitchFamily="34" charset="-120"/>
+                <a:ea typeface="微軟正黑體" pitchFamily="34" charset="-120"/>
+              </a:rPr>
+              <a:t>Action; </a:t>
+            </a:r>
+            <a:br>
+              <a:rPr lang="en-US" altLang="zh-TW" sz="1100" b="1" dirty="0" smtClean="0">
+                <a:solidFill>
+                  <a:schemeClr val="tx1"/>
+                </a:solidFill>
+                <a:latin typeface="微軟正黑體" pitchFamily="34" charset="-120"/>
+                <a:ea typeface="微軟正黑體" pitchFamily="34" charset="-120"/>
+              </a:rPr>
+            </a:br>
+            <a:r>
+              <a:rPr lang="zh-TW" altLang="en-US" sz="1100" b="1" dirty="0" smtClean="0">
+                <a:solidFill>
+                  <a:schemeClr val="tx1"/>
+                </a:solidFill>
+                <a:latin typeface="微軟正黑體" pitchFamily="34" charset="-120"/>
+                <a:ea typeface="微軟正黑體" pitchFamily="34" charset="-120"/>
+              </a:rPr>
+              <a:t>不通過：轉跳到 </a:t>
+            </a:r>
+            <a:r>
+              <a:rPr lang="en-US" altLang="zh-TW" sz="1100" b="1" dirty="0" smtClean="0">
+                <a:solidFill>
+                  <a:schemeClr val="tx1"/>
+                </a:solidFill>
+                <a:latin typeface="微軟正黑體" pitchFamily="34" charset="-120"/>
+                <a:ea typeface="微軟正黑體" pitchFamily="34" charset="-120"/>
+              </a:rPr>
+              <a:t>/Home/Logoff</a:t>
+            </a:r>
+            <a:r>
+              <a:rPr lang="zh-TW" altLang="en-US" sz="1100" b="1" dirty="0" smtClean="0">
+                <a:solidFill>
+                  <a:schemeClr val="tx1"/>
+                </a:solidFill>
+                <a:latin typeface="微軟正黑體" pitchFamily="34" charset="-120"/>
+                <a:ea typeface="微軟正黑體" pitchFamily="34" charset="-120"/>
+              </a:rPr>
+              <a:t> </a:t>
+            </a:r>
+            <a:r>
+              <a:rPr lang="en-US" altLang="zh-TW" sz="1100" b="1" dirty="0" smtClean="0">
+                <a:solidFill>
+                  <a:schemeClr val="tx1"/>
+                </a:solidFill>
+                <a:latin typeface="微軟正黑體" pitchFamily="34" charset="-120"/>
+                <a:ea typeface="微軟正黑體" pitchFamily="34" charset="-120"/>
+              </a:rPr>
+              <a:t/>
+            </a:r>
+            <a:br>
+              <a:rPr lang="en-US" altLang="zh-TW" sz="1100" b="1" dirty="0" smtClean="0">
+                <a:solidFill>
+                  <a:schemeClr val="tx1"/>
+                </a:solidFill>
+                <a:latin typeface="微軟正黑體" pitchFamily="34" charset="-120"/>
+                <a:ea typeface="微軟正黑體" pitchFamily="34" charset="-120"/>
+              </a:rPr>
+            </a:br>
+            <a:r>
+              <a:rPr lang="en-US" altLang="zh-TW" sz="1100" b="1" dirty="0" smtClean="0">
+                <a:solidFill>
+                  <a:schemeClr val="tx1"/>
+                </a:solidFill>
+                <a:latin typeface="微軟正黑體" pitchFamily="34" charset="-120"/>
+                <a:ea typeface="微軟正黑體" pitchFamily="34" charset="-120"/>
+              </a:rPr>
+              <a:t>(</a:t>
+            </a:r>
+            <a:r>
+              <a:rPr lang="zh-TW" altLang="en-US" sz="1100" b="1" dirty="0" smtClean="0">
+                <a:solidFill>
+                  <a:schemeClr val="tx1"/>
+                </a:solidFill>
+                <a:latin typeface="微軟正黑體" pitchFamily="34" charset="-120"/>
+                <a:ea typeface="微軟正黑體" pitchFamily="34" charset="-120"/>
+              </a:rPr>
+              <a:t>依據 </a:t>
+            </a:r>
+            <a:r>
+              <a:rPr lang="en-US" altLang="zh-TW" sz="1100" b="1" dirty="0" err="1" smtClean="0">
+                <a:solidFill>
+                  <a:schemeClr val="tx1"/>
+                </a:solidFill>
+                <a:latin typeface="微軟正黑體" pitchFamily="34" charset="-120"/>
+                <a:ea typeface="微軟正黑體" pitchFamily="34" charset="-120"/>
+              </a:rPr>
+              <a:t>Web.config</a:t>
+            </a:r>
+            <a:r>
+              <a:rPr lang="en-US" altLang="zh-TW" sz="1100" b="1" dirty="0" smtClean="0">
+                <a:solidFill>
+                  <a:schemeClr val="tx1"/>
+                </a:solidFill>
+                <a:latin typeface="微軟正黑體" pitchFamily="34" charset="-120"/>
+                <a:ea typeface="微軟正黑體" pitchFamily="34" charset="-120"/>
+              </a:rPr>
+              <a:t> -&gt; </a:t>
+            </a:r>
+            <a:r>
+              <a:rPr lang="en-US" altLang="zh-TW" sz="1100" b="1" dirty="0" err="1" smtClean="0">
+                <a:solidFill>
+                  <a:schemeClr val="tx1"/>
+                </a:solidFill>
+                <a:latin typeface="微軟正黑體" pitchFamily="34" charset="-120"/>
+                <a:ea typeface="微軟正黑體" pitchFamily="34" charset="-120"/>
+              </a:rPr>
+              <a:t>httpRuntime</a:t>
+            </a:r>
+            <a:r>
+              <a:rPr lang="en-US" altLang="zh-TW" sz="1100" b="1" dirty="0" smtClean="0">
+                <a:solidFill>
+                  <a:schemeClr val="tx1"/>
+                </a:solidFill>
+                <a:latin typeface="微軟正黑體" pitchFamily="34" charset="-120"/>
+                <a:ea typeface="微軟正黑體" pitchFamily="34" charset="-120"/>
+              </a:rPr>
+              <a:t> -&gt; </a:t>
+            </a:r>
+            <a:r>
+              <a:rPr lang="en-US" altLang="zh-TW" sz="1100" b="1" dirty="0" err="1" smtClean="0">
+                <a:solidFill>
+                  <a:schemeClr val="tx1"/>
+                </a:solidFill>
+                <a:latin typeface="微軟正黑體" pitchFamily="34" charset="-120"/>
+                <a:ea typeface="微軟正黑體" pitchFamily="34" charset="-120"/>
+              </a:rPr>
+              <a:t>forms’s</a:t>
+            </a:r>
+            <a:r>
+              <a:rPr lang="en-US" altLang="zh-TW" sz="1100" b="1" dirty="0" smtClean="0">
+                <a:solidFill>
+                  <a:schemeClr val="tx1"/>
+                </a:solidFill>
+                <a:latin typeface="微軟正黑體" pitchFamily="34" charset="-120"/>
+                <a:ea typeface="微軟正黑體" pitchFamily="34" charset="-120"/>
+              </a:rPr>
+              <a:t> </a:t>
+            </a:r>
+            <a:r>
+              <a:rPr lang="en-US" altLang="zh-TW" sz="1100" b="1" dirty="0" err="1" smtClean="0">
+                <a:solidFill>
+                  <a:schemeClr val="tx1"/>
+                </a:solidFill>
+                <a:latin typeface="微軟正黑體" pitchFamily="34" charset="-120"/>
+                <a:ea typeface="微軟正黑體" pitchFamily="34" charset="-120"/>
+              </a:rPr>
+              <a:t>LoginUrl</a:t>
+            </a:r>
+            <a:r>
+              <a:rPr lang="en-US" altLang="zh-TW" sz="1100" b="1" dirty="0" smtClean="0">
+                <a:solidFill>
+                  <a:schemeClr val="tx1"/>
+                </a:solidFill>
+                <a:latin typeface="微軟正黑體" pitchFamily="34" charset="-120"/>
+                <a:ea typeface="微軟正黑體" pitchFamily="34" charset="-120"/>
+              </a:rPr>
+              <a:t>)</a:t>
+            </a:r>
+            <a:endParaRPr lang="zh-TW" altLang="en-US" sz="1100" b="1" dirty="0">
+              <a:solidFill>
+                <a:schemeClr val="tx1"/>
+              </a:solidFill>
+              <a:latin typeface="微軟正黑體" pitchFamily="34" charset="-120"/>
+              <a:ea typeface="微軟正黑體" pitchFamily="34" charset="-120"/>
+            </a:endParaRPr>
+          </a:p>
+        </p:txBody>
+      </p:sp>
+      <p:sp>
+        <p:nvSpPr>
+          <p:cNvPr id="10" name="矩形 9"/>
+          <p:cNvSpPr/>
+          <p:nvPr/>
+        </p:nvSpPr>
+        <p:spPr>
+          <a:xfrm>
+            <a:off x="611560" y="404664"/>
+            <a:ext cx="4248472" cy="1728192"/>
+          </a:xfrm>
+          <a:prstGeom prst="rect">
+            <a:avLst/>
+          </a:prstGeom>
+          <a:noFill/>
+          <a:ln>
+            <a:solidFill>
+              <a:schemeClr val="tx1"/>
+            </a:solidFill>
+          </a:ln>
+        </p:spPr>
+        <p:style>
+          <a:lnRef idx="2">
+            <a:schemeClr val="accent1">
+              <a:shade val="50000"/>
+            </a:schemeClr>
+          </a:lnRef>
+          <a:fillRef idx="1">
+            <a:schemeClr val="accent1"/>
+          </a:fillRef>
+          <a:effectRef idx="0">
+            <a:schemeClr val="accent1"/>
+          </a:effectRef>
+          <a:fontRef idx="minor">
+            <a:schemeClr val="lt1"/>
+          </a:fontRef>
+        </p:style>
+        <p:txBody>
+          <a:bodyPr rtlCol="0" anchor="ctr"/>
+          <a:lstStyle/>
+          <a:p>
+            <a:pPr algn="ctr"/>
+            <a:endParaRPr lang="zh-TW" altLang="en-US"/>
+          </a:p>
+        </p:txBody>
+      </p:sp>
+      <p:sp>
+        <p:nvSpPr>
+          <p:cNvPr id="9" name="矩形 8"/>
+          <p:cNvSpPr/>
+          <p:nvPr/>
+        </p:nvSpPr>
+        <p:spPr>
+          <a:xfrm>
+            <a:off x="179512" y="116632"/>
+            <a:ext cx="1909369" cy="523220"/>
+          </a:xfrm>
+          <a:prstGeom prst="rect">
+            <a:avLst/>
+          </a:prstGeom>
+          <a:solidFill>
+            <a:schemeClr val="bg1"/>
+          </a:solidFill>
+          <a:ln>
+            <a:solidFill>
+              <a:schemeClr val="tx1"/>
+            </a:solidFill>
+          </a:ln>
+        </p:spPr>
+        <p:txBody>
+          <a:bodyPr wrap="none">
+            <a:spAutoFit/>
+          </a:bodyPr>
+          <a:lstStyle/>
+          <a:p>
+            <a:r>
+              <a:rPr lang="en-US" altLang="zh-TW" sz="2800" b="1" dirty="0" err="1" smtClean="0">
+                <a:effectLst>
+                  <a:outerShdw blurRad="38100" dist="38100" dir="2700000" algn="tl">
+                    <a:srgbClr val="000000">
+                      <a:alpha val="43137"/>
+                    </a:srgbClr>
+                  </a:outerShdw>
+                </a:effectLst>
+              </a:rPr>
+              <a:t>Global.asax</a:t>
+            </a:r>
+            <a:endParaRPr lang="zh-TW" altLang="en-US" sz="2800" b="1" dirty="0">
+              <a:effectLst>
+                <a:outerShdw blurRad="38100" dist="38100" dir="2700000" algn="tl">
+                  <a:srgbClr val="000000">
+                    <a:alpha val="43137"/>
+                  </a:srgbClr>
+                </a:outerShdw>
+              </a:effectLst>
+            </a:endParaRPr>
+          </a:p>
+        </p:txBody>
+      </p:sp>
+      <p:cxnSp>
+        <p:nvCxnSpPr>
+          <p:cNvPr id="12" name="直線接點 11"/>
+          <p:cNvCxnSpPr/>
+          <p:nvPr/>
+        </p:nvCxnSpPr>
+        <p:spPr>
+          <a:xfrm>
+            <a:off x="971600" y="2132856"/>
+            <a:ext cx="0" cy="3240360"/>
+          </a:xfrm>
+          <a:prstGeom prst="line">
+            <a:avLst/>
+          </a:prstGeom>
+          <a:ln w="19050">
+            <a:solidFill>
+              <a:schemeClr val="tx1"/>
+            </a:solidFill>
+          </a:ln>
+        </p:spPr>
+        <p:style>
+          <a:lnRef idx="1">
+            <a:schemeClr val="accent1"/>
+          </a:lnRef>
+          <a:fillRef idx="0">
+            <a:schemeClr val="accent1"/>
+          </a:fillRef>
+          <a:effectRef idx="0">
+            <a:schemeClr val="accent1"/>
+          </a:effectRef>
+          <a:fontRef idx="minor">
+            <a:schemeClr val="tx1"/>
+          </a:fontRef>
+        </p:style>
+      </p:cxnSp>
+      <p:cxnSp>
+        <p:nvCxnSpPr>
+          <p:cNvPr id="13" name="直線接點 12"/>
+          <p:cNvCxnSpPr/>
+          <p:nvPr/>
+        </p:nvCxnSpPr>
+        <p:spPr>
+          <a:xfrm flipH="1">
+            <a:off x="971600" y="2492896"/>
+            <a:ext cx="648072" cy="0"/>
+          </a:xfrm>
+          <a:prstGeom prst="line">
+            <a:avLst/>
+          </a:prstGeom>
+          <a:ln w="19050">
+            <a:solidFill>
+              <a:schemeClr val="tx1"/>
+            </a:solidFill>
+          </a:ln>
+        </p:spPr>
+        <p:style>
+          <a:lnRef idx="1">
+            <a:schemeClr val="accent1"/>
+          </a:lnRef>
+          <a:fillRef idx="0">
+            <a:schemeClr val="accent1"/>
+          </a:fillRef>
+          <a:effectRef idx="0">
+            <a:schemeClr val="accent1"/>
+          </a:effectRef>
+          <a:fontRef idx="minor">
+            <a:schemeClr val="tx1"/>
+          </a:fontRef>
+        </p:style>
+      </p:cxnSp>
+      <p:sp>
+        <p:nvSpPr>
+          <p:cNvPr id="23" name="文字方塊 22"/>
+          <p:cNvSpPr txBox="1"/>
+          <p:nvPr/>
+        </p:nvSpPr>
+        <p:spPr>
+          <a:xfrm>
+            <a:off x="1403648" y="4221088"/>
+            <a:ext cx="2376264" cy="523220"/>
+          </a:xfrm>
+          <a:prstGeom prst="rect">
+            <a:avLst/>
+          </a:prstGeom>
+          <a:noFill/>
+        </p:spPr>
+        <p:txBody>
+          <a:bodyPr wrap="square" rtlCol="0">
+            <a:spAutoFit/>
+          </a:bodyPr>
+          <a:lstStyle/>
+          <a:p>
+            <a:r>
+              <a:rPr lang="en-US" altLang="zh-TW" sz="2800" b="1" dirty="0" err="1" smtClean="0">
+                <a:effectLst>
+                  <a:outerShdw blurRad="38100" dist="38100" dir="2700000" algn="tl">
+                    <a:srgbClr val="000000">
+                      <a:alpha val="43137"/>
+                    </a:srgbClr>
+                  </a:outerShdw>
+                </a:effectLst>
+              </a:rPr>
+              <a:t>Request_N</a:t>
+            </a:r>
+            <a:endParaRPr lang="zh-TW" altLang="en-US" sz="2800" b="1" dirty="0">
+              <a:effectLst>
+                <a:outerShdw blurRad="38100" dist="38100" dir="2700000" algn="tl">
+                  <a:srgbClr val="000000">
+                    <a:alpha val="43137"/>
+                  </a:srgbClr>
+                </a:outerShdw>
+              </a:effectLst>
+            </a:endParaRPr>
+          </a:p>
+        </p:txBody>
+      </p:sp>
+      <p:cxnSp>
+        <p:nvCxnSpPr>
+          <p:cNvPr id="24" name="直線接點 23"/>
+          <p:cNvCxnSpPr/>
+          <p:nvPr/>
+        </p:nvCxnSpPr>
+        <p:spPr>
+          <a:xfrm flipH="1">
+            <a:off x="971600" y="4509120"/>
+            <a:ext cx="648072" cy="0"/>
+          </a:xfrm>
+          <a:prstGeom prst="line">
+            <a:avLst/>
+          </a:prstGeom>
+          <a:ln w="19050">
+            <a:solidFill>
+              <a:schemeClr val="tx1"/>
+            </a:solidFill>
+          </a:ln>
+        </p:spPr>
+        <p:style>
+          <a:lnRef idx="1">
+            <a:schemeClr val="accent1"/>
+          </a:lnRef>
+          <a:fillRef idx="0">
+            <a:schemeClr val="accent1"/>
+          </a:fillRef>
+          <a:effectRef idx="0">
+            <a:schemeClr val="accent1"/>
+          </a:effectRef>
+          <a:fontRef idx="minor">
+            <a:schemeClr val="tx1"/>
+          </a:fontRef>
+        </p:style>
+      </p:cxnSp>
+      <p:sp>
+        <p:nvSpPr>
+          <p:cNvPr id="25" name="矩形 24"/>
+          <p:cNvSpPr/>
+          <p:nvPr/>
+        </p:nvSpPr>
+        <p:spPr>
+          <a:xfrm>
+            <a:off x="755576" y="5517232"/>
+            <a:ext cx="2623795" cy="523220"/>
+          </a:xfrm>
+          <a:prstGeom prst="rect">
+            <a:avLst/>
+          </a:prstGeom>
+        </p:spPr>
+        <p:txBody>
+          <a:bodyPr wrap="none">
+            <a:spAutoFit/>
+          </a:bodyPr>
+          <a:lstStyle/>
+          <a:p>
+            <a:r>
+              <a:rPr lang="en-US" altLang="zh-TW" sz="2800" b="1" dirty="0" err="1" smtClean="0">
+                <a:effectLst>
+                  <a:outerShdw blurRad="38100" dist="38100" dir="2700000" algn="tl">
+                    <a:srgbClr val="000000">
+                      <a:alpha val="43137"/>
+                    </a:srgbClr>
+                  </a:outerShdw>
+                </a:effectLst>
+              </a:rPr>
+              <a:t>Application_End</a:t>
+            </a:r>
+            <a:endParaRPr lang="zh-TW" altLang="en-US" sz="2800" b="1" dirty="0">
+              <a:effectLst>
+                <a:outerShdw blurRad="38100" dist="38100" dir="2700000" algn="tl">
+                  <a:srgbClr val="000000">
+                    <a:alpha val="43137"/>
+                  </a:srgbClr>
+                </a:outerShdw>
+              </a:effectLst>
+            </a:endParaRPr>
+          </a:p>
+        </p:txBody>
+      </p:sp>
+      <p:sp>
+        <p:nvSpPr>
+          <p:cNvPr id="26" name="矩形 25"/>
+          <p:cNvSpPr/>
+          <p:nvPr/>
+        </p:nvSpPr>
+        <p:spPr>
+          <a:xfrm>
+            <a:off x="611560" y="5373216"/>
+            <a:ext cx="4248472" cy="1296144"/>
+          </a:xfrm>
+          <a:prstGeom prst="rect">
+            <a:avLst/>
+          </a:prstGeom>
+          <a:noFill/>
+          <a:ln>
+            <a:solidFill>
+              <a:schemeClr val="tx1"/>
+            </a:solidFill>
+          </a:ln>
+        </p:spPr>
+        <p:style>
+          <a:lnRef idx="2">
+            <a:schemeClr val="accent1">
+              <a:shade val="50000"/>
+            </a:schemeClr>
+          </a:lnRef>
+          <a:fillRef idx="1">
+            <a:schemeClr val="accent1"/>
+          </a:fillRef>
+          <a:effectRef idx="0">
+            <a:schemeClr val="accent1"/>
+          </a:effectRef>
+          <a:fontRef idx="minor">
+            <a:schemeClr val="lt1"/>
+          </a:fontRef>
+        </p:style>
+        <p:txBody>
+          <a:bodyPr rtlCol="0" anchor="ctr"/>
+          <a:lstStyle/>
+          <a:p>
+            <a:pPr algn="ctr"/>
+            <a:endParaRPr lang="zh-TW" altLang="en-US"/>
+          </a:p>
+        </p:txBody>
+      </p:sp>
+      <p:sp>
+        <p:nvSpPr>
+          <p:cNvPr id="29" name="矩形 28"/>
+          <p:cNvSpPr/>
+          <p:nvPr/>
+        </p:nvSpPr>
+        <p:spPr>
+          <a:xfrm>
+            <a:off x="5292080" y="404664"/>
+            <a:ext cx="3096344" cy="288032"/>
+          </a:xfrm>
+          <a:prstGeom prst="rect">
+            <a:avLst/>
+          </a:prstGeom>
+          <a:noFill/>
+          <a:ln>
+            <a:solidFill>
+              <a:schemeClr val="tx1"/>
+            </a:solidFill>
+          </a:ln>
+        </p:spPr>
+        <p:style>
+          <a:lnRef idx="2">
+            <a:schemeClr val="accent1">
+              <a:shade val="50000"/>
+            </a:schemeClr>
+          </a:lnRef>
+          <a:fillRef idx="1">
+            <a:schemeClr val="accent1"/>
+          </a:fillRef>
+          <a:effectRef idx="0">
+            <a:schemeClr val="accent1"/>
+          </a:effectRef>
+          <a:fontRef idx="minor">
+            <a:schemeClr val="lt1"/>
+          </a:fontRef>
+        </p:style>
+        <p:txBody>
+          <a:bodyPr rtlCol="0" anchor="t"/>
+          <a:lstStyle/>
+          <a:p>
+            <a:pPr marL="228600" indent="-228600"/>
+            <a:r>
+              <a:rPr lang="en-US" altLang="zh-TW" sz="1100" b="1" dirty="0" err="1" smtClean="0">
+                <a:solidFill>
+                  <a:schemeClr val="tx1"/>
+                </a:solidFill>
+                <a:latin typeface="微軟正黑體" pitchFamily="34" charset="-120"/>
+                <a:ea typeface="微軟正黑體" pitchFamily="34" charset="-120"/>
+              </a:rPr>
+              <a:t>DelegeteRoleProvider.cs</a:t>
+            </a:r>
+            <a:r>
+              <a:rPr lang="en-US" altLang="zh-TW" sz="1100" b="1" dirty="0" smtClean="0">
+                <a:solidFill>
+                  <a:schemeClr val="tx1"/>
+                </a:solidFill>
+                <a:latin typeface="微軟正黑體" pitchFamily="34" charset="-120"/>
+                <a:ea typeface="微軟正黑體" pitchFamily="34" charset="-120"/>
+              </a:rPr>
+              <a:t> </a:t>
+            </a:r>
+            <a:r>
+              <a:rPr lang="zh-TW" altLang="en-US" sz="1100" b="1" dirty="0" smtClean="0">
+                <a:solidFill>
+                  <a:schemeClr val="tx1"/>
+                </a:solidFill>
+                <a:latin typeface="微軟正黑體" pitchFamily="34" charset="-120"/>
+                <a:ea typeface="微軟正黑體" pitchFamily="34" charset="-120"/>
+              </a:rPr>
+              <a:t>繼承</a:t>
+            </a:r>
+            <a:r>
+              <a:rPr lang="en-US" altLang="zh-TW" sz="1100" b="1" dirty="0" smtClean="0">
+                <a:solidFill>
+                  <a:schemeClr val="tx1"/>
+                </a:solidFill>
+                <a:latin typeface="微軟正黑體" pitchFamily="34" charset="-120"/>
+                <a:ea typeface="微軟正黑體" pitchFamily="34" charset="-120"/>
+              </a:rPr>
+              <a:t> </a:t>
+            </a:r>
+            <a:r>
+              <a:rPr lang="en-US" altLang="zh-TW" sz="1100" b="1" dirty="0" err="1" smtClean="0">
+                <a:solidFill>
+                  <a:schemeClr val="tx1"/>
+                </a:solidFill>
+                <a:latin typeface="微軟正黑體" pitchFamily="34" charset="-120"/>
+                <a:ea typeface="微軟正黑體" pitchFamily="34" charset="-120"/>
+              </a:rPr>
+              <a:t>RoleProvide</a:t>
+            </a:r>
+            <a:endParaRPr lang="zh-TW" altLang="en-US" sz="1100" b="1" dirty="0">
+              <a:solidFill>
+                <a:schemeClr val="tx1"/>
+              </a:solidFill>
+              <a:latin typeface="微軟正黑體" pitchFamily="34" charset="-120"/>
+              <a:ea typeface="微軟正黑體" pitchFamily="34" charset="-120"/>
+            </a:endParaRPr>
+          </a:p>
+        </p:txBody>
+      </p:sp>
+      <p:cxnSp>
+        <p:nvCxnSpPr>
+          <p:cNvPr id="30" name="直線接點 29"/>
+          <p:cNvCxnSpPr/>
+          <p:nvPr/>
+        </p:nvCxnSpPr>
+        <p:spPr>
+          <a:xfrm flipH="1">
+            <a:off x="4860032" y="548680"/>
+            <a:ext cx="432048" cy="0"/>
+          </a:xfrm>
+          <a:prstGeom prst="line">
+            <a:avLst/>
+          </a:prstGeom>
+          <a:ln w="19050">
+            <a:solidFill>
+              <a:schemeClr val="tx1"/>
+            </a:solidFill>
+          </a:ln>
+        </p:spPr>
+        <p:style>
+          <a:lnRef idx="1">
+            <a:schemeClr val="accent1"/>
+          </a:lnRef>
+          <a:fillRef idx="0">
+            <a:schemeClr val="accent1"/>
+          </a:fillRef>
+          <a:effectRef idx="0">
+            <a:schemeClr val="accent1"/>
+          </a:effectRef>
+          <a:fontRef idx="minor">
+            <a:schemeClr val="tx1"/>
+          </a:fontRef>
+        </p:style>
+      </p:cxnSp>
+      <p:sp>
+        <p:nvSpPr>
+          <p:cNvPr id="32" name="矩形 31"/>
+          <p:cNvSpPr/>
+          <p:nvPr/>
+        </p:nvSpPr>
+        <p:spPr>
+          <a:xfrm>
+            <a:off x="5292080" y="764704"/>
+            <a:ext cx="3168352" cy="288032"/>
+          </a:xfrm>
+          <a:prstGeom prst="rect">
+            <a:avLst/>
+          </a:prstGeom>
+          <a:noFill/>
+          <a:ln>
+            <a:solidFill>
+              <a:schemeClr val="tx1"/>
+            </a:solidFill>
+          </a:ln>
+        </p:spPr>
+        <p:style>
+          <a:lnRef idx="2">
+            <a:schemeClr val="accent1">
+              <a:shade val="50000"/>
+            </a:schemeClr>
+          </a:lnRef>
+          <a:fillRef idx="1">
+            <a:schemeClr val="accent1"/>
+          </a:fillRef>
+          <a:effectRef idx="0">
+            <a:schemeClr val="accent1"/>
+          </a:effectRef>
+          <a:fontRef idx="minor">
+            <a:schemeClr val="lt1"/>
+          </a:fontRef>
+        </p:style>
+        <p:txBody>
+          <a:bodyPr rtlCol="0" anchor="t"/>
+          <a:lstStyle/>
+          <a:p>
+            <a:pPr marL="228600" indent="-228600"/>
+            <a:r>
+              <a:rPr lang="en-US" altLang="zh-TW" sz="1100" b="1" dirty="0" err="1" smtClean="0">
+                <a:solidFill>
+                  <a:schemeClr val="tx1"/>
+                </a:solidFill>
+                <a:latin typeface="微軟正黑體" pitchFamily="34" charset="-120"/>
+                <a:ea typeface="微軟正黑體" pitchFamily="34" charset="-120"/>
+              </a:rPr>
+              <a:t>RBACContext.cs</a:t>
+            </a:r>
+            <a:r>
+              <a:rPr lang="zh-TW" altLang="en-US" sz="1100" b="1" dirty="0" smtClean="0">
+                <a:solidFill>
+                  <a:schemeClr val="tx1"/>
+                </a:solidFill>
+                <a:latin typeface="微軟正黑體" pitchFamily="34" charset="-120"/>
+                <a:ea typeface="微軟正黑體" pitchFamily="34" charset="-120"/>
+              </a:rPr>
+              <a:t> </a:t>
+            </a:r>
+            <a:r>
+              <a:rPr lang="en-US" altLang="zh-TW" sz="1100" b="1" dirty="0" smtClean="0">
+                <a:solidFill>
+                  <a:schemeClr val="tx1"/>
+                </a:solidFill>
+                <a:latin typeface="微軟正黑體" pitchFamily="34" charset="-120"/>
+                <a:ea typeface="微軟正黑體" pitchFamily="34" charset="-120"/>
+              </a:rPr>
+              <a:t>(</a:t>
+            </a:r>
+            <a:r>
+              <a:rPr lang="zh-TW" altLang="en-US" sz="1100" b="1" dirty="0" smtClean="0">
+                <a:solidFill>
+                  <a:schemeClr val="tx1"/>
+                </a:solidFill>
+                <a:latin typeface="微軟正黑體" pitchFamily="34" charset="-120"/>
+                <a:ea typeface="微軟正黑體" pitchFamily="34" charset="-120"/>
+              </a:rPr>
+              <a:t>線程層級的</a:t>
+            </a:r>
+            <a:r>
+              <a:rPr lang="en-US" altLang="zh-TW" sz="1100" b="1" dirty="0" smtClean="0">
+                <a:solidFill>
+                  <a:schemeClr val="tx1"/>
+                </a:solidFill>
+                <a:latin typeface="微軟正黑體" pitchFamily="34" charset="-120"/>
+                <a:ea typeface="微軟正黑體" pitchFamily="34" charset="-120"/>
+              </a:rPr>
+              <a:t>User)</a:t>
+            </a:r>
+            <a:endParaRPr lang="zh-TW" altLang="en-US" sz="1100" b="1" dirty="0">
+              <a:solidFill>
+                <a:schemeClr val="tx1"/>
+              </a:solidFill>
+              <a:latin typeface="微軟正黑體" pitchFamily="34" charset="-120"/>
+              <a:ea typeface="微軟正黑體" pitchFamily="34" charset="-120"/>
+            </a:endParaRPr>
+          </a:p>
+        </p:txBody>
+      </p:sp>
+      <p:cxnSp>
+        <p:nvCxnSpPr>
+          <p:cNvPr id="33" name="直線接點 32"/>
+          <p:cNvCxnSpPr/>
+          <p:nvPr/>
+        </p:nvCxnSpPr>
+        <p:spPr>
+          <a:xfrm flipH="1">
+            <a:off x="4860032" y="908720"/>
+            <a:ext cx="432048" cy="0"/>
+          </a:xfrm>
+          <a:prstGeom prst="line">
+            <a:avLst/>
+          </a:prstGeom>
+          <a:ln w="19050">
+            <a:solidFill>
+              <a:schemeClr val="tx1"/>
+            </a:solidFill>
+          </a:ln>
+        </p:spPr>
+        <p:style>
+          <a:lnRef idx="1">
+            <a:schemeClr val="accent1"/>
+          </a:lnRef>
+          <a:fillRef idx="0">
+            <a:schemeClr val="accent1"/>
+          </a:fillRef>
+          <a:effectRef idx="0">
+            <a:schemeClr val="accent1"/>
+          </a:effectRef>
+          <a:fontRef idx="minor">
+            <a:schemeClr val="tx1"/>
+          </a:fontRef>
+        </p:style>
+      </p:cxnSp>
+      <p:sp>
+        <p:nvSpPr>
+          <p:cNvPr id="34" name="矩形 33"/>
+          <p:cNvSpPr/>
+          <p:nvPr/>
+        </p:nvSpPr>
+        <p:spPr>
+          <a:xfrm>
+            <a:off x="5292080" y="1484784"/>
+            <a:ext cx="3168352" cy="504056"/>
+          </a:xfrm>
+          <a:prstGeom prst="rect">
+            <a:avLst/>
+          </a:prstGeom>
+          <a:noFill/>
+          <a:ln>
+            <a:solidFill>
+              <a:schemeClr val="tx1"/>
+            </a:solidFill>
+          </a:ln>
+        </p:spPr>
+        <p:style>
+          <a:lnRef idx="2">
+            <a:schemeClr val="accent1">
+              <a:shade val="50000"/>
+            </a:schemeClr>
+          </a:lnRef>
+          <a:fillRef idx="1">
+            <a:schemeClr val="accent1"/>
+          </a:fillRef>
+          <a:effectRef idx="0">
+            <a:schemeClr val="accent1"/>
+          </a:effectRef>
+          <a:fontRef idx="minor">
+            <a:schemeClr val="lt1"/>
+          </a:fontRef>
+        </p:style>
+        <p:txBody>
+          <a:bodyPr rtlCol="0" anchor="t"/>
+          <a:lstStyle/>
+          <a:p>
+            <a:pPr marL="228600" indent="-228600"/>
+            <a:r>
+              <a:rPr lang="en-US" altLang="zh-TW" sz="1100" b="1" dirty="0" err="1" smtClean="0">
+                <a:solidFill>
+                  <a:schemeClr val="tx1"/>
+                </a:solidFill>
+                <a:latin typeface="微軟正黑體" pitchFamily="34" charset="-120"/>
+                <a:ea typeface="微軟正黑體" pitchFamily="34" charset="-120"/>
+              </a:rPr>
+              <a:t>MvcAuthorizeAttribute.cs</a:t>
+            </a:r>
+            <a:r>
+              <a:rPr lang="en-US" altLang="zh-TW" sz="1100" b="1" dirty="0" smtClean="0">
+                <a:solidFill>
+                  <a:schemeClr val="tx1"/>
+                </a:solidFill>
+                <a:latin typeface="微軟正黑體" pitchFamily="34" charset="-120"/>
+                <a:ea typeface="微軟正黑體" pitchFamily="34" charset="-120"/>
+              </a:rPr>
+              <a:t> </a:t>
+            </a:r>
+          </a:p>
+          <a:p>
+            <a:pPr marL="228600" indent="-228600"/>
+            <a:r>
+              <a:rPr lang="en-US" altLang="zh-TW" sz="1100" b="1" dirty="0" smtClean="0">
+                <a:solidFill>
+                  <a:schemeClr val="tx1"/>
+                </a:solidFill>
+                <a:latin typeface="微軟正黑體" pitchFamily="34" charset="-120"/>
+                <a:ea typeface="微軟正黑體" pitchFamily="34" charset="-120"/>
+              </a:rPr>
+              <a:t>(</a:t>
+            </a:r>
+            <a:r>
+              <a:rPr lang="zh-TW" altLang="en-US" sz="1100" b="1" dirty="0" smtClean="0">
+                <a:solidFill>
+                  <a:schemeClr val="tx1"/>
+                </a:solidFill>
+                <a:latin typeface="微軟正黑體" pitchFamily="34" charset="-120"/>
+                <a:ea typeface="微軟正黑體" pitchFamily="34" charset="-120"/>
+              </a:rPr>
+              <a:t>每個</a:t>
+            </a:r>
+            <a:r>
+              <a:rPr lang="en-US" altLang="zh-TW" sz="1100" b="1" dirty="0" smtClean="0">
+                <a:solidFill>
+                  <a:schemeClr val="tx1"/>
+                </a:solidFill>
+                <a:latin typeface="微軟正黑體" pitchFamily="34" charset="-120"/>
+                <a:ea typeface="微軟正黑體" pitchFamily="34" charset="-120"/>
+              </a:rPr>
+              <a:t>Request</a:t>
+            </a:r>
+            <a:r>
+              <a:rPr lang="zh-TW" altLang="en-US" sz="1100" b="1" dirty="0" smtClean="0">
+                <a:solidFill>
+                  <a:schemeClr val="tx1"/>
+                </a:solidFill>
+                <a:latin typeface="微軟正黑體" pitchFamily="34" charset="-120"/>
+                <a:ea typeface="微軟正黑體" pitchFamily="34" charset="-120"/>
+              </a:rPr>
+              <a:t>都匯進來做權限查詢</a:t>
+            </a:r>
+            <a:r>
+              <a:rPr lang="en-US" altLang="zh-TW" sz="1100" b="1" dirty="0" smtClean="0">
+                <a:solidFill>
+                  <a:schemeClr val="tx1"/>
+                </a:solidFill>
+                <a:latin typeface="微軟正黑體" pitchFamily="34" charset="-120"/>
+                <a:ea typeface="微軟正黑體" pitchFamily="34" charset="-120"/>
+              </a:rPr>
+              <a:t>)</a:t>
+            </a:r>
+            <a:endParaRPr lang="zh-TW" altLang="en-US" sz="1100" b="1" dirty="0">
+              <a:solidFill>
+                <a:schemeClr val="tx1"/>
+              </a:solidFill>
+              <a:latin typeface="微軟正黑體" pitchFamily="34" charset="-120"/>
+              <a:ea typeface="微軟正黑體" pitchFamily="34" charset="-120"/>
+            </a:endParaRPr>
+          </a:p>
+        </p:txBody>
+      </p:sp>
+      <p:cxnSp>
+        <p:nvCxnSpPr>
+          <p:cNvPr id="35" name="直線接點 34"/>
+          <p:cNvCxnSpPr/>
+          <p:nvPr/>
+        </p:nvCxnSpPr>
+        <p:spPr>
+          <a:xfrm flipH="1">
+            <a:off x="4860032" y="1628800"/>
+            <a:ext cx="432048" cy="0"/>
+          </a:xfrm>
+          <a:prstGeom prst="line">
+            <a:avLst/>
+          </a:prstGeom>
+          <a:ln w="19050">
+            <a:solidFill>
+              <a:schemeClr val="tx1"/>
+            </a:solidFill>
+          </a:ln>
+        </p:spPr>
+        <p:style>
+          <a:lnRef idx="1">
+            <a:schemeClr val="accent1"/>
+          </a:lnRef>
+          <a:fillRef idx="0">
+            <a:schemeClr val="accent1"/>
+          </a:fillRef>
+          <a:effectRef idx="0">
+            <a:schemeClr val="accent1"/>
+          </a:effectRef>
+          <a:fontRef idx="minor">
+            <a:schemeClr val="tx1"/>
+          </a:fontRef>
+        </p:style>
+      </p:cxnSp>
+      <p:sp>
+        <p:nvSpPr>
+          <p:cNvPr id="38" name="文字方塊 37"/>
+          <p:cNvSpPr txBox="1"/>
+          <p:nvPr/>
+        </p:nvSpPr>
+        <p:spPr>
+          <a:xfrm rot="5400000">
+            <a:off x="2133310" y="3923474"/>
+            <a:ext cx="504056" cy="523220"/>
+          </a:xfrm>
+          <a:prstGeom prst="rect">
+            <a:avLst/>
+          </a:prstGeom>
+          <a:noFill/>
+        </p:spPr>
+        <p:txBody>
+          <a:bodyPr wrap="square" rtlCol="0">
+            <a:spAutoFit/>
+          </a:bodyPr>
+          <a:lstStyle/>
+          <a:p>
+            <a:r>
+              <a:rPr lang="en-US" altLang="zh-TW" sz="2800" b="1" dirty="0" smtClean="0">
+                <a:effectLst>
+                  <a:outerShdw blurRad="38100" dist="38100" dir="2700000" algn="tl">
+                    <a:srgbClr val="000000">
+                      <a:alpha val="43137"/>
+                    </a:srgbClr>
+                  </a:outerShdw>
+                </a:effectLst>
+              </a:rPr>
+              <a:t>…</a:t>
+            </a:r>
+            <a:endParaRPr lang="zh-TW" altLang="en-US" sz="2800" b="1" dirty="0">
+              <a:effectLst>
+                <a:outerShdw blurRad="38100" dist="38100" dir="2700000" algn="tl">
+                  <a:srgbClr val="000000">
+                    <a:alpha val="43137"/>
+                  </a:srgbClr>
+                </a:outerShdw>
+              </a:effectLst>
+            </a:endParaRPr>
+          </a:p>
+        </p:txBody>
+      </p:sp>
+      <p:sp>
+        <p:nvSpPr>
+          <p:cNvPr id="21" name="AutoShape 229">
+            <a:hlinkClick r:id="rId2" action="ppaction://hlinksldjump" highlightClick="1"/>
+          </p:cNvPr>
+          <p:cNvSpPr>
+            <a:spLocks noChangeArrowheads="1"/>
+          </p:cNvSpPr>
+          <p:nvPr/>
+        </p:nvSpPr>
+        <p:spPr bwMode="auto">
+          <a:xfrm>
+            <a:off x="8172400" y="1700808"/>
+            <a:ext cx="252412" cy="252412"/>
+          </a:xfrm>
+          <a:prstGeom prst="actionButtonForwardNext">
+            <a:avLst/>
+          </a:prstGeom>
+          <a:solidFill>
+            <a:srgbClr val="339966"/>
+          </a:solidFill>
+          <a:ln w="9525">
+            <a:noFill/>
+            <a:miter lim="800000"/>
+            <a:headEnd/>
+            <a:tailEnd/>
+          </a:ln>
+        </p:spPr>
+        <p:txBody>
+          <a:bodyPr anchor="ctr">
+            <a:spAutoFit/>
+          </a:bodyPr>
+          <a:lstStyle/>
+          <a:p>
+            <a:endParaRPr lang="zh-TW" altLang="en-US">
+              <a:ea typeface="文鼎黑體M"/>
+            </a:endParaRPr>
+          </a:p>
+        </p:txBody>
+      </p:sp>
+      <p:sp>
+        <p:nvSpPr>
+          <p:cNvPr id="22" name="AutoShape 229">
+            <a:hlinkClick r:id="rId3" action="ppaction://hlinksldjump" highlightClick="1"/>
+          </p:cNvPr>
+          <p:cNvSpPr>
+            <a:spLocks noChangeArrowheads="1"/>
+          </p:cNvSpPr>
+          <p:nvPr/>
+        </p:nvSpPr>
+        <p:spPr bwMode="auto">
+          <a:xfrm>
+            <a:off x="4499992" y="1196752"/>
+            <a:ext cx="252412" cy="252412"/>
+          </a:xfrm>
+          <a:prstGeom prst="actionButtonForwardNext">
+            <a:avLst/>
+          </a:prstGeom>
+          <a:solidFill>
+            <a:srgbClr val="339966"/>
+          </a:solidFill>
+          <a:ln w="9525">
+            <a:noFill/>
+            <a:miter lim="800000"/>
+            <a:headEnd/>
+            <a:tailEnd/>
+          </a:ln>
+        </p:spPr>
+        <p:txBody>
+          <a:bodyPr anchor="ctr">
+            <a:spAutoFit/>
+          </a:bodyPr>
+          <a:lstStyle/>
+          <a:p>
+            <a:endParaRPr lang="zh-TW" altLang="en-US">
+              <a:ea typeface="文鼎黑體M"/>
+            </a:endParaRPr>
+          </a:p>
+        </p:txBody>
+      </p:sp>
+      <p:sp>
+        <p:nvSpPr>
+          <p:cNvPr id="27" name="AutoShape 229">
+            <a:hlinkClick r:id="rId4" action="ppaction://hlinksldjump" highlightClick="1"/>
+          </p:cNvPr>
+          <p:cNvSpPr>
+            <a:spLocks noChangeArrowheads="1"/>
+          </p:cNvSpPr>
+          <p:nvPr/>
+        </p:nvSpPr>
+        <p:spPr bwMode="auto">
+          <a:xfrm>
+            <a:off x="5580112" y="3429000"/>
+            <a:ext cx="252412" cy="252412"/>
+          </a:xfrm>
+          <a:prstGeom prst="actionButtonForwardNext">
+            <a:avLst/>
+          </a:prstGeom>
+          <a:solidFill>
+            <a:srgbClr val="339966"/>
+          </a:solidFill>
+          <a:ln w="9525">
+            <a:noFill/>
+            <a:miter lim="800000"/>
+            <a:headEnd/>
+            <a:tailEnd/>
+          </a:ln>
+        </p:spPr>
+        <p:txBody>
+          <a:bodyPr anchor="ctr">
+            <a:spAutoFit/>
+          </a:bodyPr>
+          <a:lstStyle/>
+          <a:p>
+            <a:endParaRPr lang="zh-TW" altLang="en-US">
+              <a:ea typeface="文鼎黑體M"/>
+            </a:endParaRPr>
+          </a:p>
+        </p:txBody>
+      </p:sp>
+      <p:sp>
+        <p:nvSpPr>
+          <p:cNvPr id="28" name="AutoShape 229">
+            <a:hlinkClick r:id="rId5" action="ppaction://hlinksldjump" highlightClick="1"/>
+          </p:cNvPr>
+          <p:cNvSpPr>
+            <a:spLocks noChangeArrowheads="1"/>
+          </p:cNvSpPr>
+          <p:nvPr/>
+        </p:nvSpPr>
+        <p:spPr bwMode="auto">
+          <a:xfrm>
+            <a:off x="8532440" y="404664"/>
+            <a:ext cx="252412" cy="252412"/>
+          </a:xfrm>
+          <a:prstGeom prst="actionButtonForwardNext">
+            <a:avLst/>
+          </a:prstGeom>
+          <a:solidFill>
+            <a:srgbClr val="339966"/>
+          </a:solidFill>
+          <a:ln w="9525">
+            <a:noFill/>
+            <a:miter lim="800000"/>
+            <a:headEnd/>
+            <a:tailEnd/>
+          </a:ln>
+        </p:spPr>
+        <p:txBody>
+          <a:bodyPr anchor="ctr">
+            <a:spAutoFit/>
+          </a:bodyPr>
+          <a:lstStyle/>
+          <a:p>
+            <a:endParaRPr lang="zh-TW" altLang="en-US">
+              <a:ea typeface="文鼎黑體M"/>
+            </a:endParaRPr>
+          </a:p>
+        </p:txBody>
+      </p:sp>
+      <p:sp>
+        <p:nvSpPr>
+          <p:cNvPr id="31" name="AutoShape 229">
+            <a:hlinkClick r:id="rId6" action="ppaction://hlinksldjump" highlightClick="1"/>
+          </p:cNvPr>
+          <p:cNvSpPr>
+            <a:spLocks noChangeArrowheads="1"/>
+          </p:cNvSpPr>
+          <p:nvPr/>
+        </p:nvSpPr>
+        <p:spPr bwMode="auto">
+          <a:xfrm>
+            <a:off x="8891588" y="404664"/>
+            <a:ext cx="252412" cy="252412"/>
+          </a:xfrm>
+          <a:prstGeom prst="actionButtonForwardNext">
+            <a:avLst/>
+          </a:prstGeom>
+          <a:solidFill>
+            <a:srgbClr val="339966"/>
+          </a:solidFill>
+          <a:ln w="9525">
+            <a:noFill/>
+            <a:miter lim="800000"/>
+            <a:headEnd/>
+            <a:tailEnd/>
+          </a:ln>
+        </p:spPr>
+        <p:txBody>
+          <a:bodyPr anchor="ctr">
+            <a:spAutoFit/>
+          </a:bodyPr>
+          <a:lstStyle/>
+          <a:p>
+            <a:endParaRPr lang="zh-TW" altLang="en-US">
+              <a:ea typeface="文鼎黑體M"/>
+            </a:endParaRPr>
+          </a:p>
+        </p:txBody>
+      </p:sp>
+      <p:sp>
+        <p:nvSpPr>
+          <p:cNvPr id="36" name="文字方塊 35"/>
+          <p:cNvSpPr txBox="1"/>
+          <p:nvPr/>
+        </p:nvSpPr>
+        <p:spPr>
+          <a:xfrm>
+            <a:off x="8423260" y="188640"/>
+            <a:ext cx="466794" cy="261610"/>
+          </a:xfrm>
+          <a:prstGeom prst="rect">
+            <a:avLst/>
+          </a:prstGeom>
+          <a:noFill/>
+        </p:spPr>
+        <p:txBody>
+          <a:bodyPr wrap="none" rtlCol="0">
+            <a:spAutoFit/>
+          </a:bodyPr>
+          <a:lstStyle/>
+          <a:p>
+            <a:r>
+              <a:rPr lang="zh-TW" altLang="en-US" sz="1050" dirty="0" smtClean="0"/>
+              <a:t>功能</a:t>
+            </a:r>
+            <a:endParaRPr lang="zh-TW" altLang="en-US" sz="1050" dirty="0"/>
+          </a:p>
+        </p:txBody>
+      </p:sp>
+      <p:sp>
+        <p:nvSpPr>
+          <p:cNvPr id="37" name="文字方塊 36"/>
+          <p:cNvSpPr txBox="1"/>
+          <p:nvPr/>
+        </p:nvSpPr>
+        <p:spPr>
+          <a:xfrm>
+            <a:off x="8820472" y="188640"/>
+            <a:ext cx="453970" cy="253916"/>
+          </a:xfrm>
+          <a:prstGeom prst="rect">
+            <a:avLst/>
+          </a:prstGeom>
+          <a:noFill/>
+        </p:spPr>
+        <p:txBody>
+          <a:bodyPr wrap="none" rtlCol="0">
+            <a:spAutoFit/>
+          </a:bodyPr>
+          <a:lstStyle/>
+          <a:p>
+            <a:r>
+              <a:rPr lang="zh-TW" altLang="en-US" sz="1050" dirty="0" smtClean="0"/>
+              <a:t>註冊</a:t>
+            </a:r>
+            <a:endParaRPr lang="zh-TW" altLang="en-US" sz="1050" dirty="0"/>
+          </a:p>
+        </p:txBody>
+      </p:sp>
+      <p:cxnSp>
+        <p:nvCxnSpPr>
+          <p:cNvPr id="40" name="直線接點 39"/>
+          <p:cNvCxnSpPr/>
+          <p:nvPr/>
+        </p:nvCxnSpPr>
+        <p:spPr>
+          <a:xfrm>
+            <a:off x="0" y="0"/>
+            <a:ext cx="9144000" cy="6858000"/>
+          </a:xfrm>
+          <a:prstGeom prst="line">
+            <a:avLst/>
+          </a:prstGeom>
+          <a:ln w="38100"/>
+        </p:spPr>
+        <p:style>
+          <a:lnRef idx="1">
+            <a:schemeClr val="accent1"/>
+          </a:lnRef>
+          <a:fillRef idx="0">
+            <a:schemeClr val="accent1"/>
+          </a:fillRef>
+          <a:effectRef idx="0">
+            <a:schemeClr val="accent1"/>
+          </a:effectRef>
+          <a:fontRef idx="minor">
+            <a:schemeClr val="tx1"/>
+          </a:fontRef>
+        </p:style>
+      </p:cxnSp>
     </p:spTree>
   </p:cSld>
   <p:clrMapOvr>

--- a/ReadMe.pptx
+++ b/ReadMe.pptx
@@ -13,15 +13,16 @@
     <p:sldId id="267" r:id="rId7"/>
     <p:sldId id="269" r:id="rId8"/>
     <p:sldId id="270" r:id="rId9"/>
-    <p:sldId id="256" r:id="rId10"/>
-    <p:sldId id="257" r:id="rId11"/>
-    <p:sldId id="258" r:id="rId12"/>
-    <p:sldId id="259" r:id="rId13"/>
-    <p:sldId id="260" r:id="rId14"/>
-    <p:sldId id="261" r:id="rId15"/>
-    <p:sldId id="262" r:id="rId16"/>
-    <p:sldId id="264" r:id="rId17"/>
-    <p:sldId id="263" r:id="rId18"/>
+    <p:sldId id="273" r:id="rId10"/>
+    <p:sldId id="256" r:id="rId11"/>
+    <p:sldId id="257" r:id="rId12"/>
+    <p:sldId id="258" r:id="rId13"/>
+    <p:sldId id="259" r:id="rId14"/>
+    <p:sldId id="260" r:id="rId15"/>
+    <p:sldId id="261" r:id="rId16"/>
+    <p:sldId id="262" r:id="rId17"/>
+    <p:sldId id="264" r:id="rId18"/>
+    <p:sldId id="263" r:id="rId19"/>
   </p:sldIdLst>
   <p:sldSz cx="9144000" cy="6858000" type="screen4x3"/>
   <p:notesSz cx="6858000" cy="9144000"/>
@@ -305,7 +306,7 @@
             <a:fld id="{734D4C01-4F2B-45BD-BFF5-B337465A9A81}" type="datetimeFigureOut">
               <a:rPr lang="zh-TW" altLang="en-US" smtClean="0"/>
               <a:pPr/>
-              <a:t>2021/3/31</a:t>
+              <a:t>2021/4/9</a:t>
             </a:fld>
             <a:endParaRPr lang="zh-TW" altLang="en-US"/>
           </a:p>
@@ -472,7 +473,7 @@
             <a:fld id="{734D4C01-4F2B-45BD-BFF5-B337465A9A81}" type="datetimeFigureOut">
               <a:rPr lang="zh-TW" altLang="en-US" smtClean="0"/>
               <a:pPr/>
-              <a:t>2021/3/31</a:t>
+              <a:t>2021/4/9</a:t>
             </a:fld>
             <a:endParaRPr lang="zh-TW" altLang="en-US"/>
           </a:p>
@@ -649,7 +650,7 @@
             <a:fld id="{734D4C01-4F2B-45BD-BFF5-B337465A9A81}" type="datetimeFigureOut">
               <a:rPr lang="zh-TW" altLang="en-US" smtClean="0"/>
               <a:pPr/>
-              <a:t>2021/3/31</a:t>
+              <a:t>2021/4/9</a:t>
             </a:fld>
             <a:endParaRPr lang="zh-TW" altLang="en-US"/>
           </a:p>
@@ -816,7 +817,7 @@
             <a:fld id="{734D4C01-4F2B-45BD-BFF5-B337465A9A81}" type="datetimeFigureOut">
               <a:rPr lang="zh-TW" altLang="en-US" smtClean="0"/>
               <a:pPr/>
-              <a:t>2021/3/31</a:t>
+              <a:t>2021/4/9</a:t>
             </a:fld>
             <a:endParaRPr lang="zh-TW" altLang="en-US"/>
           </a:p>
@@ -1059,7 +1060,7 @@
             <a:fld id="{734D4C01-4F2B-45BD-BFF5-B337465A9A81}" type="datetimeFigureOut">
               <a:rPr lang="zh-TW" altLang="en-US" smtClean="0"/>
               <a:pPr/>
-              <a:t>2021/3/31</a:t>
+              <a:t>2021/4/9</a:t>
             </a:fld>
             <a:endParaRPr lang="zh-TW" altLang="en-US"/>
           </a:p>
@@ -1344,7 +1345,7 @@
             <a:fld id="{734D4C01-4F2B-45BD-BFF5-B337465A9A81}" type="datetimeFigureOut">
               <a:rPr lang="zh-TW" altLang="en-US" smtClean="0"/>
               <a:pPr/>
-              <a:t>2021/3/31</a:t>
+              <a:t>2021/4/9</a:t>
             </a:fld>
             <a:endParaRPr lang="zh-TW" altLang="en-US"/>
           </a:p>
@@ -1763,7 +1764,7 @@
             <a:fld id="{734D4C01-4F2B-45BD-BFF5-B337465A9A81}" type="datetimeFigureOut">
               <a:rPr lang="zh-TW" altLang="en-US" smtClean="0"/>
               <a:pPr/>
-              <a:t>2021/3/31</a:t>
+              <a:t>2021/4/9</a:t>
             </a:fld>
             <a:endParaRPr lang="zh-TW" altLang="en-US"/>
           </a:p>
@@ -1878,7 +1879,7 @@
             <a:fld id="{734D4C01-4F2B-45BD-BFF5-B337465A9A81}" type="datetimeFigureOut">
               <a:rPr lang="zh-TW" altLang="en-US" smtClean="0"/>
               <a:pPr/>
-              <a:t>2021/3/31</a:t>
+              <a:t>2021/4/9</a:t>
             </a:fld>
             <a:endParaRPr lang="zh-TW" altLang="en-US"/>
           </a:p>
@@ -1970,7 +1971,7 @@
             <a:fld id="{734D4C01-4F2B-45BD-BFF5-B337465A9A81}" type="datetimeFigureOut">
               <a:rPr lang="zh-TW" altLang="en-US" smtClean="0"/>
               <a:pPr/>
-              <a:t>2021/3/31</a:t>
+              <a:t>2021/4/9</a:t>
             </a:fld>
             <a:endParaRPr lang="zh-TW" altLang="en-US"/>
           </a:p>
@@ -2244,7 +2245,7 @@
             <a:fld id="{734D4C01-4F2B-45BD-BFF5-B337465A9A81}" type="datetimeFigureOut">
               <a:rPr lang="zh-TW" altLang="en-US" smtClean="0"/>
               <a:pPr/>
-              <a:t>2021/3/31</a:t>
+              <a:t>2021/4/9</a:t>
             </a:fld>
             <a:endParaRPr lang="zh-TW" altLang="en-US"/>
           </a:p>
@@ -2494,7 +2495,7 @@
             <a:fld id="{734D4C01-4F2B-45BD-BFF5-B337465A9A81}" type="datetimeFigureOut">
               <a:rPr lang="zh-TW" altLang="en-US" smtClean="0"/>
               <a:pPr/>
-              <a:t>2021/3/31</a:t>
+              <a:t>2021/4/9</a:t>
             </a:fld>
             <a:endParaRPr lang="zh-TW" altLang="en-US"/>
           </a:p>
@@ -2704,7 +2705,7 @@
             <a:fld id="{734D4C01-4F2B-45BD-BFF5-B337465A9A81}" type="datetimeFigureOut">
               <a:rPr lang="zh-TW" altLang="en-US" smtClean="0"/>
               <a:pPr/>
-              <a:t>2021/3/31</a:t>
+              <a:t>2021/4/9</a:t>
             </a:fld>
             <a:endParaRPr lang="zh-TW" altLang="en-US"/>
           </a:p>
@@ -3123,15 +3124,7 @@
                 <a:ea typeface="微軟正黑體" pitchFamily="34" charset="-120"/>
                 <a:hlinkClick r:id="rId2"/>
               </a:rPr>
-              <a:t>http://localhost:53832/home/Login?returnUrl=/</a:t>
-            </a:r>
-            <a:r>
-              <a:rPr lang="en-US" altLang="zh-TW" sz="1200" dirty="0" smtClean="0">
-                <a:latin typeface="微軟正黑體" pitchFamily="34" charset="-120"/>
-                <a:ea typeface="微軟正黑體" pitchFamily="34" charset="-120"/>
-                <a:hlinkClick r:id="rId2"/>
-              </a:rPr>
-              <a:t>Home/Index&amp;Role=Role1&amp;UserName=Stanley</a:t>
+              <a:t>http://localhost:53832/home/Login?returnUrl=/Home/Index&amp;Role=Role1&amp;UserName=Stanley</a:t>
             </a:r>
             <a:endParaRPr lang="en-US" altLang="zh-TW" sz="2000" dirty="0" smtClean="0">
               <a:latin typeface="微軟正黑體" pitchFamily="34" charset="-120"/>
@@ -3184,14 +3177,7 @@
                 <a:latin typeface="微軟正黑體" pitchFamily="34" charset="-120"/>
                 <a:ea typeface="微軟正黑體" pitchFamily="34" charset="-120"/>
               </a:rPr>
-              <a:t>檢視</a:t>
-            </a:r>
-            <a:r>
-              <a:rPr lang="zh-TW" altLang="en-US" sz="2000" dirty="0" smtClean="0">
-                <a:latin typeface="微軟正黑體" pitchFamily="34" charset="-120"/>
-                <a:ea typeface="微軟正黑體" pitchFamily="34" charset="-120"/>
-              </a:rPr>
-              <a:t>權限</a:t>
+              <a:t>檢視權限</a:t>
             </a:r>
             <a:r>
               <a:rPr lang="en-US" altLang="zh-TW" sz="2000" dirty="0" smtClean="0">
@@ -3369,14 +3355,7 @@
                 <a:latin typeface="微軟正黑體" pitchFamily="34" charset="-120"/>
                 <a:ea typeface="微軟正黑體" pitchFamily="34" charset="-120"/>
               </a:rPr>
-              <a:t>進</a:t>
-            </a:r>
-            <a:r>
-              <a:rPr lang="zh-TW" altLang="en-US" sz="2000" dirty="0" smtClean="0">
-                <a:latin typeface="微軟正黑體" pitchFamily="34" charset="-120"/>
-                <a:ea typeface="微軟正黑體" pitchFamily="34" charset="-120"/>
-              </a:rPr>
-              <a:t>到</a:t>
+              <a:t>進到</a:t>
             </a:r>
             <a:r>
               <a:rPr lang="en-US" altLang="zh-TW" sz="2000" dirty="0" smtClean="0">
@@ -3501,49 +3480,1711 @@
           <a:chExt cx="0" cy="0"/>
         </a:xfrm>
       </p:grpSpPr>
-      <p:pic>
-        <p:nvPicPr>
-          <p:cNvPr id="1026" name="Picture 2"/>
-          <p:cNvPicPr>
-            <a:picLocks noChangeAspect="1" noChangeArrowheads="1"/>
-          </p:cNvPicPr>
+      <p:sp>
+        <p:nvSpPr>
+          <p:cNvPr id="4" name="矩形 3"/>
+          <p:cNvSpPr/>
           <p:nvPr/>
-        </p:nvPicPr>
-        <p:blipFill>
-          <a:blip r:embed="rId2" cstate="print"/>
-          <a:srcRect/>
-          <a:stretch>
-            <a:fillRect/>
-          </a:stretch>
-        </p:blipFill>
+        </p:nvSpPr>
+        <p:spPr>
+          <a:xfrm>
+            <a:off x="755576" y="692696"/>
+            <a:ext cx="2786981" cy="523220"/>
+          </a:xfrm>
+          <a:prstGeom prst="rect">
+            <a:avLst/>
+          </a:prstGeom>
+        </p:spPr>
+        <p:txBody>
+          <a:bodyPr wrap="none">
+            <a:spAutoFit/>
+          </a:bodyPr>
+          <a:lstStyle/>
+          <a:p>
+            <a:r>
+              <a:rPr lang="en-US" altLang="zh-TW" sz="2800" b="1" dirty="0" err="1">
+                <a:effectLst>
+                  <a:outerShdw blurRad="38100" dist="38100" dir="2700000" algn="tl">
+                    <a:srgbClr val="000000">
+                      <a:alpha val="43137"/>
+                    </a:srgbClr>
+                  </a:outerShdw>
+                </a:effectLst>
+              </a:rPr>
+              <a:t>Application_Start</a:t>
+            </a:r>
+            <a:endParaRPr lang="zh-TW" altLang="en-US" sz="2800" b="1" dirty="0">
+              <a:effectLst>
+                <a:outerShdw blurRad="38100" dist="38100" dir="2700000" algn="tl">
+                  <a:srgbClr val="000000">
+                    <a:alpha val="43137"/>
+                  </a:srgbClr>
+                </a:outerShdw>
+              </a:effectLst>
+            </a:endParaRPr>
+          </a:p>
+        </p:txBody>
+      </p:sp>
+      <p:sp>
+        <p:nvSpPr>
+          <p:cNvPr id="5" name="矩形 4"/>
+          <p:cNvSpPr/>
+          <p:nvPr/>
+        </p:nvSpPr>
+        <p:spPr>
+          <a:xfrm>
+            <a:off x="971600" y="1196752"/>
+            <a:ext cx="4248472" cy="792088"/>
+          </a:xfrm>
+          <a:prstGeom prst="rect">
+            <a:avLst/>
+          </a:prstGeom>
+          <a:noFill/>
+          <a:ln>
+            <a:noFill/>
+          </a:ln>
+        </p:spPr>
+        <p:style>
+          <a:lnRef idx="2">
+            <a:schemeClr val="accent1">
+              <a:shade val="50000"/>
+            </a:schemeClr>
+          </a:lnRef>
+          <a:fillRef idx="1">
+            <a:schemeClr val="accent1"/>
+          </a:fillRef>
+          <a:effectRef idx="0">
+            <a:schemeClr val="accent1"/>
+          </a:effectRef>
+          <a:fontRef idx="minor">
+            <a:schemeClr val="lt1"/>
+          </a:fontRef>
+        </p:style>
+        <p:txBody>
+          <a:bodyPr rtlCol="0" anchor="t"/>
+          <a:lstStyle/>
+          <a:p>
+            <a:pPr marL="228600" indent="-228600">
+              <a:buAutoNum type="arabicPeriod"/>
+            </a:pPr>
+            <a:r>
+              <a:rPr lang="zh-TW" altLang="en-US" sz="1100" b="1" dirty="0" smtClean="0">
+                <a:solidFill>
+                  <a:schemeClr val="tx1"/>
+                </a:solidFill>
+                <a:latin typeface="微軟正黑體" pitchFamily="34" charset="-120"/>
+                <a:ea typeface="微軟正黑體" pitchFamily="34" charset="-120"/>
+              </a:rPr>
+              <a:t>將</a:t>
+            </a:r>
+            <a:r>
+              <a:rPr lang="en-US" altLang="zh-TW" sz="1100" b="1" dirty="0" smtClean="0">
+                <a:solidFill>
+                  <a:schemeClr val="tx1"/>
+                </a:solidFill>
+                <a:latin typeface="微軟正黑體" pitchFamily="34" charset="-120"/>
+                <a:ea typeface="微軟正黑體" pitchFamily="34" charset="-120"/>
+              </a:rPr>
+              <a:t>Role =&gt; Admin, General</a:t>
+            </a:r>
+            <a:r>
+              <a:rPr lang="zh-TW" altLang="en-US" sz="1100" b="1" dirty="0" smtClean="0">
+                <a:solidFill>
+                  <a:schemeClr val="tx1"/>
+                </a:solidFill>
+                <a:latin typeface="微軟正黑體" pitchFamily="34" charset="-120"/>
+                <a:ea typeface="微軟正黑體" pitchFamily="34" charset="-120"/>
+              </a:rPr>
+              <a:t> 寫到 </a:t>
+            </a:r>
+            <a:r>
+              <a:rPr lang="en-US" altLang="zh-TW" sz="1100" b="1" dirty="0" err="1" smtClean="0">
+                <a:solidFill>
+                  <a:schemeClr val="tx1"/>
+                </a:solidFill>
+                <a:latin typeface="微軟正黑體" pitchFamily="34" charset="-120"/>
+                <a:ea typeface="微軟正黑體" pitchFamily="34" charset="-120"/>
+              </a:rPr>
+              <a:t>RBACContext</a:t>
+            </a:r>
+            <a:r>
+              <a:rPr lang="zh-TW" altLang="en-US" sz="1100" b="1" dirty="0" smtClean="0">
+                <a:solidFill>
+                  <a:schemeClr val="tx1"/>
+                </a:solidFill>
+                <a:latin typeface="微軟正黑體" pitchFamily="34" charset="-120"/>
+                <a:ea typeface="微軟正黑體" pitchFamily="34" charset="-120"/>
+              </a:rPr>
+              <a:t> 中</a:t>
+            </a:r>
+            <a:endParaRPr lang="en-US" altLang="zh-TW" sz="1100" b="1" dirty="0" smtClean="0">
+              <a:solidFill>
+                <a:schemeClr val="tx1"/>
+              </a:solidFill>
+              <a:latin typeface="微軟正黑體" pitchFamily="34" charset="-120"/>
+              <a:ea typeface="微軟正黑體" pitchFamily="34" charset="-120"/>
+            </a:endParaRPr>
+          </a:p>
+          <a:p>
+            <a:pPr marL="228600" indent="-228600">
+              <a:buFontTx/>
+              <a:buAutoNum type="arabicPeriod"/>
+            </a:pPr>
+            <a:r>
+              <a:rPr lang="zh-TW" altLang="en-US" sz="1100" b="1" dirty="0" smtClean="0">
+                <a:solidFill>
+                  <a:schemeClr val="tx1"/>
+                </a:solidFill>
+                <a:latin typeface="微軟正黑體" pitchFamily="34" charset="-120"/>
+                <a:ea typeface="微軟正黑體" pitchFamily="34" charset="-120"/>
+              </a:rPr>
+              <a:t>準備好</a:t>
+            </a:r>
+            <a:r>
+              <a:rPr lang="en-US" altLang="zh-TW" sz="1100" b="1" dirty="0" smtClean="0">
+                <a:solidFill>
+                  <a:schemeClr val="tx1"/>
+                </a:solidFill>
+                <a:latin typeface="微軟正黑體" pitchFamily="34" charset="-120"/>
+                <a:ea typeface="微軟正黑體" pitchFamily="34" charset="-120"/>
+              </a:rPr>
+              <a:t>Role</a:t>
+            </a:r>
+            <a:r>
+              <a:rPr lang="zh-TW" altLang="en-US" sz="1100" b="1" dirty="0" smtClean="0">
+                <a:solidFill>
+                  <a:schemeClr val="tx1"/>
+                </a:solidFill>
+                <a:latin typeface="微軟正黑體" pitchFamily="34" charset="-120"/>
+                <a:ea typeface="微軟正黑體" pitchFamily="34" charset="-120"/>
+              </a:rPr>
+              <a:t>查找方法 </a:t>
+            </a:r>
+            <a:r>
+              <a:rPr lang="en-US" altLang="zh-TW" sz="1100" b="1" dirty="0" err="1" smtClean="0">
+                <a:solidFill>
+                  <a:schemeClr val="tx1"/>
+                </a:solidFill>
+                <a:latin typeface="微軟正黑體" pitchFamily="34" charset="-120"/>
+                <a:ea typeface="微軟正黑體" pitchFamily="34" charset="-120"/>
+              </a:rPr>
+              <a:t>DelegeteRoleProvider</a:t>
+            </a:r>
+            <a:endParaRPr lang="en-US" altLang="zh-TW" sz="1100" b="1" dirty="0" smtClean="0">
+              <a:solidFill>
+                <a:schemeClr val="tx1"/>
+              </a:solidFill>
+              <a:latin typeface="微軟正黑體" pitchFamily="34" charset="-120"/>
+              <a:ea typeface="微軟正黑體" pitchFamily="34" charset="-120"/>
+            </a:endParaRPr>
+          </a:p>
+          <a:p>
+            <a:pPr marL="228600" indent="-228600">
+              <a:buFontTx/>
+              <a:buAutoNum type="arabicPeriod"/>
+            </a:pPr>
+            <a:r>
+              <a:rPr lang="zh-TW" altLang="en-US" sz="1100" b="1" dirty="0" smtClean="0">
+                <a:solidFill>
+                  <a:schemeClr val="tx1"/>
+                </a:solidFill>
+                <a:latin typeface="微軟正黑體" pitchFamily="34" charset="-120"/>
+                <a:ea typeface="微軟正黑體" pitchFamily="34" charset="-120"/>
+              </a:rPr>
+              <a:t>註冊 </a:t>
+            </a:r>
+            <a:r>
+              <a:rPr lang="en-US" altLang="zh-TW" sz="1100" b="1" dirty="0" err="1" smtClean="0">
+                <a:solidFill>
+                  <a:schemeClr val="tx1"/>
+                </a:solidFill>
+                <a:latin typeface="微軟正黑體" pitchFamily="34" charset="-120"/>
+                <a:ea typeface="微軟正黑體" pitchFamily="34" charset="-120"/>
+              </a:rPr>
+              <a:t>FilterConfig</a:t>
+            </a:r>
+            <a:r>
+              <a:rPr lang="zh-TW" altLang="en-US" sz="1100" b="1" dirty="0">
+                <a:solidFill>
+                  <a:schemeClr val="tx1"/>
+                </a:solidFill>
+                <a:latin typeface="微軟正黑體" pitchFamily="34" charset="-120"/>
+                <a:ea typeface="微軟正黑體" pitchFamily="34" charset="-120"/>
+              </a:rPr>
+              <a:t> </a:t>
+            </a:r>
+            <a:r>
+              <a:rPr lang="en-US" altLang="zh-TW" sz="1100" b="1" dirty="0" smtClean="0">
+                <a:solidFill>
+                  <a:schemeClr val="tx1"/>
+                </a:solidFill>
+                <a:latin typeface="微軟正黑體" pitchFamily="34" charset="-120"/>
+                <a:ea typeface="微軟正黑體" pitchFamily="34" charset="-120"/>
+              </a:rPr>
+              <a:t>=&gt;</a:t>
+            </a:r>
+            <a:br>
+              <a:rPr lang="en-US" altLang="zh-TW" sz="1100" b="1" dirty="0" smtClean="0">
+                <a:solidFill>
+                  <a:schemeClr val="tx1"/>
+                </a:solidFill>
+                <a:latin typeface="微軟正黑體" pitchFamily="34" charset="-120"/>
+                <a:ea typeface="微軟正黑體" pitchFamily="34" charset="-120"/>
+              </a:rPr>
+            </a:br>
+            <a:r>
+              <a:rPr lang="zh-TW" altLang="en-US" sz="1100" b="1" dirty="0" smtClean="0">
+                <a:solidFill>
+                  <a:schemeClr val="tx1"/>
+                </a:solidFill>
+                <a:latin typeface="微軟正黑體" pitchFamily="34" charset="-120"/>
+                <a:ea typeface="微軟正黑體" pitchFamily="34" charset="-120"/>
+              </a:rPr>
+              <a:t> </a:t>
+            </a:r>
+            <a:r>
+              <a:rPr lang="en-US" altLang="zh-TW" sz="1100" b="1" dirty="0" err="1" smtClean="0">
+                <a:solidFill>
+                  <a:schemeClr val="tx1"/>
+                </a:solidFill>
+                <a:latin typeface="微軟正黑體" pitchFamily="34" charset="-120"/>
+                <a:ea typeface="微軟正黑體" pitchFamily="34" charset="-120"/>
+              </a:rPr>
+              <a:t>HandleErrorAttribute</a:t>
+            </a:r>
+            <a:r>
+              <a:rPr lang="zh-TW" altLang="en-US" sz="1100" b="1" dirty="0" smtClean="0">
+                <a:solidFill>
+                  <a:schemeClr val="tx1"/>
+                </a:solidFill>
+                <a:latin typeface="微軟正黑體" pitchFamily="34" charset="-120"/>
+                <a:ea typeface="微軟正黑體" pitchFamily="34" charset="-120"/>
+              </a:rPr>
+              <a:t>、 </a:t>
+            </a:r>
+            <a:r>
+              <a:rPr lang="en-US" altLang="zh-TW" sz="1100" b="1" dirty="0" err="1" smtClean="0">
+                <a:solidFill>
+                  <a:schemeClr val="tx1"/>
+                </a:solidFill>
+                <a:latin typeface="微軟正黑體" pitchFamily="34" charset="-120"/>
+                <a:ea typeface="微軟正黑體" pitchFamily="34" charset="-120"/>
+              </a:rPr>
+              <a:t>MvcAuthorizeAttribute</a:t>
+            </a:r>
+            <a:endParaRPr lang="zh-TW" altLang="en-US" sz="1100" b="1" dirty="0">
+              <a:solidFill>
+                <a:schemeClr val="tx1"/>
+              </a:solidFill>
+              <a:latin typeface="微軟正黑體" pitchFamily="34" charset="-120"/>
+              <a:ea typeface="微軟正黑體" pitchFamily="34" charset="-120"/>
+            </a:endParaRPr>
+          </a:p>
+        </p:txBody>
+      </p:sp>
+      <p:sp>
+        <p:nvSpPr>
+          <p:cNvPr id="7" name="文字方塊 6"/>
+          <p:cNvSpPr txBox="1"/>
+          <p:nvPr/>
+        </p:nvSpPr>
+        <p:spPr>
+          <a:xfrm>
+            <a:off x="1403648" y="2204864"/>
+            <a:ext cx="2376264" cy="523220"/>
+          </a:xfrm>
+          <a:prstGeom prst="rect">
+            <a:avLst/>
+          </a:prstGeom>
+          <a:noFill/>
+        </p:spPr>
+        <p:txBody>
+          <a:bodyPr wrap="square" rtlCol="0">
+            <a:spAutoFit/>
+          </a:bodyPr>
+          <a:lstStyle/>
+          <a:p>
+            <a:r>
+              <a:rPr lang="en-US" altLang="zh-TW" sz="2800" b="1" dirty="0" smtClean="0">
+                <a:effectLst>
+                  <a:outerShdw blurRad="38100" dist="38100" dir="2700000" algn="tl">
+                    <a:srgbClr val="000000">
+                      <a:alpha val="43137"/>
+                    </a:srgbClr>
+                  </a:outerShdw>
+                </a:effectLst>
+              </a:rPr>
+              <a:t>Request_1</a:t>
+            </a:r>
+            <a:endParaRPr lang="zh-TW" altLang="en-US" sz="2800" b="1" dirty="0">
+              <a:effectLst>
+                <a:outerShdw blurRad="38100" dist="38100" dir="2700000" algn="tl">
+                  <a:srgbClr val="000000">
+                    <a:alpha val="43137"/>
+                  </a:srgbClr>
+                </a:outerShdw>
+              </a:effectLst>
+            </a:endParaRPr>
+          </a:p>
+        </p:txBody>
+      </p:sp>
+      <p:sp>
+        <p:nvSpPr>
+          <p:cNvPr id="8" name="矩形 7"/>
+          <p:cNvSpPr/>
+          <p:nvPr/>
+        </p:nvSpPr>
+        <p:spPr>
+          <a:xfrm>
+            <a:off x="1547664" y="2636912"/>
+            <a:ext cx="4896544" cy="1296144"/>
+          </a:xfrm>
+          <a:prstGeom prst="rect">
+            <a:avLst/>
+          </a:prstGeom>
+          <a:noFill/>
+          <a:ln>
+            <a:solidFill>
+              <a:schemeClr val="tx1"/>
+            </a:solidFill>
+          </a:ln>
+        </p:spPr>
+        <p:style>
+          <a:lnRef idx="2">
+            <a:schemeClr val="accent1">
+              <a:shade val="50000"/>
+            </a:schemeClr>
+          </a:lnRef>
+          <a:fillRef idx="1">
+            <a:schemeClr val="accent1"/>
+          </a:fillRef>
+          <a:effectRef idx="0">
+            <a:schemeClr val="accent1"/>
+          </a:effectRef>
+          <a:fontRef idx="minor">
+            <a:schemeClr val="lt1"/>
+          </a:fontRef>
+        </p:style>
+        <p:txBody>
+          <a:bodyPr rtlCol="0" anchor="t"/>
+          <a:lstStyle/>
+          <a:p>
+            <a:pPr marL="228600" indent="-228600">
+              <a:buAutoNum type="arabicPeriod"/>
+            </a:pPr>
+            <a:r>
+              <a:rPr lang="zh-TW" altLang="en-US" sz="1100" b="1" dirty="0">
+                <a:solidFill>
+                  <a:schemeClr val="tx1"/>
+                </a:solidFill>
+                <a:latin typeface="微軟正黑體" pitchFamily="34" charset="-120"/>
+                <a:ea typeface="微軟正黑體" pitchFamily="34" charset="-120"/>
+              </a:rPr>
+              <a:t>進</a:t>
+            </a:r>
+            <a:r>
+              <a:rPr lang="zh-TW" altLang="en-US" sz="1100" b="1" dirty="0" smtClean="0">
+                <a:solidFill>
+                  <a:schemeClr val="tx1"/>
+                </a:solidFill>
+                <a:latin typeface="微軟正黑體" pitchFamily="34" charset="-120"/>
+                <a:ea typeface="微軟正黑體" pitchFamily="34" charset="-120"/>
+              </a:rPr>
+              <a:t>到 </a:t>
+            </a:r>
+            <a:r>
+              <a:rPr lang="en-US" altLang="zh-TW" sz="1100" b="1" dirty="0" err="1" smtClean="0">
+                <a:solidFill>
+                  <a:schemeClr val="tx1"/>
+                </a:solidFill>
+                <a:latin typeface="微軟正黑體" pitchFamily="34" charset="-120"/>
+                <a:ea typeface="微軟正黑體" pitchFamily="34" charset="-120"/>
+              </a:rPr>
+              <a:t>MvcAuthorizeAttribute</a:t>
+            </a:r>
+            <a:r>
+              <a:rPr lang="zh-TW" altLang="en-US" sz="1100" b="1" dirty="0" smtClean="0">
+                <a:solidFill>
+                  <a:schemeClr val="tx1"/>
+                </a:solidFill>
+                <a:latin typeface="微軟正黑體" pitchFamily="34" charset="-120"/>
+                <a:ea typeface="微軟正黑體" pitchFamily="34" charset="-120"/>
+              </a:rPr>
+              <a:t>，判斷是否有卡權限</a:t>
+            </a:r>
+            <a:endParaRPr lang="en-US" altLang="zh-TW" sz="1100" b="1" dirty="0" smtClean="0">
+              <a:solidFill>
+                <a:schemeClr val="tx1"/>
+              </a:solidFill>
+              <a:latin typeface="微軟正黑體" pitchFamily="34" charset="-120"/>
+              <a:ea typeface="微軟正黑體" pitchFamily="34" charset="-120"/>
+            </a:endParaRPr>
+          </a:p>
+          <a:p>
+            <a:pPr marL="228600" indent="-228600">
+              <a:buAutoNum type="arabicPeriod"/>
+            </a:pPr>
+            <a:endParaRPr lang="en-US" altLang="zh-TW" sz="1100" b="1" dirty="0">
+              <a:solidFill>
+                <a:schemeClr val="tx1"/>
+              </a:solidFill>
+              <a:latin typeface="微軟正黑體" pitchFamily="34" charset="-120"/>
+              <a:ea typeface="微軟正黑體" pitchFamily="34" charset="-120"/>
+            </a:endParaRPr>
+          </a:p>
+          <a:p>
+            <a:pPr marL="228600" indent="-228600">
+              <a:buFontTx/>
+              <a:buAutoNum type="arabicPeriod"/>
+            </a:pPr>
+            <a:r>
+              <a:rPr lang="zh-TW" altLang="en-US" sz="1100" b="1" dirty="0" smtClean="0">
+                <a:solidFill>
+                  <a:schemeClr val="tx1"/>
+                </a:solidFill>
+                <a:latin typeface="微軟正黑體" pitchFamily="34" charset="-120"/>
+                <a:ea typeface="微軟正黑體" pitchFamily="34" charset="-120"/>
+              </a:rPr>
+              <a:t>權限驗證是否通過</a:t>
+            </a:r>
+            <a:r>
+              <a:rPr lang="en-US" altLang="zh-TW" sz="1100" b="1" dirty="0" smtClean="0">
+                <a:solidFill>
+                  <a:schemeClr val="tx1"/>
+                </a:solidFill>
+                <a:latin typeface="微軟正黑體" pitchFamily="34" charset="-120"/>
+                <a:ea typeface="微軟正黑體" pitchFamily="34" charset="-120"/>
+              </a:rPr>
+              <a:t/>
+            </a:r>
+            <a:br>
+              <a:rPr lang="en-US" altLang="zh-TW" sz="1100" b="1" dirty="0" smtClean="0">
+                <a:solidFill>
+                  <a:schemeClr val="tx1"/>
+                </a:solidFill>
+                <a:latin typeface="微軟正黑體" pitchFamily="34" charset="-120"/>
+                <a:ea typeface="微軟正黑體" pitchFamily="34" charset="-120"/>
+              </a:rPr>
+            </a:br>
+            <a:r>
+              <a:rPr lang="zh-TW" altLang="en-US" sz="1100" b="1" dirty="0" smtClean="0">
+                <a:solidFill>
+                  <a:schemeClr val="tx1"/>
+                </a:solidFill>
+                <a:latin typeface="微軟正黑體" pitchFamily="34" charset="-120"/>
+                <a:ea typeface="微軟正黑體" pitchFamily="34" charset="-120"/>
+              </a:rPr>
+              <a:t>通過：進到</a:t>
+            </a:r>
+            <a:r>
+              <a:rPr lang="en-US" altLang="zh-TW" sz="1100" b="1" dirty="0" smtClean="0">
+                <a:solidFill>
+                  <a:schemeClr val="tx1"/>
+                </a:solidFill>
+                <a:latin typeface="微軟正黑體" pitchFamily="34" charset="-120"/>
+                <a:ea typeface="微軟正黑體" pitchFamily="34" charset="-120"/>
+              </a:rPr>
+              <a:t>Action; </a:t>
+            </a:r>
+            <a:br>
+              <a:rPr lang="en-US" altLang="zh-TW" sz="1100" b="1" dirty="0" smtClean="0">
+                <a:solidFill>
+                  <a:schemeClr val="tx1"/>
+                </a:solidFill>
+                <a:latin typeface="微軟正黑體" pitchFamily="34" charset="-120"/>
+                <a:ea typeface="微軟正黑體" pitchFamily="34" charset="-120"/>
+              </a:rPr>
+            </a:br>
+            <a:r>
+              <a:rPr lang="zh-TW" altLang="en-US" sz="1100" b="1" dirty="0" smtClean="0">
+                <a:solidFill>
+                  <a:schemeClr val="tx1"/>
+                </a:solidFill>
+                <a:latin typeface="微軟正黑體" pitchFamily="34" charset="-120"/>
+                <a:ea typeface="微軟正黑體" pitchFamily="34" charset="-120"/>
+              </a:rPr>
+              <a:t>不通過：轉跳到 </a:t>
+            </a:r>
+            <a:r>
+              <a:rPr lang="en-US" altLang="zh-TW" sz="1100" b="1" dirty="0" smtClean="0">
+                <a:solidFill>
+                  <a:schemeClr val="tx1"/>
+                </a:solidFill>
+                <a:latin typeface="微軟正黑體" pitchFamily="34" charset="-120"/>
+                <a:ea typeface="微軟正黑體" pitchFamily="34" charset="-120"/>
+              </a:rPr>
+              <a:t>/Home/Logoff</a:t>
+            </a:r>
+            <a:r>
+              <a:rPr lang="zh-TW" altLang="en-US" sz="1100" b="1" dirty="0" smtClean="0">
+                <a:solidFill>
+                  <a:schemeClr val="tx1"/>
+                </a:solidFill>
+                <a:latin typeface="微軟正黑體" pitchFamily="34" charset="-120"/>
+                <a:ea typeface="微軟正黑體" pitchFamily="34" charset="-120"/>
+              </a:rPr>
+              <a:t> </a:t>
+            </a:r>
+            <a:r>
+              <a:rPr lang="en-US" altLang="zh-TW" sz="1100" b="1" dirty="0" smtClean="0">
+                <a:solidFill>
+                  <a:schemeClr val="tx1"/>
+                </a:solidFill>
+                <a:latin typeface="微軟正黑體" pitchFamily="34" charset="-120"/>
+                <a:ea typeface="微軟正黑體" pitchFamily="34" charset="-120"/>
+              </a:rPr>
+              <a:t/>
+            </a:r>
+            <a:br>
+              <a:rPr lang="en-US" altLang="zh-TW" sz="1100" b="1" dirty="0" smtClean="0">
+                <a:solidFill>
+                  <a:schemeClr val="tx1"/>
+                </a:solidFill>
+                <a:latin typeface="微軟正黑體" pitchFamily="34" charset="-120"/>
+                <a:ea typeface="微軟正黑體" pitchFamily="34" charset="-120"/>
+              </a:rPr>
+            </a:br>
+            <a:r>
+              <a:rPr lang="en-US" altLang="zh-TW" sz="1100" b="1" dirty="0" smtClean="0">
+                <a:solidFill>
+                  <a:schemeClr val="tx1"/>
+                </a:solidFill>
+                <a:latin typeface="微軟正黑體" pitchFamily="34" charset="-120"/>
+                <a:ea typeface="微軟正黑體" pitchFamily="34" charset="-120"/>
+              </a:rPr>
+              <a:t>(</a:t>
+            </a:r>
+            <a:r>
+              <a:rPr lang="zh-TW" altLang="en-US" sz="1100" b="1" dirty="0" smtClean="0">
+                <a:solidFill>
+                  <a:schemeClr val="tx1"/>
+                </a:solidFill>
+                <a:latin typeface="微軟正黑體" pitchFamily="34" charset="-120"/>
+                <a:ea typeface="微軟正黑體" pitchFamily="34" charset="-120"/>
+              </a:rPr>
+              <a:t>依據 </a:t>
+            </a:r>
+            <a:r>
+              <a:rPr lang="en-US" altLang="zh-TW" sz="1100" b="1" dirty="0" err="1" smtClean="0">
+                <a:solidFill>
+                  <a:schemeClr val="tx1"/>
+                </a:solidFill>
+                <a:latin typeface="微軟正黑體" pitchFamily="34" charset="-120"/>
+                <a:ea typeface="微軟正黑體" pitchFamily="34" charset="-120"/>
+              </a:rPr>
+              <a:t>Web.config</a:t>
+            </a:r>
+            <a:r>
+              <a:rPr lang="en-US" altLang="zh-TW" sz="1100" b="1" dirty="0" smtClean="0">
+                <a:solidFill>
+                  <a:schemeClr val="tx1"/>
+                </a:solidFill>
+                <a:latin typeface="微軟正黑體" pitchFamily="34" charset="-120"/>
+                <a:ea typeface="微軟正黑體" pitchFamily="34" charset="-120"/>
+              </a:rPr>
+              <a:t> -&gt; </a:t>
+            </a:r>
+            <a:r>
+              <a:rPr lang="en-US" altLang="zh-TW" sz="1100" b="1" dirty="0" err="1" smtClean="0">
+                <a:solidFill>
+                  <a:schemeClr val="tx1"/>
+                </a:solidFill>
+                <a:latin typeface="微軟正黑體" pitchFamily="34" charset="-120"/>
+                <a:ea typeface="微軟正黑體" pitchFamily="34" charset="-120"/>
+              </a:rPr>
+              <a:t>httpRuntime</a:t>
+            </a:r>
+            <a:r>
+              <a:rPr lang="en-US" altLang="zh-TW" sz="1100" b="1" dirty="0" smtClean="0">
+                <a:solidFill>
+                  <a:schemeClr val="tx1"/>
+                </a:solidFill>
+                <a:latin typeface="微軟正黑體" pitchFamily="34" charset="-120"/>
+                <a:ea typeface="微軟正黑體" pitchFamily="34" charset="-120"/>
+              </a:rPr>
+              <a:t> -&gt; </a:t>
+            </a:r>
+            <a:r>
+              <a:rPr lang="en-US" altLang="zh-TW" sz="1100" b="1" dirty="0" err="1" smtClean="0">
+                <a:solidFill>
+                  <a:schemeClr val="tx1"/>
+                </a:solidFill>
+                <a:latin typeface="微軟正黑體" pitchFamily="34" charset="-120"/>
+                <a:ea typeface="微軟正黑體" pitchFamily="34" charset="-120"/>
+              </a:rPr>
+              <a:t>forms’s</a:t>
+            </a:r>
+            <a:r>
+              <a:rPr lang="en-US" altLang="zh-TW" sz="1100" b="1" dirty="0" smtClean="0">
+                <a:solidFill>
+                  <a:schemeClr val="tx1"/>
+                </a:solidFill>
+                <a:latin typeface="微軟正黑體" pitchFamily="34" charset="-120"/>
+                <a:ea typeface="微軟正黑體" pitchFamily="34" charset="-120"/>
+              </a:rPr>
+              <a:t> </a:t>
+            </a:r>
+            <a:r>
+              <a:rPr lang="en-US" altLang="zh-TW" sz="1100" b="1" dirty="0" err="1" smtClean="0">
+                <a:solidFill>
+                  <a:schemeClr val="tx1"/>
+                </a:solidFill>
+                <a:latin typeface="微軟正黑體" pitchFamily="34" charset="-120"/>
+                <a:ea typeface="微軟正黑體" pitchFamily="34" charset="-120"/>
+              </a:rPr>
+              <a:t>LoginUrl</a:t>
+            </a:r>
+            <a:r>
+              <a:rPr lang="en-US" altLang="zh-TW" sz="1100" b="1" dirty="0" smtClean="0">
+                <a:solidFill>
+                  <a:schemeClr val="tx1"/>
+                </a:solidFill>
+                <a:latin typeface="微軟正黑體" pitchFamily="34" charset="-120"/>
+                <a:ea typeface="微軟正黑體" pitchFamily="34" charset="-120"/>
+              </a:rPr>
+              <a:t>)</a:t>
+            </a:r>
+            <a:endParaRPr lang="zh-TW" altLang="en-US" sz="1100" b="1" dirty="0">
+              <a:solidFill>
+                <a:schemeClr val="tx1"/>
+              </a:solidFill>
+              <a:latin typeface="微軟正黑體" pitchFamily="34" charset="-120"/>
+              <a:ea typeface="微軟正黑體" pitchFamily="34" charset="-120"/>
+            </a:endParaRPr>
+          </a:p>
+        </p:txBody>
+      </p:sp>
+      <p:sp>
+        <p:nvSpPr>
+          <p:cNvPr id="10" name="矩形 9"/>
+          <p:cNvSpPr/>
+          <p:nvPr/>
+        </p:nvSpPr>
+        <p:spPr>
+          <a:xfrm>
+            <a:off x="611560" y="404664"/>
+            <a:ext cx="4248472" cy="1728192"/>
+          </a:xfrm>
+          <a:prstGeom prst="rect">
+            <a:avLst/>
+          </a:prstGeom>
+          <a:noFill/>
+          <a:ln>
+            <a:solidFill>
+              <a:schemeClr val="tx1"/>
+            </a:solidFill>
+          </a:ln>
+        </p:spPr>
+        <p:style>
+          <a:lnRef idx="2">
+            <a:schemeClr val="accent1">
+              <a:shade val="50000"/>
+            </a:schemeClr>
+          </a:lnRef>
+          <a:fillRef idx="1">
+            <a:schemeClr val="accent1"/>
+          </a:fillRef>
+          <a:effectRef idx="0">
+            <a:schemeClr val="accent1"/>
+          </a:effectRef>
+          <a:fontRef idx="minor">
+            <a:schemeClr val="lt1"/>
+          </a:fontRef>
+        </p:style>
+        <p:txBody>
+          <a:bodyPr rtlCol="0" anchor="ctr"/>
+          <a:lstStyle/>
+          <a:p>
+            <a:pPr algn="ctr"/>
+            <a:endParaRPr lang="zh-TW" altLang="en-US"/>
+          </a:p>
+        </p:txBody>
+      </p:sp>
+      <p:sp>
+        <p:nvSpPr>
+          <p:cNvPr id="9" name="矩形 8"/>
+          <p:cNvSpPr/>
+          <p:nvPr/>
+        </p:nvSpPr>
+        <p:spPr>
+          <a:xfrm>
+            <a:off x="179512" y="116632"/>
+            <a:ext cx="1909369" cy="523220"/>
+          </a:xfrm>
+          <a:prstGeom prst="rect">
+            <a:avLst/>
+          </a:prstGeom>
+          <a:solidFill>
+            <a:schemeClr val="bg1"/>
+          </a:solidFill>
+          <a:ln>
+            <a:solidFill>
+              <a:schemeClr val="tx1"/>
+            </a:solidFill>
+          </a:ln>
+        </p:spPr>
+        <p:txBody>
+          <a:bodyPr wrap="none">
+            <a:spAutoFit/>
+          </a:bodyPr>
+          <a:lstStyle/>
+          <a:p>
+            <a:r>
+              <a:rPr lang="en-US" altLang="zh-TW" sz="2800" b="1" dirty="0" err="1" smtClean="0">
+                <a:effectLst>
+                  <a:outerShdw blurRad="38100" dist="38100" dir="2700000" algn="tl">
+                    <a:srgbClr val="000000">
+                      <a:alpha val="43137"/>
+                    </a:srgbClr>
+                  </a:outerShdw>
+                </a:effectLst>
+              </a:rPr>
+              <a:t>Global.asax</a:t>
+            </a:r>
+            <a:endParaRPr lang="zh-TW" altLang="en-US" sz="2800" b="1" dirty="0">
+              <a:effectLst>
+                <a:outerShdw blurRad="38100" dist="38100" dir="2700000" algn="tl">
+                  <a:srgbClr val="000000">
+                    <a:alpha val="43137"/>
+                  </a:srgbClr>
+                </a:outerShdw>
+              </a:effectLst>
+            </a:endParaRPr>
+          </a:p>
+        </p:txBody>
+      </p:sp>
+      <p:cxnSp>
+        <p:nvCxnSpPr>
+          <p:cNvPr id="12" name="直線接點 11"/>
+          <p:cNvCxnSpPr/>
+          <p:nvPr/>
+        </p:nvCxnSpPr>
+        <p:spPr>
+          <a:xfrm>
+            <a:off x="971600" y="2132856"/>
+            <a:ext cx="0" cy="3240360"/>
+          </a:xfrm>
+          <a:prstGeom prst="line">
+            <a:avLst/>
+          </a:prstGeom>
+          <a:ln w="19050">
+            <a:solidFill>
+              <a:schemeClr val="tx1"/>
+            </a:solidFill>
+          </a:ln>
+        </p:spPr>
+        <p:style>
+          <a:lnRef idx="1">
+            <a:schemeClr val="accent1"/>
+          </a:lnRef>
+          <a:fillRef idx="0">
+            <a:schemeClr val="accent1"/>
+          </a:fillRef>
+          <a:effectRef idx="0">
+            <a:schemeClr val="accent1"/>
+          </a:effectRef>
+          <a:fontRef idx="minor">
+            <a:schemeClr val="tx1"/>
+          </a:fontRef>
+        </p:style>
+      </p:cxnSp>
+      <p:cxnSp>
+        <p:nvCxnSpPr>
+          <p:cNvPr id="13" name="直線接點 12"/>
+          <p:cNvCxnSpPr/>
+          <p:nvPr/>
+        </p:nvCxnSpPr>
+        <p:spPr>
+          <a:xfrm flipH="1">
+            <a:off x="971600" y="2492896"/>
+            <a:ext cx="648072" cy="0"/>
+          </a:xfrm>
+          <a:prstGeom prst="line">
+            <a:avLst/>
+          </a:prstGeom>
+          <a:ln w="19050">
+            <a:solidFill>
+              <a:schemeClr val="tx1"/>
+            </a:solidFill>
+          </a:ln>
+        </p:spPr>
+        <p:style>
+          <a:lnRef idx="1">
+            <a:schemeClr val="accent1"/>
+          </a:lnRef>
+          <a:fillRef idx="0">
+            <a:schemeClr val="accent1"/>
+          </a:fillRef>
+          <a:effectRef idx="0">
+            <a:schemeClr val="accent1"/>
+          </a:effectRef>
+          <a:fontRef idx="minor">
+            <a:schemeClr val="tx1"/>
+          </a:fontRef>
+        </p:style>
+      </p:cxnSp>
+      <p:sp>
+        <p:nvSpPr>
+          <p:cNvPr id="23" name="文字方塊 22"/>
+          <p:cNvSpPr txBox="1"/>
+          <p:nvPr/>
+        </p:nvSpPr>
+        <p:spPr>
+          <a:xfrm>
+            <a:off x="1403648" y="4221088"/>
+            <a:ext cx="2376264" cy="523220"/>
+          </a:xfrm>
+          <a:prstGeom prst="rect">
+            <a:avLst/>
+          </a:prstGeom>
+          <a:noFill/>
+        </p:spPr>
+        <p:txBody>
+          <a:bodyPr wrap="square" rtlCol="0">
+            <a:spAutoFit/>
+          </a:bodyPr>
+          <a:lstStyle/>
+          <a:p>
+            <a:r>
+              <a:rPr lang="en-US" altLang="zh-TW" sz="2800" b="1" dirty="0" err="1" smtClean="0">
+                <a:effectLst>
+                  <a:outerShdw blurRad="38100" dist="38100" dir="2700000" algn="tl">
+                    <a:srgbClr val="000000">
+                      <a:alpha val="43137"/>
+                    </a:srgbClr>
+                  </a:outerShdw>
+                </a:effectLst>
+              </a:rPr>
+              <a:t>Request_N</a:t>
+            </a:r>
+            <a:endParaRPr lang="zh-TW" altLang="en-US" sz="2800" b="1" dirty="0">
+              <a:effectLst>
+                <a:outerShdw blurRad="38100" dist="38100" dir="2700000" algn="tl">
+                  <a:srgbClr val="000000">
+                    <a:alpha val="43137"/>
+                  </a:srgbClr>
+                </a:outerShdw>
+              </a:effectLst>
+            </a:endParaRPr>
+          </a:p>
+        </p:txBody>
+      </p:sp>
+      <p:cxnSp>
+        <p:nvCxnSpPr>
+          <p:cNvPr id="24" name="直線接點 23"/>
+          <p:cNvCxnSpPr/>
+          <p:nvPr/>
+        </p:nvCxnSpPr>
+        <p:spPr>
+          <a:xfrm flipH="1">
+            <a:off x="971600" y="4509120"/>
+            <a:ext cx="648072" cy="0"/>
+          </a:xfrm>
+          <a:prstGeom prst="line">
+            <a:avLst/>
+          </a:prstGeom>
+          <a:ln w="19050">
+            <a:solidFill>
+              <a:schemeClr val="tx1"/>
+            </a:solidFill>
+          </a:ln>
+        </p:spPr>
+        <p:style>
+          <a:lnRef idx="1">
+            <a:schemeClr val="accent1"/>
+          </a:lnRef>
+          <a:fillRef idx="0">
+            <a:schemeClr val="accent1"/>
+          </a:fillRef>
+          <a:effectRef idx="0">
+            <a:schemeClr val="accent1"/>
+          </a:effectRef>
+          <a:fontRef idx="minor">
+            <a:schemeClr val="tx1"/>
+          </a:fontRef>
+        </p:style>
+      </p:cxnSp>
+      <p:sp>
+        <p:nvSpPr>
+          <p:cNvPr id="25" name="矩形 24"/>
+          <p:cNvSpPr/>
+          <p:nvPr/>
+        </p:nvSpPr>
+        <p:spPr>
+          <a:xfrm>
+            <a:off x="755576" y="5517232"/>
+            <a:ext cx="2623795" cy="523220"/>
+          </a:xfrm>
+          <a:prstGeom prst="rect">
+            <a:avLst/>
+          </a:prstGeom>
+        </p:spPr>
+        <p:txBody>
+          <a:bodyPr wrap="none">
+            <a:spAutoFit/>
+          </a:bodyPr>
+          <a:lstStyle/>
+          <a:p>
+            <a:r>
+              <a:rPr lang="en-US" altLang="zh-TW" sz="2800" b="1" dirty="0" err="1" smtClean="0">
+                <a:effectLst>
+                  <a:outerShdw blurRad="38100" dist="38100" dir="2700000" algn="tl">
+                    <a:srgbClr val="000000">
+                      <a:alpha val="43137"/>
+                    </a:srgbClr>
+                  </a:outerShdw>
+                </a:effectLst>
+              </a:rPr>
+              <a:t>Application_End</a:t>
+            </a:r>
+            <a:endParaRPr lang="zh-TW" altLang="en-US" sz="2800" b="1" dirty="0">
+              <a:effectLst>
+                <a:outerShdw blurRad="38100" dist="38100" dir="2700000" algn="tl">
+                  <a:srgbClr val="000000">
+                    <a:alpha val="43137"/>
+                  </a:srgbClr>
+                </a:outerShdw>
+              </a:effectLst>
+            </a:endParaRPr>
+          </a:p>
+        </p:txBody>
+      </p:sp>
+      <p:sp>
+        <p:nvSpPr>
+          <p:cNvPr id="26" name="矩形 25"/>
+          <p:cNvSpPr/>
+          <p:nvPr/>
+        </p:nvSpPr>
+        <p:spPr>
+          <a:xfrm>
+            <a:off x="611560" y="5373216"/>
+            <a:ext cx="4248472" cy="1296144"/>
+          </a:xfrm>
+          <a:prstGeom prst="rect">
+            <a:avLst/>
+          </a:prstGeom>
+          <a:noFill/>
+          <a:ln>
+            <a:solidFill>
+              <a:schemeClr val="tx1"/>
+            </a:solidFill>
+          </a:ln>
+        </p:spPr>
+        <p:style>
+          <a:lnRef idx="2">
+            <a:schemeClr val="accent1">
+              <a:shade val="50000"/>
+            </a:schemeClr>
+          </a:lnRef>
+          <a:fillRef idx="1">
+            <a:schemeClr val="accent1"/>
+          </a:fillRef>
+          <a:effectRef idx="0">
+            <a:schemeClr val="accent1"/>
+          </a:effectRef>
+          <a:fontRef idx="minor">
+            <a:schemeClr val="lt1"/>
+          </a:fontRef>
+        </p:style>
+        <p:txBody>
+          <a:bodyPr rtlCol="0" anchor="ctr"/>
+          <a:lstStyle/>
+          <a:p>
+            <a:pPr algn="ctr"/>
+            <a:endParaRPr lang="zh-TW" altLang="en-US"/>
+          </a:p>
+        </p:txBody>
+      </p:sp>
+      <p:sp>
+        <p:nvSpPr>
+          <p:cNvPr id="29" name="矩形 28"/>
+          <p:cNvSpPr/>
+          <p:nvPr/>
+        </p:nvSpPr>
+        <p:spPr>
+          <a:xfrm>
+            <a:off x="5292080" y="404664"/>
+            <a:ext cx="3096344" cy="288032"/>
+          </a:xfrm>
+          <a:prstGeom prst="rect">
+            <a:avLst/>
+          </a:prstGeom>
+          <a:noFill/>
+          <a:ln>
+            <a:solidFill>
+              <a:schemeClr val="tx1"/>
+            </a:solidFill>
+          </a:ln>
+        </p:spPr>
+        <p:style>
+          <a:lnRef idx="2">
+            <a:schemeClr val="accent1">
+              <a:shade val="50000"/>
+            </a:schemeClr>
+          </a:lnRef>
+          <a:fillRef idx="1">
+            <a:schemeClr val="accent1"/>
+          </a:fillRef>
+          <a:effectRef idx="0">
+            <a:schemeClr val="accent1"/>
+          </a:effectRef>
+          <a:fontRef idx="minor">
+            <a:schemeClr val="lt1"/>
+          </a:fontRef>
+        </p:style>
+        <p:txBody>
+          <a:bodyPr rtlCol="0" anchor="t"/>
+          <a:lstStyle/>
+          <a:p>
+            <a:pPr marL="228600" indent="-228600"/>
+            <a:r>
+              <a:rPr lang="en-US" altLang="zh-TW" sz="1100" b="1" dirty="0" err="1" smtClean="0">
+                <a:solidFill>
+                  <a:schemeClr val="tx1"/>
+                </a:solidFill>
+                <a:latin typeface="微軟正黑體" pitchFamily="34" charset="-120"/>
+                <a:ea typeface="微軟正黑體" pitchFamily="34" charset="-120"/>
+              </a:rPr>
+              <a:t>DelegeteRoleProvider.cs</a:t>
+            </a:r>
+            <a:r>
+              <a:rPr lang="en-US" altLang="zh-TW" sz="1100" b="1" dirty="0" smtClean="0">
+                <a:solidFill>
+                  <a:schemeClr val="tx1"/>
+                </a:solidFill>
+                <a:latin typeface="微軟正黑體" pitchFamily="34" charset="-120"/>
+                <a:ea typeface="微軟正黑體" pitchFamily="34" charset="-120"/>
+              </a:rPr>
+              <a:t> </a:t>
+            </a:r>
+            <a:r>
+              <a:rPr lang="zh-TW" altLang="en-US" sz="1100" b="1" dirty="0" smtClean="0">
+                <a:solidFill>
+                  <a:schemeClr val="tx1"/>
+                </a:solidFill>
+                <a:latin typeface="微軟正黑體" pitchFamily="34" charset="-120"/>
+                <a:ea typeface="微軟正黑體" pitchFamily="34" charset="-120"/>
+              </a:rPr>
+              <a:t>繼承</a:t>
+            </a:r>
+            <a:r>
+              <a:rPr lang="en-US" altLang="zh-TW" sz="1100" b="1" dirty="0" smtClean="0">
+                <a:solidFill>
+                  <a:schemeClr val="tx1"/>
+                </a:solidFill>
+                <a:latin typeface="微軟正黑體" pitchFamily="34" charset="-120"/>
+                <a:ea typeface="微軟正黑體" pitchFamily="34" charset="-120"/>
+              </a:rPr>
+              <a:t> </a:t>
+            </a:r>
+            <a:r>
+              <a:rPr lang="en-US" altLang="zh-TW" sz="1100" b="1" dirty="0" err="1" smtClean="0">
+                <a:solidFill>
+                  <a:schemeClr val="tx1"/>
+                </a:solidFill>
+                <a:latin typeface="微軟正黑體" pitchFamily="34" charset="-120"/>
+                <a:ea typeface="微軟正黑體" pitchFamily="34" charset="-120"/>
+              </a:rPr>
+              <a:t>RoleProvide</a:t>
+            </a:r>
+            <a:endParaRPr lang="zh-TW" altLang="en-US" sz="1100" b="1" dirty="0">
+              <a:solidFill>
+                <a:schemeClr val="tx1"/>
+              </a:solidFill>
+              <a:latin typeface="微軟正黑體" pitchFamily="34" charset="-120"/>
+              <a:ea typeface="微軟正黑體" pitchFamily="34" charset="-120"/>
+            </a:endParaRPr>
+          </a:p>
+        </p:txBody>
+      </p:sp>
+      <p:cxnSp>
+        <p:nvCxnSpPr>
+          <p:cNvPr id="30" name="直線接點 29"/>
+          <p:cNvCxnSpPr/>
+          <p:nvPr/>
+        </p:nvCxnSpPr>
+        <p:spPr>
+          <a:xfrm flipH="1">
+            <a:off x="4860032" y="548680"/>
+            <a:ext cx="432048" cy="0"/>
+          </a:xfrm>
+          <a:prstGeom prst="line">
+            <a:avLst/>
+          </a:prstGeom>
+          <a:ln w="19050">
+            <a:solidFill>
+              <a:schemeClr val="tx1"/>
+            </a:solidFill>
+          </a:ln>
+        </p:spPr>
+        <p:style>
+          <a:lnRef idx="1">
+            <a:schemeClr val="accent1"/>
+          </a:lnRef>
+          <a:fillRef idx="0">
+            <a:schemeClr val="accent1"/>
+          </a:fillRef>
+          <a:effectRef idx="0">
+            <a:schemeClr val="accent1"/>
+          </a:effectRef>
+          <a:fontRef idx="minor">
+            <a:schemeClr val="tx1"/>
+          </a:fontRef>
+        </p:style>
+      </p:cxnSp>
+      <p:sp>
+        <p:nvSpPr>
+          <p:cNvPr id="32" name="矩形 31"/>
+          <p:cNvSpPr/>
+          <p:nvPr/>
+        </p:nvSpPr>
+        <p:spPr>
+          <a:xfrm>
+            <a:off x="5292080" y="764704"/>
+            <a:ext cx="3168352" cy="288032"/>
+          </a:xfrm>
+          <a:prstGeom prst="rect">
+            <a:avLst/>
+          </a:prstGeom>
+          <a:noFill/>
+          <a:ln>
+            <a:solidFill>
+              <a:schemeClr val="tx1"/>
+            </a:solidFill>
+          </a:ln>
+        </p:spPr>
+        <p:style>
+          <a:lnRef idx="2">
+            <a:schemeClr val="accent1">
+              <a:shade val="50000"/>
+            </a:schemeClr>
+          </a:lnRef>
+          <a:fillRef idx="1">
+            <a:schemeClr val="accent1"/>
+          </a:fillRef>
+          <a:effectRef idx="0">
+            <a:schemeClr val="accent1"/>
+          </a:effectRef>
+          <a:fontRef idx="minor">
+            <a:schemeClr val="lt1"/>
+          </a:fontRef>
+        </p:style>
+        <p:txBody>
+          <a:bodyPr rtlCol="0" anchor="t"/>
+          <a:lstStyle/>
+          <a:p>
+            <a:pPr marL="228600" indent="-228600"/>
+            <a:r>
+              <a:rPr lang="en-US" altLang="zh-TW" sz="1100" b="1" dirty="0" err="1" smtClean="0">
+                <a:solidFill>
+                  <a:schemeClr val="tx1"/>
+                </a:solidFill>
+                <a:latin typeface="微軟正黑體" pitchFamily="34" charset="-120"/>
+                <a:ea typeface="微軟正黑體" pitchFamily="34" charset="-120"/>
+              </a:rPr>
+              <a:t>RBACContext.cs</a:t>
+            </a:r>
+            <a:r>
+              <a:rPr lang="zh-TW" altLang="en-US" sz="1100" b="1" dirty="0" smtClean="0">
+                <a:solidFill>
+                  <a:schemeClr val="tx1"/>
+                </a:solidFill>
+                <a:latin typeface="微軟正黑體" pitchFamily="34" charset="-120"/>
+                <a:ea typeface="微軟正黑體" pitchFamily="34" charset="-120"/>
+              </a:rPr>
+              <a:t> </a:t>
+            </a:r>
+            <a:r>
+              <a:rPr lang="en-US" altLang="zh-TW" sz="1100" b="1" dirty="0" smtClean="0">
+                <a:solidFill>
+                  <a:schemeClr val="tx1"/>
+                </a:solidFill>
+                <a:latin typeface="微軟正黑體" pitchFamily="34" charset="-120"/>
+                <a:ea typeface="微軟正黑體" pitchFamily="34" charset="-120"/>
+              </a:rPr>
+              <a:t>(</a:t>
+            </a:r>
+            <a:r>
+              <a:rPr lang="zh-TW" altLang="en-US" sz="1100" b="1" dirty="0" smtClean="0">
+                <a:solidFill>
+                  <a:schemeClr val="tx1"/>
+                </a:solidFill>
+                <a:latin typeface="微軟正黑體" pitchFamily="34" charset="-120"/>
+                <a:ea typeface="微軟正黑體" pitchFamily="34" charset="-120"/>
+              </a:rPr>
+              <a:t>線程層級的</a:t>
+            </a:r>
+            <a:r>
+              <a:rPr lang="en-US" altLang="zh-TW" sz="1100" b="1" dirty="0" smtClean="0">
+                <a:solidFill>
+                  <a:schemeClr val="tx1"/>
+                </a:solidFill>
+                <a:latin typeface="微軟正黑體" pitchFamily="34" charset="-120"/>
+                <a:ea typeface="微軟正黑體" pitchFamily="34" charset="-120"/>
+              </a:rPr>
+              <a:t>User)</a:t>
+            </a:r>
+            <a:endParaRPr lang="zh-TW" altLang="en-US" sz="1100" b="1" dirty="0">
+              <a:solidFill>
+                <a:schemeClr val="tx1"/>
+              </a:solidFill>
+              <a:latin typeface="微軟正黑體" pitchFamily="34" charset="-120"/>
+              <a:ea typeface="微軟正黑體" pitchFamily="34" charset="-120"/>
+            </a:endParaRPr>
+          </a:p>
+        </p:txBody>
+      </p:sp>
+      <p:cxnSp>
+        <p:nvCxnSpPr>
+          <p:cNvPr id="33" name="直線接點 32"/>
+          <p:cNvCxnSpPr/>
+          <p:nvPr/>
+        </p:nvCxnSpPr>
+        <p:spPr>
+          <a:xfrm flipH="1">
+            <a:off x="4860032" y="908720"/>
+            <a:ext cx="432048" cy="0"/>
+          </a:xfrm>
+          <a:prstGeom prst="line">
+            <a:avLst/>
+          </a:prstGeom>
+          <a:ln w="19050">
+            <a:solidFill>
+              <a:schemeClr val="tx1"/>
+            </a:solidFill>
+          </a:ln>
+        </p:spPr>
+        <p:style>
+          <a:lnRef idx="1">
+            <a:schemeClr val="accent1"/>
+          </a:lnRef>
+          <a:fillRef idx="0">
+            <a:schemeClr val="accent1"/>
+          </a:fillRef>
+          <a:effectRef idx="0">
+            <a:schemeClr val="accent1"/>
+          </a:effectRef>
+          <a:fontRef idx="minor">
+            <a:schemeClr val="tx1"/>
+          </a:fontRef>
+        </p:style>
+      </p:cxnSp>
+      <p:sp>
+        <p:nvSpPr>
+          <p:cNvPr id="34" name="矩形 33"/>
+          <p:cNvSpPr/>
+          <p:nvPr/>
+        </p:nvSpPr>
+        <p:spPr>
+          <a:xfrm>
+            <a:off x="5292080" y="1484784"/>
+            <a:ext cx="3168352" cy="504056"/>
+          </a:xfrm>
+          <a:prstGeom prst="rect">
+            <a:avLst/>
+          </a:prstGeom>
+          <a:noFill/>
+          <a:ln>
+            <a:solidFill>
+              <a:schemeClr val="tx1"/>
+            </a:solidFill>
+          </a:ln>
+        </p:spPr>
+        <p:style>
+          <a:lnRef idx="2">
+            <a:schemeClr val="accent1">
+              <a:shade val="50000"/>
+            </a:schemeClr>
+          </a:lnRef>
+          <a:fillRef idx="1">
+            <a:schemeClr val="accent1"/>
+          </a:fillRef>
+          <a:effectRef idx="0">
+            <a:schemeClr val="accent1"/>
+          </a:effectRef>
+          <a:fontRef idx="minor">
+            <a:schemeClr val="lt1"/>
+          </a:fontRef>
+        </p:style>
+        <p:txBody>
+          <a:bodyPr rtlCol="0" anchor="t"/>
+          <a:lstStyle/>
+          <a:p>
+            <a:pPr marL="228600" indent="-228600"/>
+            <a:r>
+              <a:rPr lang="en-US" altLang="zh-TW" sz="1100" b="1" dirty="0" err="1" smtClean="0">
+                <a:solidFill>
+                  <a:schemeClr val="tx1"/>
+                </a:solidFill>
+                <a:latin typeface="微軟正黑體" pitchFamily="34" charset="-120"/>
+                <a:ea typeface="微軟正黑體" pitchFamily="34" charset="-120"/>
+              </a:rPr>
+              <a:t>MvcAuthorizeAttribute.cs</a:t>
+            </a:r>
+            <a:r>
+              <a:rPr lang="en-US" altLang="zh-TW" sz="1100" b="1" dirty="0" smtClean="0">
+                <a:solidFill>
+                  <a:schemeClr val="tx1"/>
+                </a:solidFill>
+                <a:latin typeface="微軟正黑體" pitchFamily="34" charset="-120"/>
+                <a:ea typeface="微軟正黑體" pitchFamily="34" charset="-120"/>
+              </a:rPr>
+              <a:t> </a:t>
+            </a:r>
+          </a:p>
+          <a:p>
+            <a:pPr marL="228600" indent="-228600"/>
+            <a:r>
+              <a:rPr lang="en-US" altLang="zh-TW" sz="1100" b="1" dirty="0" smtClean="0">
+                <a:solidFill>
+                  <a:schemeClr val="tx1"/>
+                </a:solidFill>
+                <a:latin typeface="微軟正黑體" pitchFamily="34" charset="-120"/>
+                <a:ea typeface="微軟正黑體" pitchFamily="34" charset="-120"/>
+              </a:rPr>
+              <a:t>(</a:t>
+            </a:r>
+            <a:r>
+              <a:rPr lang="zh-TW" altLang="en-US" sz="1100" b="1" dirty="0" smtClean="0">
+                <a:solidFill>
+                  <a:schemeClr val="tx1"/>
+                </a:solidFill>
+                <a:latin typeface="微軟正黑體" pitchFamily="34" charset="-120"/>
+                <a:ea typeface="微軟正黑體" pitchFamily="34" charset="-120"/>
+              </a:rPr>
+              <a:t>每個</a:t>
+            </a:r>
+            <a:r>
+              <a:rPr lang="en-US" altLang="zh-TW" sz="1100" b="1" dirty="0" smtClean="0">
+                <a:solidFill>
+                  <a:schemeClr val="tx1"/>
+                </a:solidFill>
+                <a:latin typeface="微軟正黑體" pitchFamily="34" charset="-120"/>
+                <a:ea typeface="微軟正黑體" pitchFamily="34" charset="-120"/>
+              </a:rPr>
+              <a:t>Request</a:t>
+            </a:r>
+            <a:r>
+              <a:rPr lang="zh-TW" altLang="en-US" sz="1100" b="1" dirty="0" smtClean="0">
+                <a:solidFill>
+                  <a:schemeClr val="tx1"/>
+                </a:solidFill>
+                <a:latin typeface="微軟正黑體" pitchFamily="34" charset="-120"/>
+                <a:ea typeface="微軟正黑體" pitchFamily="34" charset="-120"/>
+              </a:rPr>
+              <a:t>都匯進來做權限查詢</a:t>
+            </a:r>
+            <a:r>
+              <a:rPr lang="en-US" altLang="zh-TW" sz="1100" b="1" dirty="0" smtClean="0">
+                <a:solidFill>
+                  <a:schemeClr val="tx1"/>
+                </a:solidFill>
+                <a:latin typeface="微軟正黑體" pitchFamily="34" charset="-120"/>
+                <a:ea typeface="微軟正黑體" pitchFamily="34" charset="-120"/>
+              </a:rPr>
+              <a:t>)</a:t>
+            </a:r>
+            <a:endParaRPr lang="zh-TW" altLang="en-US" sz="1100" b="1" dirty="0">
+              <a:solidFill>
+                <a:schemeClr val="tx1"/>
+              </a:solidFill>
+              <a:latin typeface="微軟正黑體" pitchFamily="34" charset="-120"/>
+              <a:ea typeface="微軟正黑體" pitchFamily="34" charset="-120"/>
+            </a:endParaRPr>
+          </a:p>
+        </p:txBody>
+      </p:sp>
+      <p:cxnSp>
+        <p:nvCxnSpPr>
+          <p:cNvPr id="35" name="直線接點 34"/>
+          <p:cNvCxnSpPr/>
+          <p:nvPr/>
+        </p:nvCxnSpPr>
+        <p:spPr>
+          <a:xfrm flipH="1">
+            <a:off x="4860032" y="1628800"/>
+            <a:ext cx="432048" cy="0"/>
+          </a:xfrm>
+          <a:prstGeom prst="line">
+            <a:avLst/>
+          </a:prstGeom>
+          <a:ln w="19050">
+            <a:solidFill>
+              <a:schemeClr val="tx1"/>
+            </a:solidFill>
+          </a:ln>
+        </p:spPr>
+        <p:style>
+          <a:lnRef idx="1">
+            <a:schemeClr val="accent1"/>
+          </a:lnRef>
+          <a:fillRef idx="0">
+            <a:schemeClr val="accent1"/>
+          </a:fillRef>
+          <a:effectRef idx="0">
+            <a:schemeClr val="accent1"/>
+          </a:effectRef>
+          <a:fontRef idx="minor">
+            <a:schemeClr val="tx1"/>
+          </a:fontRef>
+        </p:style>
+      </p:cxnSp>
+      <p:sp>
+        <p:nvSpPr>
+          <p:cNvPr id="38" name="文字方塊 37"/>
+          <p:cNvSpPr txBox="1"/>
+          <p:nvPr/>
+        </p:nvSpPr>
+        <p:spPr>
+          <a:xfrm rot="5400000">
+            <a:off x="2133310" y="3923474"/>
+            <a:ext cx="504056" cy="523220"/>
+          </a:xfrm>
+          <a:prstGeom prst="rect">
+            <a:avLst/>
+          </a:prstGeom>
+          <a:noFill/>
+        </p:spPr>
+        <p:txBody>
+          <a:bodyPr wrap="square" rtlCol="0">
+            <a:spAutoFit/>
+          </a:bodyPr>
+          <a:lstStyle/>
+          <a:p>
+            <a:r>
+              <a:rPr lang="en-US" altLang="zh-TW" sz="2800" b="1" dirty="0" smtClean="0">
+                <a:effectLst>
+                  <a:outerShdw blurRad="38100" dist="38100" dir="2700000" algn="tl">
+                    <a:srgbClr val="000000">
+                      <a:alpha val="43137"/>
+                    </a:srgbClr>
+                  </a:outerShdw>
+                </a:effectLst>
+              </a:rPr>
+              <a:t>…</a:t>
+            </a:r>
+            <a:endParaRPr lang="zh-TW" altLang="en-US" sz="2800" b="1" dirty="0">
+              <a:effectLst>
+                <a:outerShdw blurRad="38100" dist="38100" dir="2700000" algn="tl">
+                  <a:srgbClr val="000000">
+                    <a:alpha val="43137"/>
+                  </a:srgbClr>
+                </a:outerShdw>
+              </a:effectLst>
+            </a:endParaRPr>
+          </a:p>
+        </p:txBody>
+      </p:sp>
+      <p:sp>
+        <p:nvSpPr>
+          <p:cNvPr id="21" name="AutoShape 229">
+            <a:hlinkClick r:id="rId2" action="ppaction://hlinksldjump" highlightClick="1"/>
+          </p:cNvPr>
+          <p:cNvSpPr>
+            <a:spLocks noChangeArrowheads="1"/>
+          </p:cNvSpPr>
+          <p:nvPr/>
+        </p:nvSpPr>
         <p:spPr bwMode="auto">
           <a:xfrm>
-            <a:off x="179512" y="260648"/>
-            <a:ext cx="7164288" cy="6405986"/>
-          </a:xfrm>
-          <a:prstGeom prst="rect">
-            <a:avLst/>
-          </a:prstGeom>
-          <a:noFill/>
+            <a:off x="8172400" y="1700808"/>
+            <a:ext cx="252412" cy="252412"/>
+          </a:xfrm>
+          <a:prstGeom prst="actionButtonForwardNext">
+            <a:avLst/>
+          </a:prstGeom>
+          <a:solidFill>
+            <a:srgbClr val="339966"/>
+          </a:solidFill>
           <a:ln w="9525">
             <a:noFill/>
             <a:miter lim="800000"/>
             <a:headEnd/>
             <a:tailEnd/>
           </a:ln>
-          <a:effectLst/>
-        </p:spPr>
-      </p:pic>
-      <p:sp>
-        <p:nvSpPr>
-          <p:cNvPr id="5" name="文字方塊 4"/>
+        </p:spPr>
+        <p:txBody>
+          <a:bodyPr anchor="ctr">
+            <a:spAutoFit/>
+          </a:bodyPr>
+          <a:lstStyle/>
+          <a:p>
+            <a:endParaRPr lang="zh-TW" altLang="en-US">
+              <a:ea typeface="文鼎黑體M"/>
+            </a:endParaRPr>
+          </a:p>
+        </p:txBody>
+      </p:sp>
+      <p:sp>
+        <p:nvSpPr>
+          <p:cNvPr id="22" name="AutoShape 229">
+            <a:hlinkClick r:id="rId3" action="ppaction://hlinksldjump" highlightClick="1"/>
+          </p:cNvPr>
+          <p:cNvSpPr>
+            <a:spLocks noChangeArrowheads="1"/>
+          </p:cNvSpPr>
+          <p:nvPr/>
+        </p:nvSpPr>
+        <p:spPr bwMode="auto">
+          <a:xfrm>
+            <a:off x="4499992" y="1196752"/>
+            <a:ext cx="252412" cy="252412"/>
+          </a:xfrm>
+          <a:prstGeom prst="actionButtonForwardNext">
+            <a:avLst/>
+          </a:prstGeom>
+          <a:solidFill>
+            <a:srgbClr val="339966"/>
+          </a:solidFill>
+          <a:ln w="9525">
+            <a:noFill/>
+            <a:miter lim="800000"/>
+            <a:headEnd/>
+            <a:tailEnd/>
+          </a:ln>
+        </p:spPr>
+        <p:txBody>
+          <a:bodyPr anchor="ctr">
+            <a:spAutoFit/>
+          </a:bodyPr>
+          <a:lstStyle/>
+          <a:p>
+            <a:endParaRPr lang="zh-TW" altLang="en-US">
+              <a:ea typeface="文鼎黑體M"/>
+            </a:endParaRPr>
+          </a:p>
+        </p:txBody>
+      </p:sp>
+      <p:sp>
+        <p:nvSpPr>
+          <p:cNvPr id="27" name="AutoShape 229">
+            <a:hlinkClick r:id="rId4" action="ppaction://hlinksldjump" highlightClick="1"/>
+          </p:cNvPr>
+          <p:cNvSpPr>
+            <a:spLocks noChangeArrowheads="1"/>
+          </p:cNvSpPr>
+          <p:nvPr/>
+        </p:nvSpPr>
+        <p:spPr bwMode="auto">
+          <a:xfrm>
+            <a:off x="5580112" y="3429000"/>
+            <a:ext cx="252412" cy="252412"/>
+          </a:xfrm>
+          <a:prstGeom prst="actionButtonForwardNext">
+            <a:avLst/>
+          </a:prstGeom>
+          <a:solidFill>
+            <a:srgbClr val="339966"/>
+          </a:solidFill>
+          <a:ln w="9525">
+            <a:noFill/>
+            <a:miter lim="800000"/>
+            <a:headEnd/>
+            <a:tailEnd/>
+          </a:ln>
+        </p:spPr>
+        <p:txBody>
+          <a:bodyPr anchor="ctr">
+            <a:spAutoFit/>
+          </a:bodyPr>
+          <a:lstStyle/>
+          <a:p>
+            <a:endParaRPr lang="zh-TW" altLang="en-US">
+              <a:ea typeface="文鼎黑體M"/>
+            </a:endParaRPr>
+          </a:p>
+        </p:txBody>
+      </p:sp>
+      <p:sp>
+        <p:nvSpPr>
+          <p:cNvPr id="28" name="AutoShape 229">
+            <a:hlinkClick r:id="rId5" action="ppaction://hlinksldjump" highlightClick="1"/>
+          </p:cNvPr>
+          <p:cNvSpPr>
+            <a:spLocks noChangeArrowheads="1"/>
+          </p:cNvSpPr>
+          <p:nvPr/>
+        </p:nvSpPr>
+        <p:spPr bwMode="auto">
+          <a:xfrm>
+            <a:off x="8532440" y="404664"/>
+            <a:ext cx="252412" cy="252412"/>
+          </a:xfrm>
+          <a:prstGeom prst="actionButtonForwardNext">
+            <a:avLst/>
+          </a:prstGeom>
+          <a:solidFill>
+            <a:srgbClr val="339966"/>
+          </a:solidFill>
+          <a:ln w="9525">
+            <a:noFill/>
+            <a:miter lim="800000"/>
+            <a:headEnd/>
+            <a:tailEnd/>
+          </a:ln>
+        </p:spPr>
+        <p:txBody>
+          <a:bodyPr anchor="ctr">
+            <a:spAutoFit/>
+          </a:bodyPr>
+          <a:lstStyle/>
+          <a:p>
+            <a:endParaRPr lang="zh-TW" altLang="en-US">
+              <a:ea typeface="文鼎黑體M"/>
+            </a:endParaRPr>
+          </a:p>
+        </p:txBody>
+      </p:sp>
+      <p:sp>
+        <p:nvSpPr>
+          <p:cNvPr id="31" name="AutoShape 229">
+            <a:hlinkClick r:id="rId6" action="ppaction://hlinksldjump" highlightClick="1"/>
+          </p:cNvPr>
+          <p:cNvSpPr>
+            <a:spLocks noChangeArrowheads="1"/>
+          </p:cNvSpPr>
+          <p:nvPr/>
+        </p:nvSpPr>
+        <p:spPr bwMode="auto">
+          <a:xfrm>
+            <a:off x="8891588" y="404664"/>
+            <a:ext cx="252412" cy="252412"/>
+          </a:xfrm>
+          <a:prstGeom prst="actionButtonForwardNext">
+            <a:avLst/>
+          </a:prstGeom>
+          <a:solidFill>
+            <a:srgbClr val="339966"/>
+          </a:solidFill>
+          <a:ln w="9525">
+            <a:noFill/>
+            <a:miter lim="800000"/>
+            <a:headEnd/>
+            <a:tailEnd/>
+          </a:ln>
+        </p:spPr>
+        <p:txBody>
+          <a:bodyPr anchor="ctr">
+            <a:spAutoFit/>
+          </a:bodyPr>
+          <a:lstStyle/>
+          <a:p>
+            <a:endParaRPr lang="zh-TW" altLang="en-US">
+              <a:ea typeface="文鼎黑體M"/>
+            </a:endParaRPr>
+          </a:p>
+        </p:txBody>
+      </p:sp>
+      <p:sp>
+        <p:nvSpPr>
+          <p:cNvPr id="36" name="文字方塊 35"/>
           <p:cNvSpPr txBox="1"/>
           <p:nvPr/>
         </p:nvSpPr>
         <p:spPr>
           <a:xfrm>
-            <a:off x="5076056" y="332656"/>
-            <a:ext cx="2233047" cy="461665"/>
+            <a:off x="8423260" y="188640"/>
+            <a:ext cx="466794" cy="261610"/>
           </a:xfrm>
           <a:prstGeom prst="rect">
             <a:avLst/>
@@ -3557,24 +5198,46 @@
           <a:lstStyle/>
           <a:p>
             <a:r>
-              <a:rPr lang="en-US" altLang="zh-TW" sz="2400" b="1" dirty="0" err="1" smtClean="0">
-                <a:solidFill>
-                  <a:srgbClr val="0070C0"/>
-                </a:solidFill>
-              </a:rPr>
-              <a:t>HomeController</a:t>
-            </a:r>
-            <a:endParaRPr lang="zh-TW" altLang="en-US" sz="2400" b="1" dirty="0">
-              <a:solidFill>
-                <a:srgbClr val="0070C0"/>
-              </a:solidFill>
-            </a:endParaRPr>
+              <a:rPr lang="zh-TW" altLang="en-US" sz="1050" dirty="0" smtClean="0"/>
+              <a:t>功能</a:t>
+            </a:r>
+            <a:endParaRPr lang="zh-TW" altLang="en-US" sz="1050" dirty="0"/>
+          </a:p>
+        </p:txBody>
+      </p:sp>
+      <p:sp>
+        <p:nvSpPr>
+          <p:cNvPr id="37" name="文字方塊 36"/>
+          <p:cNvSpPr txBox="1"/>
+          <p:nvPr/>
+        </p:nvSpPr>
+        <p:spPr>
+          <a:xfrm>
+            <a:off x="8820472" y="188640"/>
+            <a:ext cx="453970" cy="253916"/>
+          </a:xfrm>
+          <a:prstGeom prst="rect">
+            <a:avLst/>
+          </a:prstGeom>
+          <a:noFill/>
+        </p:spPr>
+        <p:txBody>
+          <a:bodyPr wrap="none" rtlCol="0">
+            <a:spAutoFit/>
+          </a:bodyPr>
+          <a:lstStyle/>
+          <a:p>
+            <a:r>
+              <a:rPr lang="zh-TW" altLang="en-US" sz="1050" dirty="0" smtClean="0"/>
+              <a:t>註冊</a:t>
+            </a:r>
+            <a:endParaRPr lang="zh-TW" altLang="en-US" sz="1050" dirty="0"/>
           </a:p>
         </p:txBody>
       </p:sp>
       <p:cxnSp>
         <p:nvCxnSpPr>
-          <p:cNvPr id="4" name="直線接點 3"/>
+          <p:cNvPr id="40" name="直線接點 39"/>
           <p:cNvCxnSpPr/>
           <p:nvPr/>
         </p:nvCxnSpPr>
@@ -3630,7 +5293,7 @@
       </p:grpSpPr>
       <p:pic>
         <p:nvPicPr>
-          <p:cNvPr id="2050" name="Picture 2"/>
+          <p:cNvPr id="1026" name="Picture 2"/>
           <p:cNvPicPr>
             <a:picLocks noChangeAspect="1" noChangeArrowheads="1"/>
           </p:cNvPicPr>
@@ -3645,8 +5308,8 @@
         </p:blipFill>
         <p:spPr bwMode="auto">
           <a:xfrm>
-            <a:off x="179512" y="188640"/>
-            <a:ext cx="5145704" cy="2736304"/>
+            <a:off x="179512" y="260648"/>
+            <a:ext cx="7164288" cy="6405986"/>
           </a:xfrm>
           <a:prstGeom prst="rect">
             <a:avLst/>
@@ -3669,8 +5332,8 @@
         </p:nvSpPr>
         <p:spPr>
           <a:xfrm>
-            <a:off x="2771800" y="188640"/>
-            <a:ext cx="2505429" cy="461665"/>
+            <a:off x="5076056" y="332656"/>
+            <a:ext cx="2233047" cy="461665"/>
           </a:xfrm>
           <a:prstGeom prst="rect">
             <a:avLst/>
@@ -3689,7 +5352,7 @@
                   <a:srgbClr val="0070C0"/>
                 </a:solidFill>
               </a:rPr>
-              <a:t>ManageController</a:t>
+              <a:t>HomeController</a:t>
             </a:r>
             <a:endParaRPr lang="zh-TW" altLang="en-US" sz="2400" b="1" dirty="0">
               <a:solidFill>
@@ -3757,7 +5420,7 @@
       </p:grpSpPr>
       <p:pic>
         <p:nvPicPr>
-          <p:cNvPr id="4" name="Picture 3"/>
+          <p:cNvPr id="2050" name="Picture 2"/>
           <p:cNvPicPr>
             <a:picLocks noChangeAspect="1" noChangeArrowheads="1"/>
           </p:cNvPicPr>
@@ -3772,8 +5435,8 @@
         </p:blipFill>
         <p:spPr bwMode="auto">
           <a:xfrm>
-            <a:off x="179512" y="546249"/>
-            <a:ext cx="8345487" cy="5907087"/>
+            <a:off x="179512" y="188640"/>
+            <a:ext cx="5145704" cy="2736304"/>
           </a:xfrm>
           <a:prstGeom prst="rect">
             <a:avLst/>
@@ -3796,8 +5459,8 @@
         </p:nvSpPr>
         <p:spPr>
           <a:xfrm>
-            <a:off x="6012160" y="546249"/>
-            <a:ext cx="2509213" cy="461665"/>
+            <a:off x="2771800" y="188640"/>
+            <a:ext cx="2505429" cy="461665"/>
           </a:xfrm>
           <a:prstGeom prst="rect">
             <a:avLst/>
@@ -3816,7 +5479,7 @@
                   <a:srgbClr val="0070C0"/>
                 </a:solidFill>
               </a:rPr>
-              <a:t>MvcAuthAttribute</a:t>
+              <a:t>ManageController</a:t>
             </a:r>
             <a:endParaRPr lang="zh-TW" altLang="en-US" sz="2400" b="1" dirty="0">
               <a:solidFill>
@@ -3826,274 +5489,9 @@
           </a:p>
         </p:txBody>
       </p:sp>
-      <p:sp>
-        <p:nvSpPr>
-          <p:cNvPr id="6" name="文字方塊 5"/>
-          <p:cNvSpPr txBox="1"/>
-          <p:nvPr/>
-        </p:nvSpPr>
-        <p:spPr>
-          <a:xfrm>
-            <a:off x="251520" y="116632"/>
-            <a:ext cx="6145465" cy="369332"/>
-          </a:xfrm>
-          <a:prstGeom prst="rect">
-            <a:avLst/>
-          </a:prstGeom>
-          <a:noFill/>
-        </p:spPr>
-        <p:txBody>
-          <a:bodyPr wrap="none" rtlCol="0">
-            <a:spAutoFit/>
-          </a:bodyPr>
-          <a:lstStyle/>
-          <a:p>
-            <a:r>
-              <a:rPr lang="zh-TW" altLang="en-US" b="1" dirty="0" smtClean="0">
-                <a:latin typeface="微軟正黑體" pitchFamily="34" charset="-120"/>
-                <a:ea typeface="微軟正黑體" pitchFamily="34" charset="-120"/>
-              </a:rPr>
-              <a:t>該</a:t>
-            </a:r>
-            <a:r>
-              <a:rPr lang="en-US" altLang="zh-TW" b="1" dirty="0" smtClean="0">
-                <a:latin typeface="微軟正黑體" pitchFamily="34" charset="-120"/>
-                <a:ea typeface="微軟正黑體" pitchFamily="34" charset="-120"/>
-              </a:rPr>
-              <a:t>Attribute</a:t>
-            </a:r>
-            <a:r>
-              <a:rPr lang="zh-TW" altLang="en-US" b="1" dirty="0" smtClean="0">
-                <a:latin typeface="微軟正黑體" pitchFamily="34" charset="-120"/>
-                <a:ea typeface="微軟正黑體" pitchFamily="34" charset="-120"/>
-              </a:rPr>
-              <a:t>被</a:t>
-            </a:r>
-            <a:r>
-              <a:rPr lang="en-US" altLang="zh-TW" b="1" dirty="0" err="1" smtClean="0">
-                <a:latin typeface="微軟正黑體" pitchFamily="34" charset="-120"/>
-                <a:ea typeface="微軟正黑體" pitchFamily="34" charset="-120"/>
-              </a:rPr>
-              <a:t>GlobalFilterCollection</a:t>
-            </a:r>
-            <a:r>
-              <a:rPr lang="zh-TW" altLang="en-US" b="1" dirty="0" smtClean="0">
-                <a:latin typeface="微軟正黑體" pitchFamily="34" charset="-120"/>
-                <a:ea typeface="微軟正黑體" pitchFamily="34" charset="-120"/>
-              </a:rPr>
-              <a:t>給註冊為全域過濾器</a:t>
-            </a:r>
-            <a:endParaRPr lang="zh-TW" altLang="en-US" b="1" dirty="0">
-              <a:latin typeface="微軟正黑體" pitchFamily="34" charset="-120"/>
-              <a:ea typeface="微軟正黑體" pitchFamily="34" charset="-120"/>
-            </a:endParaRPr>
-          </a:p>
-        </p:txBody>
-      </p:sp>
-      <p:pic>
-        <p:nvPicPr>
-          <p:cNvPr id="2050" name="Picture 2"/>
-          <p:cNvPicPr>
-            <a:picLocks noChangeAspect="1" noChangeArrowheads="1"/>
-          </p:cNvPicPr>
-          <p:nvPr/>
-        </p:nvPicPr>
-        <p:blipFill>
-          <a:blip r:embed="rId3" cstate="print"/>
-          <a:srcRect/>
-          <a:stretch>
-            <a:fillRect/>
-          </a:stretch>
-        </p:blipFill>
-        <p:spPr bwMode="auto">
-          <a:xfrm>
-            <a:off x="3771900" y="4933950"/>
-            <a:ext cx="5372100" cy="1924050"/>
-          </a:xfrm>
-          <a:prstGeom prst="rect">
-            <a:avLst/>
-          </a:prstGeom>
-          <a:noFill/>
-          <a:ln w="9525">
-            <a:solidFill>
-              <a:schemeClr val="bg1"/>
-            </a:solidFill>
-            <a:miter lim="800000"/>
-            <a:headEnd/>
-            <a:tailEnd/>
-          </a:ln>
-          <a:effectLst/>
-        </p:spPr>
-      </p:pic>
-      <p:sp>
-        <p:nvSpPr>
-          <p:cNvPr id="7" name="文字方塊 6"/>
-          <p:cNvSpPr txBox="1"/>
-          <p:nvPr/>
-        </p:nvSpPr>
-        <p:spPr>
-          <a:xfrm>
-            <a:off x="7154994" y="4941168"/>
-            <a:ext cx="1989006" cy="461665"/>
-          </a:xfrm>
-          <a:prstGeom prst="rect">
-            <a:avLst/>
-          </a:prstGeom>
-          <a:noFill/>
-        </p:spPr>
-        <p:txBody>
-          <a:bodyPr wrap="none" rtlCol="0">
-            <a:spAutoFit/>
-          </a:bodyPr>
-          <a:lstStyle/>
-          <a:p>
-            <a:r>
-              <a:rPr lang="en-US" altLang="zh-TW" sz="2400" b="1" dirty="0" err="1" smtClean="0">
-                <a:solidFill>
-                  <a:srgbClr val="0070C0"/>
-                </a:solidFill>
-              </a:rPr>
-              <a:t>FilterConfig.cs</a:t>
-            </a:r>
-            <a:endParaRPr lang="zh-TW" altLang="en-US" sz="2400" b="1" dirty="0">
-              <a:solidFill>
-                <a:srgbClr val="0070C0"/>
-              </a:solidFill>
-            </a:endParaRPr>
-          </a:p>
-        </p:txBody>
-      </p:sp>
-      <p:sp>
-        <p:nvSpPr>
-          <p:cNvPr id="8" name="橢圓 7"/>
-          <p:cNvSpPr/>
-          <p:nvPr/>
-        </p:nvSpPr>
-        <p:spPr>
-          <a:xfrm>
-            <a:off x="323528" y="4077072"/>
-            <a:ext cx="5328592" cy="2304256"/>
-          </a:xfrm>
-          <a:prstGeom prst="ellipse">
-            <a:avLst/>
-          </a:prstGeom>
-          <a:noFill/>
-          <a:ln>
-            <a:solidFill>
-              <a:srgbClr val="FF0000"/>
-            </a:solidFill>
-          </a:ln>
-        </p:spPr>
-        <p:style>
-          <a:lnRef idx="2">
-            <a:schemeClr val="accent1">
-              <a:shade val="50000"/>
-            </a:schemeClr>
-          </a:lnRef>
-          <a:fillRef idx="1">
-            <a:schemeClr val="accent1"/>
-          </a:fillRef>
-          <a:effectRef idx="0">
-            <a:schemeClr val="accent1"/>
-          </a:effectRef>
-          <a:fontRef idx="minor">
-            <a:schemeClr val="lt1"/>
-          </a:fontRef>
-        </p:style>
-        <p:txBody>
-          <a:bodyPr rtlCol="0" anchor="ctr"/>
-          <a:lstStyle/>
-          <a:p>
-            <a:pPr algn="ctr"/>
-            <a:endParaRPr lang="zh-TW" altLang="en-US"/>
-          </a:p>
-        </p:txBody>
-      </p:sp>
-      <p:sp>
-        <p:nvSpPr>
-          <p:cNvPr id="9" name="文字方塊 8"/>
-          <p:cNvSpPr txBox="1"/>
-          <p:nvPr/>
-        </p:nvSpPr>
-        <p:spPr>
-          <a:xfrm>
-            <a:off x="1403648" y="5733256"/>
-            <a:ext cx="3350469" cy="584775"/>
-          </a:xfrm>
-          <a:prstGeom prst="rect">
-            <a:avLst/>
-          </a:prstGeom>
-          <a:noFill/>
-        </p:spPr>
-        <p:txBody>
-          <a:bodyPr wrap="none" rtlCol="0">
-            <a:spAutoFit/>
-          </a:bodyPr>
-          <a:lstStyle/>
-          <a:p>
-            <a:r>
-              <a:rPr lang="en-US" altLang="zh-TW" sz="1600" b="1" dirty="0" smtClean="0">
-                <a:solidFill>
-                  <a:srgbClr val="FF0000"/>
-                </a:solidFill>
-                <a:latin typeface="微軟正黑體" pitchFamily="34" charset="-120"/>
-                <a:ea typeface="微軟正黑體" pitchFamily="34" charset="-120"/>
-              </a:rPr>
-              <a:t>Filter</a:t>
-            </a:r>
-            <a:r>
-              <a:rPr lang="zh-TW" altLang="en-US" sz="1600" b="1" dirty="0" smtClean="0">
-                <a:solidFill>
-                  <a:srgbClr val="FF0000"/>
-                </a:solidFill>
-                <a:latin typeface="微軟正黑體" pitchFamily="34" charset="-120"/>
-                <a:ea typeface="微軟正黑體" pitchFamily="34" charset="-120"/>
-              </a:rPr>
-              <a:t>會先進來判斷權限匹配與否，</a:t>
-            </a:r>
-            <a:endParaRPr lang="en-US" altLang="zh-TW" sz="1600" b="1" dirty="0" smtClean="0">
-              <a:solidFill>
-                <a:srgbClr val="FF0000"/>
-              </a:solidFill>
-              <a:latin typeface="微軟正黑體" pitchFamily="34" charset="-120"/>
-              <a:ea typeface="微軟正黑體" pitchFamily="34" charset="-120"/>
-            </a:endParaRPr>
-          </a:p>
-          <a:p>
-            <a:pPr algn="ctr"/>
-            <a:r>
-              <a:rPr lang="zh-TW" altLang="en-US" sz="1600" b="1" dirty="0" smtClean="0">
-                <a:solidFill>
-                  <a:srgbClr val="FF0000"/>
-                </a:solidFill>
-                <a:latin typeface="微軟正黑體" pitchFamily="34" charset="-120"/>
-                <a:ea typeface="微軟正黑體" pitchFamily="34" charset="-120"/>
-              </a:rPr>
-              <a:t>才會進到</a:t>
-            </a:r>
-            <a:r>
-              <a:rPr lang="en-US" altLang="zh-TW" sz="1600" b="1" dirty="0" err="1" smtClean="0">
-                <a:solidFill>
-                  <a:srgbClr val="FF0000"/>
-                </a:solidFill>
-                <a:latin typeface="微軟正黑體" pitchFamily="34" charset="-120"/>
-                <a:ea typeface="微軟正黑體" pitchFamily="34" charset="-120"/>
-              </a:rPr>
-              <a:t>Contriller</a:t>
-            </a:r>
-            <a:endParaRPr lang="zh-TW" altLang="en-US" sz="1600" b="1" dirty="0">
-              <a:solidFill>
-                <a:srgbClr val="FF0000"/>
-              </a:solidFill>
-              <a:latin typeface="微軟正黑體" pitchFamily="34" charset="-120"/>
-              <a:ea typeface="微軟正黑體" pitchFamily="34" charset="-120"/>
-            </a:endParaRPr>
-          </a:p>
-        </p:txBody>
-      </p:sp>
       <p:cxnSp>
         <p:nvCxnSpPr>
-          <p:cNvPr id="10" name="直線接點 9"/>
+          <p:cNvPr id="4" name="直線接點 3"/>
           <p:cNvCxnSpPr/>
           <p:nvPr/>
         </p:nvCxnSpPr>
@@ -4149,7 +5547,7 @@
       </p:grpSpPr>
       <p:pic>
         <p:nvPicPr>
-          <p:cNvPr id="1026" name="Picture 2"/>
+          <p:cNvPr id="4" name="Picture 3"/>
           <p:cNvPicPr>
             <a:picLocks noChangeAspect="1" noChangeArrowheads="1"/>
           </p:cNvPicPr>
@@ -4164,8 +5562,8 @@
         </p:blipFill>
         <p:spPr bwMode="auto">
           <a:xfrm>
-            <a:off x="179512" y="525289"/>
-            <a:ext cx="6478587" cy="6288087"/>
+            <a:off x="179512" y="546249"/>
+            <a:ext cx="8345487" cy="5907087"/>
           </a:xfrm>
           <a:prstGeom prst="rect">
             <a:avLst/>
@@ -4182,14 +5580,14 @@
       </p:pic>
       <p:sp>
         <p:nvSpPr>
-          <p:cNvPr id="6" name="文字方塊 5"/>
+          <p:cNvPr id="5" name="文字方塊 4"/>
           <p:cNvSpPr txBox="1"/>
           <p:nvPr/>
         </p:nvSpPr>
         <p:spPr>
           <a:xfrm>
-            <a:off x="2627784" y="525289"/>
-            <a:ext cx="4078296" cy="461665"/>
+            <a:off x="6012160" y="546249"/>
+            <a:ext cx="2509213" cy="461665"/>
           </a:xfrm>
           <a:prstGeom prst="rect">
             <a:avLst/>
@@ -4208,23 +5606,7 @@
                   <a:srgbClr val="0070C0"/>
                 </a:solidFill>
               </a:rPr>
-              <a:t>Global.asax</a:t>
-            </a:r>
-            <a:r>
-              <a:rPr lang="en-US" altLang="zh-TW" sz="2400" b="1" dirty="0" smtClean="0">
-                <a:solidFill>
-                  <a:srgbClr val="0070C0"/>
-                </a:solidFill>
-              </a:rPr>
-              <a:t> /</a:t>
-            </a:r>
-            <a:r>
-              <a:rPr lang="en-US" altLang="zh-TW" sz="2400" b="1" dirty="0" err="1" smtClean="0">
-                <a:solidFill>
-                  <a:srgbClr val="0070C0"/>
-                </a:solidFill>
-              </a:rPr>
-              <a:t>Application_Start</a:t>
+              <a:t>MvcAuthAttribute</a:t>
             </a:r>
             <a:endParaRPr lang="zh-TW" altLang="en-US" sz="2400" b="1" dirty="0">
               <a:solidFill>
@@ -4236,14 +5618,14 @@
       </p:sp>
       <p:sp>
         <p:nvSpPr>
-          <p:cNvPr id="4" name="文字方塊 3"/>
+          <p:cNvPr id="6" name="文字方塊 5"/>
           <p:cNvSpPr txBox="1"/>
           <p:nvPr/>
         </p:nvSpPr>
         <p:spPr>
           <a:xfrm>
             <a:off x="251520" y="116632"/>
-            <a:ext cx="4938531" cy="369332"/>
+            <a:ext cx="6145465" cy="369332"/>
           </a:xfrm>
           <a:prstGeom prst="rect">
             <a:avLst/>
@@ -4257,25 +5639,39 @@
           <a:lstStyle/>
           <a:p>
             <a:r>
+              <a:rPr lang="zh-TW" altLang="en-US" b="1" dirty="0" smtClean="0">
+                <a:latin typeface="微軟正黑體" pitchFamily="34" charset="-120"/>
+                <a:ea typeface="微軟正黑體" pitchFamily="34" charset="-120"/>
+              </a:rPr>
+              <a:t>該</a:t>
+            </a:r>
+            <a:r>
+              <a:rPr lang="en-US" altLang="zh-TW" b="1" dirty="0" smtClean="0">
+                <a:latin typeface="微軟正黑體" pitchFamily="34" charset="-120"/>
+                <a:ea typeface="微軟正黑體" pitchFamily="34" charset="-120"/>
+              </a:rPr>
+              <a:t>Attribute</a:t>
+            </a:r>
+            <a:r>
+              <a:rPr lang="zh-TW" altLang="en-US" b="1" dirty="0" smtClean="0">
+                <a:latin typeface="微軟正黑體" pitchFamily="34" charset="-120"/>
+                <a:ea typeface="微軟正黑體" pitchFamily="34" charset="-120"/>
+              </a:rPr>
+              <a:t>被</a:t>
+            </a:r>
+            <a:r>
               <a:rPr lang="en-US" altLang="zh-TW" b="1" dirty="0" err="1" smtClean="0">
                 <a:latin typeface="微軟正黑體" pitchFamily="34" charset="-120"/>
                 <a:ea typeface="微軟正黑體" pitchFamily="34" charset="-120"/>
               </a:rPr>
-              <a:t>AppStart</a:t>
+              <a:t>GlobalFilterCollection</a:t>
             </a:r>
             <a:r>
               <a:rPr lang="zh-TW" altLang="en-US" b="1" dirty="0" smtClean="0">
                 <a:latin typeface="微軟正黑體" pitchFamily="34" charset="-120"/>
                 <a:ea typeface="微軟正黑體" pitchFamily="34" charset="-120"/>
               </a:rPr>
-              <a:t> 會先設定好</a:t>
-            </a:r>
-            <a:r>
-              <a:rPr lang="en-US" altLang="zh-TW" b="1" dirty="0" smtClean="0">
-                <a:latin typeface="微軟正黑體" pitchFamily="34" charset="-120"/>
-                <a:ea typeface="微軟正黑體" pitchFamily="34" charset="-120"/>
-              </a:rPr>
-              <a:t>Role, EX: {Role1, Role2}</a:t>
+              <a:t>給註冊為全域過濾器</a:t>
             </a:r>
             <a:endParaRPr lang="zh-TW" altLang="en-US" b="1" dirty="0">
               <a:latin typeface="微軟正黑體" pitchFamily="34" charset="-120"/>
@@ -4284,171 +5680,210 @@
           </a:p>
         </p:txBody>
       </p:sp>
-      <p:sp>
-        <p:nvSpPr>
-          <p:cNvPr id="5" name="矩形 4"/>
+      <p:pic>
+        <p:nvPicPr>
+          <p:cNvPr id="2050" name="Picture 2"/>
+          <p:cNvPicPr>
+            <a:picLocks noChangeAspect="1" noChangeArrowheads="1"/>
+          </p:cNvPicPr>
+          <p:nvPr/>
+        </p:nvPicPr>
+        <p:blipFill>
+          <a:blip r:embed="rId3" cstate="print"/>
+          <a:srcRect/>
+          <a:stretch>
+            <a:fillRect/>
+          </a:stretch>
+        </p:blipFill>
+        <p:spPr bwMode="auto">
+          <a:xfrm>
+            <a:off x="3771900" y="4933950"/>
+            <a:ext cx="5372100" cy="1924050"/>
+          </a:xfrm>
+          <a:prstGeom prst="rect">
+            <a:avLst/>
+          </a:prstGeom>
+          <a:noFill/>
+          <a:ln w="9525">
+            <a:solidFill>
+              <a:schemeClr val="bg1"/>
+            </a:solidFill>
+            <a:miter lim="800000"/>
+            <a:headEnd/>
+            <a:tailEnd/>
+          </a:ln>
+          <a:effectLst/>
+        </p:spPr>
+      </p:pic>
+      <p:sp>
+        <p:nvSpPr>
+          <p:cNvPr id="7" name="文字方塊 6"/>
+          <p:cNvSpPr txBox="1"/>
+          <p:nvPr/>
+        </p:nvSpPr>
+        <p:spPr>
+          <a:xfrm>
+            <a:off x="7154994" y="4941168"/>
+            <a:ext cx="1989006" cy="461665"/>
+          </a:xfrm>
+          <a:prstGeom prst="rect">
+            <a:avLst/>
+          </a:prstGeom>
+          <a:noFill/>
+        </p:spPr>
+        <p:txBody>
+          <a:bodyPr wrap="none" rtlCol="0">
+            <a:spAutoFit/>
+          </a:bodyPr>
+          <a:lstStyle/>
+          <a:p>
+            <a:r>
+              <a:rPr lang="en-US" altLang="zh-TW" sz="2400" b="1" dirty="0" err="1" smtClean="0">
+                <a:solidFill>
+                  <a:srgbClr val="0070C0"/>
+                </a:solidFill>
+              </a:rPr>
+              <a:t>FilterConfig.cs</a:t>
+            </a:r>
+            <a:endParaRPr lang="zh-TW" altLang="en-US" sz="2400" b="1" dirty="0">
+              <a:solidFill>
+                <a:srgbClr val="0070C0"/>
+              </a:solidFill>
+            </a:endParaRPr>
+          </a:p>
+        </p:txBody>
+      </p:sp>
+      <p:sp>
+        <p:nvSpPr>
+          <p:cNvPr id="8" name="橢圓 7"/>
           <p:cNvSpPr/>
           <p:nvPr/>
         </p:nvSpPr>
         <p:spPr>
           <a:xfrm>
-            <a:off x="6641976" y="2420888"/>
-            <a:ext cx="2502024" cy="646331"/>
-          </a:xfrm>
-          <a:prstGeom prst="rect">
-            <a:avLst/>
-          </a:prstGeom>
-        </p:spPr>
-        <p:txBody>
-          <a:bodyPr wrap="square">
-            <a:spAutoFit/>
-          </a:bodyPr>
-          <a:lstStyle/>
-          <a:p>
-            <a:r>
-              <a:rPr lang="en-US" altLang="zh-TW" b="1" dirty="0" smtClean="0">
-                <a:latin typeface="微軟正黑體" pitchFamily="34" charset="-120"/>
-                <a:ea typeface="微軟正黑體" pitchFamily="34" charset="-120"/>
-              </a:rPr>
-              <a:t>Role1</a:t>
-            </a:r>
-            <a:r>
-              <a:rPr lang="zh-TW" altLang="en-US" b="1" dirty="0" smtClean="0">
-                <a:latin typeface="微軟正黑體" pitchFamily="34" charset="-120"/>
-                <a:ea typeface="微軟正黑體" pitchFamily="34" charset="-120"/>
-              </a:rPr>
-              <a:t>有</a:t>
-            </a:r>
-            <a:r>
-              <a:rPr lang="en-US" altLang="zh-TW" b="1" dirty="0" smtClean="0">
-                <a:latin typeface="微軟正黑體" pitchFamily="34" charset="-120"/>
-                <a:ea typeface="微軟正黑體" pitchFamily="34" charset="-120"/>
-              </a:rPr>
-              <a:t>Admin</a:t>
-            </a:r>
-            <a:r>
-              <a:rPr lang="zh-TW" altLang="en-US" b="1" dirty="0" smtClean="0">
-                <a:latin typeface="微軟正黑體" pitchFamily="34" charset="-120"/>
-                <a:ea typeface="微軟正黑體" pitchFamily="34" charset="-120"/>
-              </a:rPr>
-              <a:t>權限、</a:t>
-            </a:r>
-            <a:endParaRPr lang="en-US" altLang="zh-TW" b="1" dirty="0" smtClean="0">
-              <a:latin typeface="微軟正黑體" pitchFamily="34" charset="-120"/>
-              <a:ea typeface="微軟正黑體" pitchFamily="34" charset="-120"/>
-            </a:endParaRPr>
-          </a:p>
-          <a:p>
-            <a:r>
-              <a:rPr lang="en-US" altLang="zh-TW" b="1" dirty="0" smtClean="0">
-                <a:latin typeface="微軟正黑體" pitchFamily="34" charset="-120"/>
-                <a:ea typeface="微軟正黑體" pitchFamily="34" charset="-120"/>
-              </a:rPr>
-              <a:t>Role2</a:t>
-            </a:r>
-            <a:r>
-              <a:rPr lang="zh-TW" altLang="en-US" b="1" dirty="0" smtClean="0">
-                <a:latin typeface="微軟正黑體" pitchFamily="34" charset="-120"/>
-                <a:ea typeface="微軟正黑體" pitchFamily="34" charset="-120"/>
-              </a:rPr>
-              <a:t>有</a:t>
-            </a:r>
-            <a:r>
-              <a:rPr lang="en-US" altLang="zh-TW" b="1" dirty="0" smtClean="0">
-                <a:latin typeface="微軟正黑體" pitchFamily="34" charset="-120"/>
-                <a:ea typeface="微軟正黑體" pitchFamily="34" charset="-120"/>
-              </a:rPr>
-              <a:t>General</a:t>
-            </a:r>
-            <a:r>
-              <a:rPr lang="zh-TW" altLang="en-US" b="1" dirty="0" smtClean="0">
-                <a:latin typeface="微軟正黑體" pitchFamily="34" charset="-120"/>
-                <a:ea typeface="微軟正黑體" pitchFamily="34" charset="-120"/>
-              </a:rPr>
-              <a:t>權限</a:t>
-            </a:r>
-            <a:endParaRPr lang="zh-TW" altLang="en-US" b="1" dirty="0">
-              <a:latin typeface="微軟正黑體" pitchFamily="34" charset="-120"/>
-              <a:ea typeface="微軟正黑體" pitchFamily="34" charset="-120"/>
-            </a:endParaRPr>
-          </a:p>
-        </p:txBody>
-      </p:sp>
-      <p:cxnSp>
-        <p:nvCxnSpPr>
-          <p:cNvPr id="7" name="直線單箭頭接點 6"/>
-          <p:cNvCxnSpPr/>
-          <p:nvPr/>
-        </p:nvCxnSpPr>
-        <p:spPr>
-          <a:xfrm flipH="1" flipV="1">
-            <a:off x="3995936" y="2060848"/>
-            <a:ext cx="2664296" cy="504056"/>
-          </a:xfrm>
-          <a:prstGeom prst="straightConnector1">
-            <a:avLst/>
-          </a:prstGeom>
-          <a:ln w="28575">
+            <a:off x="323528" y="4077072"/>
+            <a:ext cx="5328592" cy="2304256"/>
+          </a:xfrm>
+          <a:prstGeom prst="ellipse">
+            <a:avLst/>
+          </a:prstGeom>
+          <a:noFill/>
+          <a:ln>
             <a:solidFill>
               <a:srgbClr val="FF0000"/>
             </a:solidFill>
-            <a:tailEnd type="arrow"/>
           </a:ln>
         </p:spPr>
         <p:style>
-          <a:lnRef idx="1">
-            <a:schemeClr val="accent1"/>
+          <a:lnRef idx="2">
+            <a:schemeClr val="accent1">
+              <a:shade val="50000"/>
+            </a:schemeClr>
           </a:lnRef>
-          <a:fillRef idx="0">
+          <a:fillRef idx="1">
             <a:schemeClr val="accent1"/>
           </a:fillRef>
           <a:effectRef idx="0">
             <a:schemeClr val="accent1"/>
           </a:effectRef>
           <a:fontRef idx="minor">
-            <a:schemeClr val="tx1"/>
+            <a:schemeClr val="lt1"/>
           </a:fontRef>
         </p:style>
-      </p:cxnSp>
+        <p:txBody>
+          <a:bodyPr rtlCol="0" anchor="ctr"/>
+          <a:lstStyle/>
+          <a:p>
+            <a:pPr algn="ctr"/>
+            <a:endParaRPr lang="zh-TW" altLang="en-US"/>
+          </a:p>
+        </p:txBody>
+      </p:sp>
+      <p:sp>
+        <p:nvSpPr>
+          <p:cNvPr id="9" name="文字方塊 8"/>
+          <p:cNvSpPr txBox="1"/>
+          <p:nvPr/>
+        </p:nvSpPr>
+        <p:spPr>
+          <a:xfrm>
+            <a:off x="1403648" y="5733256"/>
+            <a:ext cx="3350469" cy="584775"/>
+          </a:xfrm>
+          <a:prstGeom prst="rect">
+            <a:avLst/>
+          </a:prstGeom>
+          <a:noFill/>
+        </p:spPr>
+        <p:txBody>
+          <a:bodyPr wrap="none" rtlCol="0">
+            <a:spAutoFit/>
+          </a:bodyPr>
+          <a:lstStyle/>
+          <a:p>
+            <a:r>
+              <a:rPr lang="en-US" altLang="zh-TW" sz="1600" b="1" dirty="0" smtClean="0">
+                <a:solidFill>
+                  <a:srgbClr val="FF0000"/>
+                </a:solidFill>
+                <a:latin typeface="微軟正黑體" pitchFamily="34" charset="-120"/>
+                <a:ea typeface="微軟正黑體" pitchFamily="34" charset="-120"/>
+              </a:rPr>
+              <a:t>Filter</a:t>
+            </a:r>
+            <a:r>
+              <a:rPr lang="zh-TW" altLang="en-US" sz="1600" b="1" dirty="0" smtClean="0">
+                <a:solidFill>
+                  <a:srgbClr val="FF0000"/>
+                </a:solidFill>
+                <a:latin typeface="微軟正黑體" pitchFamily="34" charset="-120"/>
+                <a:ea typeface="微軟正黑體" pitchFamily="34" charset="-120"/>
+              </a:rPr>
+              <a:t>會先進來判斷權限匹配與否，</a:t>
+            </a:r>
+            <a:endParaRPr lang="en-US" altLang="zh-TW" sz="1600" b="1" dirty="0" smtClean="0">
+              <a:solidFill>
+                <a:srgbClr val="FF0000"/>
+              </a:solidFill>
+              <a:latin typeface="微軟正黑體" pitchFamily="34" charset="-120"/>
+              <a:ea typeface="微軟正黑體" pitchFamily="34" charset="-120"/>
+            </a:endParaRPr>
+          </a:p>
+          <a:p>
+            <a:pPr algn="ctr"/>
+            <a:r>
+              <a:rPr lang="zh-TW" altLang="en-US" sz="1600" b="1" dirty="0" smtClean="0">
+                <a:solidFill>
+                  <a:srgbClr val="FF0000"/>
+                </a:solidFill>
+                <a:latin typeface="微軟正黑體" pitchFamily="34" charset="-120"/>
+                <a:ea typeface="微軟正黑體" pitchFamily="34" charset="-120"/>
+              </a:rPr>
+              <a:t>才會進到</a:t>
+            </a:r>
+            <a:r>
+              <a:rPr lang="en-US" altLang="zh-TW" sz="1600" b="1" dirty="0" err="1" smtClean="0">
+                <a:solidFill>
+                  <a:srgbClr val="FF0000"/>
+                </a:solidFill>
+                <a:latin typeface="微軟正黑體" pitchFamily="34" charset="-120"/>
+                <a:ea typeface="微軟正黑體" pitchFamily="34" charset="-120"/>
+              </a:rPr>
+              <a:t>Contriller</a:t>
+            </a:r>
+            <a:endParaRPr lang="zh-TW" altLang="en-US" sz="1600" b="1" dirty="0">
+              <a:solidFill>
+                <a:srgbClr val="FF0000"/>
+              </a:solidFill>
+              <a:latin typeface="微軟正黑體" pitchFamily="34" charset="-120"/>
+              <a:ea typeface="微軟正黑體" pitchFamily="34" charset="-120"/>
+            </a:endParaRPr>
+          </a:p>
+        </p:txBody>
+      </p:sp>
       <p:cxnSp>
         <p:nvCxnSpPr>
-          <p:cNvPr id="10" name="直線單箭頭接點 9"/>
-          <p:cNvCxnSpPr/>
-          <p:nvPr/>
-        </p:nvCxnSpPr>
-        <p:spPr>
-          <a:xfrm flipH="1">
-            <a:off x="4067944" y="2852936"/>
-            <a:ext cx="2592288" cy="288032"/>
-          </a:xfrm>
-          <a:prstGeom prst="straightConnector1">
-            <a:avLst/>
-          </a:prstGeom>
-          <a:ln w="28575">
-            <a:solidFill>
-              <a:srgbClr val="FF0000"/>
-            </a:solidFill>
-            <a:tailEnd type="arrow"/>
-          </a:ln>
-        </p:spPr>
-        <p:style>
-          <a:lnRef idx="1">
-            <a:schemeClr val="accent1"/>
-          </a:lnRef>
-          <a:fillRef idx="0">
-            <a:schemeClr val="accent1"/>
-          </a:fillRef>
-          <a:effectRef idx="0">
-            <a:schemeClr val="accent1"/>
-          </a:effectRef>
-          <a:fontRef idx="minor">
-            <a:schemeClr val="tx1"/>
-          </a:fontRef>
-        </p:style>
-      </p:cxnSp>
-      <p:cxnSp>
-        <p:nvCxnSpPr>
-          <p:cNvPr id="8" name="直線接點 7"/>
+          <p:cNvPr id="10" name="直線接點 9"/>
           <p:cNvCxnSpPr/>
           <p:nvPr/>
         </p:nvCxnSpPr>
@@ -4502,299 +5937,89 @@
           <a:chExt cx="0" cy="0"/>
         </a:xfrm>
       </p:grpSpPr>
-      <p:sp>
-        <p:nvSpPr>
-          <p:cNvPr id="3" name="內容版面配置區 2"/>
-          <p:cNvSpPr>
-            <a:spLocks noGrp="1"/>
-          </p:cNvSpPr>
-          <p:nvPr>
-            <p:ph idx="1"/>
-          </p:nvPr>
+      <p:pic>
+        <p:nvPicPr>
+          <p:cNvPr id="1026" name="Picture 2"/>
+          <p:cNvPicPr>
+            <a:picLocks noChangeAspect="1" noChangeArrowheads="1"/>
+          </p:cNvPicPr>
+          <p:nvPr/>
+        </p:nvPicPr>
+        <p:blipFill>
+          <a:blip r:embed="rId2" cstate="print"/>
+          <a:srcRect/>
+          <a:stretch>
+            <a:fillRect/>
+          </a:stretch>
+        </p:blipFill>
+        <p:spPr bwMode="auto">
+          <a:xfrm>
+            <a:off x="179512" y="525289"/>
+            <a:ext cx="6478587" cy="6288087"/>
+          </a:xfrm>
+          <a:prstGeom prst="rect">
+            <a:avLst/>
+          </a:prstGeom>
+          <a:noFill/>
+          <a:ln w="9525">
+            <a:noFill/>
+            <a:miter lim="800000"/>
+            <a:headEnd/>
+            <a:tailEnd/>
+          </a:ln>
+          <a:effectLst/>
+        </p:spPr>
+      </p:pic>
+      <p:sp>
+        <p:nvSpPr>
+          <p:cNvPr id="6" name="文字方塊 5"/>
+          <p:cNvSpPr txBox="1"/>
+          <p:nvPr/>
         </p:nvSpPr>
         <p:spPr>
           <a:xfrm>
-            <a:off x="467544" y="620688"/>
-            <a:ext cx="8229600" cy="4525963"/>
-          </a:xfrm>
-        </p:spPr>
-        <p:txBody>
-          <a:bodyPr>
-            <a:normAutofit/>
+            <a:off x="2627784" y="525289"/>
+            <a:ext cx="4078296" cy="461665"/>
+          </a:xfrm>
+          <a:prstGeom prst="rect">
+            <a:avLst/>
+          </a:prstGeom>
+          <a:noFill/>
+        </p:spPr>
+        <p:txBody>
+          <a:bodyPr wrap="none" rtlCol="0">
+            <a:spAutoFit/>
           </a:bodyPr>
           <a:lstStyle/>
           <a:p>
             <a:r>
-              <a:rPr lang="zh-TW" altLang="en-US" sz="2000" dirty="0" smtClean="0">
-                <a:latin typeface="微軟正黑體" pitchFamily="34" charset="-120"/>
-                <a:ea typeface="微軟正黑體" pitchFamily="34" charset="-120"/>
-              </a:rPr>
-              <a:t>登入取得權限</a:t>
-            </a:r>
-            <a:r>
-              <a:rPr lang="en-US" altLang="zh-TW" sz="2000" dirty="0" smtClean="0">
-                <a:latin typeface="微軟正黑體" pitchFamily="34" charset="-120"/>
-                <a:ea typeface="微軟正黑體" pitchFamily="34" charset="-120"/>
-              </a:rPr>
-              <a:t/>
-            </a:r>
-            <a:br>
-              <a:rPr lang="en-US" altLang="zh-TW" sz="2000" dirty="0" smtClean="0">
-                <a:latin typeface="微軟正黑體" pitchFamily="34" charset="-120"/>
-                <a:ea typeface="微軟正黑體" pitchFamily="34" charset="-120"/>
-              </a:rPr>
-            </a:br>
-            <a:r>
-              <a:rPr lang="en-US" altLang="zh-TW" sz="1400" dirty="0" smtClean="0">
-                <a:latin typeface="微軟正黑體" pitchFamily="34" charset="-120"/>
-                <a:ea typeface="微軟正黑體" pitchFamily="34" charset="-120"/>
-                <a:hlinkClick r:id="rId2"/>
-              </a:rPr>
-              <a:t>http://localhost:53830/Home/Login?returnUrl=/Home/Index&amp;role=Role1</a:t>
-            </a:r>
-            <a:endParaRPr lang="en-US" altLang="zh-TW" sz="2000" dirty="0" smtClean="0">
-              <a:latin typeface="微軟正黑體" pitchFamily="34" charset="-120"/>
-              <a:ea typeface="微軟正黑體" pitchFamily="34" charset="-120"/>
-            </a:endParaRPr>
-          </a:p>
-          <a:p>
-            <a:r>
-              <a:rPr lang="zh-TW" altLang="en-US" sz="2000" dirty="0" smtClean="0">
-                <a:latin typeface="微軟正黑體" pitchFamily="34" charset="-120"/>
-                <a:ea typeface="微軟正黑體" pitchFamily="34" charset="-120"/>
-              </a:rPr>
-              <a:t>檢視權限</a:t>
-            </a:r>
-            <a:r>
-              <a:rPr lang="en-US" altLang="zh-TW" sz="2000" dirty="0" smtClean="0">
-                <a:latin typeface="微軟正黑體" pitchFamily="34" charset="-120"/>
-                <a:ea typeface="微軟正黑體" pitchFamily="34" charset="-120"/>
-              </a:rPr>
-              <a:t>, </a:t>
-            </a:r>
-            <a:r>
-              <a:rPr lang="zh-TW" altLang="en-US" sz="2000" dirty="0" smtClean="0">
-                <a:latin typeface="微軟正黑體" pitchFamily="34" charset="-120"/>
-                <a:ea typeface="微軟正黑體" pitchFamily="34" charset="-120"/>
-              </a:rPr>
-              <a:t>需要登入：</a:t>
-            </a:r>
-            <a:r>
-              <a:rPr lang="en-US" altLang="zh-TW" sz="2000" dirty="0" smtClean="0">
-                <a:latin typeface="微軟正黑體" pitchFamily="34" charset="-120"/>
-                <a:ea typeface="微軟正黑體" pitchFamily="34" charset="-120"/>
-              </a:rPr>
-              <a:t/>
-            </a:r>
-            <a:br>
-              <a:rPr lang="en-US" altLang="zh-TW" sz="2000" dirty="0" smtClean="0">
-                <a:latin typeface="微軟正黑體" pitchFamily="34" charset="-120"/>
-                <a:ea typeface="微軟正黑體" pitchFamily="34" charset="-120"/>
-              </a:rPr>
-            </a:br>
-            <a:r>
-              <a:rPr lang="en-US" altLang="zh-TW" sz="1400" dirty="0" smtClean="0">
-                <a:latin typeface="微軟正黑體" pitchFamily="34" charset="-120"/>
-                <a:ea typeface="微軟正黑體" pitchFamily="34" charset="-120"/>
-                <a:hlinkClick r:id="rId3"/>
-              </a:rPr>
-              <a:t>http://localhost:53830/Home/Account</a:t>
-            </a:r>
-            <a:endParaRPr lang="en-US" altLang="zh-TW" sz="1400" dirty="0" smtClean="0">
-              <a:latin typeface="微軟正黑體" pitchFamily="34" charset="-120"/>
-              <a:ea typeface="微軟正黑體" pitchFamily="34" charset="-120"/>
-            </a:endParaRPr>
-          </a:p>
-          <a:p>
-            <a:r>
-              <a:rPr lang="zh-TW" altLang="en-US" sz="2000" dirty="0" smtClean="0">
-                <a:latin typeface="微軟正黑體" pitchFamily="34" charset="-120"/>
-                <a:ea typeface="微軟正黑體" pitchFamily="34" charset="-120"/>
-              </a:rPr>
-              <a:t>進到</a:t>
-            </a:r>
-            <a:r>
-              <a:rPr lang="en-US" altLang="zh-TW" sz="2000" dirty="0" smtClean="0">
-                <a:latin typeface="微軟正黑體" pitchFamily="34" charset="-120"/>
-                <a:ea typeface="微軟正黑體" pitchFamily="34" charset="-120"/>
-              </a:rPr>
-              <a:t>Admin, </a:t>
-            </a:r>
-            <a:r>
-              <a:rPr lang="zh-TW" altLang="en-US" sz="2000" dirty="0" smtClean="0">
-                <a:latin typeface="微軟正黑體" pitchFamily="34" charset="-120"/>
-                <a:ea typeface="微軟正黑體" pitchFamily="34" charset="-120"/>
-              </a:rPr>
-              <a:t>需要</a:t>
-            </a:r>
-            <a:r>
-              <a:rPr lang="en-US" altLang="zh-TW" sz="2000" dirty="0" smtClean="0">
-                <a:latin typeface="微軟正黑體" pitchFamily="34" charset="-120"/>
-                <a:ea typeface="微軟正黑體" pitchFamily="34" charset="-120"/>
-              </a:rPr>
-              <a:t>Admin</a:t>
-            </a:r>
-            <a:r>
-              <a:rPr lang="zh-TW" altLang="en-US" sz="2000" dirty="0" smtClean="0">
-                <a:latin typeface="微軟正黑體" pitchFamily="34" charset="-120"/>
-                <a:ea typeface="微軟正黑體" pitchFamily="34" charset="-120"/>
-              </a:rPr>
-              <a:t>權限</a:t>
-            </a:r>
-            <a:r>
-              <a:rPr lang="en-US" altLang="zh-TW" sz="2000" dirty="0" smtClean="0">
-                <a:latin typeface="微軟正黑體" pitchFamily="34" charset="-120"/>
-                <a:ea typeface="微軟正黑體" pitchFamily="34" charset="-120"/>
-              </a:rPr>
-              <a:t/>
-            </a:r>
-            <a:br>
-              <a:rPr lang="en-US" altLang="zh-TW" sz="2000" dirty="0" smtClean="0">
-                <a:latin typeface="微軟正黑體" pitchFamily="34" charset="-120"/>
-                <a:ea typeface="微軟正黑體" pitchFamily="34" charset="-120"/>
-              </a:rPr>
-            </a:br>
-            <a:r>
-              <a:rPr lang="en-US" altLang="zh-TW" sz="1400" dirty="0" smtClean="0">
-                <a:latin typeface="微軟正黑體" pitchFamily="34" charset="-120"/>
-                <a:ea typeface="微軟正黑體" pitchFamily="34" charset="-120"/>
-                <a:hlinkClick r:id="rId4"/>
-              </a:rPr>
-              <a:t>http://localhost:53830/Home/Admin</a:t>
-            </a:r>
-            <a:endParaRPr lang="en-US" altLang="zh-TW" sz="2000" dirty="0" smtClean="0">
-              <a:latin typeface="微軟正黑體" pitchFamily="34" charset="-120"/>
-              <a:ea typeface="微軟正黑體" pitchFamily="34" charset="-120"/>
-            </a:endParaRPr>
-          </a:p>
-          <a:p>
-            <a:r>
-              <a:rPr lang="zh-TW" altLang="en-US" sz="2000" dirty="0" smtClean="0">
-                <a:latin typeface="微軟正黑體" pitchFamily="34" charset="-120"/>
-                <a:ea typeface="微軟正黑體" pitchFamily="34" charset="-120"/>
-              </a:rPr>
-              <a:t>進到</a:t>
-            </a:r>
-            <a:r>
-              <a:rPr lang="en-US" altLang="zh-TW" sz="2000" dirty="0" smtClean="0">
-                <a:latin typeface="微軟正黑體" pitchFamily="34" charset="-120"/>
-                <a:ea typeface="微軟正黑體" pitchFamily="34" charset="-120"/>
-              </a:rPr>
-              <a:t>General, </a:t>
-            </a:r>
-            <a:r>
-              <a:rPr lang="zh-TW" altLang="en-US" sz="2000" dirty="0" smtClean="0">
-                <a:latin typeface="微軟正黑體" pitchFamily="34" charset="-120"/>
-                <a:ea typeface="微軟正黑體" pitchFamily="34" charset="-120"/>
-              </a:rPr>
-              <a:t>需要</a:t>
-            </a:r>
-            <a:r>
-              <a:rPr lang="en-US" altLang="zh-TW" sz="2000" dirty="0" smtClean="0">
-                <a:latin typeface="微軟正黑體" pitchFamily="34" charset="-120"/>
-                <a:ea typeface="微軟正黑體" pitchFamily="34" charset="-120"/>
-              </a:rPr>
-              <a:t>General</a:t>
-            </a:r>
-            <a:r>
-              <a:rPr lang="zh-TW" altLang="en-US" sz="2000" dirty="0" smtClean="0">
-                <a:latin typeface="微軟正黑體" pitchFamily="34" charset="-120"/>
-                <a:ea typeface="微軟正黑體" pitchFamily="34" charset="-120"/>
-              </a:rPr>
-              <a:t>權限</a:t>
-            </a:r>
-            <a:r>
-              <a:rPr lang="en-US" altLang="zh-TW" sz="2000" dirty="0" smtClean="0">
-                <a:latin typeface="微軟正黑體" pitchFamily="34" charset="-120"/>
-                <a:ea typeface="微軟正黑體" pitchFamily="34" charset="-120"/>
-              </a:rPr>
-              <a:t/>
-            </a:r>
-            <a:br>
-              <a:rPr lang="en-US" altLang="zh-TW" sz="2000" dirty="0" smtClean="0">
-                <a:latin typeface="微軟正黑體" pitchFamily="34" charset="-120"/>
-                <a:ea typeface="微軟正黑體" pitchFamily="34" charset="-120"/>
-              </a:rPr>
-            </a:br>
-            <a:r>
-              <a:rPr lang="en-US" altLang="zh-TW" sz="1400" dirty="0" smtClean="0">
-                <a:latin typeface="微軟正黑體" pitchFamily="34" charset="-120"/>
-                <a:ea typeface="微軟正黑體" pitchFamily="34" charset="-120"/>
-                <a:hlinkClick r:id="rId5"/>
-              </a:rPr>
-              <a:t>http://localhost:53830/Home/General</a:t>
-            </a:r>
-            <a:endParaRPr lang="en-US" altLang="zh-TW" sz="2000" dirty="0" smtClean="0">
-              <a:latin typeface="微軟正黑體" pitchFamily="34" charset="-120"/>
-              <a:ea typeface="微軟正黑體" pitchFamily="34" charset="-120"/>
-            </a:endParaRPr>
-          </a:p>
-          <a:p>
-            <a:r>
-              <a:rPr lang="zh-TW" altLang="en-US" sz="2000" dirty="0" smtClean="0">
-                <a:latin typeface="微軟正黑體" pitchFamily="34" charset="-120"/>
-                <a:ea typeface="微軟正黑體" pitchFamily="34" charset="-120"/>
-              </a:rPr>
-              <a:t>進到</a:t>
-            </a:r>
-            <a:r>
-              <a:rPr lang="en-US" altLang="zh-TW" sz="2000" dirty="0" smtClean="0">
-                <a:latin typeface="微軟正黑體" pitchFamily="34" charset="-120"/>
-                <a:ea typeface="微軟正黑體" pitchFamily="34" charset="-120"/>
-              </a:rPr>
-              <a:t>Manage, </a:t>
-            </a:r>
-            <a:r>
-              <a:rPr lang="zh-TW" altLang="en-US" sz="2000" dirty="0" smtClean="0">
-                <a:latin typeface="微軟正黑體" pitchFamily="34" charset="-120"/>
-                <a:ea typeface="微軟正黑體" pitchFamily="34" charset="-120"/>
-              </a:rPr>
-              <a:t>需要</a:t>
-            </a:r>
-            <a:r>
-              <a:rPr lang="en-US" altLang="zh-TW" sz="2000" dirty="0" smtClean="0">
-                <a:latin typeface="微軟正黑體" pitchFamily="34" charset="-120"/>
-                <a:ea typeface="微軟正黑體" pitchFamily="34" charset="-120"/>
-              </a:rPr>
-              <a:t>Admin</a:t>
-            </a:r>
-            <a:r>
-              <a:rPr lang="zh-TW" altLang="en-US" sz="2000" dirty="0" smtClean="0">
-                <a:latin typeface="微軟正黑體" pitchFamily="34" charset="-120"/>
-                <a:ea typeface="微軟正黑體" pitchFamily="34" charset="-120"/>
-              </a:rPr>
-              <a:t>權限</a:t>
-            </a:r>
-            <a:r>
-              <a:rPr lang="en-US" altLang="zh-TW" sz="1400" dirty="0" smtClean="0">
-                <a:latin typeface="微軟正黑體" pitchFamily="34" charset="-120"/>
-                <a:ea typeface="微軟正黑體" pitchFamily="34" charset="-120"/>
-              </a:rPr>
-              <a:t/>
-            </a:r>
-            <a:br>
-              <a:rPr lang="en-US" altLang="zh-TW" sz="1400" dirty="0" smtClean="0">
-                <a:latin typeface="微軟正黑體" pitchFamily="34" charset="-120"/>
-                <a:ea typeface="微軟正黑體" pitchFamily="34" charset="-120"/>
-              </a:rPr>
-            </a:br>
-            <a:r>
-              <a:rPr lang="en-US" altLang="zh-TW" sz="1400" dirty="0" smtClean="0">
-                <a:latin typeface="微軟正黑體" pitchFamily="34" charset="-120"/>
-                <a:ea typeface="微軟正黑體" pitchFamily="34" charset="-120"/>
-                <a:hlinkClick r:id="rId6"/>
-              </a:rPr>
-              <a:t>http://localhost:53830/Manage/Index</a:t>
-            </a:r>
-            <a:endParaRPr lang="en-US" altLang="zh-TW" sz="1400" dirty="0" smtClean="0">
-              <a:latin typeface="微軟正黑體" pitchFamily="34" charset="-120"/>
-              <a:ea typeface="微軟正黑體" pitchFamily="34" charset="-120"/>
-            </a:endParaRPr>
-          </a:p>
-          <a:p>
-            <a:endParaRPr lang="en-US" altLang="zh-TW" sz="1400" dirty="0" smtClean="0">
-              <a:latin typeface="微軟正黑體" pitchFamily="34" charset="-120"/>
-              <a:ea typeface="微軟正黑體" pitchFamily="34" charset="-120"/>
+              <a:rPr lang="en-US" altLang="zh-TW" sz="2400" b="1" dirty="0" err="1" smtClean="0">
+                <a:solidFill>
+                  <a:srgbClr val="0070C0"/>
+                </a:solidFill>
+              </a:rPr>
+              <a:t>Global.asax</a:t>
+            </a:r>
+            <a:r>
+              <a:rPr lang="en-US" altLang="zh-TW" sz="2400" b="1" dirty="0" smtClean="0">
+                <a:solidFill>
+                  <a:srgbClr val="0070C0"/>
+                </a:solidFill>
+              </a:rPr>
+              <a:t> /</a:t>
+            </a:r>
+            <a:r>
+              <a:rPr lang="en-US" altLang="zh-TW" sz="2400" b="1" dirty="0" err="1" smtClean="0">
+                <a:solidFill>
+                  <a:srgbClr val="0070C0"/>
+                </a:solidFill>
+              </a:rPr>
+              <a:t>Application_Start</a:t>
+            </a:r>
+            <a:endParaRPr lang="zh-TW" altLang="en-US" sz="2400" b="1" dirty="0">
+              <a:solidFill>
+                <a:srgbClr val="0070C0"/>
+              </a:solidFill>
             </a:endParaRPr>
           </a:p>
         </p:txBody>
@@ -4808,7 +6033,7 @@
         <p:spPr>
           <a:xfrm>
             <a:off x="251520" y="116632"/>
-            <a:ext cx="2262158" cy="369332"/>
+            <a:ext cx="4938531" cy="369332"/>
           </a:xfrm>
           <a:prstGeom prst="rect">
             <a:avLst/>
@@ -4822,11 +6047,25 @@
           <a:lstStyle/>
           <a:p>
             <a:r>
+              <a:rPr lang="en-US" altLang="zh-TW" b="1" dirty="0" err="1" smtClean="0">
+                <a:latin typeface="微軟正黑體" pitchFamily="34" charset="-120"/>
+                <a:ea typeface="微軟正黑體" pitchFamily="34" charset="-120"/>
+              </a:rPr>
+              <a:t>AppStart</a:t>
+            </a:r>
+            <a:r>
               <a:rPr lang="zh-TW" altLang="en-US" b="1" dirty="0" smtClean="0">
                 <a:latin typeface="微軟正黑體" pitchFamily="34" charset="-120"/>
                 <a:ea typeface="微軟正黑體" pitchFamily="34" charset="-120"/>
               </a:rPr>
-              <a:t>如下為開放的畫面：</a:t>
+              <a:t> 會先設定好</a:t>
+            </a:r>
+            <a:r>
+              <a:rPr lang="en-US" altLang="zh-TW" b="1" dirty="0" smtClean="0">
+                <a:latin typeface="微軟正黑體" pitchFamily="34" charset="-120"/>
+                <a:ea typeface="微軟正黑體" pitchFamily="34" charset="-120"/>
+              </a:rPr>
+              <a:t>Role, EX: {Role1, Role2}</a:t>
             </a:r>
             <a:endParaRPr lang="zh-TW" altLang="en-US" b="1" dirty="0">
               <a:latin typeface="微軟正黑體" pitchFamily="34" charset="-120"/>
@@ -4835,9 +6074,171 @@
           </a:p>
         </p:txBody>
       </p:sp>
+      <p:sp>
+        <p:nvSpPr>
+          <p:cNvPr id="5" name="矩形 4"/>
+          <p:cNvSpPr/>
+          <p:nvPr/>
+        </p:nvSpPr>
+        <p:spPr>
+          <a:xfrm>
+            <a:off x="6641976" y="2420888"/>
+            <a:ext cx="2502024" cy="646331"/>
+          </a:xfrm>
+          <a:prstGeom prst="rect">
+            <a:avLst/>
+          </a:prstGeom>
+        </p:spPr>
+        <p:txBody>
+          <a:bodyPr wrap="square">
+            <a:spAutoFit/>
+          </a:bodyPr>
+          <a:lstStyle/>
+          <a:p>
+            <a:r>
+              <a:rPr lang="en-US" altLang="zh-TW" b="1" dirty="0" smtClean="0">
+                <a:latin typeface="微軟正黑體" pitchFamily="34" charset="-120"/>
+                <a:ea typeface="微軟正黑體" pitchFamily="34" charset="-120"/>
+              </a:rPr>
+              <a:t>Role1</a:t>
+            </a:r>
+            <a:r>
+              <a:rPr lang="zh-TW" altLang="en-US" b="1" dirty="0" smtClean="0">
+                <a:latin typeface="微軟正黑體" pitchFamily="34" charset="-120"/>
+                <a:ea typeface="微軟正黑體" pitchFamily="34" charset="-120"/>
+              </a:rPr>
+              <a:t>有</a:t>
+            </a:r>
+            <a:r>
+              <a:rPr lang="en-US" altLang="zh-TW" b="1" dirty="0" smtClean="0">
+                <a:latin typeface="微軟正黑體" pitchFamily="34" charset="-120"/>
+                <a:ea typeface="微軟正黑體" pitchFamily="34" charset="-120"/>
+              </a:rPr>
+              <a:t>Admin</a:t>
+            </a:r>
+            <a:r>
+              <a:rPr lang="zh-TW" altLang="en-US" b="1" dirty="0" smtClean="0">
+                <a:latin typeface="微軟正黑體" pitchFamily="34" charset="-120"/>
+                <a:ea typeface="微軟正黑體" pitchFamily="34" charset="-120"/>
+              </a:rPr>
+              <a:t>權限、</a:t>
+            </a:r>
+            <a:endParaRPr lang="en-US" altLang="zh-TW" b="1" dirty="0" smtClean="0">
+              <a:latin typeface="微軟正黑體" pitchFamily="34" charset="-120"/>
+              <a:ea typeface="微軟正黑體" pitchFamily="34" charset="-120"/>
+            </a:endParaRPr>
+          </a:p>
+          <a:p>
+            <a:r>
+              <a:rPr lang="en-US" altLang="zh-TW" b="1" dirty="0" smtClean="0">
+                <a:latin typeface="微軟正黑體" pitchFamily="34" charset="-120"/>
+                <a:ea typeface="微軟正黑體" pitchFamily="34" charset="-120"/>
+              </a:rPr>
+              <a:t>Role2</a:t>
+            </a:r>
+            <a:r>
+              <a:rPr lang="zh-TW" altLang="en-US" b="1" dirty="0" smtClean="0">
+                <a:latin typeface="微軟正黑體" pitchFamily="34" charset="-120"/>
+                <a:ea typeface="微軟正黑體" pitchFamily="34" charset="-120"/>
+              </a:rPr>
+              <a:t>有</a:t>
+            </a:r>
+            <a:r>
+              <a:rPr lang="en-US" altLang="zh-TW" b="1" dirty="0" smtClean="0">
+                <a:latin typeface="微軟正黑體" pitchFamily="34" charset="-120"/>
+                <a:ea typeface="微軟正黑體" pitchFamily="34" charset="-120"/>
+              </a:rPr>
+              <a:t>General</a:t>
+            </a:r>
+            <a:r>
+              <a:rPr lang="zh-TW" altLang="en-US" b="1" dirty="0" smtClean="0">
+                <a:latin typeface="微軟正黑體" pitchFamily="34" charset="-120"/>
+                <a:ea typeface="微軟正黑體" pitchFamily="34" charset="-120"/>
+              </a:rPr>
+              <a:t>權限</a:t>
+            </a:r>
+            <a:endParaRPr lang="zh-TW" altLang="en-US" b="1" dirty="0">
+              <a:latin typeface="微軟正黑體" pitchFamily="34" charset="-120"/>
+              <a:ea typeface="微軟正黑體" pitchFamily="34" charset="-120"/>
+            </a:endParaRPr>
+          </a:p>
+        </p:txBody>
+      </p:sp>
       <p:cxnSp>
         <p:nvCxnSpPr>
-          <p:cNvPr id="5" name="直線接點 4"/>
+          <p:cNvPr id="7" name="直線單箭頭接點 6"/>
+          <p:cNvCxnSpPr/>
+          <p:nvPr/>
+        </p:nvCxnSpPr>
+        <p:spPr>
+          <a:xfrm flipH="1" flipV="1">
+            <a:off x="3995936" y="2060848"/>
+            <a:ext cx="2664296" cy="504056"/>
+          </a:xfrm>
+          <a:prstGeom prst="straightConnector1">
+            <a:avLst/>
+          </a:prstGeom>
+          <a:ln w="28575">
+            <a:solidFill>
+              <a:srgbClr val="FF0000"/>
+            </a:solidFill>
+            <a:tailEnd type="arrow"/>
+          </a:ln>
+        </p:spPr>
+        <p:style>
+          <a:lnRef idx="1">
+            <a:schemeClr val="accent1"/>
+          </a:lnRef>
+          <a:fillRef idx="0">
+            <a:schemeClr val="accent1"/>
+          </a:fillRef>
+          <a:effectRef idx="0">
+            <a:schemeClr val="accent1"/>
+          </a:effectRef>
+          <a:fontRef idx="minor">
+            <a:schemeClr val="tx1"/>
+          </a:fontRef>
+        </p:style>
+      </p:cxnSp>
+      <p:cxnSp>
+        <p:nvCxnSpPr>
+          <p:cNvPr id="10" name="直線單箭頭接點 9"/>
+          <p:cNvCxnSpPr/>
+          <p:nvPr/>
+        </p:nvCxnSpPr>
+        <p:spPr>
+          <a:xfrm flipH="1">
+            <a:off x="4067944" y="2852936"/>
+            <a:ext cx="2592288" cy="288032"/>
+          </a:xfrm>
+          <a:prstGeom prst="straightConnector1">
+            <a:avLst/>
+          </a:prstGeom>
+          <a:ln w="28575">
+            <a:solidFill>
+              <a:srgbClr val="FF0000"/>
+            </a:solidFill>
+            <a:tailEnd type="arrow"/>
+          </a:ln>
+        </p:spPr>
+        <p:style>
+          <a:lnRef idx="1">
+            <a:schemeClr val="accent1"/>
+          </a:lnRef>
+          <a:fillRef idx="0">
+            <a:schemeClr val="accent1"/>
+          </a:fillRef>
+          <a:effectRef idx="0">
+            <a:schemeClr val="accent1"/>
+          </a:effectRef>
+          <a:fontRef idx="minor">
+            <a:schemeClr val="tx1"/>
+          </a:fontRef>
+        </p:style>
+      </p:cxnSp>
+      <p:cxnSp>
+        <p:nvCxnSpPr>
+          <p:cNvPr id="8" name="直線接點 7"/>
           <p:cNvCxnSpPr/>
           <p:nvPr/>
         </p:nvCxnSpPr>
@@ -4891,120 +6292,313 @@
           <a:chExt cx="0" cy="0"/>
         </a:xfrm>
       </p:grpSpPr>
-      <p:pic>
-        <p:nvPicPr>
-          <p:cNvPr id="1026" name="Picture 2"/>
-          <p:cNvPicPr>
-            <a:picLocks noChangeAspect="1" noChangeArrowheads="1"/>
-          </p:cNvPicPr>
-          <p:nvPr/>
-        </p:nvPicPr>
-        <p:blipFill>
-          <a:blip r:embed="rId2" cstate="print"/>
-          <a:srcRect/>
-          <a:stretch>
-            <a:fillRect/>
-          </a:stretch>
-        </p:blipFill>
-        <p:spPr bwMode="auto">
-          <a:xfrm>
-            <a:off x="251520" y="548680"/>
-            <a:ext cx="6954837" cy="5534025"/>
-          </a:xfrm>
-          <a:prstGeom prst="rect">
-            <a:avLst/>
-          </a:prstGeom>
-          <a:noFill/>
-          <a:ln w="9525">
-            <a:noFill/>
-            <a:miter lim="800000"/>
-            <a:headEnd/>
-            <a:tailEnd/>
-          </a:ln>
-          <a:effectLst/>
-        </p:spPr>
-      </p:pic>
-      <p:pic>
-        <p:nvPicPr>
-          <p:cNvPr id="1027" name="Picture 3"/>
-          <p:cNvPicPr>
-            <a:picLocks noChangeAspect="1" noChangeArrowheads="1"/>
-          </p:cNvPicPr>
-          <p:nvPr/>
-        </p:nvPicPr>
-        <p:blipFill>
-          <a:blip r:embed="rId3" cstate="print"/>
-          <a:srcRect/>
-          <a:stretch>
-            <a:fillRect/>
-          </a:stretch>
-        </p:blipFill>
-        <p:spPr bwMode="auto">
-          <a:xfrm>
-            <a:off x="2817813" y="2943225"/>
-            <a:ext cx="6326187" cy="3914775"/>
-          </a:xfrm>
-          <a:prstGeom prst="rect">
-            <a:avLst/>
-          </a:prstGeom>
-          <a:noFill/>
-          <a:ln w="9525">
-            <a:solidFill>
-              <a:schemeClr val="bg1"/>
-            </a:solidFill>
-            <a:miter lim="800000"/>
-            <a:headEnd/>
-            <a:tailEnd/>
-          </a:ln>
-          <a:effectLst/>
-        </p:spPr>
-      </p:pic>
-      <p:cxnSp>
-        <p:nvCxnSpPr>
-          <p:cNvPr id="7" name="直線單箭頭接點 6"/>
-          <p:cNvCxnSpPr/>
-          <p:nvPr/>
-        </p:nvCxnSpPr>
+      <p:sp>
+        <p:nvSpPr>
+          <p:cNvPr id="3" name="內容版面配置區 2"/>
+          <p:cNvSpPr>
+            <a:spLocks noGrp="1"/>
+          </p:cNvSpPr>
+          <p:nvPr>
+            <p:ph idx="1"/>
+          </p:nvPr>
+        </p:nvSpPr>
         <p:spPr>
           <a:xfrm>
-            <a:off x="2987824" y="2420888"/>
-            <a:ext cx="936104" cy="2304256"/>
-          </a:xfrm>
-          <a:prstGeom prst="straightConnector1">
-            <a:avLst/>
-          </a:prstGeom>
-          <a:ln w="28575">
-            <a:solidFill>
-              <a:srgbClr val="FF0000"/>
-            </a:solidFill>
-            <a:tailEnd type="arrow"/>
-          </a:ln>
-        </p:spPr>
-        <p:style>
-          <a:lnRef idx="1">
-            <a:schemeClr val="accent1"/>
-          </a:lnRef>
-          <a:fillRef idx="0">
-            <a:schemeClr val="accent1"/>
-          </a:fillRef>
-          <a:effectRef idx="0">
-            <a:schemeClr val="accent1"/>
-          </a:effectRef>
-          <a:fontRef idx="minor">
-            <a:schemeClr val="tx1"/>
-          </a:fontRef>
-        </p:style>
-      </p:cxnSp>
-      <p:sp>
-        <p:nvSpPr>
-          <p:cNvPr id="8" name="文字方塊 7"/>
+            <a:off x="467544" y="620688"/>
+            <a:ext cx="8229600" cy="4525963"/>
+          </a:xfrm>
+        </p:spPr>
+        <p:txBody>
+          <a:bodyPr>
+            <a:normAutofit/>
+          </a:bodyPr>
+          <a:lstStyle/>
+          <a:p>
+            <a:r>
+              <a:rPr lang="zh-TW" altLang="en-US" sz="2000" dirty="0" smtClean="0">
+                <a:latin typeface="微軟正黑體" pitchFamily="34" charset="-120"/>
+                <a:ea typeface="微軟正黑體" pitchFamily="34" charset="-120"/>
+              </a:rPr>
+              <a:t>登入取得權限</a:t>
+            </a:r>
+            <a:r>
+              <a:rPr lang="en-US" altLang="zh-TW" sz="2000" dirty="0" smtClean="0">
+                <a:latin typeface="微軟正黑體" pitchFamily="34" charset="-120"/>
+                <a:ea typeface="微軟正黑體" pitchFamily="34" charset="-120"/>
+              </a:rPr>
+              <a:t/>
+            </a:r>
+            <a:br>
+              <a:rPr lang="en-US" altLang="zh-TW" sz="2000" dirty="0" smtClean="0">
+                <a:latin typeface="微軟正黑體" pitchFamily="34" charset="-120"/>
+                <a:ea typeface="微軟正黑體" pitchFamily="34" charset="-120"/>
+              </a:rPr>
+            </a:br>
+            <a:r>
+              <a:rPr lang="en-US" altLang="zh-TW" sz="1400" dirty="0" smtClean="0">
+                <a:latin typeface="微軟正黑體" pitchFamily="34" charset="-120"/>
+                <a:ea typeface="微軟正黑體" pitchFamily="34" charset="-120"/>
+                <a:hlinkClick r:id="rId2"/>
+              </a:rPr>
+              <a:t>http://localhost:53830/Home/Login?returnUrl=/Home/Index&amp;role=Role1</a:t>
+            </a:r>
+            <a:endParaRPr lang="en-US" altLang="zh-TW" sz="2000" dirty="0" smtClean="0">
+              <a:latin typeface="微軟正黑體" pitchFamily="34" charset="-120"/>
+              <a:ea typeface="微軟正黑體" pitchFamily="34" charset="-120"/>
+            </a:endParaRPr>
+          </a:p>
+          <a:p>
+            <a:r>
+              <a:rPr lang="zh-TW" altLang="en-US" sz="2000" dirty="0" smtClean="0">
+                <a:latin typeface="微軟正黑體" pitchFamily="34" charset="-120"/>
+                <a:ea typeface="微軟正黑體" pitchFamily="34" charset="-120"/>
+              </a:rPr>
+              <a:t>檢視權限</a:t>
+            </a:r>
+            <a:r>
+              <a:rPr lang="en-US" altLang="zh-TW" sz="2000" dirty="0" smtClean="0">
+                <a:latin typeface="微軟正黑體" pitchFamily="34" charset="-120"/>
+                <a:ea typeface="微軟正黑體" pitchFamily="34" charset="-120"/>
+              </a:rPr>
+              <a:t>, </a:t>
+            </a:r>
+            <a:r>
+              <a:rPr lang="zh-TW" altLang="en-US" sz="2000" dirty="0" smtClean="0">
+                <a:latin typeface="微軟正黑體" pitchFamily="34" charset="-120"/>
+                <a:ea typeface="微軟正黑體" pitchFamily="34" charset="-120"/>
+              </a:rPr>
+              <a:t>需要登入：</a:t>
+            </a:r>
+            <a:r>
+              <a:rPr lang="en-US" altLang="zh-TW" sz="2000" dirty="0" smtClean="0">
+                <a:latin typeface="微軟正黑體" pitchFamily="34" charset="-120"/>
+                <a:ea typeface="微軟正黑體" pitchFamily="34" charset="-120"/>
+              </a:rPr>
+              <a:t/>
+            </a:r>
+            <a:br>
+              <a:rPr lang="en-US" altLang="zh-TW" sz="2000" dirty="0" smtClean="0">
+                <a:latin typeface="微軟正黑體" pitchFamily="34" charset="-120"/>
+                <a:ea typeface="微軟正黑體" pitchFamily="34" charset="-120"/>
+              </a:rPr>
+            </a:br>
+            <a:r>
+              <a:rPr lang="en-US" altLang="zh-TW" sz="1400" dirty="0" smtClean="0">
+                <a:latin typeface="微軟正黑體" pitchFamily="34" charset="-120"/>
+                <a:ea typeface="微軟正黑體" pitchFamily="34" charset="-120"/>
+                <a:hlinkClick r:id="rId3"/>
+              </a:rPr>
+              <a:t>http://localhost:53830/Home/Account</a:t>
+            </a:r>
+            <a:endParaRPr lang="en-US" altLang="zh-TW" sz="1400" dirty="0" smtClean="0">
+              <a:latin typeface="微軟正黑體" pitchFamily="34" charset="-120"/>
+              <a:ea typeface="微軟正黑體" pitchFamily="34" charset="-120"/>
+            </a:endParaRPr>
+          </a:p>
+          <a:p>
+            <a:r>
+              <a:rPr lang="zh-TW" altLang="en-US" sz="2000" dirty="0" smtClean="0">
+                <a:latin typeface="微軟正黑體" pitchFamily="34" charset="-120"/>
+                <a:ea typeface="微軟正黑體" pitchFamily="34" charset="-120"/>
+              </a:rPr>
+              <a:t>進到</a:t>
+            </a:r>
+            <a:r>
+              <a:rPr lang="en-US" altLang="zh-TW" sz="2000" dirty="0" smtClean="0">
+                <a:latin typeface="微軟正黑體" pitchFamily="34" charset="-120"/>
+                <a:ea typeface="微軟正黑體" pitchFamily="34" charset="-120"/>
+              </a:rPr>
+              <a:t>Admin, </a:t>
+            </a:r>
+            <a:r>
+              <a:rPr lang="zh-TW" altLang="en-US" sz="2000" dirty="0" smtClean="0">
+                <a:latin typeface="微軟正黑體" pitchFamily="34" charset="-120"/>
+                <a:ea typeface="微軟正黑體" pitchFamily="34" charset="-120"/>
+              </a:rPr>
+              <a:t>需要</a:t>
+            </a:r>
+            <a:r>
+              <a:rPr lang="en-US" altLang="zh-TW" sz="2000" dirty="0" smtClean="0">
+                <a:latin typeface="微軟正黑體" pitchFamily="34" charset="-120"/>
+                <a:ea typeface="微軟正黑體" pitchFamily="34" charset="-120"/>
+              </a:rPr>
+              <a:t>Admin</a:t>
+            </a:r>
+            <a:r>
+              <a:rPr lang="zh-TW" altLang="en-US" sz="2000" dirty="0" smtClean="0">
+                <a:latin typeface="微軟正黑體" pitchFamily="34" charset="-120"/>
+                <a:ea typeface="微軟正黑體" pitchFamily="34" charset="-120"/>
+              </a:rPr>
+              <a:t>權限</a:t>
+            </a:r>
+            <a:r>
+              <a:rPr lang="en-US" altLang="zh-TW" sz="2000" dirty="0" smtClean="0">
+                <a:latin typeface="微軟正黑體" pitchFamily="34" charset="-120"/>
+                <a:ea typeface="微軟正黑體" pitchFamily="34" charset="-120"/>
+              </a:rPr>
+              <a:t/>
+            </a:r>
+            <a:br>
+              <a:rPr lang="en-US" altLang="zh-TW" sz="2000" dirty="0" smtClean="0">
+                <a:latin typeface="微軟正黑體" pitchFamily="34" charset="-120"/>
+                <a:ea typeface="微軟正黑體" pitchFamily="34" charset="-120"/>
+              </a:rPr>
+            </a:br>
+            <a:r>
+              <a:rPr lang="en-US" altLang="zh-TW" sz="1400" dirty="0" smtClean="0">
+                <a:latin typeface="微軟正黑體" pitchFamily="34" charset="-120"/>
+                <a:ea typeface="微軟正黑體" pitchFamily="34" charset="-120"/>
+                <a:hlinkClick r:id="rId4"/>
+              </a:rPr>
+              <a:t>http://localhost:53830/Home/Admin</a:t>
+            </a:r>
+            <a:endParaRPr lang="en-US" altLang="zh-TW" sz="2000" dirty="0" smtClean="0">
+              <a:latin typeface="微軟正黑體" pitchFamily="34" charset="-120"/>
+              <a:ea typeface="微軟正黑體" pitchFamily="34" charset="-120"/>
+            </a:endParaRPr>
+          </a:p>
+          <a:p>
+            <a:r>
+              <a:rPr lang="zh-TW" altLang="en-US" sz="2000" dirty="0" smtClean="0">
+                <a:latin typeface="微軟正黑體" pitchFamily="34" charset="-120"/>
+                <a:ea typeface="微軟正黑體" pitchFamily="34" charset="-120"/>
+              </a:rPr>
+              <a:t>進到</a:t>
+            </a:r>
+            <a:r>
+              <a:rPr lang="en-US" altLang="zh-TW" sz="2000" dirty="0" smtClean="0">
+                <a:latin typeface="微軟正黑體" pitchFamily="34" charset="-120"/>
+                <a:ea typeface="微軟正黑體" pitchFamily="34" charset="-120"/>
+              </a:rPr>
+              <a:t>General, </a:t>
+            </a:r>
+            <a:r>
+              <a:rPr lang="zh-TW" altLang="en-US" sz="2000" dirty="0" smtClean="0">
+                <a:latin typeface="微軟正黑體" pitchFamily="34" charset="-120"/>
+                <a:ea typeface="微軟正黑體" pitchFamily="34" charset="-120"/>
+              </a:rPr>
+              <a:t>需要</a:t>
+            </a:r>
+            <a:r>
+              <a:rPr lang="en-US" altLang="zh-TW" sz="2000" dirty="0" smtClean="0">
+                <a:latin typeface="微軟正黑體" pitchFamily="34" charset="-120"/>
+                <a:ea typeface="微軟正黑體" pitchFamily="34" charset="-120"/>
+              </a:rPr>
+              <a:t>General</a:t>
+            </a:r>
+            <a:r>
+              <a:rPr lang="zh-TW" altLang="en-US" sz="2000" dirty="0" smtClean="0">
+                <a:latin typeface="微軟正黑體" pitchFamily="34" charset="-120"/>
+                <a:ea typeface="微軟正黑體" pitchFamily="34" charset="-120"/>
+              </a:rPr>
+              <a:t>權限</a:t>
+            </a:r>
+            <a:r>
+              <a:rPr lang="en-US" altLang="zh-TW" sz="2000" dirty="0" smtClean="0">
+                <a:latin typeface="微軟正黑體" pitchFamily="34" charset="-120"/>
+                <a:ea typeface="微軟正黑體" pitchFamily="34" charset="-120"/>
+              </a:rPr>
+              <a:t/>
+            </a:r>
+            <a:br>
+              <a:rPr lang="en-US" altLang="zh-TW" sz="2000" dirty="0" smtClean="0">
+                <a:latin typeface="微軟正黑體" pitchFamily="34" charset="-120"/>
+                <a:ea typeface="微軟正黑體" pitchFamily="34" charset="-120"/>
+              </a:rPr>
+            </a:br>
+            <a:r>
+              <a:rPr lang="en-US" altLang="zh-TW" sz="1400" dirty="0" smtClean="0">
+                <a:latin typeface="微軟正黑體" pitchFamily="34" charset="-120"/>
+                <a:ea typeface="微軟正黑體" pitchFamily="34" charset="-120"/>
+                <a:hlinkClick r:id="rId5"/>
+              </a:rPr>
+              <a:t>http://localhost:53830/Home/General</a:t>
+            </a:r>
+            <a:endParaRPr lang="en-US" altLang="zh-TW" sz="2000" dirty="0" smtClean="0">
+              <a:latin typeface="微軟正黑體" pitchFamily="34" charset="-120"/>
+              <a:ea typeface="微軟正黑體" pitchFamily="34" charset="-120"/>
+            </a:endParaRPr>
+          </a:p>
+          <a:p>
+            <a:r>
+              <a:rPr lang="zh-TW" altLang="en-US" sz="2000" dirty="0" smtClean="0">
+                <a:latin typeface="微軟正黑體" pitchFamily="34" charset="-120"/>
+                <a:ea typeface="微軟正黑體" pitchFamily="34" charset="-120"/>
+              </a:rPr>
+              <a:t>進到</a:t>
+            </a:r>
+            <a:r>
+              <a:rPr lang="en-US" altLang="zh-TW" sz="2000" dirty="0" smtClean="0">
+                <a:latin typeface="微軟正黑體" pitchFamily="34" charset="-120"/>
+                <a:ea typeface="微軟正黑體" pitchFamily="34" charset="-120"/>
+              </a:rPr>
+              <a:t>Manage, </a:t>
+            </a:r>
+            <a:r>
+              <a:rPr lang="zh-TW" altLang="en-US" sz="2000" dirty="0" smtClean="0">
+                <a:latin typeface="微軟正黑體" pitchFamily="34" charset="-120"/>
+                <a:ea typeface="微軟正黑體" pitchFamily="34" charset="-120"/>
+              </a:rPr>
+              <a:t>需要</a:t>
+            </a:r>
+            <a:r>
+              <a:rPr lang="en-US" altLang="zh-TW" sz="2000" dirty="0" smtClean="0">
+                <a:latin typeface="微軟正黑體" pitchFamily="34" charset="-120"/>
+                <a:ea typeface="微軟正黑體" pitchFamily="34" charset="-120"/>
+              </a:rPr>
+              <a:t>Admin</a:t>
+            </a:r>
+            <a:r>
+              <a:rPr lang="zh-TW" altLang="en-US" sz="2000" dirty="0" smtClean="0">
+                <a:latin typeface="微軟正黑體" pitchFamily="34" charset="-120"/>
+                <a:ea typeface="微軟正黑體" pitchFamily="34" charset="-120"/>
+              </a:rPr>
+              <a:t>權限</a:t>
+            </a:r>
+            <a:r>
+              <a:rPr lang="en-US" altLang="zh-TW" sz="1400" dirty="0" smtClean="0">
+                <a:latin typeface="微軟正黑體" pitchFamily="34" charset="-120"/>
+                <a:ea typeface="微軟正黑體" pitchFamily="34" charset="-120"/>
+              </a:rPr>
+              <a:t/>
+            </a:r>
+            <a:br>
+              <a:rPr lang="en-US" altLang="zh-TW" sz="1400" dirty="0" smtClean="0">
+                <a:latin typeface="微軟正黑體" pitchFamily="34" charset="-120"/>
+                <a:ea typeface="微軟正黑體" pitchFamily="34" charset="-120"/>
+              </a:rPr>
+            </a:br>
+            <a:r>
+              <a:rPr lang="en-US" altLang="zh-TW" sz="1400" dirty="0" smtClean="0">
+                <a:latin typeface="微軟正黑體" pitchFamily="34" charset="-120"/>
+                <a:ea typeface="微軟正黑體" pitchFamily="34" charset="-120"/>
+                <a:hlinkClick r:id="rId6"/>
+              </a:rPr>
+              <a:t>http://localhost:53830/Manage/Index</a:t>
+            </a:r>
+            <a:endParaRPr lang="en-US" altLang="zh-TW" sz="1400" dirty="0" smtClean="0">
+              <a:latin typeface="微軟正黑體" pitchFamily="34" charset="-120"/>
+              <a:ea typeface="微軟正黑體" pitchFamily="34" charset="-120"/>
+            </a:endParaRPr>
+          </a:p>
+          <a:p>
+            <a:endParaRPr lang="en-US" altLang="zh-TW" sz="1400" dirty="0" smtClean="0">
+              <a:latin typeface="微軟正黑體" pitchFamily="34" charset="-120"/>
+              <a:ea typeface="微軟正黑體" pitchFamily="34" charset="-120"/>
+            </a:endParaRPr>
+          </a:p>
+        </p:txBody>
+      </p:sp>
+      <p:sp>
+        <p:nvSpPr>
+          <p:cNvPr id="4" name="文字方塊 3"/>
           <p:cNvSpPr txBox="1"/>
           <p:nvPr/>
         </p:nvSpPr>
         <p:spPr>
           <a:xfrm>
             <a:off x="251520" y="116632"/>
-            <a:ext cx="6733382" cy="369332"/>
+            <a:ext cx="2262158" cy="369332"/>
           </a:xfrm>
           <a:prstGeom prst="rect">
             <a:avLst/>
@@ -5022,42 +6616,7 @@
                 <a:latin typeface="微軟正黑體" pitchFamily="34" charset="-120"/>
                 <a:ea typeface="微軟正黑體" pitchFamily="34" charset="-120"/>
               </a:rPr>
-              <a:t>如果權限不足的話，會吃</a:t>
-            </a:r>
-            <a:r>
-              <a:rPr lang="en-US" altLang="zh-TW" b="1" dirty="0" err="1" smtClean="0">
-                <a:latin typeface="微軟正黑體" pitchFamily="34" charset="-120"/>
-                <a:ea typeface="微軟正黑體" pitchFamily="34" charset="-120"/>
-              </a:rPr>
-              <a:t>Web.Config</a:t>
-            </a:r>
-            <a:r>
-              <a:rPr lang="zh-TW" altLang="en-US" b="1" dirty="0" smtClean="0">
-                <a:latin typeface="微軟正黑體" pitchFamily="34" charset="-120"/>
-                <a:ea typeface="微軟正黑體" pitchFamily="34" charset="-120"/>
-              </a:rPr>
-              <a:t>配的</a:t>
-            </a:r>
-            <a:r>
-              <a:rPr lang="en-US" altLang="zh-TW" b="1" dirty="0" err="1" smtClean="0">
-                <a:latin typeface="微軟正黑體" pitchFamily="34" charset="-120"/>
-                <a:ea typeface="微軟正黑體" pitchFamily="34" charset="-120"/>
-              </a:rPr>
-              <a:t>LoginUrl</a:t>
-            </a:r>
-            <a:r>
-              <a:rPr lang="en-US" altLang="zh-TW" b="1" dirty="0" smtClean="0">
-                <a:latin typeface="微軟正黑體" pitchFamily="34" charset="-120"/>
-                <a:ea typeface="微軟正黑體" pitchFamily="34" charset="-120"/>
-              </a:rPr>
-              <a:t>, </a:t>
-            </a:r>
-            <a:r>
-              <a:rPr lang="zh-TW" altLang="en-US" b="1" dirty="0" smtClean="0">
-                <a:latin typeface="微軟正黑體" pitchFamily="34" charset="-120"/>
-                <a:ea typeface="微軟正黑體" pitchFamily="34" charset="-120"/>
-              </a:rPr>
-              <a:t>引導轉跳：</a:t>
+              <a:t>如下為開放的畫面：</a:t>
             </a:r>
             <a:endParaRPr lang="zh-TW" altLang="en-US" b="1" dirty="0">
               <a:latin typeface="微軟正黑體" pitchFamily="34" charset="-120"/>
@@ -5068,7 +6627,7 @@
       </p:sp>
       <p:cxnSp>
         <p:nvCxnSpPr>
-          <p:cNvPr id="6" name="直線接點 5"/>
+          <p:cNvPr id="5" name="直線接點 4"/>
           <p:cNvCxnSpPr/>
           <p:nvPr/>
         </p:nvCxnSpPr>
@@ -5122,49 +6681,6 @@
           <a:chExt cx="0" cy="0"/>
         </a:xfrm>
       </p:grpSpPr>
-      <p:sp>
-        <p:nvSpPr>
-          <p:cNvPr id="4" name="文字方塊 3"/>
-          <p:cNvSpPr txBox="1"/>
-          <p:nvPr/>
-        </p:nvSpPr>
-        <p:spPr>
-          <a:xfrm>
-            <a:off x="179512" y="116632"/>
-            <a:ext cx="3312510" cy="369332"/>
-          </a:xfrm>
-          <a:prstGeom prst="rect">
-            <a:avLst/>
-          </a:prstGeom>
-          <a:noFill/>
-        </p:spPr>
-        <p:txBody>
-          <a:bodyPr wrap="none" rtlCol="0">
-            <a:spAutoFit/>
-          </a:bodyPr>
-          <a:lstStyle/>
-          <a:p>
-            <a:r>
-              <a:rPr lang="en-US" altLang="zh-TW" b="1" dirty="0" err="1" smtClean="0">
-                <a:latin typeface="微軟正黑體" pitchFamily="34" charset="-120"/>
-                <a:ea typeface="微軟正黑體" pitchFamily="34" charset="-120"/>
-              </a:rPr>
-              <a:t>DelegateRoleProvider</a:t>
-            </a:r>
-            <a:r>
-              <a:rPr lang="zh-TW" altLang="en-US" b="1" dirty="0" smtClean="0">
-                <a:latin typeface="微軟正黑體" pitchFamily="34" charset="-120"/>
-                <a:ea typeface="微軟正黑體" pitchFamily="34" charset="-120"/>
-              </a:rPr>
-              <a:t>的註冊</a:t>
-            </a:r>
-            <a:endParaRPr lang="zh-TW" altLang="en-US" b="1" dirty="0">
-              <a:latin typeface="微軟正黑體" pitchFamily="34" charset="-120"/>
-              <a:ea typeface="微軟正黑體" pitchFamily="34" charset="-120"/>
-            </a:endParaRPr>
-          </a:p>
-        </p:txBody>
-      </p:sp>
       <p:pic>
         <p:nvPicPr>
           <p:cNvPr id="1026" name="Picture 2"/>
@@ -5182,8 +6698,8 @@
         </p:blipFill>
         <p:spPr bwMode="auto">
           <a:xfrm>
-            <a:off x="251520" y="620688"/>
-            <a:ext cx="6802437" cy="3819525"/>
+            <a:off x="251520" y="548680"/>
+            <a:ext cx="6954837" cy="5534025"/>
           </a:xfrm>
           <a:prstGeom prst="rect">
             <a:avLst/>
@@ -5198,9 +6714,151 @@
           <a:effectLst/>
         </p:spPr>
       </p:pic>
+      <p:pic>
+        <p:nvPicPr>
+          <p:cNvPr id="1027" name="Picture 3"/>
+          <p:cNvPicPr>
+            <a:picLocks noChangeAspect="1" noChangeArrowheads="1"/>
+          </p:cNvPicPr>
+          <p:nvPr/>
+        </p:nvPicPr>
+        <p:blipFill>
+          <a:blip r:embed="rId3" cstate="print"/>
+          <a:srcRect/>
+          <a:stretch>
+            <a:fillRect/>
+          </a:stretch>
+        </p:blipFill>
+        <p:spPr bwMode="auto">
+          <a:xfrm>
+            <a:off x="2817813" y="2943225"/>
+            <a:ext cx="6326187" cy="3914775"/>
+          </a:xfrm>
+          <a:prstGeom prst="rect">
+            <a:avLst/>
+          </a:prstGeom>
+          <a:noFill/>
+          <a:ln w="9525">
+            <a:solidFill>
+              <a:schemeClr val="bg1"/>
+            </a:solidFill>
+            <a:miter lim="800000"/>
+            <a:headEnd/>
+            <a:tailEnd/>
+          </a:ln>
+          <a:effectLst/>
+        </p:spPr>
+      </p:pic>
       <p:cxnSp>
         <p:nvCxnSpPr>
-          <p:cNvPr id="5" name="直線接點 4"/>
+          <p:cNvPr id="7" name="直線單箭頭接點 6"/>
+          <p:cNvCxnSpPr/>
+          <p:nvPr/>
+        </p:nvCxnSpPr>
+        <p:spPr>
+          <a:xfrm>
+            <a:off x="2987824" y="2420888"/>
+            <a:ext cx="936104" cy="2304256"/>
+          </a:xfrm>
+          <a:prstGeom prst="straightConnector1">
+            <a:avLst/>
+          </a:prstGeom>
+          <a:ln w="28575">
+            <a:solidFill>
+              <a:srgbClr val="FF0000"/>
+            </a:solidFill>
+            <a:tailEnd type="arrow"/>
+          </a:ln>
+        </p:spPr>
+        <p:style>
+          <a:lnRef idx="1">
+            <a:schemeClr val="accent1"/>
+          </a:lnRef>
+          <a:fillRef idx="0">
+            <a:schemeClr val="accent1"/>
+          </a:fillRef>
+          <a:effectRef idx="0">
+            <a:schemeClr val="accent1"/>
+          </a:effectRef>
+          <a:fontRef idx="minor">
+            <a:schemeClr val="tx1"/>
+          </a:fontRef>
+        </p:style>
+      </p:cxnSp>
+      <p:sp>
+        <p:nvSpPr>
+          <p:cNvPr id="8" name="文字方塊 7"/>
+          <p:cNvSpPr txBox="1"/>
+          <p:nvPr/>
+        </p:nvSpPr>
+        <p:spPr>
+          <a:xfrm>
+            <a:off x="251520" y="116632"/>
+            <a:ext cx="6733382" cy="369332"/>
+          </a:xfrm>
+          <a:prstGeom prst="rect">
+            <a:avLst/>
+          </a:prstGeom>
+          <a:noFill/>
+        </p:spPr>
+        <p:txBody>
+          <a:bodyPr wrap="none" rtlCol="0">
+            <a:spAutoFit/>
+          </a:bodyPr>
+          <a:lstStyle/>
+          <a:p>
+            <a:r>
+              <a:rPr lang="zh-TW" altLang="en-US" b="1" dirty="0" smtClean="0">
+                <a:latin typeface="微軟正黑體" pitchFamily="34" charset="-120"/>
+                <a:ea typeface="微軟正黑體" pitchFamily="34" charset="-120"/>
+              </a:rPr>
+              <a:t>如果權限不足的話，會吃</a:t>
+            </a:r>
+            <a:r>
+              <a:rPr lang="en-US" altLang="zh-TW" b="1" dirty="0" err="1" smtClean="0">
+                <a:latin typeface="微軟正黑體" pitchFamily="34" charset="-120"/>
+                <a:ea typeface="微軟正黑體" pitchFamily="34" charset="-120"/>
+              </a:rPr>
+              <a:t>Web.Config</a:t>
+            </a:r>
+            <a:r>
+              <a:rPr lang="zh-TW" altLang="en-US" b="1" dirty="0" smtClean="0">
+                <a:latin typeface="微軟正黑體" pitchFamily="34" charset="-120"/>
+                <a:ea typeface="微軟正黑體" pitchFamily="34" charset="-120"/>
+              </a:rPr>
+              <a:t>配的</a:t>
+            </a:r>
+            <a:r>
+              <a:rPr lang="en-US" altLang="zh-TW" b="1" dirty="0" err="1" smtClean="0">
+                <a:latin typeface="微軟正黑體" pitchFamily="34" charset="-120"/>
+                <a:ea typeface="微軟正黑體" pitchFamily="34" charset="-120"/>
+              </a:rPr>
+              <a:t>LoginUrl</a:t>
+            </a:r>
+            <a:r>
+              <a:rPr lang="en-US" altLang="zh-TW" b="1" dirty="0" smtClean="0">
+                <a:latin typeface="微軟正黑體" pitchFamily="34" charset="-120"/>
+                <a:ea typeface="微軟正黑體" pitchFamily="34" charset="-120"/>
+              </a:rPr>
+              <a:t>, </a:t>
+            </a:r>
+            <a:r>
+              <a:rPr lang="zh-TW" altLang="en-US" b="1" dirty="0" smtClean="0">
+                <a:latin typeface="微軟正黑體" pitchFamily="34" charset="-120"/>
+                <a:ea typeface="微軟正黑體" pitchFamily="34" charset="-120"/>
+              </a:rPr>
+              <a:t>引導轉跳：</a:t>
+            </a:r>
+            <a:endParaRPr lang="zh-TW" altLang="en-US" b="1" dirty="0">
+              <a:latin typeface="微軟正黑體" pitchFamily="34" charset="-120"/>
+              <a:ea typeface="微軟正黑體" pitchFamily="34" charset="-120"/>
+            </a:endParaRPr>
+          </a:p>
+        </p:txBody>
+      </p:sp>
+      <p:cxnSp>
+        <p:nvCxnSpPr>
+          <p:cNvPr id="6" name="直線接點 5"/>
           <p:cNvCxnSpPr/>
           <p:nvPr/>
         </p:nvCxnSpPr>
@@ -5254,6 +6912,138 @@
           <a:chExt cx="0" cy="0"/>
         </a:xfrm>
       </p:grpSpPr>
+      <p:sp>
+        <p:nvSpPr>
+          <p:cNvPr id="4" name="文字方塊 3"/>
+          <p:cNvSpPr txBox="1"/>
+          <p:nvPr/>
+        </p:nvSpPr>
+        <p:spPr>
+          <a:xfrm>
+            <a:off x="179512" y="116632"/>
+            <a:ext cx="3312510" cy="369332"/>
+          </a:xfrm>
+          <a:prstGeom prst="rect">
+            <a:avLst/>
+          </a:prstGeom>
+          <a:noFill/>
+        </p:spPr>
+        <p:txBody>
+          <a:bodyPr wrap="none" rtlCol="0">
+            <a:spAutoFit/>
+          </a:bodyPr>
+          <a:lstStyle/>
+          <a:p>
+            <a:r>
+              <a:rPr lang="en-US" altLang="zh-TW" b="1" dirty="0" err="1" smtClean="0">
+                <a:latin typeface="微軟正黑體" pitchFamily="34" charset="-120"/>
+                <a:ea typeface="微軟正黑體" pitchFamily="34" charset="-120"/>
+              </a:rPr>
+              <a:t>DelegateRoleProvider</a:t>
+            </a:r>
+            <a:r>
+              <a:rPr lang="zh-TW" altLang="en-US" b="1" dirty="0" smtClean="0">
+                <a:latin typeface="微軟正黑體" pitchFamily="34" charset="-120"/>
+                <a:ea typeface="微軟正黑體" pitchFamily="34" charset="-120"/>
+              </a:rPr>
+              <a:t>的註冊</a:t>
+            </a:r>
+            <a:endParaRPr lang="zh-TW" altLang="en-US" b="1" dirty="0">
+              <a:latin typeface="微軟正黑體" pitchFamily="34" charset="-120"/>
+              <a:ea typeface="微軟正黑體" pitchFamily="34" charset="-120"/>
+            </a:endParaRPr>
+          </a:p>
+        </p:txBody>
+      </p:sp>
+      <p:pic>
+        <p:nvPicPr>
+          <p:cNvPr id="1026" name="Picture 2"/>
+          <p:cNvPicPr>
+            <a:picLocks noChangeAspect="1" noChangeArrowheads="1"/>
+          </p:cNvPicPr>
+          <p:nvPr/>
+        </p:nvPicPr>
+        <p:blipFill>
+          <a:blip r:embed="rId2" cstate="print"/>
+          <a:srcRect/>
+          <a:stretch>
+            <a:fillRect/>
+          </a:stretch>
+        </p:blipFill>
+        <p:spPr bwMode="auto">
+          <a:xfrm>
+            <a:off x="251520" y="620688"/>
+            <a:ext cx="6802437" cy="3819525"/>
+          </a:xfrm>
+          <a:prstGeom prst="rect">
+            <a:avLst/>
+          </a:prstGeom>
+          <a:noFill/>
+          <a:ln w="9525">
+            <a:noFill/>
+            <a:miter lim="800000"/>
+            <a:headEnd/>
+            <a:tailEnd/>
+          </a:ln>
+          <a:effectLst/>
+        </p:spPr>
+      </p:pic>
+      <p:cxnSp>
+        <p:nvCxnSpPr>
+          <p:cNvPr id="5" name="直線接點 4"/>
+          <p:cNvCxnSpPr/>
+          <p:nvPr/>
+        </p:nvCxnSpPr>
+        <p:spPr>
+          <a:xfrm>
+            <a:off x="0" y="0"/>
+            <a:ext cx="9144000" cy="6858000"/>
+          </a:xfrm>
+          <a:prstGeom prst="line">
+            <a:avLst/>
+          </a:prstGeom>
+          <a:ln w="38100"/>
+        </p:spPr>
+        <p:style>
+          <a:lnRef idx="1">
+            <a:schemeClr val="accent1"/>
+          </a:lnRef>
+          <a:fillRef idx="0">
+            <a:schemeClr val="accent1"/>
+          </a:fillRef>
+          <a:effectRef idx="0">
+            <a:schemeClr val="accent1"/>
+          </a:effectRef>
+          <a:fontRef idx="minor">
+            <a:schemeClr val="tx1"/>
+          </a:fontRef>
+        </p:style>
+      </p:cxnSp>
+    </p:spTree>
+  </p:cSld>
+  <p:clrMapOvr>
+    <a:masterClrMapping/>
+  </p:clrMapOvr>
+</p:sld>
+</file>
+
+<file path=ppt/slides/slide18.xml><?xml version="1.0" encoding="utf-8"?>
+<p:sld xmlns:a="http://schemas.openxmlformats.org/drawingml/2006/main" xmlns:r="http://schemas.openxmlformats.org/officeDocument/2006/relationships" xmlns:p="http://schemas.openxmlformats.org/presentationml/2006/main">
+  <p:cSld>
+    <p:spTree>
+      <p:nvGrpSpPr>
+        <p:cNvPr id="1" name=""/>
+        <p:cNvGrpSpPr/>
+        <p:nvPr/>
+      </p:nvGrpSpPr>
+      <p:grpSpPr>
+        <a:xfrm>
+          <a:off x="0" y="0"/>
+          <a:ext cx="0" cy="0"/>
+          <a:chOff x="0" y="0"/>
+          <a:chExt cx="0" cy="0"/>
+        </a:xfrm>
+      </p:grpSpPr>
       <p:pic>
         <p:nvPicPr>
           <p:cNvPr id="3074" name="Picture 2"/>
@@ -5962,14 +7752,7 @@
                 <a:latin typeface="微軟正黑體" pitchFamily="34" charset="-120"/>
                 <a:ea typeface="微軟正黑體" pitchFamily="34" charset="-120"/>
               </a:rPr>
-              <a:t> </a:t>
-            </a:r>
-            <a:r>
-              <a:rPr lang="en-US" altLang="zh-TW" dirty="0" smtClean="0">
-                <a:latin typeface="微軟正黑體" pitchFamily="34" charset="-120"/>
-                <a:ea typeface="微軟正黑體" pitchFamily="34" charset="-120"/>
-              </a:rPr>
-              <a:t>User</a:t>
+              <a:t> User</a:t>
             </a:r>
             <a:r>
               <a:rPr lang="zh-TW" altLang="en-US" dirty="0" smtClean="0">
@@ -6063,23 +7846,7 @@
                 <a:ea typeface="微軟正黑體" pitchFamily="34" charset="-120"/>
                 <a:hlinkClick r:id="rId2"/>
               </a:rPr>
-              <a:t>http</a:t>
-            </a:r>
-            <a:r>
-              <a:rPr lang="en-US" altLang="zh-TW" sz="1600" dirty="0" smtClean="0">
-                <a:latin typeface="微軟正黑體" pitchFamily="34" charset="-120"/>
-                <a:ea typeface="微軟正黑體" pitchFamily="34" charset="-120"/>
-                <a:hlinkClick r:id="rId2"/>
-              </a:rPr>
-              <a:t>://</a:t>
-            </a:r>
-            <a:r>
-              <a:rPr lang="en-US" altLang="zh-TW" sz="1600" dirty="0" smtClean="0">
-                <a:latin typeface="微軟正黑體" pitchFamily="34" charset="-120"/>
-                <a:ea typeface="微軟正黑體" pitchFamily="34" charset="-120"/>
-                <a:hlinkClick r:id="rId2"/>
-              </a:rPr>
-              <a:t>localhost:53832/home/menu</a:t>
+              <a:t>http://localhost:53832/home/menu</a:t>
             </a:r>
             <a:endParaRPr lang="en-US" altLang="zh-TW" sz="1600" dirty="0" smtClean="0">
               <a:latin typeface="微軟正黑體" pitchFamily="34" charset="-120"/>
@@ -6868,14 +8635,7 @@
                 <a:latin typeface="微軟正黑體" pitchFamily="34" charset="-120"/>
                 <a:ea typeface="微軟正黑體" pitchFamily="34" charset="-120"/>
               </a:rPr>
-              <a:t>採</a:t>
-            </a:r>
-            <a:r>
-              <a:rPr lang="zh-TW" altLang="en-US" dirty="0" smtClean="0">
-                <a:latin typeface="微軟正黑體" pitchFamily="34" charset="-120"/>
-                <a:ea typeface="微軟正黑體" pitchFamily="34" charset="-120"/>
-              </a:rPr>
-              <a:t>到該</a:t>
+              <a:t>採到該</a:t>
             </a:r>
             <a:r>
               <a:rPr lang="en-US" altLang="zh-TW" dirty="0" smtClean="0">
@@ -6909,28 +8669,7 @@
                 <a:latin typeface="微軟正黑體" pitchFamily="34" charset="-120"/>
                 <a:ea typeface="微軟正黑體" pitchFamily="34" charset="-120"/>
               </a:rPr>
-              <a:t>會</a:t>
-            </a:r>
-            <a:r>
-              <a:rPr lang="zh-TW" altLang="en-US" dirty="0" smtClean="0">
-                <a:latin typeface="微軟正黑體" pitchFamily="34" charset="-120"/>
-                <a:ea typeface="微軟正黑體" pitchFamily="34" charset="-120"/>
-              </a:rPr>
-              <a:t>立即</a:t>
-            </a:r>
-            <a:r>
-              <a:rPr lang="zh-TW" altLang="en-US" dirty="0" smtClean="0">
-                <a:latin typeface="微軟正黑體" pitchFamily="34" charset="-120"/>
-                <a:ea typeface="微軟正黑體" pitchFamily="34" charset="-120"/>
-              </a:rPr>
-              <a:t>進</a:t>
-            </a:r>
-            <a:r>
-              <a:rPr lang="zh-TW" altLang="en-US" dirty="0" smtClean="0">
-                <a:latin typeface="微軟正黑體" pitchFamily="34" charset="-120"/>
-                <a:ea typeface="微軟正黑體" pitchFamily="34" charset="-120"/>
-              </a:rPr>
-              <a:t>到身分驗證邏輯，</a:t>
+              <a:t>會立即進到身分驗證邏輯，</a:t>
             </a:r>
             <a:endParaRPr lang="en-US" altLang="zh-TW" dirty="0" smtClean="0">
               <a:latin typeface="微軟正黑體" pitchFamily="34" charset="-120"/>
@@ -6979,1790 +8718,95 @@
       </p:grpSpPr>
       <p:sp>
         <p:nvSpPr>
-          <p:cNvPr id="4" name="矩形 3"/>
-          <p:cNvSpPr/>
+          <p:cNvPr id="2" name="標題 1"/>
+          <p:cNvSpPr>
+            <a:spLocks noGrp="1"/>
+          </p:cNvSpPr>
+          <p:nvPr>
+            <p:ph type="title"/>
+          </p:nvPr>
+        </p:nvSpPr>
+        <p:spPr/>
+        <p:txBody>
+          <a:bodyPr/>
+          <a:lstStyle/>
+          <a:p>
+            <a:r>
+              <a:rPr lang="en-US" altLang="zh-TW" dirty="0" smtClean="0"/>
+              <a:t>RBAC</a:t>
+            </a:r>
+            <a:r>
+              <a:rPr lang="zh-TW" altLang="en-US" dirty="0" smtClean="0"/>
+              <a:t> 後台</a:t>
+            </a:r>
+            <a:endParaRPr lang="zh-TW" altLang="en-US" dirty="0"/>
+          </a:p>
+        </p:txBody>
+      </p:sp>
+      <p:pic>
+        <p:nvPicPr>
+          <p:cNvPr id="1026" name="Picture 2"/>
+          <p:cNvPicPr>
+            <a:picLocks noChangeAspect="1" noChangeArrowheads="1"/>
+          </p:cNvPicPr>
           <p:nvPr/>
-        </p:nvSpPr>
-        <p:spPr>
-          <a:xfrm>
-            <a:off x="755576" y="692696"/>
-            <a:ext cx="2786981" cy="523220"/>
+        </p:nvPicPr>
+        <p:blipFill>
+          <a:blip r:embed="rId2" cstate="print"/>
+          <a:srcRect/>
+          <a:stretch>
+            <a:fillRect/>
+          </a:stretch>
+        </p:blipFill>
+        <p:spPr bwMode="auto">
+          <a:xfrm>
+            <a:off x="1403648" y="1772816"/>
+            <a:ext cx="6126163" cy="2105025"/>
           </a:xfrm>
           <a:prstGeom prst="rect">
             <a:avLst/>
           </a:prstGeom>
-        </p:spPr>
-        <p:txBody>
-          <a:bodyPr wrap="none">
-            <a:spAutoFit/>
-          </a:bodyPr>
-          <a:lstStyle/>
-          <a:p>
-            <a:r>
-              <a:rPr lang="en-US" altLang="zh-TW" sz="2800" b="1" dirty="0" err="1">
-                <a:effectLst>
-                  <a:outerShdw blurRad="38100" dist="38100" dir="2700000" algn="tl">
-                    <a:srgbClr val="000000">
-                      <a:alpha val="43137"/>
-                    </a:srgbClr>
-                  </a:outerShdw>
-                </a:effectLst>
-              </a:rPr>
-              <a:t>Application_Start</a:t>
-            </a:r>
-            <a:endParaRPr lang="zh-TW" altLang="en-US" sz="2800" b="1" dirty="0">
-              <a:effectLst>
-                <a:outerShdw blurRad="38100" dist="38100" dir="2700000" algn="tl">
-                  <a:srgbClr val="000000">
-                    <a:alpha val="43137"/>
-                  </a:srgbClr>
-                </a:outerShdw>
-              </a:effectLst>
-            </a:endParaRPr>
-          </a:p>
-        </p:txBody>
-      </p:sp>
-      <p:sp>
-        <p:nvSpPr>
-          <p:cNvPr id="5" name="矩形 4"/>
-          <p:cNvSpPr/>
-          <p:nvPr/>
-        </p:nvSpPr>
-        <p:spPr>
-          <a:xfrm>
-            <a:off x="971600" y="1196752"/>
-            <a:ext cx="4248472" cy="792088"/>
-          </a:xfrm>
-          <a:prstGeom prst="rect">
-            <a:avLst/>
-          </a:prstGeom>
           <a:noFill/>
-          <a:ln>
-            <a:noFill/>
-          </a:ln>
-        </p:spPr>
-        <p:style>
-          <a:lnRef idx="2">
-            <a:schemeClr val="accent1">
-              <a:shade val="50000"/>
-            </a:schemeClr>
-          </a:lnRef>
-          <a:fillRef idx="1">
-            <a:schemeClr val="accent1"/>
-          </a:fillRef>
-          <a:effectRef idx="0">
-            <a:schemeClr val="accent1"/>
-          </a:effectRef>
-          <a:fontRef idx="minor">
-            <a:schemeClr val="lt1"/>
-          </a:fontRef>
-        </p:style>
-        <p:txBody>
-          <a:bodyPr rtlCol="0" anchor="t"/>
-          <a:lstStyle/>
-          <a:p>
-            <a:pPr marL="228600" indent="-228600">
-              <a:buAutoNum type="arabicPeriod"/>
-            </a:pPr>
-            <a:r>
-              <a:rPr lang="zh-TW" altLang="en-US" sz="1100" b="1" dirty="0" smtClean="0">
-                <a:solidFill>
-                  <a:schemeClr val="tx1"/>
-                </a:solidFill>
-                <a:latin typeface="微軟正黑體" pitchFamily="34" charset="-120"/>
-                <a:ea typeface="微軟正黑體" pitchFamily="34" charset="-120"/>
-              </a:rPr>
-              <a:t>將</a:t>
-            </a:r>
-            <a:r>
-              <a:rPr lang="en-US" altLang="zh-TW" sz="1100" b="1" dirty="0" smtClean="0">
-                <a:solidFill>
-                  <a:schemeClr val="tx1"/>
-                </a:solidFill>
-                <a:latin typeface="微軟正黑體" pitchFamily="34" charset="-120"/>
-                <a:ea typeface="微軟正黑體" pitchFamily="34" charset="-120"/>
-              </a:rPr>
-              <a:t>Role =&gt; Admin, General</a:t>
-            </a:r>
-            <a:r>
-              <a:rPr lang="zh-TW" altLang="en-US" sz="1100" b="1" dirty="0" smtClean="0">
-                <a:solidFill>
-                  <a:schemeClr val="tx1"/>
-                </a:solidFill>
-                <a:latin typeface="微軟正黑體" pitchFamily="34" charset="-120"/>
-                <a:ea typeface="微軟正黑體" pitchFamily="34" charset="-120"/>
-              </a:rPr>
-              <a:t> 寫到 </a:t>
-            </a:r>
-            <a:r>
-              <a:rPr lang="en-US" altLang="zh-TW" sz="1100" b="1" dirty="0" err="1" smtClean="0">
-                <a:solidFill>
-                  <a:schemeClr val="tx1"/>
-                </a:solidFill>
-                <a:latin typeface="微軟正黑體" pitchFamily="34" charset="-120"/>
-                <a:ea typeface="微軟正黑體" pitchFamily="34" charset="-120"/>
-              </a:rPr>
-              <a:t>RBACContext</a:t>
-            </a:r>
-            <a:r>
-              <a:rPr lang="zh-TW" altLang="en-US" sz="1100" b="1" dirty="0" smtClean="0">
-                <a:solidFill>
-                  <a:schemeClr val="tx1"/>
-                </a:solidFill>
-                <a:latin typeface="微軟正黑體" pitchFamily="34" charset="-120"/>
-                <a:ea typeface="微軟正黑體" pitchFamily="34" charset="-120"/>
-              </a:rPr>
-              <a:t> 中</a:t>
-            </a:r>
-            <a:endParaRPr lang="en-US" altLang="zh-TW" sz="1100" b="1" dirty="0" smtClean="0">
-              <a:solidFill>
-                <a:schemeClr val="tx1"/>
-              </a:solidFill>
-              <a:latin typeface="微軟正黑體" pitchFamily="34" charset="-120"/>
-              <a:ea typeface="微軟正黑體" pitchFamily="34" charset="-120"/>
-            </a:endParaRPr>
-          </a:p>
-          <a:p>
-            <a:pPr marL="228600" indent="-228600">
-              <a:buFontTx/>
-              <a:buAutoNum type="arabicPeriod"/>
-            </a:pPr>
-            <a:r>
-              <a:rPr lang="zh-TW" altLang="en-US" sz="1100" b="1" dirty="0" smtClean="0">
-                <a:solidFill>
-                  <a:schemeClr val="tx1"/>
-                </a:solidFill>
-                <a:latin typeface="微軟正黑體" pitchFamily="34" charset="-120"/>
-                <a:ea typeface="微軟正黑體" pitchFamily="34" charset="-120"/>
-              </a:rPr>
-              <a:t>準備好</a:t>
-            </a:r>
-            <a:r>
-              <a:rPr lang="en-US" altLang="zh-TW" sz="1100" b="1" dirty="0" smtClean="0">
-                <a:solidFill>
-                  <a:schemeClr val="tx1"/>
-                </a:solidFill>
-                <a:latin typeface="微軟正黑體" pitchFamily="34" charset="-120"/>
-                <a:ea typeface="微軟正黑體" pitchFamily="34" charset="-120"/>
-              </a:rPr>
-              <a:t>Role</a:t>
-            </a:r>
-            <a:r>
-              <a:rPr lang="zh-TW" altLang="en-US" sz="1100" b="1" dirty="0" smtClean="0">
-                <a:solidFill>
-                  <a:schemeClr val="tx1"/>
-                </a:solidFill>
-                <a:latin typeface="微軟正黑體" pitchFamily="34" charset="-120"/>
-                <a:ea typeface="微軟正黑體" pitchFamily="34" charset="-120"/>
-              </a:rPr>
-              <a:t>查找方法 </a:t>
-            </a:r>
-            <a:r>
-              <a:rPr lang="en-US" altLang="zh-TW" sz="1100" b="1" dirty="0" err="1" smtClean="0">
-                <a:solidFill>
-                  <a:schemeClr val="tx1"/>
-                </a:solidFill>
-                <a:latin typeface="微軟正黑體" pitchFamily="34" charset="-120"/>
-                <a:ea typeface="微軟正黑體" pitchFamily="34" charset="-120"/>
-              </a:rPr>
-              <a:t>DelegeteRoleProvider</a:t>
-            </a:r>
-            <a:endParaRPr lang="en-US" altLang="zh-TW" sz="1100" b="1" dirty="0" smtClean="0">
-              <a:solidFill>
-                <a:schemeClr val="tx1"/>
-              </a:solidFill>
-              <a:latin typeface="微軟正黑體" pitchFamily="34" charset="-120"/>
-              <a:ea typeface="微軟正黑體" pitchFamily="34" charset="-120"/>
-            </a:endParaRPr>
-          </a:p>
-          <a:p>
-            <a:pPr marL="228600" indent="-228600">
-              <a:buFontTx/>
-              <a:buAutoNum type="arabicPeriod"/>
-            </a:pPr>
-            <a:r>
-              <a:rPr lang="zh-TW" altLang="en-US" sz="1100" b="1" dirty="0" smtClean="0">
-                <a:solidFill>
-                  <a:schemeClr val="tx1"/>
-                </a:solidFill>
-                <a:latin typeface="微軟正黑體" pitchFamily="34" charset="-120"/>
-                <a:ea typeface="微軟正黑體" pitchFamily="34" charset="-120"/>
-              </a:rPr>
-              <a:t>註冊 </a:t>
-            </a:r>
-            <a:r>
-              <a:rPr lang="en-US" altLang="zh-TW" sz="1100" b="1" dirty="0" err="1" smtClean="0">
-                <a:solidFill>
-                  <a:schemeClr val="tx1"/>
-                </a:solidFill>
-                <a:latin typeface="微軟正黑體" pitchFamily="34" charset="-120"/>
-                <a:ea typeface="微軟正黑體" pitchFamily="34" charset="-120"/>
-              </a:rPr>
-              <a:t>FilterConfig</a:t>
-            </a:r>
-            <a:r>
-              <a:rPr lang="zh-TW" altLang="en-US" sz="1100" b="1" dirty="0">
-                <a:solidFill>
-                  <a:schemeClr val="tx1"/>
-                </a:solidFill>
-                <a:latin typeface="微軟正黑體" pitchFamily="34" charset="-120"/>
-                <a:ea typeface="微軟正黑體" pitchFamily="34" charset="-120"/>
-              </a:rPr>
-              <a:t> </a:t>
-            </a:r>
-            <a:r>
-              <a:rPr lang="en-US" altLang="zh-TW" sz="1100" b="1" dirty="0" smtClean="0">
-                <a:solidFill>
-                  <a:schemeClr val="tx1"/>
-                </a:solidFill>
-                <a:latin typeface="微軟正黑體" pitchFamily="34" charset="-120"/>
-                <a:ea typeface="微軟正黑體" pitchFamily="34" charset="-120"/>
-              </a:rPr>
-              <a:t>=&gt;</a:t>
-            </a:r>
-            <a:br>
-              <a:rPr lang="en-US" altLang="zh-TW" sz="1100" b="1" dirty="0" smtClean="0">
-                <a:solidFill>
-                  <a:schemeClr val="tx1"/>
-                </a:solidFill>
-                <a:latin typeface="微軟正黑體" pitchFamily="34" charset="-120"/>
-                <a:ea typeface="微軟正黑體" pitchFamily="34" charset="-120"/>
-              </a:rPr>
-            </a:br>
-            <a:r>
-              <a:rPr lang="zh-TW" altLang="en-US" sz="1100" b="1" dirty="0" smtClean="0">
-                <a:solidFill>
-                  <a:schemeClr val="tx1"/>
-                </a:solidFill>
-                <a:latin typeface="微軟正黑體" pitchFamily="34" charset="-120"/>
-                <a:ea typeface="微軟正黑體" pitchFamily="34" charset="-120"/>
-              </a:rPr>
-              <a:t> </a:t>
-            </a:r>
-            <a:r>
-              <a:rPr lang="en-US" altLang="zh-TW" sz="1100" b="1" dirty="0" err="1" smtClean="0">
-                <a:solidFill>
-                  <a:schemeClr val="tx1"/>
-                </a:solidFill>
-                <a:latin typeface="微軟正黑體" pitchFamily="34" charset="-120"/>
-                <a:ea typeface="微軟正黑體" pitchFamily="34" charset="-120"/>
-              </a:rPr>
-              <a:t>HandleErrorAttribute</a:t>
-            </a:r>
-            <a:r>
-              <a:rPr lang="zh-TW" altLang="en-US" sz="1100" b="1" dirty="0" smtClean="0">
-                <a:solidFill>
-                  <a:schemeClr val="tx1"/>
-                </a:solidFill>
-                <a:latin typeface="微軟正黑體" pitchFamily="34" charset="-120"/>
-                <a:ea typeface="微軟正黑體" pitchFamily="34" charset="-120"/>
-              </a:rPr>
-              <a:t>、 </a:t>
-            </a:r>
-            <a:r>
-              <a:rPr lang="en-US" altLang="zh-TW" sz="1100" b="1" dirty="0" err="1" smtClean="0">
-                <a:solidFill>
-                  <a:schemeClr val="tx1"/>
-                </a:solidFill>
-                <a:latin typeface="微軟正黑體" pitchFamily="34" charset="-120"/>
-                <a:ea typeface="微軟正黑體" pitchFamily="34" charset="-120"/>
-              </a:rPr>
-              <a:t>MvcAuthorizeAttribute</a:t>
-            </a:r>
-            <a:endParaRPr lang="zh-TW" altLang="en-US" sz="1100" b="1" dirty="0">
-              <a:solidFill>
-                <a:schemeClr val="tx1"/>
-              </a:solidFill>
-              <a:latin typeface="微軟正黑體" pitchFamily="34" charset="-120"/>
-              <a:ea typeface="微軟正黑體" pitchFamily="34" charset="-120"/>
-            </a:endParaRPr>
-          </a:p>
-        </p:txBody>
-      </p:sp>
-      <p:sp>
-        <p:nvSpPr>
-          <p:cNvPr id="7" name="文字方塊 6"/>
-          <p:cNvSpPr txBox="1"/>
-          <p:nvPr/>
-        </p:nvSpPr>
-        <p:spPr>
-          <a:xfrm>
-            <a:off x="1403648" y="2204864"/>
-            <a:ext cx="2376264" cy="523220"/>
-          </a:xfrm>
-          <a:prstGeom prst="rect">
-            <a:avLst/>
-          </a:prstGeom>
-          <a:noFill/>
-        </p:spPr>
-        <p:txBody>
-          <a:bodyPr wrap="square" rtlCol="0">
-            <a:spAutoFit/>
-          </a:bodyPr>
-          <a:lstStyle/>
-          <a:p>
-            <a:r>
-              <a:rPr lang="en-US" altLang="zh-TW" sz="2800" b="1" dirty="0" smtClean="0">
-                <a:effectLst>
-                  <a:outerShdw blurRad="38100" dist="38100" dir="2700000" algn="tl">
-                    <a:srgbClr val="000000">
-                      <a:alpha val="43137"/>
-                    </a:srgbClr>
-                  </a:outerShdw>
-                </a:effectLst>
-              </a:rPr>
-              <a:t>Request_1</a:t>
-            </a:r>
-            <a:endParaRPr lang="zh-TW" altLang="en-US" sz="2800" b="1" dirty="0">
-              <a:effectLst>
-                <a:outerShdw blurRad="38100" dist="38100" dir="2700000" algn="tl">
-                  <a:srgbClr val="000000">
-                    <a:alpha val="43137"/>
-                  </a:srgbClr>
-                </a:outerShdw>
-              </a:effectLst>
-            </a:endParaRPr>
-          </a:p>
-        </p:txBody>
-      </p:sp>
-      <p:sp>
-        <p:nvSpPr>
-          <p:cNvPr id="8" name="矩形 7"/>
-          <p:cNvSpPr/>
-          <p:nvPr/>
-        </p:nvSpPr>
-        <p:spPr>
-          <a:xfrm>
-            <a:off x="1547664" y="2636912"/>
-            <a:ext cx="4896544" cy="1296144"/>
-          </a:xfrm>
-          <a:prstGeom prst="rect">
-            <a:avLst/>
-          </a:prstGeom>
-          <a:noFill/>
-          <a:ln>
+          <a:ln w="9525">
             <a:solidFill>
               <a:schemeClr val="tx1"/>
             </a:solidFill>
-          </a:ln>
-        </p:spPr>
-        <p:style>
-          <a:lnRef idx="2">
-            <a:schemeClr val="accent1">
-              <a:shade val="50000"/>
-            </a:schemeClr>
-          </a:lnRef>
-          <a:fillRef idx="1">
-            <a:schemeClr val="accent1"/>
-          </a:fillRef>
-          <a:effectRef idx="0">
-            <a:schemeClr val="accent1"/>
-          </a:effectRef>
-          <a:fontRef idx="minor">
-            <a:schemeClr val="lt1"/>
-          </a:fontRef>
-        </p:style>
-        <p:txBody>
-          <a:bodyPr rtlCol="0" anchor="t"/>
-          <a:lstStyle/>
-          <a:p>
-            <a:pPr marL="228600" indent="-228600">
-              <a:buAutoNum type="arabicPeriod"/>
-            </a:pPr>
-            <a:r>
-              <a:rPr lang="zh-TW" altLang="en-US" sz="1100" b="1" dirty="0">
-                <a:solidFill>
-                  <a:schemeClr val="tx1"/>
-                </a:solidFill>
-                <a:latin typeface="微軟正黑體" pitchFamily="34" charset="-120"/>
-                <a:ea typeface="微軟正黑體" pitchFamily="34" charset="-120"/>
-              </a:rPr>
-              <a:t>進</a:t>
-            </a:r>
-            <a:r>
-              <a:rPr lang="zh-TW" altLang="en-US" sz="1100" b="1" dirty="0" smtClean="0">
-                <a:solidFill>
-                  <a:schemeClr val="tx1"/>
-                </a:solidFill>
-                <a:latin typeface="微軟正黑體" pitchFamily="34" charset="-120"/>
-                <a:ea typeface="微軟正黑體" pitchFamily="34" charset="-120"/>
-              </a:rPr>
-              <a:t>到 </a:t>
-            </a:r>
-            <a:r>
-              <a:rPr lang="en-US" altLang="zh-TW" sz="1100" b="1" dirty="0" err="1" smtClean="0">
-                <a:solidFill>
-                  <a:schemeClr val="tx1"/>
-                </a:solidFill>
-                <a:latin typeface="微軟正黑體" pitchFamily="34" charset="-120"/>
-                <a:ea typeface="微軟正黑體" pitchFamily="34" charset="-120"/>
-              </a:rPr>
-              <a:t>MvcAuthorizeAttribute</a:t>
-            </a:r>
-            <a:r>
-              <a:rPr lang="zh-TW" altLang="en-US" sz="1100" b="1" dirty="0" smtClean="0">
-                <a:solidFill>
-                  <a:schemeClr val="tx1"/>
-                </a:solidFill>
-                <a:latin typeface="微軟正黑體" pitchFamily="34" charset="-120"/>
-                <a:ea typeface="微軟正黑體" pitchFamily="34" charset="-120"/>
-              </a:rPr>
-              <a:t>，判斷是否有卡權限</a:t>
-            </a:r>
-            <a:endParaRPr lang="en-US" altLang="zh-TW" sz="1100" b="1" dirty="0" smtClean="0">
-              <a:solidFill>
-                <a:schemeClr val="tx1"/>
-              </a:solidFill>
-              <a:latin typeface="微軟正黑體" pitchFamily="34" charset="-120"/>
-              <a:ea typeface="微軟正黑體" pitchFamily="34" charset="-120"/>
-            </a:endParaRPr>
-          </a:p>
-          <a:p>
-            <a:pPr marL="228600" indent="-228600">
-              <a:buAutoNum type="arabicPeriod"/>
-            </a:pPr>
-            <a:endParaRPr lang="en-US" altLang="zh-TW" sz="1100" b="1" dirty="0">
-              <a:solidFill>
-                <a:schemeClr val="tx1"/>
-              </a:solidFill>
-              <a:latin typeface="微軟正黑體" pitchFamily="34" charset="-120"/>
-              <a:ea typeface="微軟正黑體" pitchFamily="34" charset="-120"/>
-            </a:endParaRPr>
-          </a:p>
-          <a:p>
-            <a:pPr marL="228600" indent="-228600">
-              <a:buFontTx/>
-              <a:buAutoNum type="arabicPeriod"/>
-            </a:pPr>
-            <a:r>
-              <a:rPr lang="zh-TW" altLang="en-US" sz="1100" b="1" dirty="0" smtClean="0">
-                <a:solidFill>
-                  <a:schemeClr val="tx1"/>
-                </a:solidFill>
-                <a:latin typeface="微軟正黑體" pitchFamily="34" charset="-120"/>
-                <a:ea typeface="微軟正黑體" pitchFamily="34" charset="-120"/>
-              </a:rPr>
-              <a:t>權限驗證是否通過</a:t>
-            </a:r>
-            <a:r>
-              <a:rPr lang="en-US" altLang="zh-TW" sz="1100" b="1" dirty="0" smtClean="0">
-                <a:solidFill>
-                  <a:schemeClr val="tx1"/>
-                </a:solidFill>
-                <a:latin typeface="微軟正黑體" pitchFamily="34" charset="-120"/>
-                <a:ea typeface="微軟正黑體" pitchFamily="34" charset="-120"/>
-              </a:rPr>
-              <a:t/>
-            </a:r>
-            <a:br>
-              <a:rPr lang="en-US" altLang="zh-TW" sz="1100" b="1" dirty="0" smtClean="0">
-                <a:solidFill>
-                  <a:schemeClr val="tx1"/>
-                </a:solidFill>
-                <a:latin typeface="微軟正黑體" pitchFamily="34" charset="-120"/>
-                <a:ea typeface="微軟正黑體" pitchFamily="34" charset="-120"/>
-              </a:rPr>
-            </a:br>
-            <a:r>
-              <a:rPr lang="zh-TW" altLang="en-US" sz="1100" b="1" dirty="0" smtClean="0">
-                <a:solidFill>
-                  <a:schemeClr val="tx1"/>
-                </a:solidFill>
-                <a:latin typeface="微軟正黑體" pitchFamily="34" charset="-120"/>
-                <a:ea typeface="微軟正黑體" pitchFamily="34" charset="-120"/>
-              </a:rPr>
-              <a:t>通過：進到</a:t>
-            </a:r>
-            <a:r>
-              <a:rPr lang="en-US" altLang="zh-TW" sz="1100" b="1" dirty="0" smtClean="0">
-                <a:solidFill>
-                  <a:schemeClr val="tx1"/>
-                </a:solidFill>
-                <a:latin typeface="微軟正黑體" pitchFamily="34" charset="-120"/>
-                <a:ea typeface="微軟正黑體" pitchFamily="34" charset="-120"/>
-              </a:rPr>
-              <a:t>Action; </a:t>
-            </a:r>
-            <a:br>
-              <a:rPr lang="en-US" altLang="zh-TW" sz="1100" b="1" dirty="0" smtClean="0">
-                <a:solidFill>
-                  <a:schemeClr val="tx1"/>
-                </a:solidFill>
-                <a:latin typeface="微軟正黑體" pitchFamily="34" charset="-120"/>
-                <a:ea typeface="微軟正黑體" pitchFamily="34" charset="-120"/>
-              </a:rPr>
-            </a:br>
-            <a:r>
-              <a:rPr lang="zh-TW" altLang="en-US" sz="1100" b="1" dirty="0" smtClean="0">
-                <a:solidFill>
-                  <a:schemeClr val="tx1"/>
-                </a:solidFill>
-                <a:latin typeface="微軟正黑體" pitchFamily="34" charset="-120"/>
-                <a:ea typeface="微軟正黑體" pitchFamily="34" charset="-120"/>
-              </a:rPr>
-              <a:t>不通過：轉跳到 </a:t>
-            </a:r>
-            <a:r>
-              <a:rPr lang="en-US" altLang="zh-TW" sz="1100" b="1" dirty="0" smtClean="0">
-                <a:solidFill>
-                  <a:schemeClr val="tx1"/>
-                </a:solidFill>
-                <a:latin typeface="微軟正黑體" pitchFamily="34" charset="-120"/>
-                <a:ea typeface="微軟正黑體" pitchFamily="34" charset="-120"/>
-              </a:rPr>
-              <a:t>/Home/Logoff</a:t>
-            </a:r>
-            <a:r>
-              <a:rPr lang="zh-TW" altLang="en-US" sz="1100" b="1" dirty="0" smtClean="0">
-                <a:solidFill>
-                  <a:schemeClr val="tx1"/>
-                </a:solidFill>
-                <a:latin typeface="微軟正黑體" pitchFamily="34" charset="-120"/>
-                <a:ea typeface="微軟正黑體" pitchFamily="34" charset="-120"/>
-              </a:rPr>
-              <a:t> </a:t>
-            </a:r>
-            <a:r>
-              <a:rPr lang="en-US" altLang="zh-TW" sz="1100" b="1" dirty="0" smtClean="0">
-                <a:solidFill>
-                  <a:schemeClr val="tx1"/>
-                </a:solidFill>
-                <a:latin typeface="微軟正黑體" pitchFamily="34" charset="-120"/>
-                <a:ea typeface="微軟正黑體" pitchFamily="34" charset="-120"/>
-              </a:rPr>
-              <a:t/>
-            </a:r>
-            <a:br>
-              <a:rPr lang="en-US" altLang="zh-TW" sz="1100" b="1" dirty="0" smtClean="0">
-                <a:solidFill>
-                  <a:schemeClr val="tx1"/>
-                </a:solidFill>
-                <a:latin typeface="微軟正黑體" pitchFamily="34" charset="-120"/>
-                <a:ea typeface="微軟正黑體" pitchFamily="34" charset="-120"/>
-              </a:rPr>
-            </a:br>
-            <a:r>
-              <a:rPr lang="en-US" altLang="zh-TW" sz="1100" b="1" dirty="0" smtClean="0">
-                <a:solidFill>
-                  <a:schemeClr val="tx1"/>
-                </a:solidFill>
-                <a:latin typeface="微軟正黑體" pitchFamily="34" charset="-120"/>
-                <a:ea typeface="微軟正黑體" pitchFamily="34" charset="-120"/>
-              </a:rPr>
-              <a:t>(</a:t>
-            </a:r>
-            <a:r>
-              <a:rPr lang="zh-TW" altLang="en-US" sz="1100" b="1" dirty="0" smtClean="0">
-                <a:solidFill>
-                  <a:schemeClr val="tx1"/>
-                </a:solidFill>
-                <a:latin typeface="微軟正黑體" pitchFamily="34" charset="-120"/>
-                <a:ea typeface="微軟正黑體" pitchFamily="34" charset="-120"/>
-              </a:rPr>
-              <a:t>依據 </a:t>
-            </a:r>
-            <a:r>
-              <a:rPr lang="en-US" altLang="zh-TW" sz="1100" b="1" dirty="0" err="1" smtClean="0">
-                <a:solidFill>
-                  <a:schemeClr val="tx1"/>
-                </a:solidFill>
-                <a:latin typeface="微軟正黑體" pitchFamily="34" charset="-120"/>
-                <a:ea typeface="微軟正黑體" pitchFamily="34" charset="-120"/>
-              </a:rPr>
-              <a:t>Web.config</a:t>
-            </a:r>
-            <a:r>
-              <a:rPr lang="en-US" altLang="zh-TW" sz="1100" b="1" dirty="0" smtClean="0">
-                <a:solidFill>
-                  <a:schemeClr val="tx1"/>
-                </a:solidFill>
-                <a:latin typeface="微軟正黑體" pitchFamily="34" charset="-120"/>
-                <a:ea typeface="微軟正黑體" pitchFamily="34" charset="-120"/>
-              </a:rPr>
-              <a:t> -&gt; </a:t>
-            </a:r>
-            <a:r>
-              <a:rPr lang="en-US" altLang="zh-TW" sz="1100" b="1" dirty="0" err="1" smtClean="0">
-                <a:solidFill>
-                  <a:schemeClr val="tx1"/>
-                </a:solidFill>
-                <a:latin typeface="微軟正黑體" pitchFamily="34" charset="-120"/>
-                <a:ea typeface="微軟正黑體" pitchFamily="34" charset="-120"/>
-              </a:rPr>
-              <a:t>httpRuntime</a:t>
-            </a:r>
-            <a:r>
-              <a:rPr lang="en-US" altLang="zh-TW" sz="1100" b="1" dirty="0" smtClean="0">
-                <a:solidFill>
-                  <a:schemeClr val="tx1"/>
-                </a:solidFill>
-                <a:latin typeface="微軟正黑體" pitchFamily="34" charset="-120"/>
-                <a:ea typeface="微軟正黑體" pitchFamily="34" charset="-120"/>
-              </a:rPr>
-              <a:t> -&gt; </a:t>
-            </a:r>
-            <a:r>
-              <a:rPr lang="en-US" altLang="zh-TW" sz="1100" b="1" dirty="0" err="1" smtClean="0">
-                <a:solidFill>
-                  <a:schemeClr val="tx1"/>
-                </a:solidFill>
-                <a:latin typeface="微軟正黑體" pitchFamily="34" charset="-120"/>
-                <a:ea typeface="微軟正黑體" pitchFamily="34" charset="-120"/>
-              </a:rPr>
-              <a:t>forms’s</a:t>
-            </a:r>
-            <a:r>
-              <a:rPr lang="en-US" altLang="zh-TW" sz="1100" b="1" dirty="0" smtClean="0">
-                <a:solidFill>
-                  <a:schemeClr val="tx1"/>
-                </a:solidFill>
-                <a:latin typeface="微軟正黑體" pitchFamily="34" charset="-120"/>
-                <a:ea typeface="微軟正黑體" pitchFamily="34" charset="-120"/>
-              </a:rPr>
-              <a:t> </a:t>
-            </a:r>
-            <a:r>
-              <a:rPr lang="en-US" altLang="zh-TW" sz="1100" b="1" dirty="0" err="1" smtClean="0">
-                <a:solidFill>
-                  <a:schemeClr val="tx1"/>
-                </a:solidFill>
-                <a:latin typeface="微軟正黑體" pitchFamily="34" charset="-120"/>
-                <a:ea typeface="微軟正黑體" pitchFamily="34" charset="-120"/>
-              </a:rPr>
-              <a:t>LoginUrl</a:t>
-            </a:r>
-            <a:r>
-              <a:rPr lang="en-US" altLang="zh-TW" sz="1100" b="1" dirty="0" smtClean="0">
-                <a:solidFill>
-                  <a:schemeClr val="tx1"/>
-                </a:solidFill>
-                <a:latin typeface="微軟正黑體" pitchFamily="34" charset="-120"/>
-                <a:ea typeface="微軟正黑體" pitchFamily="34" charset="-120"/>
-              </a:rPr>
-              <a:t>)</a:t>
-            </a:r>
-            <a:endParaRPr lang="zh-TW" altLang="en-US" sz="1100" b="1" dirty="0">
-              <a:solidFill>
-                <a:schemeClr val="tx1"/>
-              </a:solidFill>
-              <a:latin typeface="微軟正黑體" pitchFamily="34" charset="-120"/>
-              <a:ea typeface="微軟正黑體" pitchFamily="34" charset="-120"/>
-            </a:endParaRPr>
-          </a:p>
-        </p:txBody>
-      </p:sp>
-      <p:sp>
-        <p:nvSpPr>
-          <p:cNvPr id="10" name="矩形 9"/>
-          <p:cNvSpPr/>
-          <p:nvPr/>
-        </p:nvSpPr>
-        <p:spPr>
-          <a:xfrm>
-            <a:off x="611560" y="404664"/>
-            <a:ext cx="4248472" cy="1728192"/>
-          </a:xfrm>
-          <a:prstGeom prst="rect">
-            <a:avLst/>
-          </a:prstGeom>
-          <a:noFill/>
-          <a:ln>
-            <a:solidFill>
-              <a:schemeClr val="tx1"/>
-            </a:solidFill>
-          </a:ln>
-        </p:spPr>
-        <p:style>
-          <a:lnRef idx="2">
-            <a:schemeClr val="accent1">
-              <a:shade val="50000"/>
-            </a:schemeClr>
-          </a:lnRef>
-          <a:fillRef idx="1">
-            <a:schemeClr val="accent1"/>
-          </a:fillRef>
-          <a:effectRef idx="0">
-            <a:schemeClr val="accent1"/>
-          </a:effectRef>
-          <a:fontRef idx="minor">
-            <a:schemeClr val="lt1"/>
-          </a:fontRef>
-        </p:style>
-        <p:txBody>
-          <a:bodyPr rtlCol="0" anchor="ctr"/>
-          <a:lstStyle/>
-          <a:p>
-            <a:pPr algn="ctr"/>
-            <a:endParaRPr lang="zh-TW" altLang="en-US"/>
-          </a:p>
-        </p:txBody>
-      </p:sp>
-      <p:sp>
-        <p:nvSpPr>
-          <p:cNvPr id="9" name="矩形 8"/>
-          <p:cNvSpPr/>
-          <p:nvPr/>
-        </p:nvSpPr>
-        <p:spPr>
-          <a:xfrm>
-            <a:off x="179512" y="116632"/>
-            <a:ext cx="1909369" cy="523220"/>
-          </a:xfrm>
-          <a:prstGeom prst="rect">
-            <a:avLst/>
-          </a:prstGeom>
-          <a:solidFill>
-            <a:schemeClr val="bg1"/>
-          </a:solidFill>
-          <a:ln>
-            <a:solidFill>
-              <a:schemeClr val="tx1"/>
-            </a:solidFill>
-          </a:ln>
-        </p:spPr>
-        <p:txBody>
-          <a:bodyPr wrap="none">
-            <a:spAutoFit/>
-          </a:bodyPr>
-          <a:lstStyle/>
-          <a:p>
-            <a:r>
-              <a:rPr lang="en-US" altLang="zh-TW" sz="2800" b="1" dirty="0" err="1" smtClean="0">
-                <a:effectLst>
-                  <a:outerShdw blurRad="38100" dist="38100" dir="2700000" algn="tl">
-                    <a:srgbClr val="000000">
-                      <a:alpha val="43137"/>
-                    </a:srgbClr>
-                  </a:outerShdw>
-                </a:effectLst>
-              </a:rPr>
-              <a:t>Global.asax</a:t>
-            </a:r>
-            <a:endParaRPr lang="zh-TW" altLang="en-US" sz="2800" b="1" dirty="0">
-              <a:effectLst>
-                <a:outerShdw blurRad="38100" dist="38100" dir="2700000" algn="tl">
-                  <a:srgbClr val="000000">
-                    <a:alpha val="43137"/>
-                  </a:srgbClr>
-                </a:outerShdw>
-              </a:effectLst>
-            </a:endParaRPr>
-          </a:p>
-        </p:txBody>
-      </p:sp>
-      <p:cxnSp>
-        <p:nvCxnSpPr>
-          <p:cNvPr id="12" name="直線接點 11"/>
-          <p:cNvCxnSpPr/>
-          <p:nvPr/>
-        </p:nvCxnSpPr>
-        <p:spPr>
-          <a:xfrm>
-            <a:off x="971600" y="2132856"/>
-            <a:ext cx="0" cy="3240360"/>
-          </a:xfrm>
-          <a:prstGeom prst="line">
-            <a:avLst/>
-          </a:prstGeom>
-          <a:ln w="19050">
-            <a:solidFill>
-              <a:schemeClr val="tx1"/>
-            </a:solidFill>
-          </a:ln>
-        </p:spPr>
-        <p:style>
-          <a:lnRef idx="1">
-            <a:schemeClr val="accent1"/>
-          </a:lnRef>
-          <a:fillRef idx="0">
-            <a:schemeClr val="accent1"/>
-          </a:fillRef>
-          <a:effectRef idx="0">
-            <a:schemeClr val="accent1"/>
-          </a:effectRef>
-          <a:fontRef idx="minor">
-            <a:schemeClr val="tx1"/>
-          </a:fontRef>
-        </p:style>
-      </p:cxnSp>
-      <p:cxnSp>
-        <p:nvCxnSpPr>
-          <p:cNvPr id="13" name="直線接點 12"/>
-          <p:cNvCxnSpPr/>
-          <p:nvPr/>
-        </p:nvCxnSpPr>
-        <p:spPr>
-          <a:xfrm flipH="1">
-            <a:off x="971600" y="2492896"/>
-            <a:ext cx="648072" cy="0"/>
-          </a:xfrm>
-          <a:prstGeom prst="line">
-            <a:avLst/>
-          </a:prstGeom>
-          <a:ln w="19050">
-            <a:solidFill>
-              <a:schemeClr val="tx1"/>
-            </a:solidFill>
-          </a:ln>
-        </p:spPr>
-        <p:style>
-          <a:lnRef idx="1">
-            <a:schemeClr val="accent1"/>
-          </a:lnRef>
-          <a:fillRef idx="0">
-            <a:schemeClr val="accent1"/>
-          </a:fillRef>
-          <a:effectRef idx="0">
-            <a:schemeClr val="accent1"/>
-          </a:effectRef>
-          <a:fontRef idx="minor">
-            <a:schemeClr val="tx1"/>
-          </a:fontRef>
-        </p:style>
-      </p:cxnSp>
-      <p:sp>
-        <p:nvSpPr>
-          <p:cNvPr id="23" name="文字方塊 22"/>
-          <p:cNvSpPr txBox="1"/>
-          <p:nvPr/>
-        </p:nvSpPr>
-        <p:spPr>
-          <a:xfrm>
-            <a:off x="1403648" y="4221088"/>
-            <a:ext cx="2376264" cy="523220"/>
-          </a:xfrm>
-          <a:prstGeom prst="rect">
-            <a:avLst/>
-          </a:prstGeom>
-          <a:noFill/>
-        </p:spPr>
-        <p:txBody>
-          <a:bodyPr wrap="square" rtlCol="0">
-            <a:spAutoFit/>
-          </a:bodyPr>
-          <a:lstStyle/>
-          <a:p>
-            <a:r>
-              <a:rPr lang="en-US" altLang="zh-TW" sz="2800" b="1" dirty="0" err="1" smtClean="0">
-                <a:effectLst>
-                  <a:outerShdw blurRad="38100" dist="38100" dir="2700000" algn="tl">
-                    <a:srgbClr val="000000">
-                      <a:alpha val="43137"/>
-                    </a:srgbClr>
-                  </a:outerShdw>
-                </a:effectLst>
-              </a:rPr>
-              <a:t>Request_N</a:t>
-            </a:r>
-            <a:endParaRPr lang="zh-TW" altLang="en-US" sz="2800" b="1" dirty="0">
-              <a:effectLst>
-                <a:outerShdw blurRad="38100" dist="38100" dir="2700000" algn="tl">
-                  <a:srgbClr val="000000">
-                    <a:alpha val="43137"/>
-                  </a:srgbClr>
-                </a:outerShdw>
-              </a:effectLst>
-            </a:endParaRPr>
-          </a:p>
-        </p:txBody>
-      </p:sp>
-      <p:cxnSp>
-        <p:nvCxnSpPr>
-          <p:cNvPr id="24" name="直線接點 23"/>
-          <p:cNvCxnSpPr/>
-          <p:nvPr/>
-        </p:nvCxnSpPr>
-        <p:spPr>
-          <a:xfrm flipH="1">
-            <a:off x="971600" y="4509120"/>
-            <a:ext cx="648072" cy="0"/>
-          </a:xfrm>
-          <a:prstGeom prst="line">
-            <a:avLst/>
-          </a:prstGeom>
-          <a:ln w="19050">
-            <a:solidFill>
-              <a:schemeClr val="tx1"/>
-            </a:solidFill>
-          </a:ln>
-        </p:spPr>
-        <p:style>
-          <a:lnRef idx="1">
-            <a:schemeClr val="accent1"/>
-          </a:lnRef>
-          <a:fillRef idx="0">
-            <a:schemeClr val="accent1"/>
-          </a:fillRef>
-          <a:effectRef idx="0">
-            <a:schemeClr val="accent1"/>
-          </a:effectRef>
-          <a:fontRef idx="minor">
-            <a:schemeClr val="tx1"/>
-          </a:fontRef>
-        </p:style>
-      </p:cxnSp>
-      <p:sp>
-        <p:nvSpPr>
-          <p:cNvPr id="25" name="矩形 24"/>
-          <p:cNvSpPr/>
-          <p:nvPr/>
-        </p:nvSpPr>
-        <p:spPr>
-          <a:xfrm>
-            <a:off x="755576" y="5517232"/>
-            <a:ext cx="2623795" cy="523220"/>
-          </a:xfrm>
-          <a:prstGeom prst="rect">
-            <a:avLst/>
-          </a:prstGeom>
-        </p:spPr>
-        <p:txBody>
-          <a:bodyPr wrap="none">
-            <a:spAutoFit/>
-          </a:bodyPr>
-          <a:lstStyle/>
-          <a:p>
-            <a:r>
-              <a:rPr lang="en-US" altLang="zh-TW" sz="2800" b="1" dirty="0" err="1" smtClean="0">
-                <a:effectLst>
-                  <a:outerShdw blurRad="38100" dist="38100" dir="2700000" algn="tl">
-                    <a:srgbClr val="000000">
-                      <a:alpha val="43137"/>
-                    </a:srgbClr>
-                  </a:outerShdw>
-                </a:effectLst>
-              </a:rPr>
-              <a:t>Application_End</a:t>
-            </a:r>
-            <a:endParaRPr lang="zh-TW" altLang="en-US" sz="2800" b="1" dirty="0">
-              <a:effectLst>
-                <a:outerShdw blurRad="38100" dist="38100" dir="2700000" algn="tl">
-                  <a:srgbClr val="000000">
-                    <a:alpha val="43137"/>
-                  </a:srgbClr>
-                </a:outerShdw>
-              </a:effectLst>
-            </a:endParaRPr>
-          </a:p>
-        </p:txBody>
-      </p:sp>
-      <p:sp>
-        <p:nvSpPr>
-          <p:cNvPr id="26" name="矩形 25"/>
-          <p:cNvSpPr/>
-          <p:nvPr/>
-        </p:nvSpPr>
-        <p:spPr>
-          <a:xfrm>
-            <a:off x="611560" y="5373216"/>
-            <a:ext cx="4248472" cy="1296144"/>
-          </a:xfrm>
-          <a:prstGeom prst="rect">
-            <a:avLst/>
-          </a:prstGeom>
-          <a:noFill/>
-          <a:ln>
-            <a:solidFill>
-              <a:schemeClr val="tx1"/>
-            </a:solidFill>
-          </a:ln>
-        </p:spPr>
-        <p:style>
-          <a:lnRef idx="2">
-            <a:schemeClr val="accent1">
-              <a:shade val="50000"/>
-            </a:schemeClr>
-          </a:lnRef>
-          <a:fillRef idx="1">
-            <a:schemeClr val="accent1"/>
-          </a:fillRef>
-          <a:effectRef idx="0">
-            <a:schemeClr val="accent1"/>
-          </a:effectRef>
-          <a:fontRef idx="minor">
-            <a:schemeClr val="lt1"/>
-          </a:fontRef>
-        </p:style>
-        <p:txBody>
-          <a:bodyPr rtlCol="0" anchor="ctr"/>
-          <a:lstStyle/>
-          <a:p>
-            <a:pPr algn="ctr"/>
-            <a:endParaRPr lang="zh-TW" altLang="en-US"/>
-          </a:p>
-        </p:txBody>
-      </p:sp>
-      <p:sp>
-        <p:nvSpPr>
-          <p:cNvPr id="29" name="矩形 28"/>
-          <p:cNvSpPr/>
-          <p:nvPr/>
-        </p:nvSpPr>
-        <p:spPr>
-          <a:xfrm>
-            <a:off x="5292080" y="404664"/>
-            <a:ext cx="3096344" cy="288032"/>
-          </a:xfrm>
-          <a:prstGeom prst="rect">
-            <a:avLst/>
-          </a:prstGeom>
-          <a:noFill/>
-          <a:ln>
-            <a:solidFill>
-              <a:schemeClr val="tx1"/>
-            </a:solidFill>
-          </a:ln>
-        </p:spPr>
-        <p:style>
-          <a:lnRef idx="2">
-            <a:schemeClr val="accent1">
-              <a:shade val="50000"/>
-            </a:schemeClr>
-          </a:lnRef>
-          <a:fillRef idx="1">
-            <a:schemeClr val="accent1"/>
-          </a:fillRef>
-          <a:effectRef idx="0">
-            <a:schemeClr val="accent1"/>
-          </a:effectRef>
-          <a:fontRef idx="minor">
-            <a:schemeClr val="lt1"/>
-          </a:fontRef>
-        </p:style>
-        <p:txBody>
-          <a:bodyPr rtlCol="0" anchor="t"/>
-          <a:lstStyle/>
-          <a:p>
-            <a:pPr marL="228600" indent="-228600"/>
-            <a:r>
-              <a:rPr lang="en-US" altLang="zh-TW" sz="1100" b="1" dirty="0" err="1" smtClean="0">
-                <a:solidFill>
-                  <a:schemeClr val="tx1"/>
-                </a:solidFill>
-                <a:latin typeface="微軟正黑體" pitchFamily="34" charset="-120"/>
-                <a:ea typeface="微軟正黑體" pitchFamily="34" charset="-120"/>
-              </a:rPr>
-              <a:t>DelegeteRoleProvider.cs</a:t>
-            </a:r>
-            <a:r>
-              <a:rPr lang="en-US" altLang="zh-TW" sz="1100" b="1" dirty="0" smtClean="0">
-                <a:solidFill>
-                  <a:schemeClr val="tx1"/>
-                </a:solidFill>
-                <a:latin typeface="微軟正黑體" pitchFamily="34" charset="-120"/>
-                <a:ea typeface="微軟正黑體" pitchFamily="34" charset="-120"/>
-              </a:rPr>
-              <a:t> </a:t>
-            </a:r>
-            <a:r>
-              <a:rPr lang="zh-TW" altLang="en-US" sz="1100" b="1" dirty="0" smtClean="0">
-                <a:solidFill>
-                  <a:schemeClr val="tx1"/>
-                </a:solidFill>
-                <a:latin typeface="微軟正黑體" pitchFamily="34" charset="-120"/>
-                <a:ea typeface="微軟正黑體" pitchFamily="34" charset="-120"/>
-              </a:rPr>
-              <a:t>繼承</a:t>
-            </a:r>
-            <a:r>
-              <a:rPr lang="en-US" altLang="zh-TW" sz="1100" b="1" dirty="0" smtClean="0">
-                <a:solidFill>
-                  <a:schemeClr val="tx1"/>
-                </a:solidFill>
-                <a:latin typeface="微軟正黑體" pitchFamily="34" charset="-120"/>
-                <a:ea typeface="微軟正黑體" pitchFamily="34" charset="-120"/>
-              </a:rPr>
-              <a:t> </a:t>
-            </a:r>
-            <a:r>
-              <a:rPr lang="en-US" altLang="zh-TW" sz="1100" b="1" dirty="0" err="1" smtClean="0">
-                <a:solidFill>
-                  <a:schemeClr val="tx1"/>
-                </a:solidFill>
-                <a:latin typeface="微軟正黑體" pitchFamily="34" charset="-120"/>
-                <a:ea typeface="微軟正黑體" pitchFamily="34" charset="-120"/>
-              </a:rPr>
-              <a:t>RoleProvide</a:t>
-            </a:r>
-            <a:endParaRPr lang="zh-TW" altLang="en-US" sz="1100" b="1" dirty="0">
-              <a:solidFill>
-                <a:schemeClr val="tx1"/>
-              </a:solidFill>
-              <a:latin typeface="微軟正黑體" pitchFamily="34" charset="-120"/>
-              <a:ea typeface="微軟正黑體" pitchFamily="34" charset="-120"/>
-            </a:endParaRPr>
-          </a:p>
-        </p:txBody>
-      </p:sp>
-      <p:cxnSp>
-        <p:nvCxnSpPr>
-          <p:cNvPr id="30" name="直線接點 29"/>
-          <p:cNvCxnSpPr/>
-          <p:nvPr/>
-        </p:nvCxnSpPr>
-        <p:spPr>
-          <a:xfrm flipH="1">
-            <a:off x="4860032" y="548680"/>
-            <a:ext cx="432048" cy="0"/>
-          </a:xfrm>
-          <a:prstGeom prst="line">
-            <a:avLst/>
-          </a:prstGeom>
-          <a:ln w="19050">
-            <a:solidFill>
-              <a:schemeClr val="tx1"/>
-            </a:solidFill>
-          </a:ln>
-        </p:spPr>
-        <p:style>
-          <a:lnRef idx="1">
-            <a:schemeClr val="accent1"/>
-          </a:lnRef>
-          <a:fillRef idx="0">
-            <a:schemeClr val="accent1"/>
-          </a:fillRef>
-          <a:effectRef idx="0">
-            <a:schemeClr val="accent1"/>
-          </a:effectRef>
-          <a:fontRef idx="minor">
-            <a:schemeClr val="tx1"/>
-          </a:fontRef>
-        </p:style>
-      </p:cxnSp>
-      <p:sp>
-        <p:nvSpPr>
-          <p:cNvPr id="32" name="矩形 31"/>
-          <p:cNvSpPr/>
-          <p:nvPr/>
-        </p:nvSpPr>
-        <p:spPr>
-          <a:xfrm>
-            <a:off x="5292080" y="764704"/>
-            <a:ext cx="3168352" cy="288032"/>
-          </a:xfrm>
-          <a:prstGeom prst="rect">
-            <a:avLst/>
-          </a:prstGeom>
-          <a:noFill/>
-          <a:ln>
-            <a:solidFill>
-              <a:schemeClr val="tx1"/>
-            </a:solidFill>
-          </a:ln>
-        </p:spPr>
-        <p:style>
-          <a:lnRef idx="2">
-            <a:schemeClr val="accent1">
-              <a:shade val="50000"/>
-            </a:schemeClr>
-          </a:lnRef>
-          <a:fillRef idx="1">
-            <a:schemeClr val="accent1"/>
-          </a:fillRef>
-          <a:effectRef idx="0">
-            <a:schemeClr val="accent1"/>
-          </a:effectRef>
-          <a:fontRef idx="minor">
-            <a:schemeClr val="lt1"/>
-          </a:fontRef>
-        </p:style>
-        <p:txBody>
-          <a:bodyPr rtlCol="0" anchor="t"/>
-          <a:lstStyle/>
-          <a:p>
-            <a:pPr marL="228600" indent="-228600"/>
-            <a:r>
-              <a:rPr lang="en-US" altLang="zh-TW" sz="1100" b="1" dirty="0" err="1" smtClean="0">
-                <a:solidFill>
-                  <a:schemeClr val="tx1"/>
-                </a:solidFill>
-                <a:latin typeface="微軟正黑體" pitchFamily="34" charset="-120"/>
-                <a:ea typeface="微軟正黑體" pitchFamily="34" charset="-120"/>
-              </a:rPr>
-              <a:t>RBACContext.cs</a:t>
-            </a:r>
-            <a:r>
-              <a:rPr lang="zh-TW" altLang="en-US" sz="1100" b="1" dirty="0" smtClean="0">
-                <a:solidFill>
-                  <a:schemeClr val="tx1"/>
-                </a:solidFill>
-                <a:latin typeface="微軟正黑體" pitchFamily="34" charset="-120"/>
-                <a:ea typeface="微軟正黑體" pitchFamily="34" charset="-120"/>
-              </a:rPr>
-              <a:t> </a:t>
-            </a:r>
-            <a:r>
-              <a:rPr lang="en-US" altLang="zh-TW" sz="1100" b="1" dirty="0" smtClean="0">
-                <a:solidFill>
-                  <a:schemeClr val="tx1"/>
-                </a:solidFill>
-                <a:latin typeface="微軟正黑體" pitchFamily="34" charset="-120"/>
-                <a:ea typeface="微軟正黑體" pitchFamily="34" charset="-120"/>
-              </a:rPr>
-              <a:t>(</a:t>
-            </a:r>
-            <a:r>
-              <a:rPr lang="zh-TW" altLang="en-US" sz="1100" b="1" dirty="0" smtClean="0">
-                <a:solidFill>
-                  <a:schemeClr val="tx1"/>
-                </a:solidFill>
-                <a:latin typeface="微軟正黑體" pitchFamily="34" charset="-120"/>
-                <a:ea typeface="微軟正黑體" pitchFamily="34" charset="-120"/>
-              </a:rPr>
-              <a:t>線程層級的</a:t>
-            </a:r>
-            <a:r>
-              <a:rPr lang="en-US" altLang="zh-TW" sz="1100" b="1" dirty="0" smtClean="0">
-                <a:solidFill>
-                  <a:schemeClr val="tx1"/>
-                </a:solidFill>
-                <a:latin typeface="微軟正黑體" pitchFamily="34" charset="-120"/>
-                <a:ea typeface="微軟正黑體" pitchFamily="34" charset="-120"/>
-              </a:rPr>
-              <a:t>User)</a:t>
-            </a:r>
-            <a:endParaRPr lang="zh-TW" altLang="en-US" sz="1100" b="1" dirty="0">
-              <a:solidFill>
-                <a:schemeClr val="tx1"/>
-              </a:solidFill>
-              <a:latin typeface="微軟正黑體" pitchFamily="34" charset="-120"/>
-              <a:ea typeface="微軟正黑體" pitchFamily="34" charset="-120"/>
-            </a:endParaRPr>
-          </a:p>
-        </p:txBody>
-      </p:sp>
-      <p:cxnSp>
-        <p:nvCxnSpPr>
-          <p:cNvPr id="33" name="直線接點 32"/>
-          <p:cNvCxnSpPr/>
-          <p:nvPr/>
-        </p:nvCxnSpPr>
-        <p:spPr>
-          <a:xfrm flipH="1">
-            <a:off x="4860032" y="908720"/>
-            <a:ext cx="432048" cy="0"/>
-          </a:xfrm>
-          <a:prstGeom prst="line">
-            <a:avLst/>
-          </a:prstGeom>
-          <a:ln w="19050">
-            <a:solidFill>
-              <a:schemeClr val="tx1"/>
-            </a:solidFill>
-          </a:ln>
-        </p:spPr>
-        <p:style>
-          <a:lnRef idx="1">
-            <a:schemeClr val="accent1"/>
-          </a:lnRef>
-          <a:fillRef idx="0">
-            <a:schemeClr val="accent1"/>
-          </a:fillRef>
-          <a:effectRef idx="0">
-            <a:schemeClr val="accent1"/>
-          </a:effectRef>
-          <a:fontRef idx="minor">
-            <a:schemeClr val="tx1"/>
-          </a:fontRef>
-        </p:style>
-      </p:cxnSp>
-      <p:sp>
-        <p:nvSpPr>
-          <p:cNvPr id="34" name="矩形 33"/>
-          <p:cNvSpPr/>
-          <p:nvPr/>
-        </p:nvSpPr>
-        <p:spPr>
-          <a:xfrm>
-            <a:off x="5292080" y="1484784"/>
-            <a:ext cx="3168352" cy="504056"/>
-          </a:xfrm>
-          <a:prstGeom prst="rect">
-            <a:avLst/>
-          </a:prstGeom>
-          <a:noFill/>
-          <a:ln>
-            <a:solidFill>
-              <a:schemeClr val="tx1"/>
-            </a:solidFill>
-          </a:ln>
-        </p:spPr>
-        <p:style>
-          <a:lnRef idx="2">
-            <a:schemeClr val="accent1">
-              <a:shade val="50000"/>
-            </a:schemeClr>
-          </a:lnRef>
-          <a:fillRef idx="1">
-            <a:schemeClr val="accent1"/>
-          </a:fillRef>
-          <a:effectRef idx="0">
-            <a:schemeClr val="accent1"/>
-          </a:effectRef>
-          <a:fontRef idx="minor">
-            <a:schemeClr val="lt1"/>
-          </a:fontRef>
-        </p:style>
-        <p:txBody>
-          <a:bodyPr rtlCol="0" anchor="t"/>
-          <a:lstStyle/>
-          <a:p>
-            <a:pPr marL="228600" indent="-228600"/>
-            <a:r>
-              <a:rPr lang="en-US" altLang="zh-TW" sz="1100" b="1" dirty="0" err="1" smtClean="0">
-                <a:solidFill>
-                  <a:schemeClr val="tx1"/>
-                </a:solidFill>
-                <a:latin typeface="微軟正黑體" pitchFamily="34" charset="-120"/>
-                <a:ea typeface="微軟正黑體" pitchFamily="34" charset="-120"/>
-              </a:rPr>
-              <a:t>MvcAuthorizeAttribute.cs</a:t>
-            </a:r>
-            <a:r>
-              <a:rPr lang="en-US" altLang="zh-TW" sz="1100" b="1" dirty="0" smtClean="0">
-                <a:solidFill>
-                  <a:schemeClr val="tx1"/>
-                </a:solidFill>
-                <a:latin typeface="微軟正黑體" pitchFamily="34" charset="-120"/>
-                <a:ea typeface="微軟正黑體" pitchFamily="34" charset="-120"/>
-              </a:rPr>
-              <a:t> </a:t>
-            </a:r>
-          </a:p>
-          <a:p>
-            <a:pPr marL="228600" indent="-228600"/>
-            <a:r>
-              <a:rPr lang="en-US" altLang="zh-TW" sz="1100" b="1" dirty="0" smtClean="0">
-                <a:solidFill>
-                  <a:schemeClr val="tx1"/>
-                </a:solidFill>
-                <a:latin typeface="微軟正黑體" pitchFamily="34" charset="-120"/>
-                <a:ea typeface="微軟正黑體" pitchFamily="34" charset="-120"/>
-              </a:rPr>
-              <a:t>(</a:t>
-            </a:r>
-            <a:r>
-              <a:rPr lang="zh-TW" altLang="en-US" sz="1100" b="1" dirty="0" smtClean="0">
-                <a:solidFill>
-                  <a:schemeClr val="tx1"/>
-                </a:solidFill>
-                <a:latin typeface="微軟正黑體" pitchFamily="34" charset="-120"/>
-                <a:ea typeface="微軟正黑體" pitchFamily="34" charset="-120"/>
-              </a:rPr>
-              <a:t>每個</a:t>
-            </a:r>
-            <a:r>
-              <a:rPr lang="en-US" altLang="zh-TW" sz="1100" b="1" dirty="0" smtClean="0">
-                <a:solidFill>
-                  <a:schemeClr val="tx1"/>
-                </a:solidFill>
-                <a:latin typeface="微軟正黑體" pitchFamily="34" charset="-120"/>
-                <a:ea typeface="微軟正黑體" pitchFamily="34" charset="-120"/>
-              </a:rPr>
-              <a:t>Request</a:t>
-            </a:r>
-            <a:r>
-              <a:rPr lang="zh-TW" altLang="en-US" sz="1100" b="1" dirty="0" smtClean="0">
-                <a:solidFill>
-                  <a:schemeClr val="tx1"/>
-                </a:solidFill>
-                <a:latin typeface="微軟正黑體" pitchFamily="34" charset="-120"/>
-                <a:ea typeface="微軟正黑體" pitchFamily="34" charset="-120"/>
-              </a:rPr>
-              <a:t>都匯進來做權限查詢</a:t>
-            </a:r>
-            <a:r>
-              <a:rPr lang="en-US" altLang="zh-TW" sz="1100" b="1" dirty="0" smtClean="0">
-                <a:solidFill>
-                  <a:schemeClr val="tx1"/>
-                </a:solidFill>
-                <a:latin typeface="微軟正黑體" pitchFamily="34" charset="-120"/>
-                <a:ea typeface="微軟正黑體" pitchFamily="34" charset="-120"/>
-              </a:rPr>
-              <a:t>)</a:t>
-            </a:r>
-            <a:endParaRPr lang="zh-TW" altLang="en-US" sz="1100" b="1" dirty="0">
-              <a:solidFill>
-                <a:schemeClr val="tx1"/>
-              </a:solidFill>
-              <a:latin typeface="微軟正黑體" pitchFamily="34" charset="-120"/>
-              <a:ea typeface="微軟正黑體" pitchFamily="34" charset="-120"/>
-            </a:endParaRPr>
-          </a:p>
-        </p:txBody>
-      </p:sp>
-      <p:cxnSp>
-        <p:nvCxnSpPr>
-          <p:cNvPr id="35" name="直線接點 34"/>
-          <p:cNvCxnSpPr/>
-          <p:nvPr/>
-        </p:nvCxnSpPr>
-        <p:spPr>
-          <a:xfrm flipH="1">
-            <a:off x="4860032" y="1628800"/>
-            <a:ext cx="432048" cy="0"/>
-          </a:xfrm>
-          <a:prstGeom prst="line">
-            <a:avLst/>
-          </a:prstGeom>
-          <a:ln w="19050">
-            <a:solidFill>
-              <a:schemeClr val="tx1"/>
-            </a:solidFill>
-          </a:ln>
-        </p:spPr>
-        <p:style>
-          <a:lnRef idx="1">
-            <a:schemeClr val="accent1"/>
-          </a:lnRef>
-          <a:fillRef idx="0">
-            <a:schemeClr val="accent1"/>
-          </a:fillRef>
-          <a:effectRef idx="0">
-            <a:schemeClr val="accent1"/>
-          </a:effectRef>
-          <a:fontRef idx="minor">
-            <a:schemeClr val="tx1"/>
-          </a:fontRef>
-        </p:style>
-      </p:cxnSp>
-      <p:sp>
-        <p:nvSpPr>
-          <p:cNvPr id="38" name="文字方塊 37"/>
-          <p:cNvSpPr txBox="1"/>
-          <p:nvPr/>
-        </p:nvSpPr>
-        <p:spPr>
-          <a:xfrm rot="5400000">
-            <a:off x="2133310" y="3923474"/>
-            <a:ext cx="504056" cy="523220"/>
-          </a:xfrm>
-          <a:prstGeom prst="rect">
-            <a:avLst/>
-          </a:prstGeom>
-          <a:noFill/>
-        </p:spPr>
-        <p:txBody>
-          <a:bodyPr wrap="square" rtlCol="0">
-            <a:spAutoFit/>
-          </a:bodyPr>
-          <a:lstStyle/>
-          <a:p>
-            <a:r>
-              <a:rPr lang="en-US" altLang="zh-TW" sz="2800" b="1" dirty="0" smtClean="0">
-                <a:effectLst>
-                  <a:outerShdw blurRad="38100" dist="38100" dir="2700000" algn="tl">
-                    <a:srgbClr val="000000">
-                      <a:alpha val="43137"/>
-                    </a:srgbClr>
-                  </a:outerShdw>
-                </a:effectLst>
-              </a:rPr>
-              <a:t>…</a:t>
-            </a:r>
-            <a:endParaRPr lang="zh-TW" altLang="en-US" sz="2800" b="1" dirty="0">
-              <a:effectLst>
-                <a:outerShdw blurRad="38100" dist="38100" dir="2700000" algn="tl">
-                  <a:srgbClr val="000000">
-                    <a:alpha val="43137"/>
-                  </a:srgbClr>
-                </a:outerShdw>
-              </a:effectLst>
-            </a:endParaRPr>
-          </a:p>
-        </p:txBody>
-      </p:sp>
-      <p:sp>
-        <p:nvSpPr>
-          <p:cNvPr id="21" name="AutoShape 229">
-            <a:hlinkClick r:id="rId2" action="ppaction://hlinksldjump" highlightClick="1"/>
-          </p:cNvPr>
-          <p:cNvSpPr>
-            <a:spLocks noChangeArrowheads="1"/>
-          </p:cNvSpPr>
-          <p:nvPr/>
-        </p:nvSpPr>
-        <p:spPr bwMode="auto">
-          <a:xfrm>
-            <a:off x="8172400" y="1700808"/>
-            <a:ext cx="252412" cy="252412"/>
-          </a:xfrm>
-          <a:prstGeom prst="actionButtonForwardNext">
-            <a:avLst/>
-          </a:prstGeom>
-          <a:solidFill>
-            <a:srgbClr val="339966"/>
-          </a:solidFill>
-          <a:ln w="9525">
-            <a:noFill/>
             <a:miter lim="800000"/>
             <a:headEnd/>
             <a:tailEnd/>
           </a:ln>
-        </p:spPr>
-        <p:txBody>
-          <a:bodyPr anchor="ctr">
+          <a:effectLst/>
+        </p:spPr>
+      </p:pic>
+      <p:sp>
+        <p:nvSpPr>
+          <p:cNvPr id="5" name="矩形 4"/>
+          <p:cNvSpPr/>
+          <p:nvPr/>
+        </p:nvSpPr>
+        <p:spPr>
+          <a:xfrm>
+            <a:off x="1331640" y="1412776"/>
+            <a:ext cx="3763338" cy="369332"/>
+          </a:xfrm>
+          <a:prstGeom prst="rect">
+            <a:avLst/>
+          </a:prstGeom>
+        </p:spPr>
+        <p:txBody>
+          <a:bodyPr wrap="none">
             <a:spAutoFit/>
           </a:bodyPr>
           <a:lstStyle/>
           <a:p>
-            <a:endParaRPr lang="zh-TW" altLang="en-US">
-              <a:ea typeface="文鼎黑體M"/>
-            </a:endParaRPr>
-          </a:p>
-        </p:txBody>
-      </p:sp>
-      <p:sp>
-        <p:nvSpPr>
-          <p:cNvPr id="22" name="AutoShape 229">
-            <a:hlinkClick r:id="rId3" action="ppaction://hlinksldjump" highlightClick="1"/>
-          </p:cNvPr>
-          <p:cNvSpPr>
-            <a:spLocks noChangeArrowheads="1"/>
-          </p:cNvSpPr>
-          <p:nvPr/>
-        </p:nvSpPr>
-        <p:spPr bwMode="auto">
-          <a:xfrm>
-            <a:off x="4499992" y="1196752"/>
-            <a:ext cx="252412" cy="252412"/>
-          </a:xfrm>
-          <a:prstGeom prst="actionButtonForwardNext">
-            <a:avLst/>
-          </a:prstGeom>
-          <a:solidFill>
-            <a:srgbClr val="339966"/>
-          </a:solidFill>
-          <a:ln w="9525">
-            <a:noFill/>
-            <a:miter lim="800000"/>
-            <a:headEnd/>
-            <a:tailEnd/>
-          </a:ln>
-        </p:spPr>
-        <p:txBody>
-          <a:bodyPr anchor="ctr">
-            <a:spAutoFit/>
-          </a:bodyPr>
-          <a:lstStyle/>
-          <a:p>
-            <a:endParaRPr lang="zh-TW" altLang="en-US">
-              <a:ea typeface="文鼎黑體M"/>
-            </a:endParaRPr>
-          </a:p>
-        </p:txBody>
-      </p:sp>
-      <p:sp>
-        <p:nvSpPr>
-          <p:cNvPr id="27" name="AutoShape 229">
-            <a:hlinkClick r:id="rId4" action="ppaction://hlinksldjump" highlightClick="1"/>
-          </p:cNvPr>
-          <p:cNvSpPr>
-            <a:spLocks noChangeArrowheads="1"/>
-          </p:cNvSpPr>
-          <p:nvPr/>
-        </p:nvSpPr>
-        <p:spPr bwMode="auto">
-          <a:xfrm>
-            <a:off x="5580112" y="3429000"/>
-            <a:ext cx="252412" cy="252412"/>
-          </a:xfrm>
-          <a:prstGeom prst="actionButtonForwardNext">
-            <a:avLst/>
-          </a:prstGeom>
-          <a:solidFill>
-            <a:srgbClr val="339966"/>
-          </a:solidFill>
-          <a:ln w="9525">
-            <a:noFill/>
-            <a:miter lim="800000"/>
-            <a:headEnd/>
-            <a:tailEnd/>
-          </a:ln>
-        </p:spPr>
-        <p:txBody>
-          <a:bodyPr anchor="ctr">
-            <a:spAutoFit/>
-          </a:bodyPr>
-          <a:lstStyle/>
-          <a:p>
-            <a:endParaRPr lang="zh-TW" altLang="en-US">
-              <a:ea typeface="文鼎黑體M"/>
-            </a:endParaRPr>
-          </a:p>
-        </p:txBody>
-      </p:sp>
-      <p:sp>
-        <p:nvSpPr>
-          <p:cNvPr id="28" name="AutoShape 229">
-            <a:hlinkClick r:id="rId5" action="ppaction://hlinksldjump" highlightClick="1"/>
-          </p:cNvPr>
-          <p:cNvSpPr>
-            <a:spLocks noChangeArrowheads="1"/>
-          </p:cNvSpPr>
-          <p:nvPr/>
-        </p:nvSpPr>
-        <p:spPr bwMode="auto">
-          <a:xfrm>
-            <a:off x="8532440" y="404664"/>
-            <a:ext cx="252412" cy="252412"/>
-          </a:xfrm>
-          <a:prstGeom prst="actionButtonForwardNext">
-            <a:avLst/>
-          </a:prstGeom>
-          <a:solidFill>
-            <a:srgbClr val="339966"/>
-          </a:solidFill>
-          <a:ln w="9525">
-            <a:noFill/>
-            <a:miter lim="800000"/>
-            <a:headEnd/>
-            <a:tailEnd/>
-          </a:ln>
-        </p:spPr>
-        <p:txBody>
-          <a:bodyPr anchor="ctr">
-            <a:spAutoFit/>
-          </a:bodyPr>
-          <a:lstStyle/>
-          <a:p>
-            <a:endParaRPr lang="zh-TW" altLang="en-US">
-              <a:ea typeface="文鼎黑體M"/>
-            </a:endParaRPr>
-          </a:p>
-        </p:txBody>
-      </p:sp>
-      <p:sp>
-        <p:nvSpPr>
-          <p:cNvPr id="31" name="AutoShape 229">
-            <a:hlinkClick r:id="rId6" action="ppaction://hlinksldjump" highlightClick="1"/>
-          </p:cNvPr>
-          <p:cNvSpPr>
-            <a:spLocks noChangeArrowheads="1"/>
-          </p:cNvSpPr>
-          <p:nvPr/>
-        </p:nvSpPr>
-        <p:spPr bwMode="auto">
-          <a:xfrm>
-            <a:off x="8891588" y="404664"/>
-            <a:ext cx="252412" cy="252412"/>
-          </a:xfrm>
-          <a:prstGeom prst="actionButtonForwardNext">
-            <a:avLst/>
-          </a:prstGeom>
-          <a:solidFill>
-            <a:srgbClr val="339966"/>
-          </a:solidFill>
-          <a:ln w="9525">
-            <a:noFill/>
-            <a:miter lim="800000"/>
-            <a:headEnd/>
-            <a:tailEnd/>
-          </a:ln>
-        </p:spPr>
-        <p:txBody>
-          <a:bodyPr anchor="ctr">
-            <a:spAutoFit/>
-          </a:bodyPr>
-          <a:lstStyle/>
-          <a:p>
-            <a:endParaRPr lang="zh-TW" altLang="en-US">
-              <a:ea typeface="文鼎黑體M"/>
-            </a:endParaRPr>
-          </a:p>
-        </p:txBody>
-      </p:sp>
-      <p:sp>
-        <p:nvSpPr>
-          <p:cNvPr id="36" name="文字方塊 35"/>
-          <p:cNvSpPr txBox="1"/>
-          <p:nvPr/>
-        </p:nvSpPr>
-        <p:spPr>
-          <a:xfrm>
-            <a:off x="8423260" y="188640"/>
-            <a:ext cx="466794" cy="261610"/>
-          </a:xfrm>
-          <a:prstGeom prst="rect">
-            <a:avLst/>
-          </a:prstGeom>
-          <a:noFill/>
-        </p:spPr>
-        <p:txBody>
-          <a:bodyPr wrap="none" rtlCol="0">
-            <a:spAutoFit/>
-          </a:bodyPr>
-          <a:lstStyle/>
-          <a:p>
-            <a:r>
-              <a:rPr lang="zh-TW" altLang="en-US" sz="1050" dirty="0" smtClean="0"/>
-              <a:t>功能</a:t>
-            </a:r>
-            <a:endParaRPr lang="zh-TW" altLang="en-US" sz="1050" dirty="0"/>
-          </a:p>
-        </p:txBody>
-      </p:sp>
-      <p:sp>
-        <p:nvSpPr>
-          <p:cNvPr id="37" name="文字方塊 36"/>
-          <p:cNvSpPr txBox="1"/>
-          <p:nvPr/>
-        </p:nvSpPr>
-        <p:spPr>
-          <a:xfrm>
-            <a:off x="8820472" y="188640"/>
-            <a:ext cx="453970" cy="253916"/>
-          </a:xfrm>
-          <a:prstGeom prst="rect">
-            <a:avLst/>
-          </a:prstGeom>
-          <a:noFill/>
-        </p:spPr>
-        <p:txBody>
-          <a:bodyPr wrap="none" rtlCol="0">
-            <a:spAutoFit/>
-          </a:bodyPr>
-          <a:lstStyle/>
-          <a:p>
-            <a:r>
-              <a:rPr lang="zh-TW" altLang="en-US" sz="1050" dirty="0" smtClean="0"/>
-              <a:t>註冊</a:t>
-            </a:r>
-            <a:endParaRPr lang="zh-TW" altLang="en-US" sz="1050" dirty="0"/>
-          </a:p>
-        </p:txBody>
-      </p:sp>
-      <p:cxnSp>
-        <p:nvCxnSpPr>
-          <p:cNvPr id="40" name="直線接點 39"/>
-          <p:cNvCxnSpPr/>
-          <p:nvPr/>
-        </p:nvCxnSpPr>
-        <p:spPr>
-          <a:xfrm>
-            <a:off x="0" y="0"/>
-            <a:ext cx="9144000" cy="6858000"/>
-          </a:xfrm>
-          <a:prstGeom prst="line">
-            <a:avLst/>
-          </a:prstGeom>
-          <a:ln w="38100"/>
-        </p:spPr>
-        <p:style>
-          <a:lnRef idx="1">
-            <a:schemeClr val="accent1"/>
-          </a:lnRef>
-          <a:fillRef idx="0">
-            <a:schemeClr val="accent1"/>
-          </a:fillRef>
-          <a:effectRef idx="0">
-            <a:schemeClr val="accent1"/>
-          </a:effectRef>
-          <a:fontRef idx="minor">
-            <a:schemeClr val="tx1"/>
-          </a:fontRef>
-        </p:style>
-      </p:cxnSp>
+            <a:r>
+              <a:rPr lang="en-US" altLang="zh-TW" dirty="0" smtClean="0"/>
+              <a:t>http://localhost:53832/Manage/Index</a:t>
+            </a:r>
+            <a:endParaRPr lang="zh-TW" altLang="en-US" dirty="0"/>
+          </a:p>
+        </p:txBody>
+      </p:sp>
     </p:spTree>
   </p:cSld>
   <p:clrMapOvr>
